--- a/Intro2ResSim/WaterOil2PhaseFlow.pptx
+++ b/Intro2ResSim/WaterOil2PhaseFlow.pptx
@@ -159,7 +159,7 @@
 <file path=ppt/revisionInfo.xml><?xml version="1.0" encoding="utf-8"?>
 <p1510:revInfo xmlns:a="http://schemas.openxmlformats.org/drawingml/2006/main" xmlns:r="http://schemas.openxmlformats.org/officeDocument/2006/relationships" xmlns:p1510="http://schemas.microsoft.com/office/powerpoint/2015/10/main">
   <p1510:revLst>
-    <p1510:client id="{A80CA7C7-D351-44F3-83D3-E57C27514004}" v="4" dt="2022-11-02T11:45:29.167"/>
+    <p1510:client id="{A80CA7C7-D351-44F3-83D3-E57C27514004}" v="10" dt="2022-11-02T12:03:45.728"/>
   </p1510:revLst>
 </p1510:revInfo>
 </file>
@@ -168,8 +168,8 @@
 <pc:chgInfo xmlns:a="http://schemas.openxmlformats.org/drawingml/2006/main" xmlns:r="http://schemas.openxmlformats.org/officeDocument/2006/relationships" xmlns:ac="http://schemas.microsoft.com/office/drawing/2013/main/command" xmlns:pc="http://schemas.microsoft.com/office/powerpoint/2013/main/command">
   <pc:docChgLst>
     <pc:chgData name="hirose taichi" userId="ed2dc4b0-8795-4813-ada8-f41a239e7d7d" providerId="ADAL" clId="{A80CA7C7-D351-44F3-83D3-E57C27514004}"/>
-    <pc:docChg chg="undo custSel addSld delSld modSld modSection">
-      <pc:chgData name="hirose taichi" userId="ed2dc4b0-8795-4813-ada8-f41a239e7d7d" providerId="ADAL" clId="{A80CA7C7-D351-44F3-83D3-E57C27514004}" dt="2022-11-02T11:45:43.281" v="838" actId="207"/>
+    <pc:docChg chg="undo redo custSel addSld delSld modSld modSection">
+      <pc:chgData name="hirose taichi" userId="ed2dc4b0-8795-4813-ada8-f41a239e7d7d" providerId="ADAL" clId="{A80CA7C7-D351-44F3-83D3-E57C27514004}" dt="2022-11-02T12:04:16.023" v="934" actId="20577"/>
       <pc:docMkLst>
         <pc:docMk/>
       </pc:docMkLst>
@@ -188,6 +188,21 @@
           </ac:spMkLst>
         </pc:spChg>
       </pc:sldChg>
+      <pc:sldChg chg="modSp mod">
+        <pc:chgData name="hirose taichi" userId="ed2dc4b0-8795-4813-ada8-f41a239e7d7d" providerId="ADAL" clId="{A80CA7C7-D351-44F3-83D3-E57C27514004}" dt="2022-11-02T12:03:45.728" v="913" actId="20577"/>
+        <pc:sldMkLst>
+          <pc:docMk/>
+          <pc:sldMk cId="1300278304" sldId="411"/>
+        </pc:sldMkLst>
+        <pc:spChg chg="mod">
+          <ac:chgData name="hirose taichi" userId="ed2dc4b0-8795-4813-ada8-f41a239e7d7d" providerId="ADAL" clId="{A80CA7C7-D351-44F3-83D3-E57C27514004}" dt="2022-11-02T12:03:45.728" v="913" actId="20577"/>
+          <ac:spMkLst>
+            <pc:docMk/>
+            <pc:sldMk cId="1300278304" sldId="411"/>
+            <ac:spMk id="2" creationId="{28183F7D-BF66-4F5A-A51C-F4F5EA15673B}"/>
+          </ac:spMkLst>
+        </pc:spChg>
+      </pc:sldChg>
       <pc:sldChg chg="del">
         <pc:chgData name="hirose taichi" userId="ed2dc4b0-8795-4813-ada8-f41a239e7d7d" providerId="ADAL" clId="{A80CA7C7-D351-44F3-83D3-E57C27514004}" dt="2022-11-02T11:31:59.544" v="131" actId="47"/>
         <pc:sldMkLst>
@@ -196,13 +211,13 @@
         </pc:sldMkLst>
       </pc:sldChg>
       <pc:sldChg chg="modSp mod">
-        <pc:chgData name="hirose taichi" userId="ed2dc4b0-8795-4813-ada8-f41a239e7d7d" providerId="ADAL" clId="{A80CA7C7-D351-44F3-83D3-E57C27514004}" dt="2022-11-02T11:38:17.552" v="833" actId="20577"/>
+        <pc:chgData name="hirose taichi" userId="ed2dc4b0-8795-4813-ada8-f41a239e7d7d" providerId="ADAL" clId="{A80CA7C7-D351-44F3-83D3-E57C27514004}" dt="2022-11-02T12:04:16.023" v="934" actId="20577"/>
         <pc:sldMkLst>
           <pc:docMk/>
           <pc:sldMk cId="4209606308" sldId="426"/>
         </pc:sldMkLst>
         <pc:spChg chg="mod">
-          <ac:chgData name="hirose taichi" userId="ed2dc4b0-8795-4813-ada8-f41a239e7d7d" providerId="ADAL" clId="{A80CA7C7-D351-44F3-83D3-E57C27514004}" dt="2022-11-02T11:38:17.552" v="833" actId="20577"/>
+          <ac:chgData name="hirose taichi" userId="ed2dc4b0-8795-4813-ada8-f41a239e7d7d" providerId="ADAL" clId="{A80CA7C7-D351-44F3-83D3-E57C27514004}" dt="2022-11-02T12:04:16.023" v="934" actId="20577"/>
           <ac:spMkLst>
             <pc:docMk/>
             <pc:sldMk cId="4209606308" sldId="426"/>
@@ -323,13 +338,13 @@
         </pc:cxnChg>
       </pc:sldChg>
       <pc:sldChg chg="modSp add mod">
-        <pc:chgData name="hirose taichi" userId="ed2dc4b0-8795-4813-ada8-f41a239e7d7d" providerId="ADAL" clId="{A80CA7C7-D351-44F3-83D3-E57C27514004}" dt="2022-11-02T11:45:43.281" v="838" actId="207"/>
+        <pc:chgData name="hirose taichi" userId="ed2dc4b0-8795-4813-ada8-f41a239e7d7d" providerId="ADAL" clId="{A80CA7C7-D351-44F3-83D3-E57C27514004}" dt="2022-11-02T12:03:11.447" v="906" actId="20577"/>
         <pc:sldMkLst>
           <pc:docMk/>
           <pc:sldMk cId="3145032794" sldId="435"/>
         </pc:sldMkLst>
         <pc:spChg chg="mod">
-          <ac:chgData name="hirose taichi" userId="ed2dc4b0-8795-4813-ada8-f41a239e7d7d" providerId="ADAL" clId="{A80CA7C7-D351-44F3-83D3-E57C27514004}" dt="2022-11-02T11:45:43.281" v="838" actId="207"/>
+          <ac:chgData name="hirose taichi" userId="ed2dc4b0-8795-4813-ada8-f41a239e7d7d" providerId="ADAL" clId="{A80CA7C7-D351-44F3-83D3-E57C27514004}" dt="2022-11-02T12:03:11.447" v="906" actId="20577"/>
           <ac:spMkLst>
             <pc:docMk/>
             <pc:sldMk cId="3145032794" sldId="435"/>
@@ -10651,6 +10666,17 @@
               </a:lnSpc>
             </a:pPr>
             <a:r>
+              <a:rPr kumimoji="1" lang="ja-JP" altLang="en-US">
+                <a:solidFill>
+                  <a:schemeClr val="tx1">
+                    <a:lumMod val="75000"/>
+                    <a:lumOff val="25000"/>
+                  </a:schemeClr>
+                </a:solidFill>
+              </a:rPr>
+              <a:t>線形項</a:t>
+            </a:r>
+            <a:r>
               <a:rPr kumimoji="1" lang="ja-JP" altLang="en-US" dirty="0">
                 <a:solidFill>
                   <a:schemeClr val="tx1">
@@ -10659,7 +10685,33 @@
                   </a:schemeClr>
                 </a:solidFill>
               </a:rPr>
-              <a:t>線形項を陰解法，非線形項を陽解法で離散化</a:t>
+              <a:t>を陰解法，非線形項を陽解法で離散化</a:t>
+            </a:r>
+            <a:endParaRPr kumimoji="1" lang="en-US" altLang="ja-JP" dirty="0">
+              <a:solidFill>
+                <a:schemeClr val="tx1">
+                  <a:lumMod val="75000"/>
+                  <a:lumOff val="25000"/>
+                </a:schemeClr>
+              </a:solidFill>
+            </a:endParaRPr>
+          </a:p>
+          <a:p>
+            <a:pPr lvl="1">
+              <a:lnSpc>
+                <a:spcPct val="150000"/>
+              </a:lnSpc>
+            </a:pPr>
+            <a:r>
+              <a:rPr kumimoji="1" lang="ja-JP" altLang="en-US" dirty="0">
+                <a:solidFill>
+                  <a:schemeClr val="tx1">
+                    <a:lumMod val="75000"/>
+                    <a:lumOff val="25000"/>
+                  </a:schemeClr>
+                </a:solidFill>
+              </a:rPr>
+              <a:t>実装（プログラミング）が容易</a:t>
             </a:r>
             <a:endParaRPr kumimoji="1" lang="en-US" altLang="ja-JP" dirty="0">
               <a:solidFill>
@@ -11152,6 +11204,26 @@
                 </a:solidFill>
               </a:rPr>
               <a:t>線形項を陰解法，非線形項を陽解法で離散化</a:t>
+            </a:r>
+            <a:endParaRPr kumimoji="1" lang="en-US" altLang="ja-JP" dirty="0">
+              <a:solidFill>
+                <a:srgbClr val="FF0000"/>
+              </a:solidFill>
+            </a:endParaRPr>
+          </a:p>
+          <a:p>
+            <a:pPr lvl="1">
+              <a:lnSpc>
+                <a:spcPct val="150000"/>
+              </a:lnSpc>
+            </a:pPr>
+            <a:r>
+              <a:rPr kumimoji="1" lang="ja-JP" altLang="en-US" dirty="0">
+                <a:solidFill>
+                  <a:srgbClr val="FF0000"/>
+                </a:solidFill>
+              </a:rPr>
+              <a:t>実装（プログラミング）が容易</a:t>
             </a:r>
             <a:endParaRPr kumimoji="1" lang="en-US" altLang="ja-JP" dirty="0">
               <a:solidFill>
@@ -13960,8 +14032,8 @@
           <a:chExt cx="0" cy="0"/>
         </a:xfrm>
       </p:grpSpPr>
-      <mc:AlternateContent xmlns:mc="http://schemas.openxmlformats.org/markup-compatibility/2006" xmlns:a14="http://schemas.microsoft.com/office/drawing/2010/main">
-        <mc:Choice Requires="a14">
+      <mc:AlternateContent xmlns:mc="http://schemas.openxmlformats.org/markup-compatibility/2006">
+        <mc:Choice xmlns:a14="http://schemas.microsoft.com/office/drawing/2010/main" Requires="a14">
           <p:sp>
             <p:nvSpPr>
               <p:cNvPr id="2" name="コンテンツ プレースホルダー 1">
@@ -14091,54 +14163,31 @@
                             </a:rPr>
                             <m:t>𝜙</m:t>
                           </m:r>
-                          <m:d>
-                            <m:dPr>
+                          <m:sSub>
+                            <m:sSubPr>
                               <m:ctrlPr>
                                 <a:rPr lang="en-US" altLang="ja-JP" sz="2800" i="1">
                                   <a:latin typeface="Cambria Math" panose="02040503050406030204" pitchFamily="18" charset="0"/>
                                 </a:rPr>
                               </m:ctrlPr>
-                            </m:dPr>
+                            </m:sSubPr>
                             <m:e>
                               <m:r>
                                 <a:rPr lang="en-US" altLang="ja-JP" sz="2800" i="1">
                                   <a:latin typeface="Cambria Math" panose="02040503050406030204" pitchFamily="18" charset="0"/>
                                 </a:rPr>
-                                <m:t>1</m:t>
+                                <m:t>𝑆</m:t>
                               </m:r>
-                              <m:sSub>
-                                <m:sSubPr>
-                                  <m:ctrlPr>
-                                    <a:rPr lang="en-US" altLang="ja-JP" sz="2800" i="1">
-                                      <a:latin typeface="Cambria Math" panose="02040503050406030204" pitchFamily="18" charset="0"/>
-                                    </a:rPr>
-                                  </m:ctrlPr>
-                                </m:sSubPr>
-                                <m:e>
-                                  <m:r>
-                                    <a:rPr lang="en-US" altLang="ja-JP" sz="2800" i="1">
-                                      <a:latin typeface="Cambria Math" panose="02040503050406030204" pitchFamily="18" charset="0"/>
-                                    </a:rPr>
-                                    <m:t>−</m:t>
-                                  </m:r>
-                                  <m:r>
-                                    <a:rPr lang="en-US" altLang="ja-JP" sz="2800" i="1">
-                                      <a:latin typeface="Cambria Math" panose="02040503050406030204" pitchFamily="18" charset="0"/>
-                                    </a:rPr>
-                                    <m:t>𝑆</m:t>
-                                  </m:r>
-                                </m:e>
-                                <m:sub>
-                                  <m:r>
-                                    <a:rPr lang="en-US" altLang="ja-JP" sz="2800" i="1">
-                                      <a:latin typeface="Cambria Math" panose="02040503050406030204" pitchFamily="18" charset="0"/>
-                                    </a:rPr>
-                                    <m:t>𝑤</m:t>
-                                  </m:r>
-                                </m:sub>
-                              </m:sSub>
                             </m:e>
-                          </m:d>
+                            <m:sub>
+                              <m:r>
+                                <a:rPr lang="en-US" altLang="ja-JP" sz="2800" b="0" i="1" smtClean="0">
+                                  <a:latin typeface="Cambria Math" panose="02040503050406030204" pitchFamily="18" charset="0"/>
+                                </a:rPr>
+                                <m:t>𝑜</m:t>
+                              </m:r>
+                            </m:sub>
+                          </m:sSub>
                         </m:e>
                       </m:d>
                       <m:r>
@@ -14666,7 +14715,7 @@
             </p:txBody>
           </p:sp>
         </mc:Choice>
-        <mc:Fallback xmlns="">
+        <mc:Fallback>
           <p:sp>
             <p:nvSpPr>
               <p:cNvPr id="2" name="コンテンツ プレースホルダー 1">

--- a/Intro2ResSim/WaterOil2PhaseFlow.pptx
+++ b/Intro2ResSim/WaterOil2PhaseFlow.pptx
@@ -357,7 +357,7 @@
   <pc:docChgLst>
     <pc:chgData name="hirose taichi" userId="ed2dc4b0-8795-4813-ada8-f41a239e7d7d" providerId="ADAL" clId="{856BF87E-E0E8-4254-81CC-BD4D380BEFD0}"/>
     <pc:docChg chg="undo redo custSel addSld delSld modSld sldOrd modMainMaster delSection modSection">
-      <pc:chgData name="hirose taichi" userId="ed2dc4b0-8795-4813-ada8-f41a239e7d7d" providerId="ADAL" clId="{856BF87E-E0E8-4254-81CC-BD4D380BEFD0}" dt="2022-11-01T15:57:29.030" v="5485" actId="478"/>
+      <pc:chgData name="hirose taichi" userId="ed2dc4b0-8795-4813-ada8-f41a239e7d7d" providerId="ADAL" clId="{856BF87E-E0E8-4254-81CC-BD4D380BEFD0}" dt="2022-11-02T15:22:05.633" v="5691" actId="20577"/>
       <pc:docMkLst>
         <pc:docMk/>
       </pc:docMkLst>
@@ -2341,12 +2341,20 @@
           </ac:spMkLst>
         </pc:spChg>
       </pc:sldChg>
-      <pc:sldChg chg="add">
-        <pc:chgData name="hirose taichi" userId="ed2dc4b0-8795-4813-ada8-f41a239e7d7d" providerId="ADAL" clId="{856BF87E-E0E8-4254-81CC-BD4D380BEFD0}" dt="2022-10-31T16:37:36.040" v="5234"/>
+      <pc:sldChg chg="modSp add mod">
+        <pc:chgData name="hirose taichi" userId="ed2dc4b0-8795-4813-ada8-f41a239e7d7d" providerId="ADAL" clId="{856BF87E-E0E8-4254-81CC-BD4D380BEFD0}" dt="2022-11-02T15:21:21.335" v="5686" actId="20577"/>
         <pc:sldMkLst>
           <pc:docMk/>
           <pc:sldMk cId="4209606308" sldId="426"/>
         </pc:sldMkLst>
+        <pc:spChg chg="mod">
+          <ac:chgData name="hirose taichi" userId="ed2dc4b0-8795-4813-ada8-f41a239e7d7d" providerId="ADAL" clId="{856BF87E-E0E8-4254-81CC-BD4D380BEFD0}" dt="2022-11-02T15:21:21.335" v="5686" actId="20577"/>
+          <ac:spMkLst>
+            <pc:docMk/>
+            <pc:sldMk cId="4209606308" sldId="426"/>
+            <ac:spMk id="2" creationId="{638A530A-2BB6-46FE-B08A-8F41692B083E}"/>
+          </ac:spMkLst>
+        </pc:spChg>
       </pc:sldChg>
       <pc:sldChg chg="add">
         <pc:chgData name="hirose taichi" userId="ed2dc4b0-8795-4813-ada8-f41a239e7d7d" providerId="ADAL" clId="{856BF87E-E0E8-4254-81CC-BD4D380BEFD0}" dt="2022-10-31T16:37:36.307" v="5235"/>
@@ -2411,6 +2419,53 @@
           <pc:sldMk cId="3385948522" sldId="433"/>
         </pc:sldMkLst>
       </pc:sldChg>
+      <pc:sldChg chg="modSp mod">
+        <pc:chgData name="hirose taichi" userId="ed2dc4b0-8795-4813-ada8-f41a239e7d7d" providerId="ADAL" clId="{856BF87E-E0E8-4254-81CC-BD4D380BEFD0}" dt="2022-11-02T15:19:35.936" v="5523" actId="1076"/>
+        <pc:sldMkLst>
+          <pc:docMk/>
+          <pc:sldMk cId="1681394602" sldId="434"/>
+        </pc:sldMkLst>
+        <pc:spChg chg="mod">
+          <ac:chgData name="hirose taichi" userId="ed2dc4b0-8795-4813-ada8-f41a239e7d7d" providerId="ADAL" clId="{856BF87E-E0E8-4254-81CC-BD4D380BEFD0}" dt="2022-11-02T15:19:01.379" v="5519" actId="207"/>
+          <ac:spMkLst>
+            <pc:docMk/>
+            <pc:sldMk cId="1681394602" sldId="434"/>
+            <ac:spMk id="2" creationId="{C2F241EE-E4BF-4D97-BA09-BDBD347F020B}"/>
+          </ac:spMkLst>
+        </pc:spChg>
+        <pc:spChg chg="mod">
+          <ac:chgData name="hirose taichi" userId="ed2dc4b0-8795-4813-ada8-f41a239e7d7d" providerId="ADAL" clId="{856BF87E-E0E8-4254-81CC-BD4D380BEFD0}" dt="2022-11-02T15:19:23.119" v="5520" actId="14100"/>
+          <ac:spMkLst>
+            <pc:docMk/>
+            <pc:sldMk cId="1681394602" sldId="434"/>
+            <ac:spMk id="4" creationId="{74C0C7D9-1852-4E05-BB2F-E7A52F6706E4}"/>
+          </ac:spMkLst>
+        </pc:spChg>
+        <pc:spChg chg="mod">
+          <ac:chgData name="hirose taichi" userId="ed2dc4b0-8795-4813-ada8-f41a239e7d7d" providerId="ADAL" clId="{856BF87E-E0E8-4254-81CC-BD4D380BEFD0}" dt="2022-11-02T15:19:35.936" v="5523" actId="1076"/>
+          <ac:spMkLst>
+            <pc:docMk/>
+            <pc:sldMk cId="1681394602" sldId="434"/>
+            <ac:spMk id="6" creationId="{EFE5BD9D-492A-487D-925B-D20DC8339091}"/>
+          </ac:spMkLst>
+        </pc:spChg>
+        <pc:spChg chg="mod">
+          <ac:chgData name="hirose taichi" userId="ed2dc4b0-8795-4813-ada8-f41a239e7d7d" providerId="ADAL" clId="{856BF87E-E0E8-4254-81CC-BD4D380BEFD0}" dt="2022-11-02T15:19:27.757" v="5521" actId="14100"/>
+          <ac:spMkLst>
+            <pc:docMk/>
+            <pc:sldMk cId="1681394602" sldId="434"/>
+            <ac:spMk id="9" creationId="{56BA886D-BEE0-40EA-AB0D-465BA8A58E22}"/>
+          </ac:spMkLst>
+        </pc:spChg>
+        <pc:spChg chg="mod">
+          <ac:chgData name="hirose taichi" userId="ed2dc4b0-8795-4813-ada8-f41a239e7d7d" providerId="ADAL" clId="{856BF87E-E0E8-4254-81CC-BD4D380BEFD0}" dt="2022-11-02T15:19:33.467" v="5522" actId="1076"/>
+          <ac:spMkLst>
+            <pc:docMk/>
+            <pc:sldMk cId="1681394602" sldId="434"/>
+            <ac:spMk id="10" creationId="{DA9F423A-E5D8-46C2-B868-FEB80513654D}"/>
+          </ac:spMkLst>
+        </pc:spChg>
+      </pc:sldChg>
       <pc:sldChg chg="del">
         <pc:chgData name="hirose taichi" userId="ed2dc4b0-8795-4813-ada8-f41a239e7d7d" providerId="ADAL" clId="{856BF87E-E0E8-4254-81CC-BD4D380BEFD0}" dt="2022-10-28T15:59:17.518" v="0" actId="2696"/>
         <pc:sldMkLst>
@@ -2424,6 +2479,21 @@
           <pc:docMk/>
           <pc:sldMk cId="450140619" sldId="435"/>
         </pc:sldMkLst>
+      </pc:sldChg>
+      <pc:sldChg chg="modSp mod">
+        <pc:chgData name="hirose taichi" userId="ed2dc4b0-8795-4813-ada8-f41a239e7d7d" providerId="ADAL" clId="{856BF87E-E0E8-4254-81CC-BD4D380BEFD0}" dt="2022-11-02T15:22:05.633" v="5691" actId="20577"/>
+        <pc:sldMkLst>
+          <pc:docMk/>
+          <pc:sldMk cId="3145032794" sldId="435"/>
+        </pc:sldMkLst>
+        <pc:spChg chg="mod">
+          <ac:chgData name="hirose taichi" userId="ed2dc4b0-8795-4813-ada8-f41a239e7d7d" providerId="ADAL" clId="{856BF87E-E0E8-4254-81CC-BD4D380BEFD0}" dt="2022-11-02T15:22:05.633" v="5691" actId="20577"/>
+          <ac:spMkLst>
+            <pc:docMk/>
+            <pc:sldMk cId="3145032794" sldId="435"/>
+            <ac:spMk id="2" creationId="{638A530A-2BB6-46FE-B08A-8F41692B083E}"/>
+          </ac:spMkLst>
+        </pc:spChg>
       </pc:sldChg>
       <pc:sldChg chg="del">
         <pc:chgData name="hirose taichi" userId="ed2dc4b0-8795-4813-ada8-f41a239e7d7d" providerId="ADAL" clId="{856BF87E-E0E8-4254-81CC-BD4D380BEFD0}" dt="2022-10-28T15:59:17.518" v="0" actId="2696"/>
@@ -2863,7 +2933,7 @@
           <a:p>
             <a:fld id="{5186C602-ADD5-904C-8024-0435CAED47E2}" type="datetimeFigureOut">
               <a:rPr kumimoji="1" lang="ja-JP" altLang="en-US" smtClean="0"/>
-              <a:t>2022/11/2</a:t>
+              <a:t>2022/11/3</a:t>
             </a:fld>
             <a:endParaRPr kumimoji="1" lang="ja-JP" altLang="en-US"/>
           </a:p>
@@ -9246,12 +9316,16 @@
           <a:lstStyle/>
           <a:p>
             <a:r>
+              <a:rPr kumimoji="1" lang="ja-JP" altLang="en-US" dirty="0"/>
+              <a:t>沸点圧力以下になると油からガスが発生 →</a:t>
+            </a:r>
+            <a:r>
               <a:rPr kumimoji="1" lang="ja-JP" altLang="en-US" dirty="0">
                 <a:solidFill>
                   <a:srgbClr val="FF0000"/>
                 </a:solidFill>
               </a:rPr>
-              <a:t>沸点圧力以下になると油からガスが発生</a:t>
+              <a:t> 今回は無視</a:t>
             </a:r>
           </a:p>
         </p:txBody>
@@ -9312,7 +9386,7 @@
         <p:spPr>
           <a:xfrm>
             <a:off x="2179875" y="2013938"/>
-            <a:ext cx="1952427" cy="3626723"/>
+            <a:ext cx="1972815" cy="3626723"/>
           </a:xfrm>
           <a:prstGeom prst="rect">
             <a:avLst/>
@@ -9372,7 +9446,7 @@
         </p:nvSpPr>
         <p:spPr>
           <a:xfrm>
-            <a:off x="2629732" y="2773935"/>
+            <a:off x="2639926" y="2771833"/>
             <a:ext cx="1052712" cy="457201"/>
           </a:xfrm>
           <a:prstGeom prst="rect">
@@ -9448,7 +9522,7 @@
         <p:spPr>
           <a:xfrm>
             <a:off x="6846828" y="2013937"/>
-            <a:ext cx="1952427" cy="3626723"/>
+            <a:ext cx="1972815" cy="3626723"/>
           </a:xfrm>
           <a:prstGeom prst="rect">
             <a:avLst/>
@@ -9508,7 +9582,7 @@
         </p:nvSpPr>
         <p:spPr>
           <a:xfrm>
-            <a:off x="7296685" y="2773935"/>
+            <a:off x="7306879" y="2771833"/>
             <a:ext cx="1052712" cy="457201"/>
           </a:xfrm>
           <a:prstGeom prst="rect">
@@ -10666,17 +10740,6 @@
               </a:lnSpc>
             </a:pPr>
             <a:r>
-              <a:rPr kumimoji="1" lang="ja-JP" altLang="en-US">
-                <a:solidFill>
-                  <a:schemeClr val="tx1">
-                    <a:lumMod val="75000"/>
-                    <a:lumOff val="25000"/>
-                  </a:schemeClr>
-                </a:solidFill>
-              </a:rPr>
-              <a:t>線形項</a:t>
-            </a:r>
-            <a:r>
               <a:rPr kumimoji="1" lang="ja-JP" altLang="en-US" dirty="0">
                 <a:solidFill>
                   <a:schemeClr val="tx1">
@@ -10685,7 +10748,7 @@
                   </a:schemeClr>
                 </a:solidFill>
               </a:rPr>
-              <a:t>を陰解法，非線形項を陽解法で離散化</a:t>
+              <a:t>線形項を陰解法，非線形項を陽解法で離散化</a:t>
             </a:r>
             <a:endParaRPr kumimoji="1" lang="en-US" altLang="ja-JP" dirty="0">
               <a:solidFill>
@@ -10906,6 +10969,21 @@
             <a:r>
               <a:rPr kumimoji="1" lang="ja-JP" altLang="en-US" dirty="0"/>
               <a:t>完全陽解法は商用シミュレータでは殆ど用いられない。</a:t>
+            </a:r>
+            <a:endParaRPr kumimoji="1" lang="en-US" altLang="ja-JP" dirty="0"/>
+          </a:p>
+          <a:p>
+            <a:pPr lvl="1"/>
+            <a:r>
+              <a:rPr lang="ja-JP" altLang="en-US" dirty="0">
+                <a:solidFill>
+                  <a:schemeClr val="tx1">
+                    <a:lumMod val="75000"/>
+                    <a:lumOff val="25000"/>
+                  </a:schemeClr>
+                </a:solidFill>
+              </a:rPr>
+              <a:t>研究用コードなら陽解法も◎</a:t>
             </a:r>
             <a:endParaRPr kumimoji="1" lang="ja-JP" altLang="en-US" dirty="0">
               <a:solidFill>
@@ -11368,7 +11446,22 @@
               <a:rPr kumimoji="1" lang="ja-JP" altLang="en-US" dirty="0"/>
               <a:t>完全陽解法は商用シミュレータでは殆ど用いられない。</a:t>
             </a:r>
-            <a:endParaRPr kumimoji="1" lang="ja-JP" altLang="en-US" dirty="0">
+            <a:endParaRPr kumimoji="1" lang="en-US" altLang="ja-JP" dirty="0"/>
+          </a:p>
+          <a:p>
+            <a:pPr lvl="1"/>
+            <a:r>
+              <a:rPr lang="ja-JP" altLang="en-US">
+                <a:solidFill>
+                  <a:schemeClr val="tx1">
+                    <a:lumMod val="75000"/>
+                    <a:lumOff val="25000"/>
+                  </a:schemeClr>
+                </a:solidFill>
+              </a:rPr>
+              <a:t>研究用コードなら陽解法も◎</a:t>
+            </a:r>
+            <a:endParaRPr kumimoji="1" lang="ja-JP" altLang="en-US">
               <a:solidFill>
                 <a:schemeClr val="tx1">
                   <a:lumMod val="75000"/>
@@ -14032,8 +14125,8 @@
           <a:chExt cx="0" cy="0"/>
         </a:xfrm>
       </p:grpSpPr>
-      <mc:AlternateContent xmlns:mc="http://schemas.openxmlformats.org/markup-compatibility/2006">
-        <mc:Choice xmlns:a14="http://schemas.microsoft.com/office/drawing/2010/main" Requires="a14">
+      <mc:AlternateContent xmlns:mc="http://schemas.openxmlformats.org/markup-compatibility/2006" xmlns:a14="http://schemas.microsoft.com/office/drawing/2010/main">
+        <mc:Choice Requires="a14">
           <p:sp>
             <p:nvSpPr>
               <p:cNvPr id="2" name="コンテンツ プレースホルダー 1">
@@ -14715,7 +14808,7 @@
             </p:txBody>
           </p:sp>
         </mc:Choice>
-        <mc:Fallback>
+        <mc:Fallback xmlns="">
           <p:sp>
             <p:nvSpPr>
               <p:cNvPr id="2" name="コンテンツ プレースホルダー 1">

--- a/Intro2ResSim/WaterOil2PhaseFlow.pptx
+++ b/Intro2ResSim/WaterOil2PhaseFlow.pptx
@@ -5,7 +5,7 @@
     <p:sldMasterId id="2147483670" r:id="rId1"/>
   </p:sldMasterIdLst>
   <p:notesMasterIdLst>
-    <p:notesMasterId r:id="rId19"/>
+    <p:notesMasterId r:id="rId20"/>
   </p:notesMasterIdLst>
   <p:sldIdLst>
     <p:sldId id="391" r:id="rId2"/>
@@ -13,18 +13,19 @@
     <p:sldId id="422" r:id="rId4"/>
     <p:sldId id="409" r:id="rId5"/>
     <p:sldId id="411" r:id="rId6"/>
-    <p:sldId id="413" r:id="rId7"/>
-    <p:sldId id="415" r:id="rId8"/>
-    <p:sldId id="416" r:id="rId9"/>
-    <p:sldId id="418" r:id="rId10"/>
-    <p:sldId id="412" r:id="rId11"/>
-    <p:sldId id="419" r:id="rId12"/>
-    <p:sldId id="423" r:id="rId13"/>
-    <p:sldId id="421" r:id="rId14"/>
-    <p:sldId id="434" r:id="rId15"/>
-    <p:sldId id="424" r:id="rId16"/>
-    <p:sldId id="426" r:id="rId17"/>
-    <p:sldId id="435" r:id="rId18"/>
+    <p:sldId id="436" r:id="rId7"/>
+    <p:sldId id="413" r:id="rId8"/>
+    <p:sldId id="415" r:id="rId9"/>
+    <p:sldId id="416" r:id="rId10"/>
+    <p:sldId id="418" r:id="rId11"/>
+    <p:sldId id="412" r:id="rId12"/>
+    <p:sldId id="419" r:id="rId13"/>
+    <p:sldId id="423" r:id="rId14"/>
+    <p:sldId id="421" r:id="rId15"/>
+    <p:sldId id="434" r:id="rId16"/>
+    <p:sldId id="424" r:id="rId17"/>
+    <p:sldId id="426" r:id="rId18"/>
+    <p:sldId id="435" r:id="rId19"/>
   </p:sldIdLst>
   <p:sldSz cx="12192000" cy="6858000"/>
   <p:notesSz cx="9144000" cy="6858000"/>
@@ -133,6 +134,7 @@
             <p14:sldId id="422"/>
             <p14:sldId id="409"/>
             <p14:sldId id="411"/>
+            <p14:sldId id="436"/>
             <p14:sldId id="413"/>
             <p14:sldId id="415"/>
             <p14:sldId id="416"/>
@@ -159,7 +161,9 @@
 <file path=ppt/revisionInfo.xml><?xml version="1.0" encoding="utf-8"?>
 <p1510:revInfo xmlns:a="http://schemas.openxmlformats.org/drawingml/2006/main" xmlns:r="http://schemas.openxmlformats.org/officeDocument/2006/relationships" xmlns:p1510="http://schemas.microsoft.com/office/powerpoint/2015/10/main">
   <p1510:revLst>
+    <p1510:client id="{016AEB6B-32BB-4C9B-91D5-C357E7676896}" v="3" dt="2022-11-02T15:53:16.655"/>
     <p1510:client id="{A80CA7C7-D351-44F3-83D3-E57C27514004}" v="10" dt="2022-11-02T12:03:45.728"/>
+    <p1510:client id="{BEF0E2AE-1B58-4893-A141-98D409284304}" v="2" dt="2022-11-02T15:59:17.410"/>
   </p1510:revLst>
 </p1510:revInfo>
 </file>
@@ -167,2684 +171,34 @@
 <file path=ppt/changesInfos/changesInfo1.xml><?xml version="1.0" encoding="utf-8"?>
 <pc:chgInfo xmlns:a="http://schemas.openxmlformats.org/drawingml/2006/main" xmlns:r="http://schemas.openxmlformats.org/officeDocument/2006/relationships" xmlns:ac="http://schemas.microsoft.com/office/drawing/2013/main/command" xmlns:pc="http://schemas.microsoft.com/office/powerpoint/2013/main/command">
   <pc:docChgLst>
-    <pc:chgData name="hirose taichi" userId="ed2dc4b0-8795-4813-ada8-f41a239e7d7d" providerId="ADAL" clId="{A80CA7C7-D351-44F3-83D3-E57C27514004}"/>
-    <pc:docChg chg="undo redo custSel addSld delSld modSld modSection">
-      <pc:chgData name="hirose taichi" userId="ed2dc4b0-8795-4813-ada8-f41a239e7d7d" providerId="ADAL" clId="{A80CA7C7-D351-44F3-83D3-E57C27514004}" dt="2022-11-02T12:04:16.023" v="934" actId="20577"/>
+    <pc:chgData name="hirose taichi" userId="ed2dc4b0-8795-4813-ada8-f41a239e7d7d" providerId="ADAL" clId="{BEF0E2AE-1B58-4893-A141-98D409284304}"/>
+    <pc:docChg chg="undo redo custSel addSld modSld modSection">
+      <pc:chgData name="hirose taichi" userId="ed2dc4b0-8795-4813-ada8-f41a239e7d7d" providerId="ADAL" clId="{BEF0E2AE-1B58-4893-A141-98D409284304}" dt="2022-11-02T15:59:53.859" v="114" actId="255"/>
       <pc:docMkLst>
         <pc:docMk/>
       </pc:docMkLst>
-      <pc:sldChg chg="modSp mod">
-        <pc:chgData name="hirose taichi" userId="ed2dc4b0-8795-4813-ada8-f41a239e7d7d" providerId="ADAL" clId="{A80CA7C7-D351-44F3-83D3-E57C27514004}" dt="2022-11-02T11:29:07.086" v="69" actId="20577"/>
+      <pc:sldChg chg="modSp new mod">
+        <pc:chgData name="hirose taichi" userId="ed2dc4b0-8795-4813-ada8-f41a239e7d7d" providerId="ADAL" clId="{BEF0E2AE-1B58-4893-A141-98D409284304}" dt="2022-11-02T15:59:53.859" v="114" actId="255"/>
         <pc:sldMkLst>
           <pc:docMk/>
-          <pc:sldMk cId="2131231909" sldId="391"/>
+          <pc:sldMk cId="1028811060" sldId="436"/>
         </pc:sldMkLst>
         <pc:spChg chg="mod">
-          <ac:chgData name="hirose taichi" userId="ed2dc4b0-8795-4813-ada8-f41a239e7d7d" providerId="ADAL" clId="{A80CA7C7-D351-44F3-83D3-E57C27514004}" dt="2022-11-02T11:29:07.086" v="69" actId="20577"/>
+          <ac:chgData name="hirose taichi" userId="ed2dc4b0-8795-4813-ada8-f41a239e7d7d" providerId="ADAL" clId="{BEF0E2AE-1B58-4893-A141-98D409284304}" dt="2022-11-02T15:59:53.859" v="114" actId="255"/>
           <ac:spMkLst>
             <pc:docMk/>
-            <pc:sldMk cId="2131231909" sldId="391"/>
-            <ac:spMk id="2" creationId="{C6AED08E-1875-2F43-80F1-4D57794FD14C}"/>
-          </ac:spMkLst>
-        </pc:spChg>
-      </pc:sldChg>
-      <pc:sldChg chg="modSp mod">
-        <pc:chgData name="hirose taichi" userId="ed2dc4b0-8795-4813-ada8-f41a239e7d7d" providerId="ADAL" clId="{A80CA7C7-D351-44F3-83D3-E57C27514004}" dt="2022-11-02T12:03:45.728" v="913" actId="20577"/>
-        <pc:sldMkLst>
-          <pc:docMk/>
-          <pc:sldMk cId="1300278304" sldId="411"/>
-        </pc:sldMkLst>
-        <pc:spChg chg="mod">
-          <ac:chgData name="hirose taichi" userId="ed2dc4b0-8795-4813-ada8-f41a239e7d7d" providerId="ADAL" clId="{A80CA7C7-D351-44F3-83D3-E57C27514004}" dt="2022-11-02T12:03:45.728" v="913" actId="20577"/>
-          <ac:spMkLst>
-            <pc:docMk/>
-            <pc:sldMk cId="1300278304" sldId="411"/>
-            <ac:spMk id="2" creationId="{28183F7D-BF66-4F5A-A51C-F4F5EA15673B}"/>
-          </ac:spMkLst>
-        </pc:spChg>
-      </pc:sldChg>
-      <pc:sldChg chg="del">
-        <pc:chgData name="hirose taichi" userId="ed2dc4b0-8795-4813-ada8-f41a239e7d7d" providerId="ADAL" clId="{A80CA7C7-D351-44F3-83D3-E57C27514004}" dt="2022-11-02T11:31:59.544" v="131" actId="47"/>
-        <pc:sldMkLst>
-          <pc:docMk/>
-          <pc:sldMk cId="3428139653" sldId="425"/>
-        </pc:sldMkLst>
-      </pc:sldChg>
-      <pc:sldChg chg="modSp mod">
-        <pc:chgData name="hirose taichi" userId="ed2dc4b0-8795-4813-ada8-f41a239e7d7d" providerId="ADAL" clId="{A80CA7C7-D351-44F3-83D3-E57C27514004}" dt="2022-11-02T12:04:16.023" v="934" actId="20577"/>
-        <pc:sldMkLst>
-          <pc:docMk/>
-          <pc:sldMk cId="4209606308" sldId="426"/>
-        </pc:sldMkLst>
-        <pc:spChg chg="mod">
-          <ac:chgData name="hirose taichi" userId="ed2dc4b0-8795-4813-ada8-f41a239e7d7d" providerId="ADAL" clId="{A80CA7C7-D351-44F3-83D3-E57C27514004}" dt="2022-11-02T12:04:16.023" v="934" actId="20577"/>
-          <ac:spMkLst>
-            <pc:docMk/>
-            <pc:sldMk cId="4209606308" sldId="426"/>
-            <ac:spMk id="2" creationId="{638A530A-2BB6-46FE-B08A-8F41692B083E}"/>
-          </ac:spMkLst>
-        </pc:spChg>
-      </pc:sldChg>
-      <pc:sldChg chg="del">
-        <pc:chgData name="hirose taichi" userId="ed2dc4b0-8795-4813-ada8-f41a239e7d7d" providerId="ADAL" clId="{A80CA7C7-D351-44F3-83D3-E57C27514004}" dt="2022-11-02T11:45:33.223" v="837" actId="47"/>
-        <pc:sldMkLst>
-          <pc:docMk/>
-          <pc:sldMk cId="2046824133" sldId="427"/>
-        </pc:sldMkLst>
-      </pc:sldChg>
-      <pc:sldChg chg="del">
-        <pc:chgData name="hirose taichi" userId="ed2dc4b0-8795-4813-ada8-f41a239e7d7d" providerId="ADAL" clId="{A80CA7C7-D351-44F3-83D3-E57C27514004}" dt="2022-11-02T11:45:33.223" v="837" actId="47"/>
-        <pc:sldMkLst>
-          <pc:docMk/>
-          <pc:sldMk cId="3600780140" sldId="428"/>
-        </pc:sldMkLst>
-      </pc:sldChg>
-      <pc:sldChg chg="del">
-        <pc:chgData name="hirose taichi" userId="ed2dc4b0-8795-4813-ada8-f41a239e7d7d" providerId="ADAL" clId="{A80CA7C7-D351-44F3-83D3-E57C27514004}" dt="2022-11-02T11:45:33.223" v="837" actId="47"/>
-        <pc:sldMkLst>
-          <pc:docMk/>
-          <pc:sldMk cId="3573443115" sldId="429"/>
-        </pc:sldMkLst>
-      </pc:sldChg>
-      <pc:sldChg chg="del">
-        <pc:chgData name="hirose taichi" userId="ed2dc4b0-8795-4813-ada8-f41a239e7d7d" providerId="ADAL" clId="{A80CA7C7-D351-44F3-83D3-E57C27514004}" dt="2022-11-02T11:45:33.223" v="837" actId="47"/>
-        <pc:sldMkLst>
-          <pc:docMk/>
-          <pc:sldMk cId="2644869636" sldId="430"/>
-        </pc:sldMkLst>
-      </pc:sldChg>
-      <pc:sldChg chg="del">
-        <pc:chgData name="hirose taichi" userId="ed2dc4b0-8795-4813-ada8-f41a239e7d7d" providerId="ADAL" clId="{A80CA7C7-D351-44F3-83D3-E57C27514004}" dt="2022-11-02T11:45:33.223" v="837" actId="47"/>
-        <pc:sldMkLst>
-          <pc:docMk/>
-          <pc:sldMk cId="1772249177" sldId="431"/>
-        </pc:sldMkLst>
-      </pc:sldChg>
-      <pc:sldChg chg="del">
-        <pc:chgData name="hirose taichi" userId="ed2dc4b0-8795-4813-ada8-f41a239e7d7d" providerId="ADAL" clId="{A80CA7C7-D351-44F3-83D3-E57C27514004}" dt="2022-11-02T11:45:33.223" v="837" actId="47"/>
-        <pc:sldMkLst>
-          <pc:docMk/>
-          <pc:sldMk cId="1445655372" sldId="432"/>
-        </pc:sldMkLst>
-      </pc:sldChg>
-      <pc:sldChg chg="del">
-        <pc:chgData name="hirose taichi" userId="ed2dc4b0-8795-4813-ada8-f41a239e7d7d" providerId="ADAL" clId="{A80CA7C7-D351-44F3-83D3-E57C27514004}" dt="2022-11-02T11:45:33.223" v="837" actId="47"/>
-        <pc:sldMkLst>
-          <pc:docMk/>
-          <pc:sldMk cId="3385948522" sldId="433"/>
-        </pc:sldMkLst>
-      </pc:sldChg>
-      <pc:sldChg chg="addSp delSp modSp add mod">
-        <pc:chgData name="hirose taichi" userId="ed2dc4b0-8795-4813-ada8-f41a239e7d7d" providerId="ADAL" clId="{A80CA7C7-D351-44F3-83D3-E57C27514004}" dt="2022-11-02T11:39:01.412" v="835" actId="1076"/>
-        <pc:sldMkLst>
-          <pc:docMk/>
-          <pc:sldMk cId="1681394602" sldId="434"/>
-        </pc:sldMkLst>
-        <pc:spChg chg="add mod">
-          <ac:chgData name="hirose taichi" userId="ed2dc4b0-8795-4813-ada8-f41a239e7d7d" providerId="ADAL" clId="{A80CA7C7-D351-44F3-83D3-E57C27514004}" dt="2022-11-02T11:30:25.474" v="87" actId="207"/>
-          <ac:spMkLst>
-            <pc:docMk/>
-            <pc:sldMk cId="1681394602" sldId="434"/>
-            <ac:spMk id="4" creationId="{74C0C7D9-1852-4E05-BB2F-E7A52F6706E4}"/>
-          </ac:spMkLst>
-        </pc:spChg>
-        <pc:spChg chg="add mod">
-          <ac:chgData name="hirose taichi" userId="ed2dc4b0-8795-4813-ada8-f41a239e7d7d" providerId="ADAL" clId="{A80CA7C7-D351-44F3-83D3-E57C27514004}" dt="2022-11-02T11:31:13.586" v="121" actId="207"/>
-          <ac:spMkLst>
-            <pc:docMk/>
-            <pc:sldMk cId="1681394602" sldId="434"/>
-            <ac:spMk id="6" creationId="{EFE5BD9D-492A-487D-925B-D20DC8339091}"/>
-          </ac:spMkLst>
-        </pc:spChg>
-        <pc:spChg chg="add mod">
-          <ac:chgData name="hirose taichi" userId="ed2dc4b0-8795-4813-ada8-f41a239e7d7d" providerId="ADAL" clId="{A80CA7C7-D351-44F3-83D3-E57C27514004}" dt="2022-11-02T11:38:55.678" v="834" actId="1037"/>
-          <ac:spMkLst>
-            <pc:docMk/>
-            <pc:sldMk cId="1681394602" sldId="434"/>
-            <ac:spMk id="9" creationId="{56BA886D-BEE0-40EA-AB0D-465BA8A58E22}"/>
-          </ac:spMkLst>
-        </pc:spChg>
-        <pc:spChg chg="add mod">
-          <ac:chgData name="hirose taichi" userId="ed2dc4b0-8795-4813-ada8-f41a239e7d7d" providerId="ADAL" clId="{A80CA7C7-D351-44F3-83D3-E57C27514004}" dt="2022-11-02T11:39:01.412" v="835" actId="1076"/>
-          <ac:spMkLst>
-            <pc:docMk/>
-            <pc:sldMk cId="1681394602" sldId="434"/>
-            <ac:spMk id="10" creationId="{DA9F423A-E5D8-46C2-B868-FEB80513654D}"/>
-          </ac:spMkLst>
-        </pc:spChg>
-        <pc:picChg chg="mod">
-          <ac:chgData name="hirose taichi" userId="ed2dc4b0-8795-4813-ada8-f41a239e7d7d" providerId="ADAL" clId="{A80CA7C7-D351-44F3-83D3-E57C27514004}" dt="2022-11-02T11:29:57.766" v="75" actId="1076"/>
-          <ac:picMkLst>
-            <pc:docMk/>
-            <pc:sldMk cId="1681394602" sldId="434"/>
-            <ac:picMk id="11" creationId="{150C2E9A-820D-431E-901B-D6CEA60D9192}"/>
-          </ac:picMkLst>
-        </pc:picChg>
-        <pc:cxnChg chg="add del">
-          <ac:chgData name="hirose taichi" userId="ed2dc4b0-8795-4813-ada8-f41a239e7d7d" providerId="ADAL" clId="{A80CA7C7-D351-44F3-83D3-E57C27514004}" dt="2022-11-02T11:30:30.406" v="88" actId="478"/>
-          <ac:cxnSpMkLst>
-            <pc:docMk/>
-            <pc:sldMk cId="1681394602" sldId="434"/>
-            <ac:cxnSpMk id="5" creationId="{C5568A02-F7FB-4595-B03D-6B37B52249A2}"/>
-          </ac:cxnSpMkLst>
-        </pc:cxnChg>
-        <pc:cxnChg chg="del">
-          <ac:chgData name="hirose taichi" userId="ed2dc4b0-8795-4813-ada8-f41a239e7d7d" providerId="ADAL" clId="{A80CA7C7-D351-44F3-83D3-E57C27514004}" dt="2022-11-02T11:31:23.686" v="126" actId="478"/>
-          <ac:cxnSpMkLst>
-            <pc:docMk/>
-            <pc:sldMk cId="1681394602" sldId="434"/>
-            <ac:cxnSpMk id="7" creationId="{DA1108B4-A0A2-48D4-85A1-74516F1E6223}"/>
-          </ac:cxnSpMkLst>
-        </pc:cxnChg>
-      </pc:sldChg>
-      <pc:sldChg chg="modSp add mod">
-        <pc:chgData name="hirose taichi" userId="ed2dc4b0-8795-4813-ada8-f41a239e7d7d" providerId="ADAL" clId="{A80CA7C7-D351-44F3-83D3-E57C27514004}" dt="2022-11-02T12:03:11.447" v="906" actId="20577"/>
-        <pc:sldMkLst>
-          <pc:docMk/>
-          <pc:sldMk cId="3145032794" sldId="435"/>
-        </pc:sldMkLst>
-        <pc:spChg chg="mod">
-          <ac:chgData name="hirose taichi" userId="ed2dc4b0-8795-4813-ada8-f41a239e7d7d" providerId="ADAL" clId="{A80CA7C7-D351-44F3-83D3-E57C27514004}" dt="2022-11-02T12:03:11.447" v="906" actId="20577"/>
-          <ac:spMkLst>
-            <pc:docMk/>
-            <pc:sldMk cId="3145032794" sldId="435"/>
-            <ac:spMk id="2" creationId="{638A530A-2BB6-46FE-B08A-8F41692B083E}"/>
-          </ac:spMkLst>
-        </pc:spChg>
-      </pc:sldChg>
-    </pc:docChg>
-  </pc:docChgLst>
-  <pc:docChgLst>
-    <pc:chgData name="hirose taichi" userId="ed2dc4b0-8795-4813-ada8-f41a239e7d7d" providerId="ADAL" clId="{856BF87E-E0E8-4254-81CC-BD4D380BEFD0}"/>
-    <pc:docChg chg="undo redo custSel addSld delSld modSld sldOrd modMainMaster delSection modSection">
-      <pc:chgData name="hirose taichi" userId="ed2dc4b0-8795-4813-ada8-f41a239e7d7d" providerId="ADAL" clId="{856BF87E-E0E8-4254-81CC-BD4D380BEFD0}" dt="2022-11-02T15:22:05.633" v="5691" actId="20577"/>
-      <pc:docMkLst>
-        <pc:docMk/>
-      </pc:docMkLst>
-      <pc:sldChg chg="addSp delSp modSp add del mod">
-        <pc:chgData name="hirose taichi" userId="ed2dc4b0-8795-4813-ada8-f41a239e7d7d" providerId="ADAL" clId="{856BF87E-E0E8-4254-81CC-BD4D380BEFD0}" dt="2022-10-28T19:14:16.196" v="4216" actId="47"/>
-        <pc:sldMkLst>
-          <pc:docMk/>
-          <pc:sldMk cId="2131231909" sldId="391"/>
-        </pc:sldMkLst>
-        <pc:spChg chg="mod">
-          <ac:chgData name="hirose taichi" userId="ed2dc4b0-8795-4813-ada8-f41a239e7d7d" providerId="ADAL" clId="{856BF87E-E0E8-4254-81CC-BD4D380BEFD0}" dt="2022-10-28T16:40:57.093" v="462" actId="113"/>
-          <ac:spMkLst>
-            <pc:docMk/>
-            <pc:sldMk cId="2131231909" sldId="391"/>
-            <ac:spMk id="2" creationId="{C6AED08E-1875-2F43-80F1-4D57794FD14C}"/>
-          </ac:spMkLst>
-        </pc:spChg>
-        <pc:spChg chg="add del mod">
-          <ac:chgData name="hirose taichi" userId="ed2dc4b0-8795-4813-ada8-f41a239e7d7d" providerId="ADAL" clId="{856BF87E-E0E8-4254-81CC-BD4D380BEFD0}" dt="2022-10-28T16:00:09.090" v="82" actId="478"/>
-          <ac:spMkLst>
-            <pc:docMk/>
-            <pc:sldMk cId="2131231909" sldId="391"/>
-            <ac:spMk id="4" creationId="{5EBA4C35-5BF3-48BE-BAE5-35B13CAF175A}"/>
-          </ac:spMkLst>
-        </pc:spChg>
-        <pc:spChg chg="del mod">
-          <ac:chgData name="hirose taichi" userId="ed2dc4b0-8795-4813-ada8-f41a239e7d7d" providerId="ADAL" clId="{856BF87E-E0E8-4254-81CC-BD4D380BEFD0}" dt="2022-10-28T16:00:06.694" v="81" actId="478"/>
-          <ac:spMkLst>
-            <pc:docMk/>
-            <pc:sldMk cId="2131231909" sldId="391"/>
-            <ac:spMk id="6" creationId="{B67657A3-DB7F-9A41-A476-09A1862A5ACA}"/>
-          </ac:spMkLst>
-        </pc:spChg>
-        <pc:spChg chg="add del mod">
-          <ac:chgData name="hirose taichi" userId="ed2dc4b0-8795-4813-ada8-f41a239e7d7d" providerId="ADAL" clId="{856BF87E-E0E8-4254-81CC-BD4D380BEFD0}" dt="2022-10-28T16:01:06.842" v="128" actId="20577"/>
-          <ac:spMkLst>
-            <pc:docMk/>
-            <pc:sldMk cId="2131231909" sldId="391"/>
-            <ac:spMk id="7" creationId="{484B1FDD-10D6-4369-8F16-DA90D0911493}"/>
-          </ac:spMkLst>
-        </pc:spChg>
-      </pc:sldChg>
-      <pc:sldChg chg="del">
-        <pc:chgData name="hirose taichi" userId="ed2dc4b0-8795-4813-ada8-f41a239e7d7d" providerId="ADAL" clId="{856BF87E-E0E8-4254-81CC-BD4D380BEFD0}" dt="2022-10-28T15:59:17.518" v="0" actId="2696"/>
-        <pc:sldMkLst>
-          <pc:docMk/>
-          <pc:sldMk cId="665616494" sldId="393"/>
-        </pc:sldMkLst>
-      </pc:sldChg>
-      <pc:sldChg chg="del">
-        <pc:chgData name="hirose taichi" userId="ed2dc4b0-8795-4813-ada8-f41a239e7d7d" providerId="ADAL" clId="{856BF87E-E0E8-4254-81CC-BD4D380BEFD0}" dt="2022-10-28T15:59:17.518" v="0" actId="2696"/>
-        <pc:sldMkLst>
-          <pc:docMk/>
-          <pc:sldMk cId="674707182" sldId="396"/>
-        </pc:sldMkLst>
-      </pc:sldChg>
-      <pc:sldChg chg="del">
-        <pc:chgData name="hirose taichi" userId="ed2dc4b0-8795-4813-ada8-f41a239e7d7d" providerId="ADAL" clId="{856BF87E-E0E8-4254-81CC-BD4D380BEFD0}" dt="2022-10-28T15:59:17.518" v="0" actId="2696"/>
-        <pc:sldMkLst>
-          <pc:docMk/>
-          <pc:sldMk cId="1238049417" sldId="405"/>
-        </pc:sldMkLst>
-      </pc:sldChg>
-      <pc:sldChg chg="del">
-        <pc:chgData name="hirose taichi" userId="ed2dc4b0-8795-4813-ada8-f41a239e7d7d" providerId="ADAL" clId="{856BF87E-E0E8-4254-81CC-BD4D380BEFD0}" dt="2022-10-28T15:59:17.518" v="0" actId="2696"/>
-        <pc:sldMkLst>
-          <pc:docMk/>
-          <pc:sldMk cId="2161768561" sldId="407"/>
-        </pc:sldMkLst>
-      </pc:sldChg>
-      <pc:sldChg chg="addSp delSp modSp add del mod">
-        <pc:chgData name="hirose taichi" userId="ed2dc4b0-8795-4813-ada8-f41a239e7d7d" providerId="ADAL" clId="{856BF87E-E0E8-4254-81CC-BD4D380BEFD0}" dt="2022-10-28T19:14:17.411" v="4217" actId="47"/>
-        <pc:sldMkLst>
-          <pc:docMk/>
-          <pc:sldMk cId="385752651" sldId="408"/>
-        </pc:sldMkLst>
-        <pc:spChg chg="mod">
-          <ac:chgData name="hirose taichi" userId="ed2dc4b0-8795-4813-ada8-f41a239e7d7d" providerId="ADAL" clId="{856BF87E-E0E8-4254-81CC-BD4D380BEFD0}" dt="2022-10-28T16:02:37.474" v="200" actId="20577"/>
-          <ac:spMkLst>
-            <pc:docMk/>
-            <pc:sldMk cId="385752651" sldId="408"/>
-            <ac:spMk id="3" creationId="{7F5984FF-91B8-46E8-AB4A-4C94EFF20B23}"/>
-          </ac:spMkLst>
-        </pc:spChg>
-        <pc:spChg chg="mod topLvl">
-          <ac:chgData name="hirose taichi" userId="ed2dc4b0-8795-4813-ada8-f41a239e7d7d" providerId="ADAL" clId="{856BF87E-E0E8-4254-81CC-BD4D380BEFD0}" dt="2022-10-28T16:37:35.626" v="338" actId="164"/>
-          <ac:spMkLst>
-            <pc:docMk/>
-            <pc:sldMk cId="385752651" sldId="408"/>
-            <ac:spMk id="5" creationId="{66617802-B9B8-48D9-8A6F-7E7E50C33E51}"/>
-          </ac:spMkLst>
-        </pc:spChg>
-        <pc:spChg chg="mod topLvl">
-          <ac:chgData name="hirose taichi" userId="ed2dc4b0-8795-4813-ada8-f41a239e7d7d" providerId="ADAL" clId="{856BF87E-E0E8-4254-81CC-BD4D380BEFD0}" dt="2022-10-28T16:37:40.177" v="339" actId="164"/>
-          <ac:spMkLst>
-            <pc:docMk/>
-            <pc:sldMk cId="385752651" sldId="408"/>
-            <ac:spMk id="6" creationId="{219B4FC9-A338-48A9-957D-4238B1019097}"/>
-          </ac:spMkLst>
-        </pc:spChg>
-        <pc:spChg chg="mod topLvl">
-          <ac:chgData name="hirose taichi" userId="ed2dc4b0-8795-4813-ada8-f41a239e7d7d" providerId="ADAL" clId="{856BF87E-E0E8-4254-81CC-BD4D380BEFD0}" dt="2022-10-28T16:37:44.421" v="340" actId="164"/>
-          <ac:spMkLst>
-            <pc:docMk/>
-            <pc:sldMk cId="385752651" sldId="408"/>
-            <ac:spMk id="7" creationId="{730E7809-B8B6-41CB-B204-BE6990191502}"/>
-          </ac:spMkLst>
-        </pc:spChg>
-        <pc:spChg chg="mod topLvl">
-          <ac:chgData name="hirose taichi" userId="ed2dc4b0-8795-4813-ada8-f41a239e7d7d" providerId="ADAL" clId="{856BF87E-E0E8-4254-81CC-BD4D380BEFD0}" dt="2022-10-28T16:37:35.626" v="338" actId="164"/>
-          <ac:spMkLst>
-            <pc:docMk/>
-            <pc:sldMk cId="385752651" sldId="408"/>
-            <ac:spMk id="8" creationId="{ACCD9BDE-60DA-477F-99B1-1DBC7DBEFA5D}"/>
-          </ac:spMkLst>
-        </pc:spChg>
-        <pc:spChg chg="mod topLvl">
-          <ac:chgData name="hirose taichi" userId="ed2dc4b0-8795-4813-ada8-f41a239e7d7d" providerId="ADAL" clId="{856BF87E-E0E8-4254-81CC-BD4D380BEFD0}" dt="2022-10-28T16:37:40.177" v="339" actId="164"/>
-          <ac:spMkLst>
-            <pc:docMk/>
-            <pc:sldMk cId="385752651" sldId="408"/>
-            <ac:spMk id="9" creationId="{AB3DAF47-8225-4213-B34A-30AAC2D3F94A}"/>
-          </ac:spMkLst>
-        </pc:spChg>
-        <pc:spChg chg="mod topLvl">
-          <ac:chgData name="hirose taichi" userId="ed2dc4b0-8795-4813-ada8-f41a239e7d7d" providerId="ADAL" clId="{856BF87E-E0E8-4254-81CC-BD4D380BEFD0}" dt="2022-10-28T16:37:44.421" v="340" actId="164"/>
-          <ac:spMkLst>
-            <pc:docMk/>
-            <pc:sldMk cId="385752651" sldId="408"/>
-            <ac:spMk id="10" creationId="{ECEF6A87-CDEE-4C09-ADD2-B5E55B76916B}"/>
-          </ac:spMkLst>
-        </pc:spChg>
-        <pc:spChg chg="mod topLvl">
-          <ac:chgData name="hirose taichi" userId="ed2dc4b0-8795-4813-ada8-f41a239e7d7d" providerId="ADAL" clId="{856BF87E-E0E8-4254-81CC-BD4D380BEFD0}" dt="2022-10-28T16:37:56.110" v="341" actId="164"/>
-          <ac:spMkLst>
-            <pc:docMk/>
-            <pc:sldMk cId="385752651" sldId="408"/>
-            <ac:spMk id="11" creationId="{A1826DEC-5640-4EE6-A577-2B62623439CA}"/>
-          </ac:spMkLst>
-        </pc:spChg>
-        <pc:spChg chg="mod topLvl">
-          <ac:chgData name="hirose taichi" userId="ed2dc4b0-8795-4813-ada8-f41a239e7d7d" providerId="ADAL" clId="{856BF87E-E0E8-4254-81CC-BD4D380BEFD0}" dt="2022-10-28T16:38:36.681" v="382" actId="20577"/>
-          <ac:spMkLst>
-            <pc:docMk/>
-            <pc:sldMk cId="385752651" sldId="408"/>
-            <ac:spMk id="12" creationId="{5E2478F6-3BE2-455F-A0F4-B5067E026AB3}"/>
+            <pc:sldMk cId="1028811060" sldId="436"/>
+            <ac:spMk id="2" creationId="{4CF4E688-62B9-481C-83A0-47319F99A08C}"/>
           </ac:spMkLst>
         </pc:spChg>
         <pc:spChg chg="mod">
-          <ac:chgData name="hirose taichi" userId="ed2dc4b0-8795-4813-ada8-f41a239e7d7d" providerId="ADAL" clId="{856BF87E-E0E8-4254-81CC-BD4D380BEFD0}" dt="2022-10-28T16:38:55.550" v="383" actId="20577"/>
+          <ac:chgData name="hirose taichi" userId="ed2dc4b0-8795-4813-ada8-f41a239e7d7d" providerId="ADAL" clId="{BEF0E2AE-1B58-4893-A141-98D409284304}" dt="2022-11-02T15:57:11.741" v="1"/>
           <ac:spMkLst>
             <pc:docMk/>
-            <pc:sldMk cId="385752651" sldId="408"/>
-            <ac:spMk id="19" creationId="{54DDAEF5-0A86-404A-9D00-85707C1BA379}"/>
+            <pc:sldMk cId="1028811060" sldId="436"/>
+            <ac:spMk id="3" creationId="{07BA0DF4-446F-4216-ABED-8857BC1D5A75}"/>
           </ac:spMkLst>
         </pc:spChg>
-        <pc:spChg chg="mod">
-          <ac:chgData name="hirose taichi" userId="ed2dc4b0-8795-4813-ada8-f41a239e7d7d" providerId="ADAL" clId="{856BF87E-E0E8-4254-81CC-BD4D380BEFD0}" dt="2022-10-28T16:37:57.238" v="342"/>
-          <ac:spMkLst>
-            <pc:docMk/>
-            <pc:sldMk cId="385752651" sldId="408"/>
-            <ac:spMk id="20" creationId="{137D0643-3155-4FE5-B000-0895C1849D31}"/>
-          </ac:spMkLst>
-        </pc:spChg>
-        <pc:grpChg chg="add mod">
-          <ac:chgData name="hirose taichi" userId="ed2dc4b0-8795-4813-ada8-f41a239e7d7d" providerId="ADAL" clId="{856BF87E-E0E8-4254-81CC-BD4D380BEFD0}" dt="2022-10-28T16:39:08.309" v="393" actId="1036"/>
-          <ac:grpSpMkLst>
-            <pc:docMk/>
-            <pc:sldMk cId="385752651" sldId="408"/>
-            <ac:grpSpMk id="2" creationId="{DFB088C1-661A-49C8-978D-A8F0C12A9CE2}"/>
-          </ac:grpSpMkLst>
-        </pc:grpChg>
-        <pc:grpChg chg="add mod">
-          <ac:chgData name="hirose taichi" userId="ed2dc4b0-8795-4813-ada8-f41a239e7d7d" providerId="ADAL" clId="{856BF87E-E0E8-4254-81CC-BD4D380BEFD0}" dt="2022-10-28T16:39:45.354" v="405" actId="1076"/>
-          <ac:grpSpMkLst>
-            <pc:docMk/>
-            <pc:sldMk cId="385752651" sldId="408"/>
-            <ac:grpSpMk id="4" creationId="{DA290673-6CFE-4D46-9038-1E71614E0DA1}"/>
-          </ac:grpSpMkLst>
-        </pc:grpChg>
-        <pc:grpChg chg="add mod">
-          <ac:chgData name="hirose taichi" userId="ed2dc4b0-8795-4813-ada8-f41a239e7d7d" providerId="ADAL" clId="{856BF87E-E0E8-4254-81CC-BD4D380BEFD0}" dt="2022-10-28T16:39:36.544" v="403" actId="1076"/>
-          <ac:grpSpMkLst>
-            <pc:docMk/>
-            <pc:sldMk cId="385752651" sldId="408"/>
-            <ac:grpSpMk id="13" creationId="{EB7F7804-FCD9-48E9-9820-5B10D0BB5627}"/>
-          </ac:grpSpMkLst>
-        </pc:grpChg>
-        <pc:grpChg chg="add mod">
-          <ac:chgData name="hirose taichi" userId="ed2dc4b0-8795-4813-ada8-f41a239e7d7d" providerId="ADAL" clId="{856BF87E-E0E8-4254-81CC-BD4D380BEFD0}" dt="2022-10-28T16:39:40.509" v="404" actId="1076"/>
-          <ac:grpSpMkLst>
-            <pc:docMk/>
-            <pc:sldMk cId="385752651" sldId="408"/>
-            <ac:grpSpMk id="14" creationId="{261309A5-890D-4F9D-976D-F5627C5873A9}"/>
-          </ac:grpSpMkLst>
-        </pc:grpChg>
-        <pc:grpChg chg="del mod topLvl">
-          <ac:chgData name="hirose taichi" userId="ed2dc4b0-8795-4813-ada8-f41a239e7d7d" providerId="ADAL" clId="{856BF87E-E0E8-4254-81CC-BD4D380BEFD0}" dt="2022-10-28T16:04:25.484" v="277" actId="165"/>
-          <ac:grpSpMkLst>
-            <pc:docMk/>
-            <pc:sldMk cId="385752651" sldId="408"/>
-            <ac:grpSpMk id="15" creationId="{01DA7295-12C7-4552-AFAE-EB7BE237AF7C}"/>
-          </ac:grpSpMkLst>
-        </pc:grpChg>
-        <pc:grpChg chg="del">
-          <ac:chgData name="hirose taichi" userId="ed2dc4b0-8795-4813-ada8-f41a239e7d7d" providerId="ADAL" clId="{856BF87E-E0E8-4254-81CC-BD4D380BEFD0}" dt="2022-10-28T16:04:22.250" v="276" actId="165"/>
-          <ac:grpSpMkLst>
-            <pc:docMk/>
-            <pc:sldMk cId="385752651" sldId="408"/>
-            <ac:grpSpMk id="17" creationId="{64AE3FD6-D741-491E-8FF7-F24D24FE2934}"/>
-          </ac:grpSpMkLst>
-        </pc:grpChg>
-        <pc:grpChg chg="add mod">
-          <ac:chgData name="hirose taichi" userId="ed2dc4b0-8795-4813-ada8-f41a239e7d7d" providerId="ADAL" clId="{856BF87E-E0E8-4254-81CC-BD4D380BEFD0}" dt="2022-10-28T16:39:19.230" v="397" actId="1076"/>
-          <ac:grpSpMkLst>
-            <pc:docMk/>
-            <pc:sldMk cId="385752651" sldId="408"/>
-            <ac:grpSpMk id="18" creationId="{C80E58F4-3552-4503-BDDC-2168ED1D5E38}"/>
-          </ac:grpSpMkLst>
-        </pc:grpChg>
-      </pc:sldChg>
-      <pc:sldChg chg="modSp new add del mod">
-        <pc:chgData name="hirose taichi" userId="ed2dc4b0-8795-4813-ada8-f41a239e7d7d" providerId="ADAL" clId="{856BF87E-E0E8-4254-81CC-BD4D380BEFD0}" dt="2022-10-31T18:52:26.851" v="5444"/>
-        <pc:sldMkLst>
-          <pc:docMk/>
-          <pc:sldMk cId="3714317995" sldId="409"/>
-        </pc:sldMkLst>
-        <pc:spChg chg="mod">
-          <ac:chgData name="hirose taichi" userId="ed2dc4b0-8795-4813-ada8-f41a239e7d7d" providerId="ADAL" clId="{856BF87E-E0E8-4254-81CC-BD4D380BEFD0}" dt="2022-10-31T18:52:26.851" v="5444"/>
-          <ac:spMkLst>
-            <pc:docMk/>
-            <pc:sldMk cId="3714317995" sldId="409"/>
-            <ac:spMk id="2" creationId="{28183F7D-BF66-4F5A-A51C-F4F5EA15673B}"/>
-          </ac:spMkLst>
-        </pc:spChg>
-        <pc:spChg chg="mod">
-          <ac:chgData name="hirose taichi" userId="ed2dc4b0-8795-4813-ada8-f41a239e7d7d" providerId="ADAL" clId="{856BF87E-E0E8-4254-81CC-BD4D380BEFD0}" dt="2022-10-28T16:41:41.028" v="531" actId="20577"/>
-          <ac:spMkLst>
-            <pc:docMk/>
-            <pc:sldMk cId="3714317995" sldId="409"/>
-            <ac:spMk id="3" creationId="{B6C3B743-46DE-40E0-98E6-975211BECA90}"/>
-          </ac:spMkLst>
-        </pc:spChg>
-      </pc:sldChg>
-      <pc:sldChg chg="add del">
-        <pc:chgData name="hirose taichi" userId="ed2dc4b0-8795-4813-ada8-f41a239e7d7d" providerId="ADAL" clId="{856BF87E-E0E8-4254-81CC-BD4D380BEFD0}" dt="2022-10-28T17:15:07.549" v="1023" actId="47"/>
-        <pc:sldMkLst>
-          <pc:docMk/>
-          <pc:sldMk cId="688687369" sldId="410"/>
-        </pc:sldMkLst>
-      </pc:sldChg>
-      <pc:sldChg chg="modSp add del mod">
-        <pc:chgData name="hirose taichi" userId="ed2dc4b0-8795-4813-ada8-f41a239e7d7d" providerId="ADAL" clId="{856BF87E-E0E8-4254-81CC-BD4D380BEFD0}" dt="2022-10-31T18:51:57.191" v="5435"/>
-        <pc:sldMkLst>
-          <pc:docMk/>
-          <pc:sldMk cId="1300278304" sldId="411"/>
-        </pc:sldMkLst>
-        <pc:spChg chg="mod">
-          <ac:chgData name="hirose taichi" userId="ed2dc4b0-8795-4813-ada8-f41a239e7d7d" providerId="ADAL" clId="{856BF87E-E0E8-4254-81CC-BD4D380BEFD0}" dt="2022-10-31T18:51:57.191" v="5435"/>
-          <ac:spMkLst>
-            <pc:docMk/>
-            <pc:sldMk cId="1300278304" sldId="411"/>
-            <ac:spMk id="2" creationId="{28183F7D-BF66-4F5A-A51C-F4F5EA15673B}"/>
-          </ac:spMkLst>
-        </pc:spChg>
-      </pc:sldChg>
-      <pc:sldChg chg="addSp delSp modSp new add del mod ord modShow modNotesTx">
-        <pc:chgData name="hirose taichi" userId="ed2dc4b0-8795-4813-ada8-f41a239e7d7d" providerId="ADAL" clId="{856BF87E-E0E8-4254-81CC-BD4D380BEFD0}" dt="2022-11-01T15:57:29.030" v="5485" actId="478"/>
-        <pc:sldMkLst>
-          <pc:docMk/>
-          <pc:sldMk cId="282841257" sldId="412"/>
-        </pc:sldMkLst>
-        <pc:spChg chg="mod">
-          <ac:chgData name="hirose taichi" userId="ed2dc4b0-8795-4813-ada8-f41a239e7d7d" providerId="ADAL" clId="{856BF87E-E0E8-4254-81CC-BD4D380BEFD0}" dt="2022-10-31T18:50:13.544" v="5420" actId="14100"/>
-          <ac:spMkLst>
-            <pc:docMk/>
-            <pc:sldMk cId="282841257" sldId="412"/>
-            <ac:spMk id="2" creationId="{5CC3DBDC-2ABB-464E-AA98-8626CB68BCFA}"/>
-          </ac:spMkLst>
-        </pc:spChg>
-        <pc:spChg chg="mod">
-          <ac:chgData name="hirose taichi" userId="ed2dc4b0-8795-4813-ada8-f41a239e7d7d" providerId="ADAL" clId="{856BF87E-E0E8-4254-81CC-BD4D380BEFD0}" dt="2022-10-28T19:31:14.204" v="4744" actId="20577"/>
-          <ac:spMkLst>
-            <pc:docMk/>
-            <pc:sldMk cId="282841257" sldId="412"/>
-            <ac:spMk id="3" creationId="{0921E3F5-4656-480F-ACDF-10F20AD43E90}"/>
-          </ac:spMkLst>
-        </pc:spChg>
-        <pc:spChg chg="add mod">
-          <ac:chgData name="hirose taichi" userId="ed2dc4b0-8795-4813-ada8-f41a239e7d7d" providerId="ADAL" clId="{856BF87E-E0E8-4254-81CC-BD4D380BEFD0}" dt="2022-10-29T03:59:02.480" v="5098" actId="1076"/>
-          <ac:spMkLst>
-            <pc:docMk/>
-            <pc:sldMk cId="282841257" sldId="412"/>
-            <ac:spMk id="5" creationId="{2E7C79F3-CA4B-4AE5-BE2C-CB5EEA8FD996}"/>
-          </ac:spMkLst>
-        </pc:spChg>
-        <pc:spChg chg="add del mod topLvl">
-          <ac:chgData name="hirose taichi" userId="ed2dc4b0-8795-4813-ada8-f41a239e7d7d" providerId="ADAL" clId="{856BF87E-E0E8-4254-81CC-BD4D380BEFD0}" dt="2022-10-28T18:18:25.372" v="2536" actId="478"/>
-          <ac:spMkLst>
-            <pc:docMk/>
-            <pc:sldMk cId="282841257" sldId="412"/>
-            <ac:spMk id="5" creationId="{37C7D452-F830-46C5-8DDF-8A3E8D06A4F5}"/>
-          </ac:spMkLst>
-        </pc:spChg>
-        <pc:spChg chg="add mod ord topLvl">
-          <ac:chgData name="hirose taichi" userId="ed2dc4b0-8795-4813-ada8-f41a239e7d7d" providerId="ADAL" clId="{856BF87E-E0E8-4254-81CC-BD4D380BEFD0}" dt="2022-10-28T18:42:22.357" v="3024" actId="164"/>
-          <ac:spMkLst>
-            <pc:docMk/>
-            <pc:sldMk cId="282841257" sldId="412"/>
-            <ac:spMk id="6" creationId="{A0734BF8-22B5-4682-B577-D87171B23D85}"/>
-          </ac:spMkLst>
-        </pc:spChg>
-        <pc:spChg chg="add del mod">
-          <ac:chgData name="hirose taichi" userId="ed2dc4b0-8795-4813-ada8-f41a239e7d7d" providerId="ADAL" clId="{856BF87E-E0E8-4254-81CC-BD4D380BEFD0}" dt="2022-10-28T17:42:18.221" v="1889" actId="478"/>
-          <ac:spMkLst>
-            <pc:docMk/>
-            <pc:sldMk cId="282841257" sldId="412"/>
-            <ac:spMk id="7" creationId="{CE1E89E6-1B91-44A0-92C3-49C40A41DBEE}"/>
-          </ac:spMkLst>
-        </pc:spChg>
-        <pc:spChg chg="add mod ord">
-          <ac:chgData name="hirose taichi" userId="ed2dc4b0-8795-4813-ada8-f41a239e7d7d" providerId="ADAL" clId="{856BF87E-E0E8-4254-81CC-BD4D380BEFD0}" dt="2022-10-28T18:42:22.357" v="3024" actId="164"/>
-          <ac:spMkLst>
-            <pc:docMk/>
-            <pc:sldMk cId="282841257" sldId="412"/>
-            <ac:spMk id="8" creationId="{7F3EE70D-555E-4015-BF16-678974A74AE0}"/>
-          </ac:spMkLst>
-        </pc:spChg>
-        <pc:spChg chg="add del">
-          <ac:chgData name="hirose taichi" userId="ed2dc4b0-8795-4813-ada8-f41a239e7d7d" providerId="ADAL" clId="{856BF87E-E0E8-4254-81CC-BD4D380BEFD0}" dt="2022-10-28T17:44:15.309" v="1919" actId="478"/>
-          <ac:spMkLst>
-            <pc:docMk/>
-            <pc:sldMk cId="282841257" sldId="412"/>
-            <ac:spMk id="10" creationId="{B39F8BFA-0ABA-402F-B100-C8236EEE188D}"/>
-          </ac:spMkLst>
-        </pc:spChg>
-        <pc:spChg chg="add mod ord topLvl">
-          <ac:chgData name="hirose taichi" userId="ed2dc4b0-8795-4813-ada8-f41a239e7d7d" providerId="ADAL" clId="{856BF87E-E0E8-4254-81CC-BD4D380BEFD0}" dt="2022-10-28T18:08:21.407" v="2322" actId="1076"/>
-          <ac:spMkLst>
-            <pc:docMk/>
-            <pc:sldMk cId="282841257" sldId="412"/>
-            <ac:spMk id="11" creationId="{9F33D406-E90C-483B-A205-9F54AE904713}"/>
-          </ac:spMkLst>
-        </pc:spChg>
-        <pc:spChg chg="add mod ord topLvl">
-          <ac:chgData name="hirose taichi" userId="ed2dc4b0-8795-4813-ada8-f41a239e7d7d" providerId="ADAL" clId="{856BF87E-E0E8-4254-81CC-BD4D380BEFD0}" dt="2022-10-28T18:08:14.867" v="2321" actId="12788"/>
-          <ac:spMkLst>
-            <pc:docMk/>
-            <pc:sldMk cId="282841257" sldId="412"/>
-            <ac:spMk id="12" creationId="{0B0CAEA7-EF38-4D77-85E2-BCB4A20A6FBE}"/>
-          </ac:spMkLst>
-        </pc:spChg>
-        <pc:spChg chg="add del mod">
-          <ac:chgData name="hirose taichi" userId="ed2dc4b0-8795-4813-ada8-f41a239e7d7d" providerId="ADAL" clId="{856BF87E-E0E8-4254-81CC-BD4D380BEFD0}" dt="2022-10-28T18:12:13.633" v="2361" actId="478"/>
-          <ac:spMkLst>
-            <pc:docMk/>
-            <pc:sldMk cId="282841257" sldId="412"/>
-            <ac:spMk id="16" creationId="{27D61436-6178-48E2-9D77-7D0DE01B5A94}"/>
-          </ac:spMkLst>
-        </pc:spChg>
-        <pc:spChg chg="add del mod">
-          <ac:chgData name="hirose taichi" userId="ed2dc4b0-8795-4813-ada8-f41a239e7d7d" providerId="ADAL" clId="{856BF87E-E0E8-4254-81CC-BD4D380BEFD0}" dt="2022-10-29T03:55:14.433" v="5035"/>
-          <ac:spMkLst>
-            <pc:docMk/>
-            <pc:sldMk cId="282841257" sldId="412"/>
-            <ac:spMk id="19" creationId="{6031328C-7B39-469F-AD11-4DAE46BB5ADB}"/>
-          </ac:spMkLst>
-        </pc:spChg>
-        <pc:spChg chg="add del mod">
-          <ac:chgData name="hirose taichi" userId="ed2dc4b0-8795-4813-ada8-f41a239e7d7d" providerId="ADAL" clId="{856BF87E-E0E8-4254-81CC-BD4D380BEFD0}" dt="2022-10-29T03:58:30.122" v="5085" actId="478"/>
-          <ac:spMkLst>
-            <pc:docMk/>
-            <pc:sldMk cId="282841257" sldId="412"/>
-            <ac:spMk id="20" creationId="{6614B7C6-CBA5-463F-A624-F9D7FF8525DF}"/>
-          </ac:spMkLst>
-        </pc:spChg>
-        <pc:spChg chg="mod ord topLvl">
-          <ac:chgData name="hirose taichi" userId="ed2dc4b0-8795-4813-ada8-f41a239e7d7d" providerId="ADAL" clId="{856BF87E-E0E8-4254-81CC-BD4D380BEFD0}" dt="2022-10-28T18:42:22.357" v="3024" actId="164"/>
-          <ac:spMkLst>
-            <pc:docMk/>
-            <pc:sldMk cId="282841257" sldId="412"/>
-            <ac:spMk id="22" creationId="{4F2A396D-A065-4292-BBBA-786B3D905C52}"/>
-          </ac:spMkLst>
-        </pc:spChg>
-        <pc:spChg chg="add del mod">
-          <ac:chgData name="hirose taichi" userId="ed2dc4b0-8795-4813-ada8-f41a239e7d7d" providerId="ADAL" clId="{856BF87E-E0E8-4254-81CC-BD4D380BEFD0}" dt="2022-11-01T15:57:29.030" v="5485" actId="478"/>
-          <ac:spMkLst>
-            <pc:docMk/>
-            <pc:sldMk cId="282841257" sldId="412"/>
-            <ac:spMk id="23" creationId="{7F903914-2C7B-4E5F-A750-5D2F94BBD5A6}"/>
-          </ac:spMkLst>
-        </pc:spChg>
-        <pc:spChg chg="mod ord topLvl">
-          <ac:chgData name="hirose taichi" userId="ed2dc4b0-8795-4813-ada8-f41a239e7d7d" providerId="ADAL" clId="{856BF87E-E0E8-4254-81CC-BD4D380BEFD0}" dt="2022-10-28T18:42:22.357" v="3024" actId="164"/>
-          <ac:spMkLst>
-            <pc:docMk/>
-            <pc:sldMk cId="282841257" sldId="412"/>
-            <ac:spMk id="23" creationId="{A6811F9A-7D5E-41C8-B3F8-744067D56AC7}"/>
-          </ac:spMkLst>
-        </pc:spChg>
-        <pc:spChg chg="add mod ord">
-          <ac:chgData name="hirose taichi" userId="ed2dc4b0-8795-4813-ada8-f41a239e7d7d" providerId="ADAL" clId="{856BF87E-E0E8-4254-81CC-BD4D380BEFD0}" dt="2022-10-31T18:45:21.692" v="5358" actId="1035"/>
-          <ac:spMkLst>
-            <pc:docMk/>
-            <pc:sldMk cId="282841257" sldId="412"/>
-            <ac:spMk id="24" creationId="{7B96C3D1-02AA-4975-8B1F-289D4F3ADA98}"/>
-          </ac:spMkLst>
-        </pc:spChg>
-        <pc:spChg chg="mod ord topLvl">
-          <ac:chgData name="hirose taichi" userId="ed2dc4b0-8795-4813-ada8-f41a239e7d7d" providerId="ADAL" clId="{856BF87E-E0E8-4254-81CC-BD4D380BEFD0}" dt="2022-10-28T18:42:22.357" v="3024" actId="164"/>
-          <ac:spMkLst>
-            <pc:docMk/>
-            <pc:sldMk cId="282841257" sldId="412"/>
-            <ac:spMk id="24" creationId="{B15EC43A-BAAE-40E8-A140-66BE9DFCDF5A}"/>
-          </ac:spMkLst>
-        </pc:spChg>
-        <pc:spChg chg="mod">
-          <ac:chgData name="hirose taichi" userId="ed2dc4b0-8795-4813-ada8-f41a239e7d7d" providerId="ADAL" clId="{856BF87E-E0E8-4254-81CC-BD4D380BEFD0}" dt="2022-10-28T18:30:28.978" v="2738" actId="165"/>
-          <ac:spMkLst>
-            <pc:docMk/>
-            <pc:sldMk cId="282841257" sldId="412"/>
-            <ac:spMk id="25" creationId="{A221F9E5-6153-4BA4-A447-66C06CCCF93D}"/>
-          </ac:spMkLst>
-        </pc:spChg>
-        <pc:spChg chg="add mod">
-          <ac:chgData name="hirose taichi" userId="ed2dc4b0-8795-4813-ada8-f41a239e7d7d" providerId="ADAL" clId="{856BF87E-E0E8-4254-81CC-BD4D380BEFD0}" dt="2022-10-29T03:58:46.130" v="5094" actId="1076"/>
-          <ac:spMkLst>
-            <pc:docMk/>
-            <pc:sldMk cId="282841257" sldId="412"/>
-            <ac:spMk id="26" creationId="{A681D165-8DD6-4365-8FDE-6FB28B64E2B2}"/>
-          </ac:spMkLst>
-        </pc:spChg>
-        <pc:spChg chg="add mod">
-          <ac:chgData name="hirose taichi" userId="ed2dc4b0-8795-4813-ada8-f41a239e7d7d" providerId="ADAL" clId="{856BF87E-E0E8-4254-81CC-BD4D380BEFD0}" dt="2022-10-29T03:58:17.975" v="5083"/>
-          <ac:spMkLst>
-            <pc:docMk/>
-            <pc:sldMk cId="282841257" sldId="412"/>
-            <ac:spMk id="27" creationId="{433DAD3A-C836-43A5-BBF3-383D477FCC7F}"/>
-          </ac:spMkLst>
-        </pc:spChg>
-        <pc:spChg chg="add mod">
-          <ac:chgData name="hirose taichi" userId="ed2dc4b0-8795-4813-ada8-f41a239e7d7d" providerId="ADAL" clId="{856BF87E-E0E8-4254-81CC-BD4D380BEFD0}" dt="2022-10-29T04:02:06.171" v="5131" actId="20577"/>
-          <ac:spMkLst>
-            <pc:docMk/>
-            <pc:sldMk cId="282841257" sldId="412"/>
-            <ac:spMk id="28" creationId="{0EE1BC58-29B4-425B-ADB1-DB2251E321A4}"/>
-          </ac:spMkLst>
-        </pc:spChg>
-        <pc:spChg chg="add mod">
-          <ac:chgData name="hirose taichi" userId="ed2dc4b0-8795-4813-ada8-f41a239e7d7d" providerId="ADAL" clId="{856BF87E-E0E8-4254-81CC-BD4D380BEFD0}" dt="2022-10-31T18:43:13.427" v="5337" actId="12788"/>
-          <ac:spMkLst>
-            <pc:docMk/>
-            <pc:sldMk cId="282841257" sldId="412"/>
-            <ac:spMk id="30" creationId="{6E11BAE3-8AA4-443E-ACD4-6639B3C68EBA}"/>
-          </ac:spMkLst>
-        </pc:spChg>
-        <pc:spChg chg="add del mod">
-          <ac:chgData name="hirose taichi" userId="ed2dc4b0-8795-4813-ada8-f41a239e7d7d" providerId="ADAL" clId="{856BF87E-E0E8-4254-81CC-BD4D380BEFD0}" dt="2022-10-28T18:42:13.740" v="3023" actId="478"/>
-          <ac:spMkLst>
-            <pc:docMk/>
-            <pc:sldMk cId="282841257" sldId="412"/>
-            <ac:spMk id="30" creationId="{7F91BE51-6D53-4ACD-A4F5-A92FCC1E3AF6}"/>
-          </ac:spMkLst>
-        </pc:spChg>
-        <pc:spChg chg="add mod">
-          <ac:chgData name="hirose taichi" userId="ed2dc4b0-8795-4813-ada8-f41a239e7d7d" providerId="ADAL" clId="{856BF87E-E0E8-4254-81CC-BD4D380BEFD0}" dt="2022-10-28T18:35:58.278" v="2854" actId="164"/>
-          <ac:spMkLst>
-            <pc:docMk/>
-            <pc:sldMk cId="282841257" sldId="412"/>
-            <ac:spMk id="31" creationId="{1B7E46F5-590A-4035-8EAE-23C82FD0332C}"/>
-          </ac:spMkLst>
-        </pc:spChg>
-        <pc:spChg chg="add mod">
-          <ac:chgData name="hirose taichi" userId="ed2dc4b0-8795-4813-ada8-f41a239e7d7d" providerId="ADAL" clId="{856BF87E-E0E8-4254-81CC-BD4D380BEFD0}" dt="2022-10-31T18:43:13.427" v="5337" actId="12788"/>
-          <ac:spMkLst>
-            <pc:docMk/>
-            <pc:sldMk cId="282841257" sldId="412"/>
-            <ac:spMk id="31" creationId="{CEF3A8A0-9C75-4ED9-83D7-A688383B8BBC}"/>
-          </ac:spMkLst>
-        </pc:spChg>
-        <pc:spChg chg="add mod">
-          <ac:chgData name="hirose taichi" userId="ed2dc4b0-8795-4813-ada8-f41a239e7d7d" providerId="ADAL" clId="{856BF87E-E0E8-4254-81CC-BD4D380BEFD0}" dt="2022-10-28T18:35:58.278" v="2854" actId="164"/>
-          <ac:spMkLst>
-            <pc:docMk/>
-            <pc:sldMk cId="282841257" sldId="412"/>
-            <ac:spMk id="32" creationId="{A3597DF8-E88F-41C7-A031-BB53D9D0EDB5}"/>
-          </ac:spMkLst>
-        </pc:spChg>
-        <pc:spChg chg="add mod">
-          <ac:chgData name="hirose taichi" userId="ed2dc4b0-8795-4813-ada8-f41a239e7d7d" providerId="ADAL" clId="{856BF87E-E0E8-4254-81CC-BD4D380BEFD0}" dt="2022-10-28T18:40:39.137" v="3008" actId="164"/>
-          <ac:spMkLst>
-            <pc:docMk/>
-            <pc:sldMk cId="282841257" sldId="412"/>
-            <ac:spMk id="35" creationId="{DDFA145B-7733-4C62-84E4-C52BD6525B17}"/>
-          </ac:spMkLst>
-        </pc:spChg>
-        <pc:spChg chg="mod topLvl">
-          <ac:chgData name="hirose taichi" userId="ed2dc4b0-8795-4813-ada8-f41a239e7d7d" providerId="ADAL" clId="{856BF87E-E0E8-4254-81CC-BD4D380BEFD0}" dt="2022-10-28T19:15:42.498" v="4264" actId="1076"/>
-          <ac:spMkLst>
-            <pc:docMk/>
-            <pc:sldMk cId="282841257" sldId="412"/>
-            <ac:spMk id="50" creationId="{A998D3C8-C75B-4388-B7D4-5F9CF7F80E6C}"/>
-          </ac:spMkLst>
-        </pc:spChg>
-        <pc:spChg chg="del mod topLvl">
-          <ac:chgData name="hirose taichi" userId="ed2dc4b0-8795-4813-ada8-f41a239e7d7d" providerId="ADAL" clId="{856BF87E-E0E8-4254-81CC-BD4D380BEFD0}" dt="2022-10-29T03:58:16.896" v="5082" actId="478"/>
-          <ac:spMkLst>
-            <pc:docMk/>
-            <pc:sldMk cId="282841257" sldId="412"/>
-            <ac:spMk id="52" creationId="{FA6D1B84-14B6-47FB-84E0-CF6DA570E201}"/>
-          </ac:spMkLst>
-        </pc:spChg>
-        <pc:spChg chg="mod topLvl">
-          <ac:chgData name="hirose taichi" userId="ed2dc4b0-8795-4813-ada8-f41a239e7d7d" providerId="ADAL" clId="{856BF87E-E0E8-4254-81CC-BD4D380BEFD0}" dt="2022-10-28T19:15:09.082" v="4236" actId="165"/>
-          <ac:spMkLst>
-            <pc:docMk/>
-            <pc:sldMk cId="282841257" sldId="412"/>
-            <ac:spMk id="53" creationId="{E28B29C1-4338-4B86-BB3A-86C06BF7AAFC}"/>
-          </ac:spMkLst>
-        </pc:spChg>
-        <pc:spChg chg="mod topLvl">
-          <ac:chgData name="hirose taichi" userId="ed2dc4b0-8795-4813-ada8-f41a239e7d7d" providerId="ADAL" clId="{856BF87E-E0E8-4254-81CC-BD4D380BEFD0}" dt="2022-10-29T04:04:45.876" v="5140" actId="14100"/>
-          <ac:spMkLst>
-            <pc:docMk/>
-            <pc:sldMk cId="282841257" sldId="412"/>
-            <ac:spMk id="57" creationId="{0BE28581-A310-4D1F-BA4C-F5604794A489}"/>
-          </ac:spMkLst>
-        </pc:spChg>
-        <pc:spChg chg="mod topLvl">
-          <ac:chgData name="hirose taichi" userId="ed2dc4b0-8795-4813-ada8-f41a239e7d7d" providerId="ADAL" clId="{856BF87E-E0E8-4254-81CC-BD4D380BEFD0}" dt="2022-10-28T19:15:09.082" v="4236" actId="165"/>
-          <ac:spMkLst>
-            <pc:docMk/>
-            <pc:sldMk cId="282841257" sldId="412"/>
-            <ac:spMk id="58" creationId="{53B7ADBF-2C3A-40A7-89AC-A1DC3C4785FA}"/>
-          </ac:spMkLst>
-        </pc:spChg>
-        <pc:spChg chg="mod topLvl">
-          <ac:chgData name="hirose taichi" userId="ed2dc4b0-8795-4813-ada8-f41a239e7d7d" providerId="ADAL" clId="{856BF87E-E0E8-4254-81CC-BD4D380BEFD0}" dt="2022-10-28T19:15:09.082" v="4236" actId="165"/>
-          <ac:spMkLst>
-            <pc:docMk/>
-            <pc:sldMk cId="282841257" sldId="412"/>
-            <ac:spMk id="59" creationId="{3BA63449-8B35-4381-A61A-AA433D6EE382}"/>
-          </ac:spMkLst>
-        </pc:spChg>
-        <pc:grpChg chg="add del mod">
-          <ac:chgData name="hirose taichi" userId="ed2dc4b0-8795-4813-ada8-f41a239e7d7d" providerId="ADAL" clId="{856BF87E-E0E8-4254-81CC-BD4D380BEFD0}" dt="2022-10-28T17:43:49.428" v="1915" actId="165"/>
-          <ac:grpSpMkLst>
-            <pc:docMk/>
-            <pc:sldMk cId="282841257" sldId="412"/>
-            <ac:grpSpMk id="9" creationId="{FD3B8422-F399-45B9-B82B-C8D9BF60475F}"/>
-          </ac:grpSpMkLst>
-        </pc:grpChg>
-        <pc:grpChg chg="add del mod">
-          <ac:chgData name="hirose taichi" userId="ed2dc4b0-8795-4813-ada8-f41a239e7d7d" providerId="ADAL" clId="{856BF87E-E0E8-4254-81CC-BD4D380BEFD0}" dt="2022-10-28T17:46:33.892" v="1989" actId="164"/>
-          <ac:grpSpMkLst>
-            <pc:docMk/>
-            <pc:sldMk cId="282841257" sldId="412"/>
-            <ac:grpSpMk id="13" creationId="{E6EA5325-E057-47C7-9338-4FF99A564A7D}"/>
-          </ac:grpSpMkLst>
-        </pc:grpChg>
-        <pc:grpChg chg="add mod">
-          <ac:chgData name="hirose taichi" userId="ed2dc4b0-8795-4813-ada8-f41a239e7d7d" providerId="ADAL" clId="{856BF87E-E0E8-4254-81CC-BD4D380BEFD0}" dt="2022-10-28T17:46:30.165" v="1980" actId="164"/>
-          <ac:grpSpMkLst>
-            <pc:docMk/>
-            <pc:sldMk cId="282841257" sldId="412"/>
-            <ac:grpSpMk id="14" creationId="{973CA0A8-EF7C-4510-A59A-DC31F9D6FE39}"/>
-          </ac:grpSpMkLst>
-        </pc:grpChg>
-        <pc:grpChg chg="add del mod">
-          <ac:chgData name="hirose taichi" userId="ed2dc4b0-8795-4813-ada8-f41a239e7d7d" providerId="ADAL" clId="{856BF87E-E0E8-4254-81CC-BD4D380BEFD0}" dt="2022-10-28T18:28:04.500" v="2718" actId="478"/>
-          <ac:grpSpMkLst>
-            <pc:docMk/>
-            <pc:sldMk cId="282841257" sldId="412"/>
-            <ac:grpSpMk id="15" creationId="{2F135DE7-719B-42F9-856D-3D65F126989A}"/>
-          </ac:grpSpMkLst>
-        </pc:grpChg>
-        <pc:grpChg chg="add del mod">
-          <ac:chgData name="hirose taichi" userId="ed2dc4b0-8795-4813-ada8-f41a239e7d7d" providerId="ADAL" clId="{856BF87E-E0E8-4254-81CC-BD4D380BEFD0}" dt="2022-10-28T18:30:28.978" v="2738" actId="165"/>
-          <ac:grpSpMkLst>
-            <pc:docMk/>
-            <pc:sldMk cId="282841257" sldId="412"/>
-            <ac:grpSpMk id="20" creationId="{1E975028-CA36-4777-811D-502B300834D4}"/>
-          </ac:grpSpMkLst>
-        </pc:grpChg>
-        <pc:grpChg chg="mod topLvl">
-          <ac:chgData name="hirose taichi" userId="ed2dc4b0-8795-4813-ada8-f41a239e7d7d" providerId="ADAL" clId="{856BF87E-E0E8-4254-81CC-BD4D380BEFD0}" dt="2022-10-28T18:42:22.357" v="3024" actId="164"/>
-          <ac:grpSpMkLst>
-            <pc:docMk/>
-            <pc:sldMk cId="282841257" sldId="412"/>
-            <ac:grpSpMk id="21" creationId="{0E1A4A58-3C2F-4C4C-ABA7-321E7288348B}"/>
-          </ac:grpSpMkLst>
-        </pc:grpChg>
-        <pc:grpChg chg="add del mod">
-          <ac:chgData name="hirose taichi" userId="ed2dc4b0-8795-4813-ada8-f41a239e7d7d" providerId="ADAL" clId="{856BF87E-E0E8-4254-81CC-BD4D380BEFD0}" dt="2022-10-28T18:36:11.892" v="2857" actId="478"/>
-          <ac:grpSpMkLst>
-            <pc:docMk/>
-            <pc:sldMk cId="282841257" sldId="412"/>
-            <ac:grpSpMk id="33" creationId="{258D7C61-720D-48E9-9774-5A095E2D851A}"/>
-          </ac:grpSpMkLst>
-        </pc:grpChg>
-        <pc:grpChg chg="add del mod">
-          <ac:chgData name="hirose taichi" userId="ed2dc4b0-8795-4813-ada8-f41a239e7d7d" providerId="ADAL" clId="{856BF87E-E0E8-4254-81CC-BD4D380BEFD0}" dt="2022-10-28T18:39:44.683" v="2990" actId="478"/>
-          <ac:grpSpMkLst>
-            <pc:docMk/>
-            <pc:sldMk cId="282841257" sldId="412"/>
-            <ac:grpSpMk id="41" creationId="{C11E4C9D-5375-41FF-A087-F0C17D53A92B}"/>
-          </ac:grpSpMkLst>
-        </pc:grpChg>
-        <pc:grpChg chg="add del mod">
-          <ac:chgData name="hirose taichi" userId="ed2dc4b0-8795-4813-ada8-f41a239e7d7d" providerId="ADAL" clId="{856BF87E-E0E8-4254-81CC-BD4D380BEFD0}" dt="2022-10-29T03:59:24.053" v="5099" actId="478"/>
-          <ac:grpSpMkLst>
-            <pc:docMk/>
-            <pc:sldMk cId="282841257" sldId="412"/>
-            <ac:grpSpMk id="46" creationId="{F1786009-4011-45B2-8EA2-F683642F046D}"/>
-          </ac:grpSpMkLst>
-        </pc:grpChg>
-        <pc:grpChg chg="add del mod">
-          <ac:chgData name="hirose taichi" userId="ed2dc4b0-8795-4813-ada8-f41a239e7d7d" providerId="ADAL" clId="{856BF87E-E0E8-4254-81CC-BD4D380BEFD0}" dt="2022-10-28T19:14:36.865" v="4224" actId="478"/>
-          <ac:grpSpMkLst>
-            <pc:docMk/>
-            <pc:sldMk cId="282841257" sldId="412"/>
-            <ac:grpSpMk id="47" creationId="{3CACC0C1-55EB-400D-B063-AFCD4216C1AD}"/>
-          </ac:grpSpMkLst>
-        </pc:grpChg>
-        <pc:grpChg chg="add del mod">
-          <ac:chgData name="hirose taichi" userId="ed2dc4b0-8795-4813-ada8-f41a239e7d7d" providerId="ADAL" clId="{856BF87E-E0E8-4254-81CC-BD4D380BEFD0}" dt="2022-10-28T19:15:06.359" v="4235" actId="165"/>
-          <ac:grpSpMkLst>
-            <pc:docMk/>
-            <pc:sldMk cId="282841257" sldId="412"/>
-            <ac:grpSpMk id="48" creationId="{74BFAEB9-97F7-413C-9079-C6D973DF417E}"/>
-          </ac:grpSpMkLst>
-        </pc:grpChg>
-        <pc:grpChg chg="del mod topLvl">
-          <ac:chgData name="hirose taichi" userId="ed2dc4b0-8795-4813-ada8-f41a239e7d7d" providerId="ADAL" clId="{856BF87E-E0E8-4254-81CC-BD4D380BEFD0}" dt="2022-10-28T19:15:09.082" v="4236" actId="165"/>
-          <ac:grpSpMkLst>
-            <pc:docMk/>
-            <pc:sldMk cId="282841257" sldId="412"/>
-            <ac:grpSpMk id="49" creationId="{97533D57-ED85-4E16-83FD-A960E3A9A52D}"/>
-          </ac:grpSpMkLst>
-        </pc:grpChg>
-        <pc:picChg chg="del mod">
-          <ac:chgData name="hirose taichi" userId="ed2dc4b0-8795-4813-ada8-f41a239e7d7d" providerId="ADAL" clId="{856BF87E-E0E8-4254-81CC-BD4D380BEFD0}" dt="2022-10-28T18:38:50.399" v="2980" actId="478"/>
-          <ac:picMkLst>
-            <pc:docMk/>
-            <pc:sldMk cId="282841257" sldId="412"/>
-            <ac:picMk id="34" creationId="{5E36687F-601A-4A26-BFEF-802FFF63741A}"/>
-          </ac:picMkLst>
-        </pc:picChg>
-        <pc:picChg chg="add mod">
-          <ac:chgData name="hirose taichi" userId="ed2dc4b0-8795-4813-ada8-f41a239e7d7d" providerId="ADAL" clId="{856BF87E-E0E8-4254-81CC-BD4D380BEFD0}" dt="2022-10-28T18:39:34.837" v="2988" actId="164"/>
-          <ac:picMkLst>
-            <pc:docMk/>
-            <pc:sldMk cId="282841257" sldId="412"/>
-            <ac:picMk id="38" creationId="{A73057F8-939C-4AB9-9110-D293F5A02F60}"/>
-          </ac:picMkLst>
-        </pc:picChg>
-        <pc:picChg chg="add mod">
-          <ac:chgData name="hirose taichi" userId="ed2dc4b0-8795-4813-ada8-f41a239e7d7d" providerId="ADAL" clId="{856BF87E-E0E8-4254-81CC-BD4D380BEFD0}" dt="2022-10-28T18:39:34.837" v="2988" actId="164"/>
-          <ac:picMkLst>
-            <pc:docMk/>
-            <pc:sldMk cId="282841257" sldId="412"/>
-            <ac:picMk id="40" creationId="{344583C9-B950-437A-91BF-7D1CE728FBE3}"/>
-          </ac:picMkLst>
-        </pc:picChg>
-        <pc:picChg chg="mod">
-          <ac:chgData name="hirose taichi" userId="ed2dc4b0-8795-4813-ada8-f41a239e7d7d" providerId="ADAL" clId="{856BF87E-E0E8-4254-81CC-BD4D380BEFD0}" dt="2022-10-28T18:40:39.137" v="3008" actId="164"/>
-          <ac:picMkLst>
-            <pc:docMk/>
-            <pc:sldMk cId="282841257" sldId="412"/>
-            <ac:picMk id="42" creationId="{B354B35F-826B-4BF8-B05D-2EB7B0F5366A}"/>
-          </ac:picMkLst>
-        </pc:picChg>
-        <pc:picChg chg="add del mod">
-          <ac:chgData name="hirose taichi" userId="ed2dc4b0-8795-4813-ada8-f41a239e7d7d" providerId="ADAL" clId="{856BF87E-E0E8-4254-81CC-BD4D380BEFD0}" dt="2022-10-28T18:40:16.911" v="3000" actId="478"/>
-          <ac:picMkLst>
-            <pc:docMk/>
-            <pc:sldMk cId="282841257" sldId="412"/>
-            <ac:picMk id="44" creationId="{AA966B8D-E00C-4688-81D7-02C1809A228F}"/>
-          </ac:picMkLst>
-        </pc:picChg>
-        <pc:cxnChg chg="add mod ord">
-          <ac:chgData name="hirose taichi" userId="ed2dc4b0-8795-4813-ada8-f41a239e7d7d" providerId="ADAL" clId="{856BF87E-E0E8-4254-81CC-BD4D380BEFD0}" dt="2022-10-28T18:42:22.357" v="3024" actId="164"/>
-          <ac:cxnSpMkLst>
-            <pc:docMk/>
-            <pc:sldMk cId="282841257" sldId="412"/>
-            <ac:cxnSpMk id="18" creationId="{97BF72C8-5206-4DEF-87AE-D8A75A6F2890}"/>
-          </ac:cxnSpMkLst>
-        </pc:cxnChg>
-        <pc:cxnChg chg="add mod">
-          <ac:chgData name="hirose taichi" userId="ed2dc4b0-8795-4813-ada8-f41a239e7d7d" providerId="ADAL" clId="{856BF87E-E0E8-4254-81CC-BD4D380BEFD0}" dt="2022-10-29T03:57:59.215" v="5080"/>
-          <ac:cxnSpMkLst>
-            <pc:docMk/>
-            <pc:sldMk cId="282841257" sldId="412"/>
-            <ac:cxnSpMk id="25" creationId="{694E0668-3B64-4B6D-8543-FB41CA11701B}"/>
-          </ac:cxnSpMkLst>
-        </pc:cxnChg>
-        <pc:cxnChg chg="mod">
-          <ac:chgData name="hirose taichi" userId="ed2dc4b0-8795-4813-ada8-f41a239e7d7d" providerId="ADAL" clId="{856BF87E-E0E8-4254-81CC-BD4D380BEFD0}" dt="2022-10-28T18:30:28.978" v="2738" actId="165"/>
-          <ac:cxnSpMkLst>
-            <pc:docMk/>
-            <pc:sldMk cId="282841257" sldId="412"/>
-            <ac:cxnSpMk id="26" creationId="{313C0F54-2CB1-4174-AEDB-48BDB710B8F2}"/>
-          </ac:cxnSpMkLst>
-        </pc:cxnChg>
-        <pc:cxnChg chg="mod">
-          <ac:chgData name="hirose taichi" userId="ed2dc4b0-8795-4813-ada8-f41a239e7d7d" providerId="ADAL" clId="{856BF87E-E0E8-4254-81CC-BD4D380BEFD0}" dt="2022-10-28T18:30:28.978" v="2738" actId="165"/>
-          <ac:cxnSpMkLst>
-            <pc:docMk/>
-            <pc:sldMk cId="282841257" sldId="412"/>
-            <ac:cxnSpMk id="27" creationId="{13003A00-031A-4FFA-8457-1C4B1B7E39A5}"/>
-          </ac:cxnSpMkLst>
-        </pc:cxnChg>
-        <pc:cxnChg chg="add mod">
-          <ac:chgData name="hirose taichi" userId="ed2dc4b0-8795-4813-ada8-f41a239e7d7d" providerId="ADAL" clId="{856BF87E-E0E8-4254-81CC-BD4D380BEFD0}" dt="2022-10-31T18:43:13.427" v="5337" actId="12788"/>
-          <ac:cxnSpMkLst>
-            <pc:docMk/>
-            <pc:sldMk cId="282841257" sldId="412"/>
-            <ac:cxnSpMk id="29" creationId="{AEF0FB9C-6E85-4076-9AAC-CF6EEF001851}"/>
-          </ac:cxnSpMkLst>
-        </pc:cxnChg>
-        <pc:cxnChg chg="add mod ord">
-          <ac:chgData name="hirose taichi" userId="ed2dc4b0-8795-4813-ada8-f41a239e7d7d" providerId="ADAL" clId="{856BF87E-E0E8-4254-81CC-BD4D380BEFD0}" dt="2022-10-28T18:42:22.357" v="3024" actId="164"/>
-          <ac:cxnSpMkLst>
-            <pc:docMk/>
-            <pc:sldMk cId="282841257" sldId="412"/>
-            <ac:cxnSpMk id="29" creationId="{BC5CE51D-9328-4870-9E6C-3E77F1A4D82F}"/>
-          </ac:cxnSpMkLst>
-        </pc:cxnChg>
-        <pc:cxnChg chg="add mod">
-          <ac:chgData name="hirose taichi" userId="ed2dc4b0-8795-4813-ada8-f41a239e7d7d" providerId="ADAL" clId="{856BF87E-E0E8-4254-81CC-BD4D380BEFD0}" dt="2022-10-28T18:40:39.137" v="3008" actId="164"/>
-          <ac:cxnSpMkLst>
-            <pc:docMk/>
-            <pc:sldMk cId="282841257" sldId="412"/>
-            <ac:cxnSpMk id="36" creationId="{F45F27C2-241A-488D-96F3-A2FB06347918}"/>
-          </ac:cxnSpMkLst>
-        </pc:cxnChg>
-        <pc:cxnChg chg="del mod topLvl">
-          <ac:chgData name="hirose taichi" userId="ed2dc4b0-8795-4813-ada8-f41a239e7d7d" providerId="ADAL" clId="{856BF87E-E0E8-4254-81CC-BD4D380BEFD0}" dt="2022-10-29T03:57:58.512" v="5079" actId="478"/>
-          <ac:cxnSpMkLst>
-            <pc:docMk/>
-            <pc:sldMk cId="282841257" sldId="412"/>
-            <ac:cxnSpMk id="51" creationId="{225C4BCF-7F85-4F24-A449-2F640D86076C}"/>
-          </ac:cxnSpMkLst>
-        </pc:cxnChg>
-        <pc:cxnChg chg="mod topLvl">
-          <ac:chgData name="hirose taichi" userId="ed2dc4b0-8795-4813-ada8-f41a239e7d7d" providerId="ADAL" clId="{856BF87E-E0E8-4254-81CC-BD4D380BEFD0}" dt="2022-10-28T19:15:09.082" v="4236" actId="165"/>
-          <ac:cxnSpMkLst>
-            <pc:docMk/>
-            <pc:sldMk cId="282841257" sldId="412"/>
-            <ac:cxnSpMk id="54" creationId="{5962C15A-750F-4038-85CA-2EA08E09EC07}"/>
-          </ac:cxnSpMkLst>
-        </pc:cxnChg>
-        <pc:cxnChg chg="mod topLvl">
-          <ac:chgData name="hirose taichi" userId="ed2dc4b0-8795-4813-ada8-f41a239e7d7d" providerId="ADAL" clId="{856BF87E-E0E8-4254-81CC-BD4D380BEFD0}" dt="2022-10-28T19:15:09.082" v="4236" actId="165"/>
-          <ac:cxnSpMkLst>
-            <pc:docMk/>
-            <pc:sldMk cId="282841257" sldId="412"/>
-            <ac:cxnSpMk id="55" creationId="{11514D72-2201-4004-8BD6-149A4468F695}"/>
-          </ac:cxnSpMkLst>
-        </pc:cxnChg>
-        <pc:cxnChg chg="del mod topLvl">
-          <ac:chgData name="hirose taichi" userId="ed2dc4b0-8795-4813-ada8-f41a239e7d7d" providerId="ADAL" clId="{856BF87E-E0E8-4254-81CC-BD4D380BEFD0}" dt="2022-10-29T03:57:25.556" v="5068" actId="478"/>
-          <ac:cxnSpMkLst>
-            <pc:docMk/>
-            <pc:sldMk cId="282841257" sldId="412"/>
-            <ac:cxnSpMk id="56" creationId="{EF3D3BB4-DC95-4E09-9761-1253C0191197}"/>
-          </ac:cxnSpMkLst>
-        </pc:cxnChg>
-      </pc:sldChg>
-      <pc:sldChg chg="del">
-        <pc:chgData name="hirose taichi" userId="ed2dc4b0-8795-4813-ada8-f41a239e7d7d" providerId="ADAL" clId="{856BF87E-E0E8-4254-81CC-BD4D380BEFD0}" dt="2022-10-28T15:59:17.518" v="0" actId="2696"/>
-        <pc:sldMkLst>
-          <pc:docMk/>
-          <pc:sldMk cId="4223578364" sldId="412"/>
-        </pc:sldMkLst>
-      </pc:sldChg>
-      <pc:sldChg chg="addSp modSp add del mod ord">
-        <pc:chgData name="hirose taichi" userId="ed2dc4b0-8795-4813-ada8-f41a239e7d7d" providerId="ADAL" clId="{856BF87E-E0E8-4254-81CC-BD4D380BEFD0}" dt="2022-10-31T16:34:34.009" v="5191" actId="1076"/>
-        <pc:sldMkLst>
-          <pc:docMk/>
-          <pc:sldMk cId="764492402" sldId="413"/>
-        </pc:sldMkLst>
-        <pc:spChg chg="mod">
-          <ac:chgData name="hirose taichi" userId="ed2dc4b0-8795-4813-ada8-f41a239e7d7d" providerId="ADAL" clId="{856BF87E-E0E8-4254-81CC-BD4D380BEFD0}" dt="2022-10-28T17:39:17.546" v="1830"/>
-          <ac:spMkLst>
-            <pc:docMk/>
-            <pc:sldMk cId="764492402" sldId="413"/>
-            <ac:spMk id="10" creationId="{ECEF6A87-CDEE-4C09-ADD2-B5E55B76916B}"/>
-          </ac:spMkLst>
-        </pc:spChg>
-        <pc:spChg chg="mod">
-          <ac:chgData name="hirose taichi" userId="ed2dc4b0-8795-4813-ada8-f41a239e7d7d" providerId="ADAL" clId="{856BF87E-E0E8-4254-81CC-BD4D380BEFD0}" dt="2022-10-28T17:39:48.378" v="1853" actId="20577"/>
-          <ac:spMkLst>
-            <pc:docMk/>
-            <pc:sldMk cId="764492402" sldId="413"/>
-            <ac:spMk id="12" creationId="{5E2478F6-3BE2-455F-A0F4-B5067E026AB3}"/>
-          </ac:spMkLst>
-        </pc:spChg>
-        <pc:spChg chg="add mod">
-          <ac:chgData name="hirose taichi" userId="ed2dc4b0-8795-4813-ada8-f41a239e7d7d" providerId="ADAL" clId="{856BF87E-E0E8-4254-81CC-BD4D380BEFD0}" dt="2022-10-31T16:34:34.009" v="5191" actId="1076"/>
-          <ac:spMkLst>
-            <pc:docMk/>
-            <pc:sldMk cId="764492402" sldId="413"/>
-            <ac:spMk id="21" creationId="{747E5B9A-6E14-43CA-92C7-53EADD517805}"/>
-          </ac:spMkLst>
-        </pc:spChg>
-        <pc:spChg chg="add mod">
-          <ac:chgData name="hirose taichi" userId="ed2dc4b0-8795-4813-ada8-f41a239e7d7d" providerId="ADAL" clId="{856BF87E-E0E8-4254-81CC-BD4D380BEFD0}" dt="2022-10-31T16:34:23.180" v="5189" actId="14100"/>
-          <ac:spMkLst>
-            <pc:docMk/>
-            <pc:sldMk cId="764492402" sldId="413"/>
-            <ac:spMk id="22" creationId="{12EE96EF-7798-438A-9440-3873B4757D86}"/>
-          </ac:spMkLst>
-        </pc:spChg>
-      </pc:sldChg>
-      <pc:sldChg chg="addSp delSp modSp new del mod">
-        <pc:chgData name="hirose taichi" userId="ed2dc4b0-8795-4813-ada8-f41a239e7d7d" providerId="ADAL" clId="{856BF87E-E0E8-4254-81CC-BD4D380BEFD0}" dt="2022-10-28T19:14:13.512" v="4207" actId="47"/>
-        <pc:sldMkLst>
-          <pc:docMk/>
-          <pc:sldMk cId="1961238867" sldId="414"/>
-        </pc:sldMkLst>
-        <pc:spChg chg="mod">
-          <ac:chgData name="hirose taichi" userId="ed2dc4b0-8795-4813-ada8-f41a239e7d7d" providerId="ADAL" clId="{856BF87E-E0E8-4254-81CC-BD4D380BEFD0}" dt="2022-10-28T18:58:05.995" v="3631" actId="20577"/>
-          <ac:spMkLst>
-            <pc:docMk/>
-            <pc:sldMk cId="1961238867" sldId="414"/>
-            <ac:spMk id="2" creationId="{F4AD01EC-20F0-4ABF-A417-2A4DF3BE8522}"/>
-          </ac:spMkLst>
-        </pc:spChg>
-        <pc:spChg chg="mod">
-          <ac:chgData name="hirose taichi" userId="ed2dc4b0-8795-4813-ada8-f41a239e7d7d" providerId="ADAL" clId="{856BF87E-E0E8-4254-81CC-BD4D380BEFD0}" dt="2022-10-28T18:03:48.890" v="2295" actId="20577"/>
-          <ac:spMkLst>
-            <pc:docMk/>
-            <pc:sldMk cId="1961238867" sldId="414"/>
-            <ac:spMk id="3" creationId="{ADE2FAA3-220A-4DDE-8734-62A60A7E513C}"/>
-          </ac:spMkLst>
-        </pc:spChg>
-        <pc:spChg chg="del mod topLvl">
-          <ac:chgData name="hirose taichi" userId="ed2dc4b0-8795-4813-ada8-f41a239e7d7d" providerId="ADAL" clId="{856BF87E-E0E8-4254-81CC-BD4D380BEFD0}" dt="2022-10-28T18:22:29.812" v="2569" actId="478"/>
-          <ac:spMkLst>
-            <pc:docMk/>
-            <pc:sldMk cId="1961238867" sldId="414"/>
-            <ac:spMk id="8" creationId="{4B12B9F7-49A5-4E22-8AF6-49B33CDEFBE7}"/>
-          </ac:spMkLst>
-        </pc:spChg>
-        <pc:spChg chg="del mod topLvl">
-          <ac:chgData name="hirose taichi" userId="ed2dc4b0-8795-4813-ada8-f41a239e7d7d" providerId="ADAL" clId="{856BF87E-E0E8-4254-81CC-BD4D380BEFD0}" dt="2022-10-28T18:22:25.958" v="2567" actId="478"/>
-          <ac:spMkLst>
-            <pc:docMk/>
-            <pc:sldMk cId="1961238867" sldId="414"/>
-            <ac:spMk id="9" creationId="{73266B00-E260-4466-AD4A-E952E91CA46A}"/>
-          </ac:spMkLst>
-        </pc:spChg>
-        <pc:spChg chg="add mod ord topLvl">
-          <ac:chgData name="hirose taichi" userId="ed2dc4b0-8795-4813-ada8-f41a239e7d7d" providerId="ADAL" clId="{856BF87E-E0E8-4254-81CC-BD4D380BEFD0}" dt="2022-10-28T19:08:24.020" v="3923" actId="164"/>
-          <ac:spMkLst>
-            <pc:docMk/>
-            <pc:sldMk cId="1961238867" sldId="414"/>
-            <ac:spMk id="14" creationId="{077370ED-A4C0-42DA-BBE2-19AECD61C73A}"/>
-          </ac:spMkLst>
-        </pc:spChg>
-        <pc:spChg chg="add mod topLvl">
-          <ac:chgData name="hirose taichi" userId="ed2dc4b0-8795-4813-ada8-f41a239e7d7d" providerId="ADAL" clId="{856BF87E-E0E8-4254-81CC-BD4D380BEFD0}" dt="2022-10-28T19:03:08.638" v="3822" actId="165"/>
-          <ac:spMkLst>
-            <pc:docMk/>
-            <pc:sldMk cId="1961238867" sldId="414"/>
-            <ac:spMk id="16" creationId="{44173A5D-762D-4BF4-B60B-F0D8C233E2BA}"/>
-          </ac:spMkLst>
-        </pc:spChg>
-        <pc:spChg chg="add mod topLvl">
-          <ac:chgData name="hirose taichi" userId="ed2dc4b0-8795-4813-ada8-f41a239e7d7d" providerId="ADAL" clId="{856BF87E-E0E8-4254-81CC-BD4D380BEFD0}" dt="2022-10-28T19:03:08.638" v="3822" actId="165"/>
-          <ac:spMkLst>
-            <pc:docMk/>
-            <pc:sldMk cId="1961238867" sldId="414"/>
-            <ac:spMk id="17" creationId="{C507921B-A5D2-430D-903E-AFD15EC0DDFA}"/>
-          </ac:spMkLst>
-        </pc:spChg>
-        <pc:spChg chg="add mod topLvl">
-          <ac:chgData name="hirose taichi" userId="ed2dc4b0-8795-4813-ada8-f41a239e7d7d" providerId="ADAL" clId="{856BF87E-E0E8-4254-81CC-BD4D380BEFD0}" dt="2022-10-28T19:03:08.638" v="3822" actId="165"/>
-          <ac:spMkLst>
-            <pc:docMk/>
-            <pc:sldMk cId="1961238867" sldId="414"/>
-            <ac:spMk id="18" creationId="{4E513C1C-CB03-4D6B-BE13-D2EC449C39E1}"/>
-          </ac:spMkLst>
-        </pc:spChg>
-        <pc:spChg chg="add mod">
-          <ac:chgData name="hirose taichi" userId="ed2dc4b0-8795-4813-ada8-f41a239e7d7d" providerId="ADAL" clId="{856BF87E-E0E8-4254-81CC-BD4D380BEFD0}" dt="2022-10-28T19:08:24.020" v="3923" actId="164"/>
-          <ac:spMkLst>
-            <pc:docMk/>
-            <pc:sldMk cId="1961238867" sldId="414"/>
-            <ac:spMk id="24" creationId="{75383EEE-0E8F-4CFD-9CD3-A937E0F35CC8}"/>
-          </ac:spMkLst>
-        </pc:spChg>
-        <pc:spChg chg="add del">
-          <ac:chgData name="hirose taichi" userId="ed2dc4b0-8795-4813-ada8-f41a239e7d7d" providerId="ADAL" clId="{856BF87E-E0E8-4254-81CC-BD4D380BEFD0}" dt="2022-10-28T19:00:34.965" v="3652" actId="11529"/>
-          <ac:spMkLst>
-            <pc:docMk/>
-            <pc:sldMk cId="1961238867" sldId="414"/>
-            <ac:spMk id="40" creationId="{BBC79969-6AA6-4990-B22D-918621540486}"/>
-          </ac:spMkLst>
-        </pc:spChg>
-        <pc:spChg chg="add mod ord">
-          <ac:chgData name="hirose taichi" userId="ed2dc4b0-8795-4813-ada8-f41a239e7d7d" providerId="ADAL" clId="{856BF87E-E0E8-4254-81CC-BD4D380BEFD0}" dt="2022-10-28T19:10:13.223" v="4107" actId="14100"/>
-          <ac:spMkLst>
-            <pc:docMk/>
-            <pc:sldMk cId="1961238867" sldId="414"/>
-            <ac:spMk id="41" creationId="{37FAC5AB-0C27-40A6-801C-1FBAECFEFA67}"/>
-          </ac:spMkLst>
-        </pc:spChg>
-        <pc:spChg chg="add del mod">
-          <ac:chgData name="hirose taichi" userId="ed2dc4b0-8795-4813-ada8-f41a239e7d7d" providerId="ADAL" clId="{856BF87E-E0E8-4254-81CC-BD4D380BEFD0}" dt="2022-10-28T19:10:39.423" v="4109" actId="21"/>
-          <ac:spMkLst>
-            <pc:docMk/>
-            <pc:sldMk cId="1961238867" sldId="414"/>
-            <ac:spMk id="42" creationId="{7B378367-FCD8-4606-AA8A-441D4E0F33B9}"/>
-          </ac:spMkLst>
-        </pc:spChg>
-        <pc:spChg chg="add del mod">
-          <ac:chgData name="hirose taichi" userId="ed2dc4b0-8795-4813-ada8-f41a239e7d7d" providerId="ADAL" clId="{856BF87E-E0E8-4254-81CC-BD4D380BEFD0}" dt="2022-10-28T19:09:11.646" v="3941" actId="478"/>
-          <ac:spMkLst>
-            <pc:docMk/>
-            <pc:sldMk cId="1961238867" sldId="414"/>
-            <ac:spMk id="44" creationId="{761C2599-77FF-41EB-95E4-AB100F5DB357}"/>
-          </ac:spMkLst>
-        </pc:spChg>
-        <pc:grpChg chg="add del mod">
-          <ac:chgData name="hirose taichi" userId="ed2dc4b0-8795-4813-ada8-f41a239e7d7d" providerId="ADAL" clId="{856BF87E-E0E8-4254-81CC-BD4D380BEFD0}" dt="2022-10-28T18:21:34.069" v="2558" actId="165"/>
-          <ac:grpSpMkLst>
-            <pc:docMk/>
-            <pc:sldMk cId="1961238867" sldId="414"/>
-            <ac:grpSpMk id="7" creationId="{C6229192-5E55-4FFA-A401-AF9AF1C25617}"/>
-          </ac:grpSpMkLst>
-        </pc:grpChg>
-        <pc:grpChg chg="add del mod">
-          <ac:chgData name="hirose taichi" userId="ed2dc4b0-8795-4813-ada8-f41a239e7d7d" providerId="ADAL" clId="{856BF87E-E0E8-4254-81CC-BD4D380BEFD0}" dt="2022-10-28T18:24:35.245" v="2604" actId="165"/>
-          <ac:grpSpMkLst>
-            <pc:docMk/>
-            <pc:sldMk cId="1961238867" sldId="414"/>
-            <ac:grpSpMk id="13" creationId="{C1C466F3-D756-4297-90FC-3B53ADB0E877}"/>
-          </ac:grpSpMkLst>
-        </pc:grpChg>
-        <pc:grpChg chg="add del mod topLvl">
-          <ac:chgData name="hirose taichi" userId="ed2dc4b0-8795-4813-ada8-f41a239e7d7d" providerId="ADAL" clId="{856BF87E-E0E8-4254-81CC-BD4D380BEFD0}" dt="2022-10-28T18:47:42.350" v="3169" actId="165"/>
-          <ac:grpSpMkLst>
-            <pc:docMk/>
-            <pc:sldMk cId="1961238867" sldId="414"/>
-            <ac:grpSpMk id="15" creationId="{94006D87-B223-4C0C-830D-0CB750F09370}"/>
-          </ac:grpSpMkLst>
-        </pc:grpChg>
-        <pc:grpChg chg="add del mod">
-          <ac:chgData name="hirose taichi" userId="ed2dc4b0-8795-4813-ada8-f41a239e7d7d" providerId="ADAL" clId="{856BF87E-E0E8-4254-81CC-BD4D380BEFD0}" dt="2022-10-28T18:47:25.547" v="3167" actId="165"/>
-          <ac:grpSpMkLst>
-            <pc:docMk/>
-            <pc:sldMk cId="1961238867" sldId="414"/>
-            <ac:grpSpMk id="19" creationId="{5F45B41E-47C3-4CEE-8215-AEC7B0DD032D}"/>
-          </ac:grpSpMkLst>
-        </pc:grpChg>
-        <pc:grpChg chg="add mod topLvl">
-          <ac:chgData name="hirose taichi" userId="ed2dc4b0-8795-4813-ada8-f41a239e7d7d" providerId="ADAL" clId="{856BF87E-E0E8-4254-81CC-BD4D380BEFD0}" dt="2022-10-28T19:08:24.020" v="3923" actId="164"/>
-          <ac:grpSpMkLst>
-            <pc:docMk/>
-            <pc:sldMk cId="1961238867" sldId="414"/>
-            <ac:grpSpMk id="20" creationId="{D670614D-3150-405E-9DB0-BE177BE17E8F}"/>
-          </ac:grpSpMkLst>
-        </pc:grpChg>
-        <pc:grpChg chg="add del mod">
-          <ac:chgData name="hirose taichi" userId="ed2dc4b0-8795-4813-ada8-f41a239e7d7d" providerId="ADAL" clId="{856BF87E-E0E8-4254-81CC-BD4D380BEFD0}" dt="2022-10-28T19:03:08.638" v="3822" actId="165"/>
-          <ac:grpSpMkLst>
-            <pc:docMk/>
-            <pc:sldMk cId="1961238867" sldId="414"/>
-            <ac:grpSpMk id="25" creationId="{09CE821E-D604-4026-A2CA-C04581CD82B0}"/>
-          </ac:grpSpMkLst>
-        </pc:grpChg>
-        <pc:grpChg chg="add mod">
-          <ac:chgData name="hirose taichi" userId="ed2dc4b0-8795-4813-ada8-f41a239e7d7d" providerId="ADAL" clId="{856BF87E-E0E8-4254-81CC-BD4D380BEFD0}" dt="2022-10-28T19:08:51.119" v="3939" actId="1035"/>
-          <ac:grpSpMkLst>
-            <pc:docMk/>
-            <pc:sldMk cId="1961238867" sldId="414"/>
-            <ac:grpSpMk id="43" creationId="{44107846-1513-4E3B-90A7-B3DDF4272E1F}"/>
-          </ac:grpSpMkLst>
-        </pc:grpChg>
-        <pc:cxnChg chg="add mod ord topLvl">
-          <ac:chgData name="hirose taichi" userId="ed2dc4b0-8795-4813-ada8-f41a239e7d7d" providerId="ADAL" clId="{856BF87E-E0E8-4254-81CC-BD4D380BEFD0}" dt="2022-10-28T19:08:24.020" v="3923" actId="164"/>
-          <ac:cxnSpMkLst>
-            <pc:docMk/>
-            <pc:sldMk cId="1961238867" sldId="414"/>
-            <ac:cxnSpMk id="6" creationId="{0D7CC8AD-7F2A-4102-AD12-88D8ED8D582A}"/>
-          </ac:cxnSpMkLst>
-        </pc:cxnChg>
-        <pc:cxnChg chg="add mod topLvl">
-          <ac:chgData name="hirose taichi" userId="ed2dc4b0-8795-4813-ada8-f41a239e7d7d" providerId="ADAL" clId="{856BF87E-E0E8-4254-81CC-BD4D380BEFD0}" dt="2022-10-28T19:08:24.020" v="3923" actId="164"/>
-          <ac:cxnSpMkLst>
-            <pc:docMk/>
-            <pc:sldMk cId="1961238867" sldId="414"/>
-            <ac:cxnSpMk id="11" creationId="{84175B41-C8F9-4D9F-83F1-FBD894E5E188}"/>
-          </ac:cxnSpMkLst>
-        </pc:cxnChg>
-        <pc:cxnChg chg="add mod topLvl">
-          <ac:chgData name="hirose taichi" userId="ed2dc4b0-8795-4813-ada8-f41a239e7d7d" providerId="ADAL" clId="{856BF87E-E0E8-4254-81CC-BD4D380BEFD0}" dt="2022-10-28T19:08:24.020" v="3923" actId="164"/>
-          <ac:cxnSpMkLst>
-            <pc:docMk/>
-            <pc:sldMk cId="1961238867" sldId="414"/>
-            <ac:cxnSpMk id="12" creationId="{A62B41C1-7655-44BD-A167-20C5B39B0906}"/>
-          </ac:cxnSpMkLst>
-        </pc:cxnChg>
-        <pc:cxnChg chg="add del mod">
-          <ac:chgData name="hirose taichi" userId="ed2dc4b0-8795-4813-ada8-f41a239e7d7d" providerId="ADAL" clId="{856BF87E-E0E8-4254-81CC-BD4D380BEFD0}" dt="2022-10-28T19:00:50.525" v="3653" actId="478"/>
-          <ac:cxnSpMkLst>
-            <pc:docMk/>
-            <pc:sldMk cId="1961238867" sldId="414"/>
-            <ac:cxnSpMk id="27" creationId="{17EE6EB1-4DC7-42C0-820F-D8C4AEFD6E30}"/>
-          </ac:cxnSpMkLst>
-        </pc:cxnChg>
-        <pc:cxnChg chg="add del mod">
-          <ac:chgData name="hirose taichi" userId="ed2dc4b0-8795-4813-ada8-f41a239e7d7d" providerId="ADAL" clId="{856BF87E-E0E8-4254-81CC-BD4D380BEFD0}" dt="2022-10-28T19:00:10.732" v="3650" actId="478"/>
-          <ac:cxnSpMkLst>
-            <pc:docMk/>
-            <pc:sldMk cId="1961238867" sldId="414"/>
-            <ac:cxnSpMk id="29" creationId="{A9CDD814-3FD7-4CBC-8DE2-F7E06D6EA29D}"/>
-          </ac:cxnSpMkLst>
-        </pc:cxnChg>
-      </pc:sldChg>
-      <pc:sldChg chg="del">
-        <pc:chgData name="hirose taichi" userId="ed2dc4b0-8795-4813-ada8-f41a239e7d7d" providerId="ADAL" clId="{856BF87E-E0E8-4254-81CC-BD4D380BEFD0}" dt="2022-10-28T15:59:17.518" v="0" actId="2696"/>
-        <pc:sldMkLst>
-          <pc:docMk/>
-          <pc:sldMk cId="3947360793" sldId="414"/>
-        </pc:sldMkLst>
-      </pc:sldChg>
-      <pc:sldChg chg="addSp delSp modSp add del mod modAnim">
-        <pc:chgData name="hirose taichi" userId="ed2dc4b0-8795-4813-ada8-f41a239e7d7d" providerId="ADAL" clId="{856BF87E-E0E8-4254-81CC-BD4D380BEFD0}" dt="2022-10-31T18:50:54.870" v="5424" actId="14100"/>
-        <pc:sldMkLst>
-          <pc:docMk/>
-          <pc:sldMk cId="4247633511" sldId="415"/>
-        </pc:sldMkLst>
-        <pc:spChg chg="mod">
-          <ac:chgData name="hirose taichi" userId="ed2dc4b0-8795-4813-ada8-f41a239e7d7d" providerId="ADAL" clId="{856BF87E-E0E8-4254-81CC-BD4D380BEFD0}" dt="2022-10-31T18:50:54.870" v="5424" actId="14100"/>
-          <ac:spMkLst>
-            <pc:docMk/>
-            <pc:sldMk cId="4247633511" sldId="415"/>
-            <ac:spMk id="2" creationId="{5CC3DBDC-2ABB-464E-AA98-8626CB68BCFA}"/>
-          </ac:spMkLst>
-        </pc:spChg>
-        <pc:spChg chg="mod">
-          <ac:chgData name="hirose taichi" userId="ed2dc4b0-8795-4813-ada8-f41a239e7d7d" providerId="ADAL" clId="{856BF87E-E0E8-4254-81CC-BD4D380BEFD0}" dt="2022-10-28T19:30:36.340" v="4724" actId="20577"/>
-          <ac:spMkLst>
-            <pc:docMk/>
-            <pc:sldMk cId="4247633511" sldId="415"/>
-            <ac:spMk id="3" creationId="{0921E3F5-4656-480F-ACDF-10F20AD43E90}"/>
-          </ac:spMkLst>
-        </pc:spChg>
-        <pc:spChg chg="del mod topLvl">
-          <ac:chgData name="hirose taichi" userId="ed2dc4b0-8795-4813-ada8-f41a239e7d7d" providerId="ADAL" clId="{856BF87E-E0E8-4254-81CC-BD4D380BEFD0}" dt="2022-10-28T19:03:46.130" v="3865" actId="478"/>
-          <ac:spMkLst>
-            <pc:docMk/>
-            <pc:sldMk cId="4247633511" sldId="415"/>
-            <ac:spMk id="6" creationId="{A0734BF8-22B5-4682-B577-D87171B23D85}"/>
-          </ac:spMkLst>
-        </pc:spChg>
-        <pc:spChg chg="add del mod ord topLvl">
-          <ac:chgData name="hirose taichi" userId="ed2dc4b0-8795-4813-ada8-f41a239e7d7d" providerId="ADAL" clId="{856BF87E-E0E8-4254-81CC-BD4D380BEFD0}" dt="2022-10-31T18:46:03.496" v="5371" actId="170"/>
-          <ac:spMkLst>
-            <pc:docMk/>
-            <pc:sldMk cId="4247633511" sldId="415"/>
-            <ac:spMk id="8" creationId="{7F3EE70D-555E-4015-BF16-678974A74AE0}"/>
-          </ac:spMkLst>
-        </pc:spChg>
-        <pc:spChg chg="mod topLvl">
-          <ac:chgData name="hirose taichi" userId="ed2dc4b0-8795-4813-ada8-f41a239e7d7d" providerId="ADAL" clId="{856BF87E-E0E8-4254-81CC-BD4D380BEFD0}" dt="2022-10-28T19:17:13.315" v="4276" actId="165"/>
-          <ac:spMkLst>
-            <pc:docMk/>
-            <pc:sldMk cId="4247633511" sldId="415"/>
-            <ac:spMk id="22" creationId="{4F2A396D-A065-4292-BBBA-786B3D905C52}"/>
-          </ac:spMkLst>
-        </pc:spChg>
-        <pc:spChg chg="mod topLvl">
-          <ac:chgData name="hirose taichi" userId="ed2dc4b0-8795-4813-ada8-f41a239e7d7d" providerId="ADAL" clId="{856BF87E-E0E8-4254-81CC-BD4D380BEFD0}" dt="2022-10-28T19:17:13.315" v="4276" actId="165"/>
-          <ac:spMkLst>
-            <pc:docMk/>
-            <pc:sldMk cId="4247633511" sldId="415"/>
-            <ac:spMk id="23" creationId="{A6811F9A-7D5E-41C8-B3F8-744067D56AC7}"/>
-          </ac:spMkLst>
-        </pc:spChg>
-        <pc:spChg chg="mod topLvl">
-          <ac:chgData name="hirose taichi" userId="ed2dc4b0-8795-4813-ada8-f41a239e7d7d" providerId="ADAL" clId="{856BF87E-E0E8-4254-81CC-BD4D380BEFD0}" dt="2022-10-28T19:17:13.315" v="4276" actId="165"/>
-          <ac:spMkLst>
-            <pc:docMk/>
-            <pc:sldMk cId="4247633511" sldId="415"/>
-            <ac:spMk id="24" creationId="{B15EC43A-BAAE-40E8-A140-66BE9DFCDF5A}"/>
-          </ac:spMkLst>
-        </pc:spChg>
-        <pc:spChg chg="mod topLvl">
-          <ac:chgData name="hirose taichi" userId="ed2dc4b0-8795-4813-ada8-f41a239e7d7d" providerId="ADAL" clId="{856BF87E-E0E8-4254-81CC-BD4D380BEFD0}" dt="2022-10-28T19:17:13.315" v="4276" actId="165"/>
-          <ac:spMkLst>
-            <pc:docMk/>
-            <pc:sldMk cId="4247633511" sldId="415"/>
-            <ac:spMk id="25" creationId="{A221F9E5-6153-4BA4-A447-66C06CCCF93D}"/>
-          </ac:spMkLst>
-        </pc:spChg>
-        <pc:spChg chg="add mod">
-          <ac:chgData name="hirose taichi" userId="ed2dc4b0-8795-4813-ada8-f41a239e7d7d" providerId="ADAL" clId="{856BF87E-E0E8-4254-81CC-BD4D380BEFD0}" dt="2022-10-28T20:20:16.258" v="4799" actId="20577"/>
-          <ac:spMkLst>
-            <pc:docMk/>
-            <pc:sldMk cId="4247633511" sldId="415"/>
-            <ac:spMk id="28" creationId="{863775B5-6758-4C17-BF5C-32A171A19389}"/>
-          </ac:spMkLst>
-        </pc:spChg>
-        <pc:spChg chg="add mod topLvl">
-          <ac:chgData name="hirose taichi" userId="ed2dc4b0-8795-4813-ada8-f41a239e7d7d" providerId="ADAL" clId="{856BF87E-E0E8-4254-81CC-BD4D380BEFD0}" dt="2022-10-28T19:18:15.520" v="4294" actId="20577"/>
-          <ac:spMkLst>
-            <pc:docMk/>
-            <pc:sldMk cId="4247633511" sldId="415"/>
-            <ac:spMk id="30" creationId="{65B7C387-3E29-47BC-9DBB-31BFEA4F825C}"/>
-          </ac:spMkLst>
-        </pc:spChg>
-        <pc:spChg chg="add mod ord">
-          <ac:chgData name="hirose taichi" userId="ed2dc4b0-8795-4813-ada8-f41a239e7d7d" providerId="ADAL" clId="{856BF87E-E0E8-4254-81CC-BD4D380BEFD0}" dt="2022-10-31T18:45:58.423" v="5370" actId="170"/>
-          <ac:spMkLst>
-            <pc:docMk/>
-            <pc:sldMk cId="4247633511" sldId="415"/>
-            <ac:spMk id="31" creationId="{1C9F78E4-642C-4686-963D-575704CDBE9E}"/>
-          </ac:spMkLst>
-        </pc:spChg>
-        <pc:grpChg chg="add del mod topLvl">
-          <ac:chgData name="hirose taichi" userId="ed2dc4b0-8795-4813-ada8-f41a239e7d7d" providerId="ADAL" clId="{856BF87E-E0E8-4254-81CC-BD4D380BEFD0}" dt="2022-10-28T19:17:13.315" v="4276" actId="165"/>
-          <ac:grpSpMkLst>
-            <pc:docMk/>
-            <pc:sldMk cId="4247633511" sldId="415"/>
-            <ac:grpSpMk id="11" creationId="{9280C8BB-66F1-49AF-94D7-2E820AC3B0B8}"/>
-          </ac:grpSpMkLst>
-        </pc:grpChg>
-        <pc:grpChg chg="add del mod">
-          <ac:chgData name="hirose taichi" userId="ed2dc4b0-8795-4813-ada8-f41a239e7d7d" providerId="ADAL" clId="{856BF87E-E0E8-4254-81CC-BD4D380BEFD0}" dt="2022-10-28T19:17:09.364" v="4275" actId="165"/>
-          <ac:grpSpMkLst>
-            <pc:docMk/>
-            <pc:sldMk cId="4247633511" sldId="415"/>
-            <ac:grpSpMk id="13" creationId="{C45F315F-28AD-4E1C-A97E-0B99C8BCBFE7}"/>
-          </ac:grpSpMkLst>
-        </pc:grpChg>
-        <pc:grpChg chg="del mod topLvl">
-          <ac:chgData name="hirose taichi" userId="ed2dc4b0-8795-4813-ada8-f41a239e7d7d" providerId="ADAL" clId="{856BF87E-E0E8-4254-81CC-BD4D380BEFD0}" dt="2022-10-28T18:51:40.163" v="3331" actId="165"/>
-          <ac:grpSpMkLst>
-            <pc:docMk/>
-            <pc:sldMk cId="4247633511" sldId="415"/>
-            <ac:grpSpMk id="21" creationId="{0E1A4A58-3C2F-4C4C-ABA7-321E7288348B}"/>
-          </ac:grpSpMkLst>
-        </pc:grpChg>
-        <pc:grpChg chg="del">
-          <ac:chgData name="hirose taichi" userId="ed2dc4b0-8795-4813-ada8-f41a239e7d7d" providerId="ADAL" clId="{856BF87E-E0E8-4254-81CC-BD4D380BEFD0}" dt="2022-10-28T18:43:59.951" v="3058" actId="478"/>
-          <ac:grpSpMkLst>
-            <pc:docMk/>
-            <pc:sldMk cId="4247633511" sldId="415"/>
-            <ac:grpSpMk id="46" creationId="{F1786009-4011-45B2-8EA2-F683642F046D}"/>
-          </ac:grpSpMkLst>
-        </pc:grpChg>
-        <pc:grpChg chg="del mod">
-          <ac:chgData name="hirose taichi" userId="ed2dc4b0-8795-4813-ada8-f41a239e7d7d" providerId="ADAL" clId="{856BF87E-E0E8-4254-81CC-BD4D380BEFD0}" dt="2022-10-28T18:51:07.838" v="3278" actId="165"/>
-          <ac:grpSpMkLst>
-            <pc:docMk/>
-            <pc:sldMk cId="4247633511" sldId="415"/>
-            <ac:grpSpMk id="47" creationId="{3CACC0C1-55EB-400D-B063-AFCD4216C1AD}"/>
-          </ac:grpSpMkLst>
-        </pc:grpChg>
-        <pc:cxnChg chg="mod topLvl">
-          <ac:chgData name="hirose taichi" userId="ed2dc4b0-8795-4813-ada8-f41a239e7d7d" providerId="ADAL" clId="{856BF87E-E0E8-4254-81CC-BD4D380BEFD0}" dt="2022-10-31T18:45:05.899" v="5357" actId="14100"/>
-          <ac:cxnSpMkLst>
-            <pc:docMk/>
-            <pc:sldMk cId="4247633511" sldId="415"/>
-            <ac:cxnSpMk id="18" creationId="{97BF72C8-5206-4DEF-87AE-D8A75A6F2890}"/>
-          </ac:cxnSpMkLst>
-        </pc:cxnChg>
-        <pc:cxnChg chg="mod topLvl">
-          <ac:chgData name="hirose taichi" userId="ed2dc4b0-8795-4813-ada8-f41a239e7d7d" providerId="ADAL" clId="{856BF87E-E0E8-4254-81CC-BD4D380BEFD0}" dt="2022-10-28T19:17:13.315" v="4276" actId="165"/>
-          <ac:cxnSpMkLst>
-            <pc:docMk/>
-            <pc:sldMk cId="4247633511" sldId="415"/>
-            <ac:cxnSpMk id="26" creationId="{313C0F54-2CB1-4174-AEDB-48BDB710B8F2}"/>
-          </ac:cxnSpMkLst>
-        </pc:cxnChg>
-        <pc:cxnChg chg="mod topLvl">
-          <ac:chgData name="hirose taichi" userId="ed2dc4b0-8795-4813-ada8-f41a239e7d7d" providerId="ADAL" clId="{856BF87E-E0E8-4254-81CC-BD4D380BEFD0}" dt="2022-10-28T19:17:13.315" v="4276" actId="165"/>
-          <ac:cxnSpMkLst>
-            <pc:docMk/>
-            <pc:sldMk cId="4247633511" sldId="415"/>
-            <ac:cxnSpMk id="27" creationId="{13003A00-031A-4FFA-8457-1C4B1B7E39A5}"/>
-          </ac:cxnSpMkLst>
-        </pc:cxnChg>
-        <pc:cxnChg chg="del mod topLvl">
-          <ac:chgData name="hirose taichi" userId="ed2dc4b0-8795-4813-ada8-f41a239e7d7d" providerId="ADAL" clId="{856BF87E-E0E8-4254-81CC-BD4D380BEFD0}" dt="2022-10-28T19:18:39.011" v="4297" actId="478"/>
-          <ac:cxnSpMkLst>
-            <pc:docMk/>
-            <pc:sldMk cId="4247633511" sldId="415"/>
-            <ac:cxnSpMk id="29" creationId="{BC5CE51D-9328-4870-9E6C-3E77F1A4D82F}"/>
-          </ac:cxnSpMkLst>
-        </pc:cxnChg>
-      </pc:sldChg>
-      <pc:sldChg chg="addSp delSp modSp add del mod delAnim">
-        <pc:chgData name="hirose taichi" userId="ed2dc4b0-8795-4813-ada8-f41a239e7d7d" providerId="ADAL" clId="{856BF87E-E0E8-4254-81CC-BD4D380BEFD0}" dt="2022-11-01T15:57:24.725" v="5483" actId="478"/>
-        <pc:sldMkLst>
-          <pc:docMk/>
-          <pc:sldMk cId="607085936" sldId="416"/>
-        </pc:sldMkLst>
-        <pc:spChg chg="mod">
-          <ac:chgData name="hirose taichi" userId="ed2dc4b0-8795-4813-ada8-f41a239e7d7d" providerId="ADAL" clId="{856BF87E-E0E8-4254-81CC-BD4D380BEFD0}" dt="2022-10-31T18:50:49.846" v="5423" actId="14100"/>
-          <ac:spMkLst>
-            <pc:docMk/>
-            <pc:sldMk cId="607085936" sldId="416"/>
-            <ac:spMk id="2" creationId="{5CC3DBDC-2ABB-464E-AA98-8626CB68BCFA}"/>
-          </ac:spMkLst>
-        </pc:spChg>
-        <pc:spChg chg="mod">
-          <ac:chgData name="hirose taichi" userId="ed2dc4b0-8795-4813-ada8-f41a239e7d7d" providerId="ADAL" clId="{856BF87E-E0E8-4254-81CC-BD4D380BEFD0}" dt="2022-10-28T19:31:16.752" v="4745" actId="20577"/>
-          <ac:spMkLst>
-            <pc:docMk/>
-            <pc:sldMk cId="607085936" sldId="416"/>
-            <ac:spMk id="3" creationId="{0921E3F5-4656-480F-ACDF-10F20AD43E90}"/>
-          </ac:spMkLst>
-        </pc:spChg>
-        <pc:spChg chg="del">
-          <ac:chgData name="hirose taichi" userId="ed2dc4b0-8795-4813-ada8-f41a239e7d7d" providerId="ADAL" clId="{856BF87E-E0E8-4254-81CC-BD4D380BEFD0}" dt="2022-10-28T18:50:50.964" v="3276" actId="478"/>
-          <ac:spMkLst>
-            <pc:docMk/>
-            <pc:sldMk cId="607085936" sldId="416"/>
-            <ac:spMk id="28" creationId="{863775B5-6758-4C17-BF5C-32A171A19389}"/>
-          </ac:spMkLst>
-        </pc:spChg>
-        <pc:spChg chg="del mod topLvl">
-          <ac:chgData name="hirose taichi" userId="ed2dc4b0-8795-4813-ada8-f41a239e7d7d" providerId="ADAL" clId="{856BF87E-E0E8-4254-81CC-BD4D380BEFD0}" dt="2022-10-28T18:55:27.214" v="3595" actId="478"/>
-          <ac:spMkLst>
-            <pc:docMk/>
-            <pc:sldMk cId="607085936" sldId="416"/>
-            <ac:spMk id="30" creationId="{E0DA9FBD-264C-4E9B-AF31-875AA7D78335}"/>
-          </ac:spMkLst>
-        </pc:spChg>
-        <pc:spChg chg="mod topLvl">
-          <ac:chgData name="hirose taichi" userId="ed2dc4b0-8795-4813-ada8-f41a239e7d7d" providerId="ADAL" clId="{856BF87E-E0E8-4254-81CC-BD4D380BEFD0}" dt="2022-10-28T18:53:44.214" v="3516" actId="165"/>
-          <ac:spMkLst>
-            <pc:docMk/>
-            <pc:sldMk cId="607085936" sldId="416"/>
-            <ac:spMk id="31" creationId="{3B88BFBA-BFED-4EED-954C-7A0F1C9EC4AF}"/>
-          </ac:spMkLst>
-        </pc:spChg>
-        <pc:spChg chg="del mod topLvl">
-          <ac:chgData name="hirose taichi" userId="ed2dc4b0-8795-4813-ada8-f41a239e7d7d" providerId="ADAL" clId="{856BF87E-E0E8-4254-81CC-BD4D380BEFD0}" dt="2022-10-28T18:56:06.588" v="3602" actId="478"/>
-          <ac:spMkLst>
-            <pc:docMk/>
-            <pc:sldMk cId="607085936" sldId="416"/>
-            <ac:spMk id="35" creationId="{F83133A4-FFC4-4284-8A4C-41AF5AFFD9BC}"/>
-          </ac:spMkLst>
-        </pc:spChg>
-        <pc:spChg chg="mod ord topLvl">
-          <ac:chgData name="hirose taichi" userId="ed2dc4b0-8795-4813-ada8-f41a239e7d7d" providerId="ADAL" clId="{856BF87E-E0E8-4254-81CC-BD4D380BEFD0}" dt="2022-10-28T19:11:16.933" v="4125" actId="170"/>
-          <ac:spMkLst>
-            <pc:docMk/>
-            <pc:sldMk cId="607085936" sldId="416"/>
-            <ac:spMk id="36" creationId="{FDF7FC1D-0C18-4021-BDED-FCF72C5C87EF}"/>
-          </ac:spMkLst>
-        </pc:spChg>
-        <pc:spChg chg="mod topLvl">
-          <ac:chgData name="hirose taichi" userId="ed2dc4b0-8795-4813-ada8-f41a239e7d7d" providerId="ADAL" clId="{856BF87E-E0E8-4254-81CC-BD4D380BEFD0}" dt="2022-10-28T18:53:44.214" v="3516" actId="165"/>
-          <ac:spMkLst>
-            <pc:docMk/>
-            <pc:sldMk cId="607085936" sldId="416"/>
-            <ac:spMk id="37" creationId="{43654EF4-AC17-4514-B0CE-5C388051CD45}"/>
-          </ac:spMkLst>
-        </pc:spChg>
-        <pc:spChg chg="mod ord topLvl">
-          <ac:chgData name="hirose taichi" userId="ed2dc4b0-8795-4813-ada8-f41a239e7d7d" providerId="ADAL" clId="{856BF87E-E0E8-4254-81CC-BD4D380BEFD0}" dt="2022-10-28T19:11:12.895" v="4121" actId="170"/>
-          <ac:spMkLst>
-            <pc:docMk/>
-            <pc:sldMk cId="607085936" sldId="416"/>
-            <ac:spMk id="38" creationId="{95D98ABC-BF9D-4A07-82FA-F0F4F9AC14CE}"/>
-          </ac:spMkLst>
-        </pc:spChg>
-        <pc:spChg chg="add del mod">
-          <ac:chgData name="hirose taichi" userId="ed2dc4b0-8795-4813-ada8-f41a239e7d7d" providerId="ADAL" clId="{856BF87E-E0E8-4254-81CC-BD4D380BEFD0}" dt="2022-10-28T19:11:57.755" v="4148" actId="478"/>
-          <ac:spMkLst>
-            <pc:docMk/>
-            <pc:sldMk cId="607085936" sldId="416"/>
-            <ac:spMk id="39" creationId="{2EC8F96F-C3E5-41DD-8782-9F342E746303}"/>
-          </ac:spMkLst>
-        </pc:spChg>
-        <pc:spChg chg="add del mod">
-          <ac:chgData name="hirose taichi" userId="ed2dc4b0-8795-4813-ada8-f41a239e7d7d" providerId="ADAL" clId="{856BF87E-E0E8-4254-81CC-BD4D380BEFD0}" dt="2022-10-28T18:56:00.974" v="3601" actId="478"/>
-          <ac:spMkLst>
-            <pc:docMk/>
-            <pc:sldMk cId="607085936" sldId="416"/>
-            <ac:spMk id="40" creationId="{EB738D48-7FEC-49F7-8E58-15C71F1F2D1A}"/>
-          </ac:spMkLst>
-        </pc:spChg>
-        <pc:spChg chg="add mod">
-          <ac:chgData name="hirose taichi" userId="ed2dc4b0-8795-4813-ada8-f41a239e7d7d" providerId="ADAL" clId="{856BF87E-E0E8-4254-81CC-BD4D380BEFD0}" dt="2022-10-28T18:56:18.733" v="3604" actId="1076"/>
-          <ac:spMkLst>
-            <pc:docMk/>
-            <pc:sldMk cId="607085936" sldId="416"/>
-            <ac:spMk id="41" creationId="{C3816ECD-85B9-42D9-8740-879C06305C0F}"/>
-          </ac:spMkLst>
-        </pc:spChg>
-        <pc:spChg chg="add del mod">
-          <ac:chgData name="hirose taichi" userId="ed2dc4b0-8795-4813-ada8-f41a239e7d7d" providerId="ADAL" clId="{856BF87E-E0E8-4254-81CC-BD4D380BEFD0}" dt="2022-10-28T19:11:58.524" v="4149" actId="478"/>
-          <ac:spMkLst>
-            <pc:docMk/>
-            <pc:sldMk cId="607085936" sldId="416"/>
-            <ac:spMk id="42" creationId="{2F71AD3D-2101-484E-BEF7-582189E79C1A}"/>
-          </ac:spMkLst>
-        </pc:spChg>
-        <pc:spChg chg="add del mod">
-          <ac:chgData name="hirose taichi" userId="ed2dc4b0-8795-4813-ada8-f41a239e7d7d" providerId="ADAL" clId="{856BF87E-E0E8-4254-81CC-BD4D380BEFD0}" dt="2022-11-01T15:57:24.725" v="5483" actId="478"/>
-          <ac:spMkLst>
-            <pc:docMk/>
-            <pc:sldMk cId="607085936" sldId="416"/>
-            <ac:spMk id="43" creationId="{BDA08E82-CE60-47AC-BF4F-3731EA39B93D}"/>
-          </ac:spMkLst>
-        </pc:spChg>
-        <pc:spChg chg="add mod ord">
-          <ac:chgData name="hirose taichi" userId="ed2dc4b0-8795-4813-ada8-f41a239e7d7d" providerId="ADAL" clId="{856BF87E-E0E8-4254-81CC-BD4D380BEFD0}" dt="2022-10-28T20:30:15.359" v="4898" actId="14100"/>
-          <ac:spMkLst>
-            <pc:docMk/>
-            <pc:sldMk cId="607085936" sldId="416"/>
-            <ac:spMk id="44" creationId="{CEE11757-F51F-4533-B3F5-FE6586F0C44E}"/>
-          </ac:spMkLst>
-        </pc:spChg>
-        <pc:spChg chg="add del mod">
-          <ac:chgData name="hirose taichi" userId="ed2dc4b0-8795-4813-ada8-f41a239e7d7d" providerId="ADAL" clId="{856BF87E-E0E8-4254-81CC-BD4D380BEFD0}" dt="2022-10-28T19:13:26.929" v="4199" actId="478"/>
-          <ac:spMkLst>
-            <pc:docMk/>
-            <pc:sldMk cId="607085936" sldId="416"/>
-            <ac:spMk id="45" creationId="{9E093932-150F-45EC-9C4D-0D8ACC4473C0}"/>
-          </ac:spMkLst>
-        </pc:spChg>
-        <pc:spChg chg="add mod">
-          <ac:chgData name="hirose taichi" userId="ed2dc4b0-8795-4813-ada8-f41a239e7d7d" providerId="ADAL" clId="{856BF87E-E0E8-4254-81CC-BD4D380BEFD0}" dt="2022-10-28T20:29:31.043" v="4887" actId="1076"/>
-          <ac:spMkLst>
-            <pc:docMk/>
-            <pc:sldMk cId="607085936" sldId="416"/>
-            <ac:spMk id="46" creationId="{889EAE84-3B09-4AD2-9A33-5BDD068472AA}"/>
-          </ac:spMkLst>
-        </pc:spChg>
-        <pc:spChg chg="add del mod">
-          <ac:chgData name="hirose taichi" userId="ed2dc4b0-8795-4813-ada8-f41a239e7d7d" providerId="ADAL" clId="{856BF87E-E0E8-4254-81CC-BD4D380BEFD0}" dt="2022-10-28T20:30:00.738" v="4893" actId="478"/>
-          <ac:spMkLst>
-            <pc:docMk/>
-            <pc:sldMk cId="607085936" sldId="416"/>
-            <ac:spMk id="48" creationId="{D6C66868-EE52-4314-A3A4-77EAEFE1FF06}"/>
-          </ac:spMkLst>
-        </pc:spChg>
-        <pc:spChg chg="mod topLvl">
-          <ac:chgData name="hirose taichi" userId="ed2dc4b0-8795-4813-ada8-f41a239e7d7d" providerId="ADAL" clId="{856BF87E-E0E8-4254-81CC-BD4D380BEFD0}" dt="2022-10-28T19:22:33.214" v="4354" actId="1076"/>
-          <ac:spMkLst>
-            <pc:docMk/>
-            <pc:sldMk cId="607085936" sldId="416"/>
-            <ac:spMk id="50" creationId="{3F370BF7-7AAD-4F1B-8910-583E38CEB982}"/>
-          </ac:spMkLst>
-        </pc:spChg>
-        <pc:spChg chg="add mod">
-          <ac:chgData name="hirose taichi" userId="ed2dc4b0-8795-4813-ada8-f41a239e7d7d" providerId="ADAL" clId="{856BF87E-E0E8-4254-81CC-BD4D380BEFD0}" dt="2022-10-31T18:49:26.262" v="5413" actId="1076"/>
-          <ac:spMkLst>
-            <pc:docMk/>
-            <pc:sldMk cId="607085936" sldId="416"/>
-            <ac:spMk id="53" creationId="{4AB5289C-4795-4161-B269-FEB7D7F6B2BB}"/>
-          </ac:spMkLst>
-        </pc:spChg>
-        <pc:spChg chg="add del mod">
-          <ac:chgData name="hirose taichi" userId="ed2dc4b0-8795-4813-ada8-f41a239e7d7d" providerId="ADAL" clId="{856BF87E-E0E8-4254-81CC-BD4D380BEFD0}" dt="2022-10-28T20:30:06.355" v="4895" actId="478"/>
-          <ac:spMkLst>
-            <pc:docMk/>
-            <pc:sldMk cId="607085936" sldId="416"/>
-            <ac:spMk id="54" creationId="{765612D7-1140-43FD-AB24-3A0EAF2C5B5E}"/>
-          </ac:spMkLst>
-        </pc:spChg>
-        <pc:spChg chg="add mod">
-          <ac:chgData name="hirose taichi" userId="ed2dc4b0-8795-4813-ada8-f41a239e7d7d" providerId="ADAL" clId="{856BF87E-E0E8-4254-81CC-BD4D380BEFD0}" dt="2022-10-28T20:30:01.132" v="4894"/>
-          <ac:spMkLst>
-            <pc:docMk/>
-            <pc:sldMk cId="607085936" sldId="416"/>
-            <ac:spMk id="55" creationId="{44909EBC-EE1B-4E00-B47B-42FCEC3F460A}"/>
-          </ac:spMkLst>
-        </pc:spChg>
-        <pc:spChg chg="add mod">
-          <ac:chgData name="hirose taichi" userId="ed2dc4b0-8795-4813-ada8-f41a239e7d7d" providerId="ADAL" clId="{856BF87E-E0E8-4254-81CC-BD4D380BEFD0}" dt="2022-10-31T18:49:35.184" v="5414" actId="1076"/>
-          <ac:spMkLst>
-            <pc:docMk/>
-            <pc:sldMk cId="607085936" sldId="416"/>
-            <ac:spMk id="56" creationId="{790F9EDF-A41F-465F-91FD-C63D0689DAAA}"/>
-          </ac:spMkLst>
-        </pc:spChg>
-        <pc:grpChg chg="add del mod">
-          <ac:chgData name="hirose taichi" userId="ed2dc4b0-8795-4813-ada8-f41a239e7d7d" providerId="ADAL" clId="{856BF87E-E0E8-4254-81CC-BD4D380BEFD0}" dt="2022-10-28T18:53:44.214" v="3516" actId="165"/>
-          <ac:grpSpMkLst>
-            <pc:docMk/>
-            <pc:sldMk cId="607085936" sldId="416"/>
-            <ac:grpSpMk id="19" creationId="{62F24698-1F1C-4EF2-9A5E-C09EA964D585}"/>
-          </ac:grpSpMkLst>
-        </pc:grpChg>
-        <pc:grpChg chg="del">
-          <ac:chgData name="hirose taichi" userId="ed2dc4b0-8795-4813-ada8-f41a239e7d7d" providerId="ADAL" clId="{856BF87E-E0E8-4254-81CC-BD4D380BEFD0}" dt="2022-10-28T18:53:29.012" v="3514" actId="478"/>
-          <ac:grpSpMkLst>
-            <pc:docMk/>
-            <pc:sldMk cId="607085936" sldId="416"/>
-            <ac:grpSpMk id="47" creationId="{3CACC0C1-55EB-400D-B063-AFCD4216C1AD}"/>
-          </ac:grpSpMkLst>
-        </pc:grpChg>
-        <pc:grpChg chg="add del mod">
-          <ac:chgData name="hirose taichi" userId="ed2dc4b0-8795-4813-ada8-f41a239e7d7d" providerId="ADAL" clId="{856BF87E-E0E8-4254-81CC-BD4D380BEFD0}" dt="2022-10-28T19:19:50.467" v="4304" actId="165"/>
-          <ac:grpSpMkLst>
-            <pc:docMk/>
-            <pc:sldMk cId="607085936" sldId="416"/>
-            <ac:grpSpMk id="49" creationId="{18035E5E-AE83-478E-AA37-7D1003CCBEB6}"/>
-          </ac:grpSpMkLst>
-        </pc:grpChg>
-        <pc:picChg chg="del mod topLvl">
-          <ac:chgData name="hirose taichi" userId="ed2dc4b0-8795-4813-ada8-f41a239e7d7d" providerId="ADAL" clId="{856BF87E-E0E8-4254-81CC-BD4D380BEFD0}" dt="2022-10-28T19:19:52.936" v="4305" actId="478"/>
-          <ac:picMkLst>
-            <pc:docMk/>
-            <pc:sldMk cId="607085936" sldId="416"/>
-            <ac:picMk id="52" creationId="{A5BF6191-3B68-4967-AF69-767476C2A575}"/>
-          </ac:picMkLst>
-        </pc:picChg>
-        <pc:cxnChg chg="mod topLvl">
-          <ac:chgData name="hirose taichi" userId="ed2dc4b0-8795-4813-ada8-f41a239e7d7d" providerId="ADAL" clId="{856BF87E-E0E8-4254-81CC-BD4D380BEFD0}" dt="2022-10-28T19:22:14.783" v="4351" actId="14100"/>
-          <ac:cxnSpMkLst>
-            <pc:docMk/>
-            <pc:sldMk cId="607085936" sldId="416"/>
-            <ac:cxnSpMk id="20" creationId="{F9878C0D-D0C6-4ED4-939F-4E881287FA5A}"/>
-          </ac:cxnSpMkLst>
-        </pc:cxnChg>
-        <pc:cxnChg chg="mod topLvl">
-          <ac:chgData name="hirose taichi" userId="ed2dc4b0-8795-4813-ada8-f41a239e7d7d" providerId="ADAL" clId="{856BF87E-E0E8-4254-81CC-BD4D380BEFD0}" dt="2022-10-28T18:53:44.214" v="3516" actId="165"/>
-          <ac:cxnSpMkLst>
-            <pc:docMk/>
-            <pc:sldMk cId="607085936" sldId="416"/>
-            <ac:cxnSpMk id="32" creationId="{594094C7-AEF0-42C3-AD02-91710A99C64F}"/>
-          </ac:cxnSpMkLst>
-        </pc:cxnChg>
-        <pc:cxnChg chg="mod topLvl">
-          <ac:chgData name="hirose taichi" userId="ed2dc4b0-8795-4813-ada8-f41a239e7d7d" providerId="ADAL" clId="{856BF87E-E0E8-4254-81CC-BD4D380BEFD0}" dt="2022-10-28T18:53:44.214" v="3516" actId="165"/>
-          <ac:cxnSpMkLst>
-            <pc:docMk/>
-            <pc:sldMk cId="607085936" sldId="416"/>
-            <ac:cxnSpMk id="33" creationId="{E27F25B2-C1AC-4D46-9267-9DE60786271B}"/>
-          </ac:cxnSpMkLst>
-        </pc:cxnChg>
-        <pc:cxnChg chg="del mod topLvl">
-          <ac:chgData name="hirose taichi" userId="ed2dc4b0-8795-4813-ada8-f41a239e7d7d" providerId="ADAL" clId="{856BF87E-E0E8-4254-81CC-BD4D380BEFD0}" dt="2022-10-28T19:11:01.884" v="4114" actId="478"/>
-          <ac:cxnSpMkLst>
-            <pc:docMk/>
-            <pc:sldMk cId="607085936" sldId="416"/>
-            <ac:cxnSpMk id="34" creationId="{18F4BCC6-5068-49ED-BEFB-113A604C82E7}"/>
-          </ac:cxnSpMkLst>
-        </pc:cxnChg>
-        <pc:cxnChg chg="mod topLvl">
-          <ac:chgData name="hirose taichi" userId="ed2dc4b0-8795-4813-ada8-f41a239e7d7d" providerId="ADAL" clId="{856BF87E-E0E8-4254-81CC-BD4D380BEFD0}" dt="2022-10-31T18:49:06.200" v="5412" actId="12788"/>
-          <ac:cxnSpMkLst>
-            <pc:docMk/>
-            <pc:sldMk cId="607085936" sldId="416"/>
-            <ac:cxnSpMk id="51" creationId="{10DBC478-2A53-48EE-8CB4-56CB885FDF24}"/>
-          </ac:cxnSpMkLst>
-        </pc:cxnChg>
-      </pc:sldChg>
-      <pc:sldChg chg="add del">
-        <pc:chgData name="hirose taichi" userId="ed2dc4b0-8795-4813-ada8-f41a239e7d7d" providerId="ADAL" clId="{856BF87E-E0E8-4254-81CC-BD4D380BEFD0}" dt="2022-10-28T18:44:06.332" v="3060"/>
-        <pc:sldMkLst>
-          <pc:docMk/>
-          <pc:sldMk cId="1033737777" sldId="416"/>
-        </pc:sldMkLst>
-      </pc:sldChg>
-      <pc:sldChg chg="del">
-        <pc:chgData name="hirose taichi" userId="ed2dc4b0-8795-4813-ada8-f41a239e7d7d" providerId="ADAL" clId="{856BF87E-E0E8-4254-81CC-BD4D380BEFD0}" dt="2022-10-28T15:59:17.518" v="0" actId="2696"/>
-        <pc:sldMkLst>
-          <pc:docMk/>
-          <pc:sldMk cId="4150269027" sldId="416"/>
-        </pc:sldMkLst>
-      </pc:sldChg>
-      <pc:sldChg chg="modSp add del mod">
-        <pc:chgData name="hirose taichi" userId="ed2dc4b0-8795-4813-ada8-f41a239e7d7d" providerId="ADAL" clId="{856BF87E-E0E8-4254-81CC-BD4D380BEFD0}" dt="2022-10-28T19:22:43.659" v="4358" actId="47"/>
-        <pc:sldMkLst>
-          <pc:docMk/>
-          <pc:sldMk cId="755063591" sldId="417"/>
-        </pc:sldMkLst>
-        <pc:spChg chg="mod">
-          <ac:chgData name="hirose taichi" userId="ed2dc4b0-8795-4813-ada8-f41a239e7d7d" providerId="ADAL" clId="{856BF87E-E0E8-4254-81CC-BD4D380BEFD0}" dt="2022-10-28T19:21:55.411" v="4349" actId="20577"/>
-          <ac:spMkLst>
-            <pc:docMk/>
-            <pc:sldMk cId="755063591" sldId="417"/>
-            <ac:spMk id="3" creationId="{0921E3F5-4656-480F-ACDF-10F20AD43E90}"/>
-          </ac:spMkLst>
-        </pc:spChg>
-      </pc:sldChg>
-      <pc:sldChg chg="del">
-        <pc:chgData name="hirose taichi" userId="ed2dc4b0-8795-4813-ada8-f41a239e7d7d" providerId="ADAL" clId="{856BF87E-E0E8-4254-81CC-BD4D380BEFD0}" dt="2022-10-28T15:59:17.518" v="0" actId="2696"/>
-        <pc:sldMkLst>
-          <pc:docMk/>
-          <pc:sldMk cId="3517670947" sldId="417"/>
-        </pc:sldMkLst>
-      </pc:sldChg>
-      <pc:sldChg chg="del">
-        <pc:chgData name="hirose taichi" userId="ed2dc4b0-8795-4813-ada8-f41a239e7d7d" providerId="ADAL" clId="{856BF87E-E0E8-4254-81CC-BD4D380BEFD0}" dt="2022-10-28T15:59:17.518" v="0" actId="2696"/>
-        <pc:sldMkLst>
-          <pc:docMk/>
-          <pc:sldMk cId="878327619" sldId="418"/>
-        </pc:sldMkLst>
-      </pc:sldChg>
-      <pc:sldChg chg="addSp delSp modSp add mod ord">
-        <pc:chgData name="hirose taichi" userId="ed2dc4b0-8795-4813-ada8-f41a239e7d7d" providerId="ADAL" clId="{856BF87E-E0E8-4254-81CC-BD4D380BEFD0}" dt="2022-11-01T15:57:27.748" v="5484" actId="478"/>
-        <pc:sldMkLst>
-          <pc:docMk/>
-          <pc:sldMk cId="3798514748" sldId="418"/>
-        </pc:sldMkLst>
-        <pc:spChg chg="mod">
-          <ac:chgData name="hirose taichi" userId="ed2dc4b0-8795-4813-ada8-f41a239e7d7d" providerId="ADAL" clId="{856BF87E-E0E8-4254-81CC-BD4D380BEFD0}" dt="2022-10-31T18:49:55.758" v="5418" actId="14100"/>
-          <ac:spMkLst>
-            <pc:docMk/>
-            <pc:sldMk cId="3798514748" sldId="418"/>
-            <ac:spMk id="2" creationId="{5CC3DBDC-2ABB-464E-AA98-8626CB68BCFA}"/>
-          </ac:spMkLst>
-        </pc:spChg>
-        <pc:spChg chg="mod">
-          <ac:chgData name="hirose taichi" userId="ed2dc4b0-8795-4813-ada8-f41a239e7d7d" providerId="ADAL" clId="{856BF87E-E0E8-4254-81CC-BD4D380BEFD0}" dt="2022-10-28T19:32:35.486" v="4754" actId="20577"/>
-          <ac:spMkLst>
-            <pc:docMk/>
-            <pc:sldMk cId="3798514748" sldId="418"/>
-            <ac:spMk id="3" creationId="{0921E3F5-4656-480F-ACDF-10F20AD43E90}"/>
-          </ac:spMkLst>
-        </pc:spChg>
-        <pc:spChg chg="add del mod">
-          <ac:chgData name="hirose taichi" userId="ed2dc4b0-8795-4813-ada8-f41a239e7d7d" providerId="ADAL" clId="{856BF87E-E0E8-4254-81CC-BD4D380BEFD0}" dt="2022-10-28T20:30:47.226" v="4908" actId="478"/>
-          <ac:spMkLst>
-            <pc:docMk/>
-            <pc:sldMk cId="3798514748" sldId="418"/>
-            <ac:spMk id="21" creationId="{2FFE5630-95DF-4FFE-B01A-EFBDF114FD49}"/>
-          </ac:spMkLst>
-        </pc:spChg>
-        <pc:spChg chg="add mod">
-          <ac:chgData name="hirose taichi" userId="ed2dc4b0-8795-4813-ada8-f41a239e7d7d" providerId="ADAL" clId="{856BF87E-E0E8-4254-81CC-BD4D380BEFD0}" dt="2022-10-28T20:29:44.572" v="4890"/>
-          <ac:spMkLst>
-            <pc:docMk/>
-            <pc:sldMk cId="3798514748" sldId="418"/>
-            <ac:spMk id="22" creationId="{7FF37E1F-3CFC-48A0-91D5-F203ABED2D33}"/>
-          </ac:spMkLst>
-        </pc:spChg>
-        <pc:spChg chg="add mod">
-          <ac:chgData name="hirose taichi" userId="ed2dc4b0-8795-4813-ada8-f41a239e7d7d" providerId="ADAL" clId="{856BF87E-E0E8-4254-81CC-BD4D380BEFD0}" dt="2022-10-28T20:29:55.856" v="4892" actId="14100"/>
-          <ac:spMkLst>
-            <pc:docMk/>
-            <pc:sldMk cId="3798514748" sldId="418"/>
-            <ac:spMk id="23" creationId="{FADABBE3-4AAA-4A8E-80DC-98118D8007A7}"/>
-          </ac:spMkLst>
-        </pc:spChg>
-        <pc:spChg chg="add mod">
-          <ac:chgData name="hirose taichi" userId="ed2dc4b0-8795-4813-ada8-f41a239e7d7d" providerId="ADAL" clId="{856BF87E-E0E8-4254-81CC-BD4D380BEFD0}" dt="2022-10-31T18:50:04.626" v="5419" actId="12788"/>
-          <ac:spMkLst>
-            <pc:docMk/>
-            <pc:sldMk cId="3798514748" sldId="418"/>
-            <ac:spMk id="24" creationId="{F03B4CF8-1D92-4F8D-9576-587B6A6233E3}"/>
-          </ac:spMkLst>
-        </pc:spChg>
-        <pc:spChg chg="add del mod">
-          <ac:chgData name="hirose taichi" userId="ed2dc4b0-8795-4813-ada8-f41a239e7d7d" providerId="ADAL" clId="{856BF87E-E0E8-4254-81CC-BD4D380BEFD0}" dt="2022-10-28T20:30:42.873" v="4905"/>
-          <ac:spMkLst>
-            <pc:docMk/>
-            <pc:sldMk cId="3798514748" sldId="418"/>
-            <ac:spMk id="25" creationId="{D833B373-C0C8-4193-8BFC-CFD5352FD58D}"/>
-          </ac:spMkLst>
-        </pc:spChg>
-        <pc:spChg chg="add mod">
-          <ac:chgData name="hirose taichi" userId="ed2dc4b0-8795-4813-ada8-f41a239e7d7d" providerId="ADAL" clId="{856BF87E-E0E8-4254-81CC-BD4D380BEFD0}" dt="2022-10-31T18:50:04.626" v="5419" actId="12788"/>
-          <ac:spMkLst>
-            <pc:docMk/>
-            <pc:sldMk cId="3798514748" sldId="418"/>
-            <ac:spMk id="26" creationId="{6F67E49A-1B7E-44AA-80D2-29021F0BCAB1}"/>
-          </ac:spMkLst>
-        </pc:spChg>
-        <pc:spChg chg="del mod">
-          <ac:chgData name="hirose taichi" userId="ed2dc4b0-8795-4813-ada8-f41a239e7d7d" providerId="ADAL" clId="{856BF87E-E0E8-4254-81CC-BD4D380BEFD0}" dt="2022-11-01T15:57:27.748" v="5484" actId="478"/>
-          <ac:spMkLst>
-            <pc:docMk/>
-            <pc:sldMk cId="3798514748" sldId="418"/>
-            <ac:spMk id="43" creationId="{BDA08E82-CE60-47AC-BF4F-3731EA39B93D}"/>
-          </ac:spMkLst>
-        </pc:spChg>
-        <pc:spChg chg="mod">
-          <ac:chgData name="hirose taichi" userId="ed2dc4b0-8795-4813-ada8-f41a239e7d7d" providerId="ADAL" clId="{856BF87E-E0E8-4254-81CC-BD4D380BEFD0}" dt="2022-10-28T20:30:38.141" v="4903" actId="14100"/>
-          <ac:spMkLst>
-            <pc:docMk/>
-            <pc:sldMk cId="3798514748" sldId="418"/>
-            <ac:spMk id="44" creationId="{CEE11757-F51F-4533-B3F5-FE6586F0C44E}"/>
-          </ac:spMkLst>
-        </pc:spChg>
-        <pc:spChg chg="del mod">
-          <ac:chgData name="hirose taichi" userId="ed2dc4b0-8795-4813-ada8-f41a239e7d7d" providerId="ADAL" clId="{856BF87E-E0E8-4254-81CC-BD4D380BEFD0}" dt="2022-10-28T20:29:42.417" v="4888" actId="478"/>
-          <ac:spMkLst>
-            <pc:docMk/>
-            <pc:sldMk cId="3798514748" sldId="418"/>
-            <ac:spMk id="46" creationId="{889EAE84-3B09-4AD2-9A33-5BDD068472AA}"/>
-          </ac:spMkLst>
-        </pc:spChg>
-        <pc:spChg chg="del">
-          <ac:chgData name="hirose taichi" userId="ed2dc4b0-8795-4813-ada8-f41a239e7d7d" providerId="ADAL" clId="{856BF87E-E0E8-4254-81CC-BD4D380BEFD0}" dt="2022-10-28T20:29:43.462" v="4889" actId="478"/>
-          <ac:spMkLst>
-            <pc:docMk/>
-            <pc:sldMk cId="3798514748" sldId="418"/>
-            <ac:spMk id="48" creationId="{D6C66868-EE52-4314-A3A4-77EAEFE1FF06}"/>
-          </ac:spMkLst>
-        </pc:spChg>
-        <pc:spChg chg="mod">
-          <ac:chgData name="hirose taichi" userId="ed2dc4b0-8795-4813-ada8-f41a239e7d7d" providerId="ADAL" clId="{856BF87E-E0E8-4254-81CC-BD4D380BEFD0}" dt="2022-10-28T19:24:08.551" v="4432" actId="20577"/>
-          <ac:spMkLst>
-            <pc:docMk/>
-            <pc:sldMk cId="3798514748" sldId="418"/>
-            <ac:spMk id="50" creationId="{3F370BF7-7AAD-4F1B-8910-583E38CEB982}"/>
-          </ac:spMkLst>
-        </pc:spChg>
-        <pc:spChg chg="add del mod">
-          <ac:chgData name="hirose taichi" userId="ed2dc4b0-8795-4813-ada8-f41a239e7d7d" providerId="ADAL" clId="{856BF87E-E0E8-4254-81CC-BD4D380BEFD0}" dt="2022-10-28T20:30:28.379" v="4900" actId="478"/>
-          <ac:spMkLst>
-            <pc:docMk/>
-            <pc:sldMk cId="3798514748" sldId="418"/>
-            <ac:spMk id="53" creationId="{4AB5289C-4795-4161-B269-FEB7D7F6B2BB}"/>
-          </ac:spMkLst>
-        </pc:spChg>
-        <pc:spChg chg="del">
-          <ac:chgData name="hirose taichi" userId="ed2dc4b0-8795-4813-ada8-f41a239e7d7d" providerId="ADAL" clId="{856BF87E-E0E8-4254-81CC-BD4D380BEFD0}" dt="2022-10-28T19:24:31.577" v="4445" actId="478"/>
-          <ac:spMkLst>
-            <pc:docMk/>
-            <pc:sldMk cId="3798514748" sldId="418"/>
-            <ac:spMk id="54" creationId="{765612D7-1140-43FD-AB24-3A0EAF2C5B5E}"/>
-          </ac:spMkLst>
-        </pc:spChg>
-        <pc:cxnChg chg="mod">
-          <ac:chgData name="hirose taichi" userId="ed2dc4b0-8795-4813-ada8-f41a239e7d7d" providerId="ADAL" clId="{856BF87E-E0E8-4254-81CC-BD4D380BEFD0}" dt="2022-10-31T18:50:04.626" v="5419" actId="12788"/>
-          <ac:cxnSpMkLst>
-            <pc:docMk/>
-            <pc:sldMk cId="3798514748" sldId="418"/>
-            <ac:cxnSpMk id="51" creationId="{10DBC478-2A53-48EE-8CB4-56CB885FDF24}"/>
-          </ac:cxnSpMkLst>
-        </pc:cxnChg>
-      </pc:sldChg>
-      <pc:sldChg chg="del">
-        <pc:chgData name="hirose taichi" userId="ed2dc4b0-8795-4813-ada8-f41a239e7d7d" providerId="ADAL" clId="{856BF87E-E0E8-4254-81CC-BD4D380BEFD0}" dt="2022-10-28T15:59:17.518" v="0" actId="2696"/>
-        <pc:sldMkLst>
-          <pc:docMk/>
-          <pc:sldMk cId="1134423277" sldId="419"/>
-        </pc:sldMkLst>
-      </pc:sldChg>
-      <pc:sldChg chg="addSp delSp modSp new mod ord">
-        <pc:chgData name="hirose taichi" userId="ed2dc4b0-8795-4813-ada8-f41a239e7d7d" providerId="ADAL" clId="{856BF87E-E0E8-4254-81CC-BD4D380BEFD0}" dt="2022-10-31T18:50:23.969" v="5421" actId="14100"/>
-        <pc:sldMkLst>
-          <pc:docMk/>
-          <pc:sldMk cId="3010080662" sldId="419"/>
-        </pc:sldMkLst>
-        <pc:spChg chg="mod">
-          <ac:chgData name="hirose taichi" userId="ed2dc4b0-8795-4813-ada8-f41a239e7d7d" providerId="ADAL" clId="{856BF87E-E0E8-4254-81CC-BD4D380BEFD0}" dt="2022-10-31T18:50:23.969" v="5421" actId="14100"/>
-          <ac:spMkLst>
-            <pc:docMk/>
-            <pc:sldMk cId="3010080662" sldId="419"/>
-            <ac:spMk id="2" creationId="{C2F241EE-E4BF-4D97-BA09-BDBD347F020B}"/>
-          </ac:spMkLst>
-        </pc:spChg>
-        <pc:spChg chg="mod">
-          <ac:chgData name="hirose taichi" userId="ed2dc4b0-8795-4813-ada8-f41a239e7d7d" providerId="ADAL" clId="{856BF87E-E0E8-4254-81CC-BD4D380BEFD0}" dt="2022-10-29T02:56:47.666" v="5029" actId="20577"/>
-          <ac:spMkLst>
-            <pc:docMk/>
-            <pc:sldMk cId="3010080662" sldId="419"/>
-            <ac:spMk id="3" creationId="{92AA5AB8-35DE-4570-A200-1F5631137564}"/>
-          </ac:spMkLst>
-        </pc:spChg>
-        <pc:spChg chg="del">
-          <ac:chgData name="hirose taichi" userId="ed2dc4b0-8795-4813-ada8-f41a239e7d7d" providerId="ADAL" clId="{856BF87E-E0E8-4254-81CC-BD4D380BEFD0}" dt="2022-10-28T20:10:36.816" v="4775"/>
-          <ac:spMkLst>
-            <pc:docMk/>
-            <pc:sldMk cId="3010080662" sldId="419"/>
-            <ac:spMk id="4" creationId="{BB1CA6C6-AE3C-462A-80FD-1961BC2E2D42}"/>
-          </ac:spMkLst>
-        </pc:spChg>
-        <pc:spChg chg="add del mod">
-          <ac:chgData name="hirose taichi" userId="ed2dc4b0-8795-4813-ada8-f41a239e7d7d" providerId="ADAL" clId="{856BF87E-E0E8-4254-81CC-BD4D380BEFD0}" dt="2022-10-31T16:34:48.046" v="5193"/>
-          <ac:spMkLst>
-            <pc:docMk/>
-            <pc:sldMk cId="3010080662" sldId="419"/>
-            <ac:spMk id="5" creationId="{5F097F07-7BC5-4969-8769-32C29D839B30}"/>
-          </ac:spMkLst>
-        </pc:spChg>
-        <pc:spChg chg="add del mod">
-          <ac:chgData name="hirose taichi" userId="ed2dc4b0-8795-4813-ada8-f41a239e7d7d" providerId="ADAL" clId="{856BF87E-E0E8-4254-81CC-BD4D380BEFD0}" dt="2022-10-29T02:53:54.369" v="4980"/>
-          <ac:spMkLst>
-            <pc:docMk/>
-            <pc:sldMk cId="3010080662" sldId="419"/>
-            <ac:spMk id="8" creationId="{93699332-9A24-49CF-9902-88B670A69E9A}"/>
-          </ac:spMkLst>
-        </pc:spChg>
-        <pc:spChg chg="add del mod">
-          <ac:chgData name="hirose taichi" userId="ed2dc4b0-8795-4813-ada8-f41a239e7d7d" providerId="ADAL" clId="{856BF87E-E0E8-4254-81CC-BD4D380BEFD0}" dt="2022-10-29T02:53:51.975" v="4979" actId="478"/>
-          <ac:spMkLst>
-            <pc:docMk/>
-            <pc:sldMk cId="3010080662" sldId="419"/>
-            <ac:spMk id="9" creationId="{C682793A-949B-461C-9EB4-83BF8D72187E}"/>
-          </ac:spMkLst>
-        </pc:spChg>
-        <pc:spChg chg="add del mod">
-          <ac:chgData name="hirose taichi" userId="ed2dc4b0-8795-4813-ada8-f41a239e7d7d" providerId="ADAL" clId="{856BF87E-E0E8-4254-81CC-BD4D380BEFD0}" dt="2022-10-29T02:55:31.991" v="5003" actId="478"/>
-          <ac:spMkLst>
-            <pc:docMk/>
-            <pc:sldMk cId="3010080662" sldId="419"/>
-            <ac:spMk id="12" creationId="{C4EBEF57-2802-4462-99D1-22AF3F100F19}"/>
-          </ac:spMkLst>
-        </pc:spChg>
-        <pc:picChg chg="add del mod ord modCrop">
-          <ac:chgData name="hirose taichi" userId="ed2dc4b0-8795-4813-ada8-f41a239e7d7d" providerId="ADAL" clId="{856BF87E-E0E8-4254-81CC-BD4D380BEFD0}" dt="2022-10-29T02:53:49.269" v="4978" actId="478"/>
-          <ac:picMkLst>
-            <pc:docMk/>
-            <pc:sldMk cId="3010080662" sldId="419"/>
-            <ac:picMk id="5" creationId="{5DD50F27-6F44-4281-85D3-5463B354198F}"/>
-          </ac:picMkLst>
-        </pc:picChg>
-        <pc:picChg chg="add del mod ord">
-          <ac:chgData name="hirose taichi" userId="ed2dc4b0-8795-4813-ada8-f41a239e7d7d" providerId="ADAL" clId="{856BF87E-E0E8-4254-81CC-BD4D380BEFD0}" dt="2022-10-29T02:51:10.270" v="4911" actId="478"/>
-          <ac:picMkLst>
-            <pc:docMk/>
-            <pc:sldMk cId="3010080662" sldId="419"/>
-            <ac:picMk id="6" creationId="{66C82BF7-7D18-4E30-8C7E-2838AAB551DB}"/>
-          </ac:picMkLst>
-        </pc:picChg>
-        <pc:picChg chg="add mod ord modCrop">
-          <ac:chgData name="hirose taichi" userId="ed2dc4b0-8795-4813-ada8-f41a239e7d7d" providerId="ADAL" clId="{856BF87E-E0E8-4254-81CC-BD4D380BEFD0}" dt="2022-10-31T16:35:35.173" v="5209" actId="1076"/>
-          <ac:picMkLst>
-            <pc:docMk/>
-            <pc:sldMk cId="3010080662" sldId="419"/>
-            <ac:picMk id="11" creationId="{150C2E9A-820D-431E-901B-D6CEA60D9192}"/>
-          </ac:picMkLst>
-        </pc:picChg>
-      </pc:sldChg>
-      <pc:sldChg chg="del">
-        <pc:chgData name="hirose taichi" userId="ed2dc4b0-8795-4813-ada8-f41a239e7d7d" providerId="ADAL" clId="{856BF87E-E0E8-4254-81CC-BD4D380BEFD0}" dt="2022-10-28T15:59:17.518" v="0" actId="2696"/>
-        <pc:sldMkLst>
-          <pc:docMk/>
-          <pc:sldMk cId="66135272" sldId="420"/>
-        </pc:sldMkLst>
-      </pc:sldChg>
-      <pc:sldChg chg="addSp delSp modSp new del mod ord">
-        <pc:chgData name="hirose taichi" userId="ed2dc4b0-8795-4813-ada8-f41a239e7d7d" providerId="ADAL" clId="{856BF87E-E0E8-4254-81CC-BD4D380BEFD0}" dt="2022-10-31T16:33:11.930" v="5162" actId="47"/>
-        <pc:sldMkLst>
-          <pc:docMk/>
-          <pc:sldMk cId="821682799" sldId="420"/>
-        </pc:sldMkLst>
-        <pc:spChg chg="add del">
-          <ac:chgData name="hirose taichi" userId="ed2dc4b0-8795-4813-ada8-f41a239e7d7d" providerId="ADAL" clId="{856BF87E-E0E8-4254-81CC-BD4D380BEFD0}" dt="2022-10-28T20:24:35.672" v="4830" actId="478"/>
-          <ac:spMkLst>
-            <pc:docMk/>
-            <pc:sldMk cId="821682799" sldId="420"/>
-            <ac:spMk id="2" creationId="{D309CA1F-0254-45A6-BA85-D8AE4B22CED4}"/>
-          </ac:spMkLst>
-        </pc:spChg>
-        <pc:spChg chg="mod">
-          <ac:chgData name="hirose taichi" userId="ed2dc4b0-8795-4813-ada8-f41a239e7d7d" providerId="ADAL" clId="{856BF87E-E0E8-4254-81CC-BD4D380BEFD0}" dt="2022-10-29T02:56:57.636" v="5030"/>
-          <ac:spMkLst>
-            <pc:docMk/>
-            <pc:sldMk cId="821682799" sldId="420"/>
-            <ac:spMk id="3" creationId="{97BC469F-E822-4C61-8837-AA0FD1917339}"/>
-          </ac:spMkLst>
-        </pc:spChg>
-        <pc:spChg chg="add del mod">
-          <ac:chgData name="hirose taichi" userId="ed2dc4b0-8795-4813-ada8-f41a239e7d7d" providerId="ADAL" clId="{856BF87E-E0E8-4254-81CC-BD4D380BEFD0}" dt="2022-10-28T20:24:22.547" v="4824"/>
-          <ac:spMkLst>
-            <pc:docMk/>
-            <pc:sldMk cId="821682799" sldId="420"/>
-            <ac:spMk id="5" creationId="{15D69503-F210-43DF-A492-E21CA8AB5B57}"/>
-          </ac:spMkLst>
-        </pc:spChg>
-        <pc:spChg chg="add del mod">
-          <ac:chgData name="hirose taichi" userId="ed2dc4b0-8795-4813-ada8-f41a239e7d7d" providerId="ADAL" clId="{856BF87E-E0E8-4254-81CC-BD4D380BEFD0}" dt="2022-10-28T20:24:35.220" v="4829"/>
-          <ac:spMkLst>
-            <pc:docMk/>
-            <pc:sldMk cId="821682799" sldId="420"/>
-            <ac:spMk id="6" creationId="{1BBC450F-4A0B-4BD9-A264-574220F48872}"/>
-          </ac:spMkLst>
-        </pc:spChg>
-        <pc:spChg chg="add mod">
-          <ac:chgData name="hirose taichi" userId="ed2dc4b0-8795-4813-ada8-f41a239e7d7d" providerId="ADAL" clId="{856BF87E-E0E8-4254-81CC-BD4D380BEFD0}" dt="2022-10-28T20:26:44.437" v="4857" actId="207"/>
-          <ac:spMkLst>
-            <pc:docMk/>
-            <pc:sldMk cId="821682799" sldId="420"/>
-            <ac:spMk id="7" creationId="{2BD196EB-EB57-49BD-81AF-E10DBC472459}"/>
-          </ac:spMkLst>
-        </pc:spChg>
-        <pc:spChg chg="add mod">
-          <ac:chgData name="hirose taichi" userId="ed2dc4b0-8795-4813-ada8-f41a239e7d7d" providerId="ADAL" clId="{856BF87E-E0E8-4254-81CC-BD4D380BEFD0}" dt="2022-10-28T20:27:39.349" v="4875" actId="207"/>
-          <ac:spMkLst>
-            <pc:docMk/>
-            <pc:sldMk cId="821682799" sldId="420"/>
-            <ac:spMk id="8" creationId="{62933470-FBD6-47A2-AD0E-D855C7D8C4A4}"/>
-          </ac:spMkLst>
-        </pc:spChg>
-        <pc:spChg chg="add mod">
-          <ac:chgData name="hirose taichi" userId="ed2dc4b0-8795-4813-ada8-f41a239e7d7d" providerId="ADAL" clId="{856BF87E-E0E8-4254-81CC-BD4D380BEFD0}" dt="2022-10-28T20:26:46.833" v="4860" actId="1076"/>
-          <ac:spMkLst>
-            <pc:docMk/>
-            <pc:sldMk cId="821682799" sldId="420"/>
-            <ac:spMk id="9" creationId="{5A87CEF2-9B09-4295-BDD7-325B5C1E99A3}"/>
-          </ac:spMkLst>
-        </pc:spChg>
-        <pc:spChg chg="add del mod">
-          <ac:chgData name="hirose taichi" userId="ed2dc4b0-8795-4813-ada8-f41a239e7d7d" providerId="ADAL" clId="{856BF87E-E0E8-4254-81CC-BD4D380BEFD0}" dt="2022-10-28T20:26:44.115" v="4856"/>
-          <ac:spMkLst>
-            <pc:docMk/>
-            <pc:sldMk cId="821682799" sldId="420"/>
-            <ac:spMk id="10" creationId="{473DC06E-DB53-4D45-BF37-0AC05CBC0E55}"/>
-          </ac:spMkLst>
-        </pc:spChg>
-        <pc:spChg chg="add mod">
-          <ac:chgData name="hirose taichi" userId="ed2dc4b0-8795-4813-ada8-f41a239e7d7d" providerId="ADAL" clId="{856BF87E-E0E8-4254-81CC-BD4D380BEFD0}" dt="2022-10-28T20:27:25.656" v="4872" actId="14100"/>
-          <ac:spMkLst>
-            <pc:docMk/>
-            <pc:sldMk cId="821682799" sldId="420"/>
-            <ac:spMk id="11" creationId="{3EA7CE90-44FE-4678-9495-9A9202D330DC}"/>
-          </ac:spMkLst>
-        </pc:spChg>
-        <pc:spChg chg="add mod">
-          <ac:chgData name="hirose taichi" userId="ed2dc4b0-8795-4813-ada8-f41a239e7d7d" providerId="ADAL" clId="{856BF87E-E0E8-4254-81CC-BD4D380BEFD0}" dt="2022-10-28T20:27:46.364" v="4883" actId="6549"/>
-          <ac:spMkLst>
-            <pc:docMk/>
-            <pc:sldMk cId="821682799" sldId="420"/>
-            <ac:spMk id="12" creationId="{9542EC9C-97BA-4A59-90B8-9A4EBE9D1927}"/>
-          </ac:spMkLst>
-        </pc:spChg>
-      </pc:sldChg>
-      <pc:sldChg chg="addSp delSp modSp add mod ord">
-        <pc:chgData name="hirose taichi" userId="ed2dc4b0-8795-4813-ada8-f41a239e7d7d" providerId="ADAL" clId="{856BF87E-E0E8-4254-81CC-BD4D380BEFD0}" dt="2022-10-31T18:50:34.650" v="5422" actId="14100"/>
-        <pc:sldMkLst>
-          <pc:docMk/>
-          <pc:sldMk cId="881839197" sldId="421"/>
-        </pc:sldMkLst>
-        <pc:spChg chg="mod">
-          <ac:chgData name="hirose taichi" userId="ed2dc4b0-8795-4813-ada8-f41a239e7d7d" providerId="ADAL" clId="{856BF87E-E0E8-4254-81CC-BD4D380BEFD0}" dt="2022-10-31T18:50:34.650" v="5422" actId="14100"/>
-          <ac:spMkLst>
-            <pc:docMk/>
-            <pc:sldMk cId="881839197" sldId="421"/>
-            <ac:spMk id="2" creationId="{C2F241EE-E4BF-4D97-BA09-BDBD347F020B}"/>
-          </ac:spMkLst>
-        </pc:spChg>
-        <pc:spChg chg="mod">
-          <ac:chgData name="hirose taichi" userId="ed2dc4b0-8795-4813-ada8-f41a239e7d7d" providerId="ADAL" clId="{856BF87E-E0E8-4254-81CC-BD4D380BEFD0}" dt="2022-10-29T02:57:14.187" v="5032" actId="20577"/>
-          <ac:spMkLst>
-            <pc:docMk/>
-            <pc:sldMk cId="881839197" sldId="421"/>
-            <ac:spMk id="3" creationId="{92AA5AB8-35DE-4570-A200-1F5631137564}"/>
-          </ac:spMkLst>
-        </pc:spChg>
-        <pc:spChg chg="add del mod">
-          <ac:chgData name="hirose taichi" userId="ed2dc4b0-8795-4813-ada8-f41a239e7d7d" providerId="ADAL" clId="{856BF87E-E0E8-4254-81CC-BD4D380BEFD0}" dt="2022-10-31T18:47:28.279" v="5409" actId="478"/>
-          <ac:spMkLst>
-            <pc:docMk/>
-            <pc:sldMk cId="881839197" sldId="421"/>
-            <ac:spMk id="4" creationId="{F18D4BB0-5C88-4DAB-A35C-345E32DCF1AB}"/>
-          </ac:spMkLst>
-        </pc:spChg>
-        <pc:picChg chg="mod">
-          <ac:chgData name="hirose taichi" userId="ed2dc4b0-8795-4813-ada8-f41a239e7d7d" providerId="ADAL" clId="{856BF87E-E0E8-4254-81CC-BD4D380BEFD0}" dt="2022-10-29T04:02:16.379" v="5133" actId="14100"/>
-          <ac:picMkLst>
-            <pc:docMk/>
-            <pc:sldMk cId="881839197" sldId="421"/>
-            <ac:picMk id="11" creationId="{150C2E9A-820D-431E-901B-D6CEA60D9192}"/>
-          </ac:picMkLst>
-        </pc:picChg>
-      </pc:sldChg>
-      <pc:sldChg chg="add del">
-        <pc:chgData name="hirose taichi" userId="ed2dc4b0-8795-4813-ada8-f41a239e7d7d" providerId="ADAL" clId="{856BF87E-E0E8-4254-81CC-BD4D380BEFD0}" dt="2022-10-29T02:56:27.799" v="5011" actId="47"/>
-        <pc:sldMkLst>
-          <pc:docMk/>
-          <pc:sldMk cId="2895030632" sldId="421"/>
-        </pc:sldMkLst>
-      </pc:sldChg>
-      <pc:sldChg chg="del">
-        <pc:chgData name="hirose taichi" userId="ed2dc4b0-8795-4813-ada8-f41a239e7d7d" providerId="ADAL" clId="{856BF87E-E0E8-4254-81CC-BD4D380BEFD0}" dt="2022-10-28T15:59:17.518" v="0" actId="2696"/>
-        <pc:sldMkLst>
-          <pc:docMk/>
-          <pc:sldMk cId="3971021489" sldId="421"/>
-        </pc:sldMkLst>
-      </pc:sldChg>
-      <pc:sldChg chg="addSp modSp add mod">
-        <pc:chgData name="hirose taichi" userId="ed2dc4b0-8795-4813-ada8-f41a239e7d7d" providerId="ADAL" clId="{856BF87E-E0E8-4254-81CC-BD4D380BEFD0}" dt="2022-10-31T16:33:59.186" v="5182" actId="14100"/>
-        <pc:sldMkLst>
-          <pc:docMk/>
-          <pc:sldMk cId="1159668265" sldId="422"/>
-        </pc:sldMkLst>
-        <pc:spChg chg="add mod">
-          <ac:chgData name="hirose taichi" userId="ed2dc4b0-8795-4813-ada8-f41a239e7d7d" providerId="ADAL" clId="{856BF87E-E0E8-4254-81CC-BD4D380BEFD0}" dt="2022-10-31T16:33:59.186" v="5182" actId="14100"/>
-          <ac:spMkLst>
-            <pc:docMk/>
-            <pc:sldMk cId="1159668265" sldId="422"/>
-            <ac:spMk id="15" creationId="{B4582FC9-01E6-4EFC-8DCB-8EC76751D2E2}"/>
-          </ac:spMkLst>
-        </pc:spChg>
-      </pc:sldChg>
-      <pc:sldChg chg="del">
-        <pc:chgData name="hirose taichi" userId="ed2dc4b0-8795-4813-ada8-f41a239e7d7d" providerId="ADAL" clId="{856BF87E-E0E8-4254-81CC-BD4D380BEFD0}" dt="2022-10-28T15:59:17.518" v="0" actId="2696"/>
-        <pc:sldMkLst>
-          <pc:docMk/>
-          <pc:sldMk cId="3728924642" sldId="423"/>
-        </pc:sldMkLst>
-      </pc:sldChg>
-      <pc:sldChg chg="modSp add mod">
-        <pc:chgData name="hirose taichi" userId="ed2dc4b0-8795-4813-ada8-f41a239e7d7d" providerId="ADAL" clId="{856BF87E-E0E8-4254-81CC-BD4D380BEFD0}" dt="2022-10-31T16:35:07.783" v="5207" actId="1036"/>
-        <pc:sldMkLst>
-          <pc:docMk/>
-          <pc:sldMk cId="4157498024" sldId="423"/>
-        </pc:sldMkLst>
-        <pc:spChg chg="mod">
-          <ac:chgData name="hirose taichi" userId="ed2dc4b0-8795-4813-ada8-f41a239e7d7d" providerId="ADAL" clId="{856BF87E-E0E8-4254-81CC-BD4D380BEFD0}" dt="2022-10-31T16:34:57.359" v="5195" actId="14100"/>
-          <ac:spMkLst>
-            <pc:docMk/>
-            <pc:sldMk cId="4157498024" sldId="423"/>
-            <ac:spMk id="21" creationId="{747E5B9A-6E14-43CA-92C7-53EADD517805}"/>
-          </ac:spMkLst>
-        </pc:spChg>
-        <pc:spChg chg="mod">
-          <ac:chgData name="hirose taichi" userId="ed2dc4b0-8795-4813-ada8-f41a239e7d7d" providerId="ADAL" clId="{856BF87E-E0E8-4254-81CC-BD4D380BEFD0}" dt="2022-10-31T16:35:07.783" v="5207" actId="1036"/>
-          <ac:spMkLst>
-            <pc:docMk/>
-            <pc:sldMk cId="4157498024" sldId="423"/>
-            <ac:spMk id="22" creationId="{12EE96EF-7798-438A-9440-3873B4757D86}"/>
-          </ac:spMkLst>
-        </pc:spChg>
-      </pc:sldChg>
-      <pc:sldChg chg="del">
-        <pc:chgData name="hirose taichi" userId="ed2dc4b0-8795-4813-ada8-f41a239e7d7d" providerId="ADAL" clId="{856BF87E-E0E8-4254-81CC-BD4D380BEFD0}" dt="2022-10-28T15:59:17.518" v="0" actId="2696"/>
-        <pc:sldMkLst>
-          <pc:docMk/>
-          <pc:sldMk cId="87437289" sldId="424"/>
-        </pc:sldMkLst>
-      </pc:sldChg>
-      <pc:sldChg chg="delSp modSp add mod">
-        <pc:chgData name="hirose taichi" userId="ed2dc4b0-8795-4813-ada8-f41a239e7d7d" providerId="ADAL" clId="{856BF87E-E0E8-4254-81CC-BD4D380BEFD0}" dt="2022-10-31T16:36:02.189" v="5214" actId="14100"/>
-        <pc:sldMkLst>
-          <pc:docMk/>
-          <pc:sldMk cId="1283115782" sldId="424"/>
-        </pc:sldMkLst>
-        <pc:spChg chg="del">
-          <ac:chgData name="hirose taichi" userId="ed2dc4b0-8795-4813-ada8-f41a239e7d7d" providerId="ADAL" clId="{856BF87E-E0E8-4254-81CC-BD4D380BEFD0}" dt="2022-10-31T16:35:55.922" v="5213" actId="478"/>
-          <ac:spMkLst>
-            <pc:docMk/>
-            <pc:sldMk cId="1283115782" sldId="424"/>
-            <ac:spMk id="21" creationId="{747E5B9A-6E14-43CA-92C7-53EADD517805}"/>
-          </ac:spMkLst>
-        </pc:spChg>
-        <pc:spChg chg="mod">
-          <ac:chgData name="hirose taichi" userId="ed2dc4b0-8795-4813-ada8-f41a239e7d7d" providerId="ADAL" clId="{856BF87E-E0E8-4254-81CC-BD4D380BEFD0}" dt="2022-10-31T16:36:02.189" v="5214" actId="14100"/>
-          <ac:spMkLst>
-            <pc:docMk/>
-            <pc:sldMk cId="1283115782" sldId="424"/>
-            <ac:spMk id="22" creationId="{12EE96EF-7798-438A-9440-3873B4757D86}"/>
-          </ac:spMkLst>
-        </pc:spChg>
-      </pc:sldChg>
-      <pc:sldChg chg="del">
-        <pc:chgData name="hirose taichi" userId="ed2dc4b0-8795-4813-ada8-f41a239e7d7d" providerId="ADAL" clId="{856BF87E-E0E8-4254-81CC-BD4D380BEFD0}" dt="2022-10-28T15:59:17.518" v="0" actId="2696"/>
-        <pc:sldMkLst>
-          <pc:docMk/>
-          <pc:sldMk cId="1795011624" sldId="425"/>
-        </pc:sldMkLst>
-      </pc:sldChg>
-      <pc:sldChg chg="modSp new mod">
-        <pc:chgData name="hirose taichi" userId="ed2dc4b0-8795-4813-ada8-f41a239e7d7d" providerId="ADAL" clId="{856BF87E-E0E8-4254-81CC-BD4D380BEFD0}" dt="2022-10-31T18:56:02.928" v="5482"/>
-        <pc:sldMkLst>
-          <pc:docMk/>
-          <pc:sldMk cId="3428139653" sldId="425"/>
-        </pc:sldMkLst>
-        <pc:spChg chg="mod">
-          <ac:chgData name="hirose taichi" userId="ed2dc4b0-8795-4813-ada8-f41a239e7d7d" providerId="ADAL" clId="{856BF87E-E0E8-4254-81CC-BD4D380BEFD0}" dt="2022-10-31T18:56:02.928" v="5482"/>
-          <ac:spMkLst>
-            <pc:docMk/>
-            <pc:sldMk cId="3428139653" sldId="425"/>
-            <ac:spMk id="2" creationId="{638A530A-2BB6-46FE-B08A-8F41692B083E}"/>
-          </ac:spMkLst>
-        </pc:spChg>
-        <pc:spChg chg="mod">
-          <ac:chgData name="hirose taichi" userId="ed2dc4b0-8795-4813-ada8-f41a239e7d7d" providerId="ADAL" clId="{856BF87E-E0E8-4254-81CC-BD4D380BEFD0}" dt="2022-10-31T16:37:06.490" v="5233" actId="20577"/>
-          <ac:spMkLst>
-            <pc:docMk/>
-            <pc:sldMk cId="3428139653" sldId="425"/>
-            <ac:spMk id="3" creationId="{15962679-3EF2-4A01-9FAE-E3245DFAAB2F}"/>
-          </ac:spMkLst>
-        </pc:spChg>
-      </pc:sldChg>
-      <pc:sldChg chg="modSp add mod">
-        <pc:chgData name="hirose taichi" userId="ed2dc4b0-8795-4813-ada8-f41a239e7d7d" providerId="ADAL" clId="{856BF87E-E0E8-4254-81CC-BD4D380BEFD0}" dt="2022-11-02T15:21:21.335" v="5686" actId="20577"/>
-        <pc:sldMkLst>
-          <pc:docMk/>
-          <pc:sldMk cId="4209606308" sldId="426"/>
-        </pc:sldMkLst>
-        <pc:spChg chg="mod">
-          <ac:chgData name="hirose taichi" userId="ed2dc4b0-8795-4813-ada8-f41a239e7d7d" providerId="ADAL" clId="{856BF87E-E0E8-4254-81CC-BD4D380BEFD0}" dt="2022-11-02T15:21:21.335" v="5686" actId="20577"/>
-          <ac:spMkLst>
-            <pc:docMk/>
-            <pc:sldMk cId="4209606308" sldId="426"/>
-            <ac:spMk id="2" creationId="{638A530A-2BB6-46FE-B08A-8F41692B083E}"/>
-          </ac:spMkLst>
-        </pc:spChg>
-      </pc:sldChg>
-      <pc:sldChg chg="add">
-        <pc:chgData name="hirose taichi" userId="ed2dc4b0-8795-4813-ada8-f41a239e7d7d" providerId="ADAL" clId="{856BF87E-E0E8-4254-81CC-BD4D380BEFD0}" dt="2022-10-31T16:37:36.307" v="5235"/>
-        <pc:sldMkLst>
-          <pc:docMk/>
-          <pc:sldMk cId="2046824133" sldId="427"/>
-        </pc:sldMkLst>
-      </pc:sldChg>
-      <pc:sldChg chg="del">
-        <pc:chgData name="hirose taichi" userId="ed2dc4b0-8795-4813-ada8-f41a239e7d7d" providerId="ADAL" clId="{856BF87E-E0E8-4254-81CC-BD4D380BEFD0}" dt="2022-10-28T15:59:17.518" v="0" actId="2696"/>
-        <pc:sldMkLst>
-          <pc:docMk/>
-          <pc:sldMk cId="3192304104" sldId="427"/>
-        </pc:sldMkLst>
-      </pc:sldChg>
-      <pc:sldChg chg="add">
-        <pc:chgData name="hirose taichi" userId="ed2dc4b0-8795-4813-ada8-f41a239e7d7d" providerId="ADAL" clId="{856BF87E-E0E8-4254-81CC-BD4D380BEFD0}" dt="2022-10-31T16:37:36.526" v="5236"/>
-        <pc:sldMkLst>
-          <pc:docMk/>
-          <pc:sldMk cId="3600780140" sldId="428"/>
-        </pc:sldMkLst>
-      </pc:sldChg>
-      <pc:sldChg chg="add">
-        <pc:chgData name="hirose taichi" userId="ed2dc4b0-8795-4813-ada8-f41a239e7d7d" providerId="ADAL" clId="{856BF87E-E0E8-4254-81CC-BD4D380BEFD0}" dt="2022-10-31T16:37:36.684" v="5237"/>
-        <pc:sldMkLst>
-          <pc:docMk/>
-          <pc:sldMk cId="3573443115" sldId="429"/>
-        </pc:sldMkLst>
-      </pc:sldChg>
-      <pc:sldChg chg="add">
-        <pc:chgData name="hirose taichi" userId="ed2dc4b0-8795-4813-ada8-f41a239e7d7d" providerId="ADAL" clId="{856BF87E-E0E8-4254-81CC-BD4D380BEFD0}" dt="2022-10-31T16:37:36.888" v="5238"/>
-        <pc:sldMkLst>
-          <pc:docMk/>
-          <pc:sldMk cId="2644869636" sldId="430"/>
-        </pc:sldMkLst>
-      </pc:sldChg>
-      <pc:sldChg chg="add">
-        <pc:chgData name="hirose taichi" userId="ed2dc4b0-8795-4813-ada8-f41a239e7d7d" providerId="ADAL" clId="{856BF87E-E0E8-4254-81CC-BD4D380BEFD0}" dt="2022-10-31T16:37:37.045" v="5239"/>
-        <pc:sldMkLst>
-          <pc:docMk/>
-          <pc:sldMk cId="1772249177" sldId="431"/>
-        </pc:sldMkLst>
-      </pc:sldChg>
-      <pc:sldChg chg="add">
-        <pc:chgData name="hirose taichi" userId="ed2dc4b0-8795-4813-ada8-f41a239e7d7d" providerId="ADAL" clId="{856BF87E-E0E8-4254-81CC-BD4D380BEFD0}" dt="2022-10-31T16:37:37.264" v="5240"/>
-        <pc:sldMkLst>
-          <pc:docMk/>
-          <pc:sldMk cId="1445655372" sldId="432"/>
-        </pc:sldMkLst>
-      </pc:sldChg>
-      <pc:sldChg chg="del">
-        <pc:chgData name="hirose taichi" userId="ed2dc4b0-8795-4813-ada8-f41a239e7d7d" providerId="ADAL" clId="{856BF87E-E0E8-4254-81CC-BD4D380BEFD0}" dt="2022-10-28T15:59:17.518" v="0" actId="2696"/>
-        <pc:sldMkLst>
-          <pc:docMk/>
-          <pc:sldMk cId="2739668184" sldId="433"/>
-        </pc:sldMkLst>
-      </pc:sldChg>
-      <pc:sldChg chg="add">
-        <pc:chgData name="hirose taichi" userId="ed2dc4b0-8795-4813-ada8-f41a239e7d7d" providerId="ADAL" clId="{856BF87E-E0E8-4254-81CC-BD4D380BEFD0}" dt="2022-10-31T16:37:37.453" v="5241"/>
-        <pc:sldMkLst>
-          <pc:docMk/>
-          <pc:sldMk cId="3385948522" sldId="433"/>
-        </pc:sldMkLst>
-      </pc:sldChg>
-      <pc:sldChg chg="modSp mod">
-        <pc:chgData name="hirose taichi" userId="ed2dc4b0-8795-4813-ada8-f41a239e7d7d" providerId="ADAL" clId="{856BF87E-E0E8-4254-81CC-BD4D380BEFD0}" dt="2022-11-02T15:19:35.936" v="5523" actId="1076"/>
-        <pc:sldMkLst>
-          <pc:docMk/>
-          <pc:sldMk cId="1681394602" sldId="434"/>
-        </pc:sldMkLst>
-        <pc:spChg chg="mod">
-          <ac:chgData name="hirose taichi" userId="ed2dc4b0-8795-4813-ada8-f41a239e7d7d" providerId="ADAL" clId="{856BF87E-E0E8-4254-81CC-BD4D380BEFD0}" dt="2022-11-02T15:19:01.379" v="5519" actId="207"/>
-          <ac:spMkLst>
-            <pc:docMk/>
-            <pc:sldMk cId="1681394602" sldId="434"/>
-            <ac:spMk id="2" creationId="{C2F241EE-E4BF-4D97-BA09-BDBD347F020B}"/>
-          </ac:spMkLst>
-        </pc:spChg>
-        <pc:spChg chg="mod">
-          <ac:chgData name="hirose taichi" userId="ed2dc4b0-8795-4813-ada8-f41a239e7d7d" providerId="ADAL" clId="{856BF87E-E0E8-4254-81CC-BD4D380BEFD0}" dt="2022-11-02T15:19:23.119" v="5520" actId="14100"/>
-          <ac:spMkLst>
-            <pc:docMk/>
-            <pc:sldMk cId="1681394602" sldId="434"/>
-            <ac:spMk id="4" creationId="{74C0C7D9-1852-4E05-BB2F-E7A52F6706E4}"/>
-          </ac:spMkLst>
-        </pc:spChg>
-        <pc:spChg chg="mod">
-          <ac:chgData name="hirose taichi" userId="ed2dc4b0-8795-4813-ada8-f41a239e7d7d" providerId="ADAL" clId="{856BF87E-E0E8-4254-81CC-BD4D380BEFD0}" dt="2022-11-02T15:19:35.936" v="5523" actId="1076"/>
-          <ac:spMkLst>
-            <pc:docMk/>
-            <pc:sldMk cId="1681394602" sldId="434"/>
-            <ac:spMk id="6" creationId="{EFE5BD9D-492A-487D-925B-D20DC8339091}"/>
-          </ac:spMkLst>
-        </pc:spChg>
-        <pc:spChg chg="mod">
-          <ac:chgData name="hirose taichi" userId="ed2dc4b0-8795-4813-ada8-f41a239e7d7d" providerId="ADAL" clId="{856BF87E-E0E8-4254-81CC-BD4D380BEFD0}" dt="2022-11-02T15:19:27.757" v="5521" actId="14100"/>
-          <ac:spMkLst>
-            <pc:docMk/>
-            <pc:sldMk cId="1681394602" sldId="434"/>
-            <ac:spMk id="9" creationId="{56BA886D-BEE0-40EA-AB0D-465BA8A58E22}"/>
-          </ac:spMkLst>
-        </pc:spChg>
-        <pc:spChg chg="mod">
-          <ac:chgData name="hirose taichi" userId="ed2dc4b0-8795-4813-ada8-f41a239e7d7d" providerId="ADAL" clId="{856BF87E-E0E8-4254-81CC-BD4D380BEFD0}" dt="2022-11-02T15:19:33.467" v="5522" actId="1076"/>
-          <ac:spMkLst>
-            <pc:docMk/>
-            <pc:sldMk cId="1681394602" sldId="434"/>
-            <ac:spMk id="10" creationId="{DA9F423A-E5D8-46C2-B868-FEB80513654D}"/>
-          </ac:spMkLst>
-        </pc:spChg>
-      </pc:sldChg>
-      <pc:sldChg chg="del">
-        <pc:chgData name="hirose taichi" userId="ed2dc4b0-8795-4813-ada8-f41a239e7d7d" providerId="ADAL" clId="{856BF87E-E0E8-4254-81CC-BD4D380BEFD0}" dt="2022-10-28T15:59:17.518" v="0" actId="2696"/>
-        <pc:sldMkLst>
-          <pc:docMk/>
-          <pc:sldMk cId="3640920125" sldId="434"/>
-        </pc:sldMkLst>
-      </pc:sldChg>
-      <pc:sldChg chg="del">
-        <pc:chgData name="hirose taichi" userId="ed2dc4b0-8795-4813-ada8-f41a239e7d7d" providerId="ADAL" clId="{856BF87E-E0E8-4254-81CC-BD4D380BEFD0}" dt="2022-10-28T15:59:17.518" v="0" actId="2696"/>
-        <pc:sldMkLst>
-          <pc:docMk/>
-          <pc:sldMk cId="450140619" sldId="435"/>
-        </pc:sldMkLst>
-      </pc:sldChg>
-      <pc:sldChg chg="modSp mod">
-        <pc:chgData name="hirose taichi" userId="ed2dc4b0-8795-4813-ada8-f41a239e7d7d" providerId="ADAL" clId="{856BF87E-E0E8-4254-81CC-BD4D380BEFD0}" dt="2022-11-02T15:22:05.633" v="5691" actId="20577"/>
-        <pc:sldMkLst>
-          <pc:docMk/>
-          <pc:sldMk cId="3145032794" sldId="435"/>
-        </pc:sldMkLst>
-        <pc:spChg chg="mod">
-          <ac:chgData name="hirose taichi" userId="ed2dc4b0-8795-4813-ada8-f41a239e7d7d" providerId="ADAL" clId="{856BF87E-E0E8-4254-81CC-BD4D380BEFD0}" dt="2022-11-02T15:22:05.633" v="5691" actId="20577"/>
-          <ac:spMkLst>
-            <pc:docMk/>
-            <pc:sldMk cId="3145032794" sldId="435"/>
-            <ac:spMk id="2" creationId="{638A530A-2BB6-46FE-B08A-8F41692B083E}"/>
-          </ac:spMkLst>
-        </pc:spChg>
-      </pc:sldChg>
-      <pc:sldChg chg="del">
-        <pc:chgData name="hirose taichi" userId="ed2dc4b0-8795-4813-ada8-f41a239e7d7d" providerId="ADAL" clId="{856BF87E-E0E8-4254-81CC-BD4D380BEFD0}" dt="2022-10-28T15:59:17.518" v="0" actId="2696"/>
-        <pc:sldMkLst>
-          <pc:docMk/>
-          <pc:sldMk cId="121305091" sldId="436"/>
-        </pc:sldMkLst>
-      </pc:sldChg>
-      <pc:sldChg chg="del">
-        <pc:chgData name="hirose taichi" userId="ed2dc4b0-8795-4813-ada8-f41a239e7d7d" providerId="ADAL" clId="{856BF87E-E0E8-4254-81CC-BD4D380BEFD0}" dt="2022-10-28T15:59:17.518" v="0" actId="2696"/>
-        <pc:sldMkLst>
-          <pc:docMk/>
-          <pc:sldMk cId="831873244" sldId="437"/>
-        </pc:sldMkLst>
-      </pc:sldChg>
-      <pc:sldChg chg="del">
-        <pc:chgData name="hirose taichi" userId="ed2dc4b0-8795-4813-ada8-f41a239e7d7d" providerId="ADAL" clId="{856BF87E-E0E8-4254-81CC-BD4D380BEFD0}" dt="2022-10-28T15:59:17.518" v="0" actId="2696"/>
-        <pc:sldMkLst>
-          <pc:docMk/>
-          <pc:sldMk cId="933343930" sldId="438"/>
-        </pc:sldMkLst>
-      </pc:sldChg>
-      <pc:sldChg chg="del">
-        <pc:chgData name="hirose taichi" userId="ed2dc4b0-8795-4813-ada8-f41a239e7d7d" providerId="ADAL" clId="{856BF87E-E0E8-4254-81CC-BD4D380BEFD0}" dt="2022-10-28T15:59:17.518" v="0" actId="2696"/>
-        <pc:sldMkLst>
-          <pc:docMk/>
-          <pc:sldMk cId="1155609912" sldId="439"/>
-        </pc:sldMkLst>
-      </pc:sldChg>
-      <pc:sldChg chg="del">
-        <pc:chgData name="hirose taichi" userId="ed2dc4b0-8795-4813-ada8-f41a239e7d7d" providerId="ADAL" clId="{856BF87E-E0E8-4254-81CC-BD4D380BEFD0}" dt="2022-10-28T15:59:17.518" v="0" actId="2696"/>
-        <pc:sldMkLst>
-          <pc:docMk/>
-          <pc:sldMk cId="3379481932" sldId="442"/>
-        </pc:sldMkLst>
-      </pc:sldChg>
-      <pc:sldChg chg="del">
-        <pc:chgData name="hirose taichi" userId="ed2dc4b0-8795-4813-ada8-f41a239e7d7d" providerId="ADAL" clId="{856BF87E-E0E8-4254-81CC-BD4D380BEFD0}" dt="2022-10-28T15:59:17.518" v="0" actId="2696"/>
-        <pc:sldMkLst>
-          <pc:docMk/>
-          <pc:sldMk cId="3711065916" sldId="445"/>
-        </pc:sldMkLst>
-      </pc:sldChg>
-      <pc:sldChg chg="del">
-        <pc:chgData name="hirose taichi" userId="ed2dc4b0-8795-4813-ada8-f41a239e7d7d" providerId="ADAL" clId="{856BF87E-E0E8-4254-81CC-BD4D380BEFD0}" dt="2022-10-28T15:59:17.518" v="0" actId="2696"/>
-        <pc:sldMkLst>
-          <pc:docMk/>
-          <pc:sldMk cId="1462836674" sldId="446"/>
-        </pc:sldMkLst>
-      </pc:sldChg>
-      <pc:sldChg chg="del">
-        <pc:chgData name="hirose taichi" userId="ed2dc4b0-8795-4813-ada8-f41a239e7d7d" providerId="ADAL" clId="{856BF87E-E0E8-4254-81CC-BD4D380BEFD0}" dt="2022-10-28T15:59:17.518" v="0" actId="2696"/>
-        <pc:sldMkLst>
-          <pc:docMk/>
-          <pc:sldMk cId="3413062540" sldId="447"/>
-        </pc:sldMkLst>
-      </pc:sldChg>
-      <pc:sldChg chg="del">
-        <pc:chgData name="hirose taichi" userId="ed2dc4b0-8795-4813-ada8-f41a239e7d7d" providerId="ADAL" clId="{856BF87E-E0E8-4254-81CC-BD4D380BEFD0}" dt="2022-10-28T15:59:17.518" v="0" actId="2696"/>
-        <pc:sldMkLst>
-          <pc:docMk/>
-          <pc:sldMk cId="2185442985" sldId="448"/>
-        </pc:sldMkLst>
-      </pc:sldChg>
-      <pc:sldChg chg="del">
-        <pc:chgData name="hirose taichi" userId="ed2dc4b0-8795-4813-ada8-f41a239e7d7d" providerId="ADAL" clId="{856BF87E-E0E8-4254-81CC-BD4D380BEFD0}" dt="2022-10-28T15:59:17.518" v="0" actId="2696"/>
-        <pc:sldMkLst>
-          <pc:docMk/>
-          <pc:sldMk cId="4284249393" sldId="449"/>
-        </pc:sldMkLst>
-      </pc:sldChg>
-      <pc:sldChg chg="del">
-        <pc:chgData name="hirose taichi" userId="ed2dc4b0-8795-4813-ada8-f41a239e7d7d" providerId="ADAL" clId="{856BF87E-E0E8-4254-81CC-BD4D380BEFD0}" dt="2022-10-28T15:59:17.518" v="0" actId="2696"/>
-        <pc:sldMkLst>
-          <pc:docMk/>
-          <pc:sldMk cId="2386079528" sldId="450"/>
-        </pc:sldMkLst>
-      </pc:sldChg>
-      <pc:sldChg chg="del">
-        <pc:chgData name="hirose taichi" userId="ed2dc4b0-8795-4813-ada8-f41a239e7d7d" providerId="ADAL" clId="{856BF87E-E0E8-4254-81CC-BD4D380BEFD0}" dt="2022-10-28T15:59:17.518" v="0" actId="2696"/>
-        <pc:sldMkLst>
-          <pc:docMk/>
-          <pc:sldMk cId="2994247592" sldId="451"/>
-        </pc:sldMkLst>
-      </pc:sldChg>
-      <pc:sldChg chg="del">
-        <pc:chgData name="hirose taichi" userId="ed2dc4b0-8795-4813-ada8-f41a239e7d7d" providerId="ADAL" clId="{856BF87E-E0E8-4254-81CC-BD4D380BEFD0}" dt="2022-10-28T15:59:17.518" v="0" actId="2696"/>
-        <pc:sldMkLst>
-          <pc:docMk/>
-          <pc:sldMk cId="3465261322" sldId="454"/>
-        </pc:sldMkLst>
-      </pc:sldChg>
-      <pc:sldMasterChg chg="modSp modSldLayout">
-        <pc:chgData name="hirose taichi" userId="ed2dc4b0-8795-4813-ada8-f41a239e7d7d" providerId="ADAL" clId="{856BF87E-E0E8-4254-81CC-BD4D380BEFD0}" dt="2022-10-31T16:32:23.843" v="5160" actId="478"/>
-        <pc:sldMasterMkLst>
-          <pc:docMk/>
-          <pc:sldMasterMk cId="689685353" sldId="2147483670"/>
-        </pc:sldMasterMkLst>
-        <pc:spChg chg="mod">
-          <ac:chgData name="hirose taichi" userId="ed2dc4b0-8795-4813-ada8-f41a239e7d7d" providerId="ADAL" clId="{856BF87E-E0E8-4254-81CC-BD4D380BEFD0}" dt="2022-10-28T17:10:53.639" v="946" actId="2710"/>
-          <ac:spMkLst>
-            <pc:docMk/>
-            <pc:sldMasterMk cId="689685353" sldId="2147483670"/>
-            <ac:spMk id="3" creationId="{5B186E95-CD16-2241-8602-308FAF4AD97E}"/>
-          </ac:spMkLst>
-        </pc:spChg>
-        <pc:sldLayoutChg chg="delSp mod">
-          <pc:chgData name="hirose taichi" userId="ed2dc4b0-8795-4813-ada8-f41a239e7d7d" providerId="ADAL" clId="{856BF87E-E0E8-4254-81CC-BD4D380BEFD0}" dt="2022-10-28T16:00:23.559" v="84" actId="478"/>
-          <pc:sldLayoutMkLst>
-            <pc:docMk/>
-            <pc:sldMasterMk cId="689685353" sldId="2147483670"/>
-            <pc:sldLayoutMk cId="2493184615" sldId="2147483736"/>
-          </pc:sldLayoutMkLst>
-          <pc:picChg chg="del">
-            <ac:chgData name="hirose taichi" userId="ed2dc4b0-8795-4813-ada8-f41a239e7d7d" providerId="ADAL" clId="{856BF87E-E0E8-4254-81CC-BD4D380BEFD0}" dt="2022-10-28T16:00:22.217" v="83" actId="478"/>
-            <ac:picMkLst>
-              <pc:docMk/>
-              <pc:sldMasterMk cId="689685353" sldId="2147483670"/>
-              <pc:sldLayoutMk cId="2493184615" sldId="2147483736"/>
-              <ac:picMk id="6" creationId="{4ACCF5EC-A75C-CB47-BE2C-1AEEF23F9EFF}"/>
-            </ac:picMkLst>
-          </pc:picChg>
-          <pc:picChg chg="del">
-            <ac:chgData name="hirose taichi" userId="ed2dc4b0-8795-4813-ada8-f41a239e7d7d" providerId="ADAL" clId="{856BF87E-E0E8-4254-81CC-BD4D380BEFD0}" dt="2022-10-28T16:00:23.559" v="84" actId="478"/>
-            <ac:picMkLst>
-              <pc:docMk/>
-              <pc:sldMasterMk cId="689685353" sldId="2147483670"/>
-              <pc:sldLayoutMk cId="2493184615" sldId="2147483736"/>
-              <ac:picMk id="7" creationId="{3AC894CD-6398-4427-B7DF-5E67B72B673C}"/>
-            </ac:picMkLst>
-          </pc:picChg>
-        </pc:sldLayoutChg>
-        <pc:sldLayoutChg chg="delSp modSp mod">
-          <pc:chgData name="hirose taichi" userId="ed2dc4b0-8795-4813-ada8-f41a239e7d7d" providerId="ADAL" clId="{856BF87E-E0E8-4254-81CC-BD4D380BEFD0}" dt="2022-10-31T16:32:11.880" v="5157" actId="478"/>
-          <pc:sldLayoutMkLst>
-            <pc:docMk/>
-            <pc:sldMasterMk cId="689685353" sldId="2147483670"/>
-            <pc:sldLayoutMk cId="1366641637" sldId="2147483738"/>
-          </pc:sldLayoutMkLst>
-          <pc:spChg chg="mod">
-            <ac:chgData name="hirose taichi" userId="ed2dc4b0-8795-4813-ada8-f41a239e7d7d" providerId="ADAL" clId="{856BF87E-E0E8-4254-81CC-BD4D380BEFD0}" dt="2022-10-28T16:41:52.241" v="532" actId="14100"/>
-            <ac:spMkLst>
-              <pc:docMk/>
-              <pc:sldMasterMk cId="689685353" sldId="2147483670"/>
-              <pc:sldLayoutMk cId="1366641637" sldId="2147483738"/>
-              <ac:spMk id="8" creationId="{00A5003E-608C-E649-9885-A6DB8953090E}"/>
-            </ac:spMkLst>
-          </pc:spChg>
-          <pc:spChg chg="mod">
-            <ac:chgData name="hirose taichi" userId="ed2dc4b0-8795-4813-ada8-f41a239e7d7d" providerId="ADAL" clId="{856BF87E-E0E8-4254-81CC-BD4D380BEFD0}" dt="2022-10-28T17:11:21.177" v="948" actId="2710"/>
-            <ac:spMkLst>
-              <pc:docMk/>
-              <pc:sldMasterMk cId="689685353" sldId="2147483670"/>
-              <pc:sldLayoutMk cId="1366641637" sldId="2147483738"/>
-              <ac:spMk id="9" creationId="{84B9191C-23D3-7343-9090-F12F4EF2337D}"/>
-            </ac:spMkLst>
-          </pc:spChg>
-          <pc:picChg chg="del">
-            <ac:chgData name="hirose taichi" userId="ed2dc4b0-8795-4813-ada8-f41a239e7d7d" providerId="ADAL" clId="{856BF87E-E0E8-4254-81CC-BD4D380BEFD0}" dt="2022-10-31T16:32:11.880" v="5157" actId="478"/>
-            <ac:picMkLst>
-              <pc:docMk/>
-              <pc:sldMasterMk cId="689685353" sldId="2147483670"/>
-              <pc:sldLayoutMk cId="1366641637" sldId="2147483738"/>
-              <ac:picMk id="7" creationId="{A2677098-60FC-491D-8FDB-90AFF7B6A5AB}"/>
-            </ac:picMkLst>
-          </pc:picChg>
-        </pc:sldLayoutChg>
-        <pc:sldLayoutChg chg="delSp modSp mod">
-          <pc:chgData name="hirose taichi" userId="ed2dc4b0-8795-4813-ada8-f41a239e7d7d" providerId="ADAL" clId="{856BF87E-E0E8-4254-81CC-BD4D380BEFD0}" dt="2022-10-31T16:32:20.029" v="5159" actId="478"/>
-          <pc:sldLayoutMkLst>
-            <pc:docMk/>
-            <pc:sldMasterMk cId="689685353" sldId="2147483670"/>
-            <pc:sldLayoutMk cId="4009676808" sldId="2147483739"/>
-          </pc:sldLayoutMkLst>
-          <pc:spChg chg="mod">
-            <ac:chgData name="hirose taichi" userId="ed2dc4b0-8795-4813-ada8-f41a239e7d7d" providerId="ADAL" clId="{856BF87E-E0E8-4254-81CC-BD4D380BEFD0}" dt="2022-10-28T16:41:56.934" v="533" actId="14100"/>
-            <ac:spMkLst>
-              <pc:docMk/>
-              <pc:sldMasterMk cId="689685353" sldId="2147483670"/>
-              <pc:sldLayoutMk cId="4009676808" sldId="2147483739"/>
-              <ac:spMk id="8" creationId="{00A5003E-608C-E649-9885-A6DB8953090E}"/>
-            </ac:spMkLst>
-          </pc:spChg>
-          <pc:picChg chg="del">
-            <ac:chgData name="hirose taichi" userId="ed2dc4b0-8795-4813-ada8-f41a239e7d7d" providerId="ADAL" clId="{856BF87E-E0E8-4254-81CC-BD4D380BEFD0}" dt="2022-10-31T16:32:20.029" v="5159" actId="478"/>
-            <ac:picMkLst>
-              <pc:docMk/>
-              <pc:sldMasterMk cId="689685353" sldId="2147483670"/>
-              <pc:sldLayoutMk cId="4009676808" sldId="2147483739"/>
-              <ac:picMk id="7" creationId="{A2677098-60FC-491D-8FDB-90AFF7B6A5AB}"/>
-            </ac:picMkLst>
-          </pc:picChg>
-        </pc:sldLayoutChg>
-        <pc:sldLayoutChg chg="delSp mod">
-          <pc:chgData name="hirose taichi" userId="ed2dc4b0-8795-4813-ada8-f41a239e7d7d" providerId="ADAL" clId="{856BF87E-E0E8-4254-81CC-BD4D380BEFD0}" dt="2022-10-31T16:32:23.843" v="5160" actId="478"/>
-          <pc:sldLayoutMkLst>
-            <pc:docMk/>
-            <pc:sldMasterMk cId="689685353" sldId="2147483670"/>
-            <pc:sldLayoutMk cId="2060422521" sldId="2147483740"/>
-          </pc:sldLayoutMkLst>
-          <pc:picChg chg="del">
-            <ac:chgData name="hirose taichi" userId="ed2dc4b0-8795-4813-ada8-f41a239e7d7d" providerId="ADAL" clId="{856BF87E-E0E8-4254-81CC-BD4D380BEFD0}" dt="2022-10-31T16:32:23.843" v="5160" actId="478"/>
-            <ac:picMkLst>
-              <pc:docMk/>
-              <pc:sldMasterMk cId="689685353" sldId="2147483670"/>
-              <pc:sldLayoutMk cId="2060422521" sldId="2147483740"/>
-              <ac:picMk id="7" creationId="{A2677098-60FC-491D-8FDB-90AFF7B6A5AB}"/>
-            </ac:picMkLst>
-          </pc:picChg>
-        </pc:sldLayoutChg>
-        <pc:sldLayoutChg chg="delSp mod">
-          <pc:chgData name="hirose taichi" userId="ed2dc4b0-8795-4813-ada8-f41a239e7d7d" providerId="ADAL" clId="{856BF87E-E0E8-4254-81CC-BD4D380BEFD0}" dt="2022-10-31T16:32:16.182" v="5158" actId="478"/>
-          <pc:sldLayoutMkLst>
-            <pc:docMk/>
-            <pc:sldMasterMk cId="689685353" sldId="2147483670"/>
-            <pc:sldLayoutMk cId="285286843" sldId="2147483741"/>
-          </pc:sldLayoutMkLst>
-          <pc:picChg chg="del">
-            <ac:chgData name="hirose taichi" userId="ed2dc4b0-8795-4813-ada8-f41a239e7d7d" providerId="ADAL" clId="{856BF87E-E0E8-4254-81CC-BD4D380BEFD0}" dt="2022-10-31T16:32:16.182" v="5158" actId="478"/>
-            <ac:picMkLst>
-              <pc:docMk/>
-              <pc:sldMasterMk cId="689685353" sldId="2147483670"/>
-              <pc:sldLayoutMk cId="285286843" sldId="2147483741"/>
-              <ac:picMk id="7" creationId="{A2677098-60FC-491D-8FDB-90AFF7B6A5AB}"/>
-            </ac:picMkLst>
-          </pc:picChg>
-        </pc:sldLayoutChg>
-      </pc:sldMasterChg>
-    </pc:docChg>
-  </pc:docChgLst>
-  <pc:docChgLst>
-    <pc:chgData name="hirose taichi" userId="ed2dc4b0-8795-4813-ada8-f41a239e7d7d" providerId="ADAL" clId="{9F91329C-1CF6-49C3-AA5F-8096EFCEC964}"/>
-    <pc:docChg chg="undo custSel modSld">
-      <pc:chgData name="hirose taichi" userId="ed2dc4b0-8795-4813-ada8-f41a239e7d7d" providerId="ADAL" clId="{9F91329C-1CF6-49C3-AA5F-8096EFCEC964}" dt="2022-10-31T10:29:31.310" v="174" actId="14100"/>
-      <pc:docMkLst>
-        <pc:docMk/>
-      </pc:docMkLst>
-      <pc:sldChg chg="modSp mod">
-        <pc:chgData name="hirose taichi" userId="ed2dc4b0-8795-4813-ada8-f41a239e7d7d" providerId="ADAL" clId="{9F91329C-1CF6-49C3-AA5F-8096EFCEC964}" dt="2022-10-31T10:24:48.822" v="117" actId="14100"/>
-        <pc:sldMkLst>
-          <pc:docMk/>
-          <pc:sldMk cId="282841257" sldId="412"/>
-        </pc:sldMkLst>
-        <pc:spChg chg="mod">
-          <ac:chgData name="hirose taichi" userId="ed2dc4b0-8795-4813-ada8-f41a239e7d7d" providerId="ADAL" clId="{9F91329C-1CF6-49C3-AA5F-8096EFCEC964}" dt="2022-10-31T10:24:48.822" v="117" actId="14100"/>
-          <ac:spMkLst>
-            <pc:docMk/>
-            <pc:sldMk cId="282841257" sldId="412"/>
-            <ac:spMk id="24" creationId="{7B96C3D1-02AA-4975-8B1F-289D4F3ADA98}"/>
-          </ac:spMkLst>
-        </pc:spChg>
-      </pc:sldChg>
-      <pc:sldChg chg="modSp mod">
-        <pc:chgData name="hirose taichi" userId="ed2dc4b0-8795-4813-ada8-f41a239e7d7d" providerId="ADAL" clId="{9F91329C-1CF6-49C3-AA5F-8096EFCEC964}" dt="2022-10-31T10:27:11.720" v="171" actId="170"/>
-        <pc:sldMkLst>
-          <pc:docMk/>
-          <pc:sldMk cId="4247633511" sldId="415"/>
-        </pc:sldMkLst>
-        <pc:spChg chg="mod ord">
-          <ac:chgData name="hirose taichi" userId="ed2dc4b0-8795-4813-ada8-f41a239e7d7d" providerId="ADAL" clId="{9F91329C-1CF6-49C3-AA5F-8096EFCEC964}" dt="2022-10-31T10:27:11.720" v="171" actId="170"/>
-          <ac:spMkLst>
-            <pc:docMk/>
-            <pc:sldMk cId="4247633511" sldId="415"/>
-            <ac:spMk id="8" creationId="{7F3EE70D-555E-4015-BF16-678974A74AE0}"/>
-          </ac:spMkLst>
-        </pc:spChg>
-        <pc:spChg chg="ord">
-          <ac:chgData name="hirose taichi" userId="ed2dc4b0-8795-4813-ada8-f41a239e7d7d" providerId="ADAL" clId="{9F91329C-1CF6-49C3-AA5F-8096EFCEC964}" dt="2022-10-31T10:27:08.072" v="164" actId="170"/>
-          <ac:spMkLst>
-            <pc:docMk/>
-            <pc:sldMk cId="4247633511" sldId="415"/>
-            <ac:spMk id="31" creationId="{1C9F78E4-642C-4686-963D-575704CDBE9E}"/>
-          </ac:spMkLst>
-        </pc:spChg>
-      </pc:sldChg>
-      <pc:sldChg chg="modSp mod">
-        <pc:chgData name="hirose taichi" userId="ed2dc4b0-8795-4813-ada8-f41a239e7d7d" providerId="ADAL" clId="{9F91329C-1CF6-49C3-AA5F-8096EFCEC964}" dt="2022-10-31T10:24:36.934" v="115" actId="14100"/>
-        <pc:sldMkLst>
-          <pc:docMk/>
-          <pc:sldMk cId="607085936" sldId="416"/>
-        </pc:sldMkLst>
-        <pc:spChg chg="mod">
-          <ac:chgData name="hirose taichi" userId="ed2dc4b0-8795-4813-ada8-f41a239e7d7d" providerId="ADAL" clId="{9F91329C-1CF6-49C3-AA5F-8096EFCEC964}" dt="2022-10-31T10:22:13.498" v="0" actId="20577"/>
-          <ac:spMkLst>
-            <pc:docMk/>
-            <pc:sldMk cId="607085936" sldId="416"/>
-            <ac:spMk id="43" creationId="{BDA08E82-CE60-47AC-BF4F-3731EA39B93D}"/>
-          </ac:spMkLst>
-        </pc:spChg>
-        <pc:spChg chg="mod">
-          <ac:chgData name="hirose taichi" userId="ed2dc4b0-8795-4813-ada8-f41a239e7d7d" providerId="ADAL" clId="{9F91329C-1CF6-49C3-AA5F-8096EFCEC964}" dt="2022-10-31T10:24:36.934" v="115" actId="14100"/>
-          <ac:spMkLst>
-            <pc:docMk/>
-            <pc:sldMk cId="607085936" sldId="416"/>
-            <ac:spMk id="44" creationId="{CEE11757-F51F-4533-B3F5-FE6586F0C44E}"/>
-          </ac:spMkLst>
-        </pc:spChg>
-      </pc:sldChg>
-      <pc:sldChg chg="modSp mod">
-        <pc:chgData name="hirose taichi" userId="ed2dc4b0-8795-4813-ada8-f41a239e7d7d" providerId="ADAL" clId="{9F91329C-1CF6-49C3-AA5F-8096EFCEC964}" dt="2022-10-31T10:29:31.310" v="174" actId="14100"/>
-        <pc:sldMkLst>
-          <pc:docMk/>
-          <pc:sldMk cId="3010080662" sldId="419"/>
-        </pc:sldMkLst>
-        <pc:picChg chg="mod">
-          <ac:chgData name="hirose taichi" userId="ed2dc4b0-8795-4813-ada8-f41a239e7d7d" providerId="ADAL" clId="{9F91329C-1CF6-49C3-AA5F-8096EFCEC964}" dt="2022-10-31T10:29:31.310" v="174" actId="14100"/>
-          <ac:picMkLst>
-            <pc:docMk/>
-            <pc:sldMk cId="3010080662" sldId="419"/>
-            <ac:picMk id="11" creationId="{150C2E9A-820D-431E-901B-D6CEA60D9192}"/>
-          </ac:picMkLst>
-        </pc:picChg>
-      </pc:sldChg>
-      <pc:sldChg chg="addSp modSp mod">
-        <pc:chgData name="hirose taichi" userId="ed2dc4b0-8795-4813-ada8-f41a239e7d7d" providerId="ADAL" clId="{9F91329C-1CF6-49C3-AA5F-8096EFCEC964}" dt="2022-10-31T10:29:26.366" v="173" actId="14100"/>
-        <pc:sldMkLst>
-          <pc:docMk/>
-          <pc:sldMk cId="881839197" sldId="421"/>
-        </pc:sldMkLst>
-        <pc:spChg chg="mod">
-          <ac:chgData name="hirose taichi" userId="ed2dc4b0-8795-4813-ada8-f41a239e7d7d" providerId="ADAL" clId="{9F91329C-1CF6-49C3-AA5F-8096EFCEC964}" dt="2022-10-31T10:24:07.996" v="114" actId="207"/>
-          <ac:spMkLst>
-            <pc:docMk/>
-            <pc:sldMk cId="881839197" sldId="421"/>
-            <ac:spMk id="2" creationId="{C2F241EE-E4BF-4D97-BA09-BDBD347F020B}"/>
-          </ac:spMkLst>
-        </pc:spChg>
-        <pc:picChg chg="mod">
-          <ac:chgData name="hirose taichi" userId="ed2dc4b0-8795-4813-ada8-f41a239e7d7d" providerId="ADAL" clId="{9F91329C-1CF6-49C3-AA5F-8096EFCEC964}" dt="2022-10-31T10:29:26.366" v="173" actId="14100"/>
-          <ac:picMkLst>
-            <pc:docMk/>
-            <pc:sldMk cId="881839197" sldId="421"/>
-            <ac:picMk id="11" creationId="{150C2E9A-820D-431E-901B-D6CEA60D9192}"/>
-          </ac:picMkLst>
-        </pc:picChg>
-        <pc:cxnChg chg="add mod">
-          <ac:chgData name="hirose taichi" userId="ed2dc4b0-8795-4813-ada8-f41a239e7d7d" providerId="ADAL" clId="{9F91329C-1CF6-49C3-AA5F-8096EFCEC964}" dt="2022-10-31T10:23:18.494" v="51" actId="1076"/>
-          <ac:cxnSpMkLst>
-            <pc:docMk/>
-            <pc:sldMk cId="881839197" sldId="421"/>
-            <ac:cxnSpMk id="5" creationId="{C5568A02-F7FB-4595-B03D-6B37B52249A2}"/>
-          </ac:cxnSpMkLst>
-        </pc:cxnChg>
-        <pc:cxnChg chg="add mod">
-          <ac:chgData name="hirose taichi" userId="ed2dc4b0-8795-4813-ada8-f41a239e7d7d" providerId="ADAL" clId="{9F91329C-1CF6-49C3-AA5F-8096EFCEC964}" dt="2022-10-31T10:23:24.990" v="53" actId="1076"/>
-          <ac:cxnSpMkLst>
-            <pc:docMk/>
-            <pc:sldMk cId="881839197" sldId="421"/>
-            <ac:cxnSpMk id="7" creationId="{DA1108B4-A0A2-48D4-85A1-74516F1E6223}"/>
-          </ac:cxnSpMkLst>
-        </pc:cxnChg>
       </pc:sldChg>
     </pc:docChg>
   </pc:docChgLst>
@@ -3356,7 +710,7 @@
           <a:p>
             <a:fld id="{5FB7981C-FA40-F348-8BD1-6FCF5195A4F2}" type="slidenum">
               <a:rPr kumimoji="1" lang="ja-JP" altLang="en-US" smtClean="0"/>
-              <a:t>10</a:t>
+              <a:t>11</a:t>
             </a:fld>
             <a:endParaRPr kumimoji="1" lang="ja-JP" altLang="en-US"/>
           </a:p>
@@ -3440,7 +794,7 @@
           <a:p>
             <a:fld id="{5FB7981C-FA40-F348-8BD1-6FCF5195A4F2}" type="slidenum">
               <a:rPr kumimoji="1" lang="ja-JP" altLang="en-US" smtClean="0"/>
-              <a:t>11</a:t>
+              <a:t>12</a:t>
             </a:fld>
             <a:endParaRPr kumimoji="1" lang="ja-JP" altLang="en-US"/>
           </a:p>
@@ -3524,7 +878,7 @@
           <a:p>
             <a:fld id="{5FB7981C-FA40-F348-8BD1-6FCF5195A4F2}" type="slidenum">
               <a:rPr kumimoji="1" lang="ja-JP" altLang="en-US" smtClean="0"/>
-              <a:t>12</a:t>
+              <a:t>13</a:t>
             </a:fld>
             <a:endParaRPr kumimoji="1" lang="ja-JP" altLang="en-US"/>
           </a:p>
@@ -3608,7 +962,7 @@
           <a:p>
             <a:fld id="{5FB7981C-FA40-F348-8BD1-6FCF5195A4F2}" type="slidenum">
               <a:rPr kumimoji="1" lang="ja-JP" altLang="en-US" smtClean="0"/>
-              <a:t>13</a:t>
+              <a:t>14</a:t>
             </a:fld>
             <a:endParaRPr kumimoji="1" lang="ja-JP" altLang="en-US"/>
           </a:p>
@@ -3692,7 +1046,7 @@
           <a:p>
             <a:fld id="{5FB7981C-FA40-F348-8BD1-6FCF5195A4F2}" type="slidenum">
               <a:rPr kumimoji="1" lang="ja-JP" altLang="en-US" smtClean="0"/>
-              <a:t>14</a:t>
+              <a:t>15</a:t>
             </a:fld>
             <a:endParaRPr kumimoji="1" lang="ja-JP" altLang="en-US"/>
           </a:p>
@@ -4028,7 +1382,7 @@
           <a:p>
             <a:fld id="{5FB7981C-FA40-F348-8BD1-6FCF5195A4F2}" type="slidenum">
               <a:rPr kumimoji="1" lang="ja-JP" altLang="en-US" smtClean="0"/>
-              <a:t>5</a:t>
+              <a:t>6</a:t>
             </a:fld>
             <a:endParaRPr kumimoji="1" lang="ja-JP" altLang="en-US"/>
           </a:p>
@@ -4091,10 +1445,10 @@
           <a:bodyPr/>
           <a:lstStyle/>
           <a:p>
-            <a:r>
-              <a:rPr kumimoji="1" lang="ja-JP" altLang="en-US" dirty="0"/>
-              <a:t>貯留層のほうが圧力が高いので，貯留層から地表に圧力を持ってくると，膨張</a:t>
-            </a:r>
+            <a:endParaRPr kumimoji="1" lang="en-US" altLang="ja-JP" dirty="0"/>
+          </a:p>
+          <a:p>
+            <a:endParaRPr kumimoji="1" lang="ja-JP" altLang="en-US" dirty="0"/>
           </a:p>
         </p:txBody>
       </p:sp>
@@ -4115,7 +1469,7 @@
           <a:p>
             <a:fld id="{5FB7981C-FA40-F348-8BD1-6FCF5195A4F2}" type="slidenum">
               <a:rPr kumimoji="1" lang="ja-JP" altLang="en-US" smtClean="0"/>
-              <a:t>6</a:t>
+              <a:t>7</a:t>
             </a:fld>
             <a:endParaRPr kumimoji="1" lang="ja-JP" altLang="en-US"/>
           </a:p>
@@ -4178,10 +1532,7 @@
           <a:bodyPr/>
           <a:lstStyle/>
           <a:p>
-            <a:r>
-              <a:rPr kumimoji="1" lang="ja-JP" altLang="en-US" dirty="0"/>
-              <a:t>貯留層のほうが圧力が高いので，貯留層から地表に圧力を持ってくると，膨張</a:t>
-            </a:r>
+            <a:endParaRPr kumimoji="1" lang="ja-JP" altLang="en-US" dirty="0"/>
           </a:p>
         </p:txBody>
       </p:sp>
@@ -4202,7 +1553,7 @@
           <a:p>
             <a:fld id="{5FB7981C-FA40-F348-8BD1-6FCF5195A4F2}" type="slidenum">
               <a:rPr kumimoji="1" lang="ja-JP" altLang="en-US" smtClean="0"/>
-              <a:t>7</a:t>
+              <a:t>8</a:t>
             </a:fld>
             <a:endParaRPr kumimoji="1" lang="ja-JP" altLang="en-US"/>
           </a:p>
@@ -4265,10 +1616,7 @@
           <a:bodyPr/>
           <a:lstStyle/>
           <a:p>
-            <a:r>
-              <a:rPr kumimoji="1" lang="ja-JP" altLang="en-US" dirty="0"/>
-              <a:t>貯留層のほうが圧力が高いので，貯留層から地表に圧力を持ってくると，膨張</a:t>
-            </a:r>
+            <a:endParaRPr kumimoji="1" lang="ja-JP" altLang="en-US" dirty="0"/>
           </a:p>
         </p:txBody>
       </p:sp>
@@ -4289,7 +1637,7 @@
           <a:p>
             <a:fld id="{5FB7981C-FA40-F348-8BD1-6FCF5195A4F2}" type="slidenum">
               <a:rPr kumimoji="1" lang="ja-JP" altLang="en-US" smtClean="0"/>
-              <a:t>8</a:t>
+              <a:t>9</a:t>
             </a:fld>
             <a:endParaRPr kumimoji="1" lang="ja-JP" altLang="en-US"/>
           </a:p>
@@ -4352,10 +1700,7 @@
           <a:bodyPr/>
           <a:lstStyle/>
           <a:p>
-            <a:r>
-              <a:rPr kumimoji="1" lang="ja-JP" altLang="en-US" dirty="0"/>
-              <a:t>貯留層のほうが圧力が高いので，貯留層から地表に圧力を持ってくると，膨張</a:t>
-            </a:r>
+            <a:endParaRPr kumimoji="1" lang="ja-JP" altLang="en-US" dirty="0"/>
           </a:p>
         </p:txBody>
       </p:sp>
@@ -4376,7 +1721,7 @@
           <a:p>
             <a:fld id="{5FB7981C-FA40-F348-8BD1-6FCF5195A4F2}" type="slidenum">
               <a:rPr kumimoji="1" lang="ja-JP" altLang="en-US" smtClean="0"/>
-              <a:t>9</a:t>
+              <a:t>10</a:t>
             </a:fld>
             <a:endParaRPr kumimoji="1" lang="ja-JP" altLang="en-US"/>
           </a:p>
@@ -6608,6 +3953,1193 @@
           <a:chExt cx="0" cy="0"/>
         </a:xfrm>
       </p:grpSpPr>
+      <p:sp>
+        <p:nvSpPr>
+          <p:cNvPr id="2" name="コンテンツ プレースホルダー 1">
+            <a:extLst>
+              <a:ext uri="{FF2B5EF4-FFF2-40B4-BE49-F238E27FC236}">
+                <a16:creationId xmlns:a16="http://schemas.microsoft.com/office/drawing/2014/main" id="{5CC3DBDC-2ABB-464E-AA98-8626CB68BCFA}"/>
+              </a:ext>
+            </a:extLst>
+          </p:cNvPr>
+          <p:cNvSpPr>
+            <a:spLocks noGrp="1"/>
+          </p:cNvSpPr>
+          <p:nvPr>
+            <p:ph idx="1"/>
+          </p:nvPr>
+        </p:nvSpPr>
+        <p:spPr>
+          <a:xfrm>
+            <a:off x="488950" y="1271127"/>
+            <a:ext cx="6785040" cy="804533"/>
+          </a:xfrm>
+          <a:ln>
+            <a:noFill/>
+          </a:ln>
+        </p:spPr>
+        <p:txBody>
+          <a:bodyPr>
+            <a:normAutofit/>
+          </a:bodyPr>
+          <a:lstStyle/>
+          <a:p>
+            <a:r>
+              <a:rPr lang="ja-JP" altLang="en-US" dirty="0"/>
+              <a:t>地表の油と減圧して生じるガスの比（</a:t>
+            </a:r>
+            <a:r>
+              <a:rPr lang="en-US" altLang="ja-JP" dirty="0" err="1"/>
+              <a:t>scf</a:t>
+            </a:r>
+            <a:r>
+              <a:rPr lang="en-US" altLang="ja-JP" dirty="0"/>
+              <a:t>/</a:t>
+            </a:r>
+            <a:r>
+              <a:rPr lang="en-US" altLang="ja-JP" dirty="0" err="1"/>
+              <a:t>bbl</a:t>
+            </a:r>
+            <a:r>
+              <a:rPr lang="ja-JP" altLang="en-US" dirty="0"/>
+              <a:t>）</a:t>
+            </a:r>
+            <a:endParaRPr lang="en-US" altLang="ja-JP" dirty="0"/>
+          </a:p>
+        </p:txBody>
+      </p:sp>
+      <p:sp>
+        <p:nvSpPr>
+          <p:cNvPr id="3" name="タイトル 2">
+            <a:extLst>
+              <a:ext uri="{FF2B5EF4-FFF2-40B4-BE49-F238E27FC236}">
+                <a16:creationId xmlns:a16="http://schemas.microsoft.com/office/drawing/2014/main" id="{0921E3F5-4656-480F-ACDF-10F20AD43E90}"/>
+              </a:ext>
+            </a:extLst>
+          </p:cNvPr>
+          <p:cNvSpPr>
+            <a:spLocks noGrp="1"/>
+          </p:cNvSpPr>
+          <p:nvPr>
+            <p:ph type="title"/>
+          </p:nvPr>
+        </p:nvSpPr>
+        <p:spPr/>
+        <p:txBody>
+          <a:bodyPr/>
+          <a:lstStyle/>
+          <a:p>
+            <a:r>
+              <a:rPr lang="en-US" altLang="ja-JP" dirty="0"/>
+              <a:t>3</a:t>
+            </a:r>
+            <a:r>
+              <a:rPr kumimoji="1" lang="en-US" altLang="ja-JP" dirty="0"/>
+              <a:t>. </a:t>
+            </a:r>
+            <a:r>
+              <a:rPr kumimoji="1" lang="ja-JP" altLang="en-US" dirty="0"/>
+              <a:t>溶解ガス油比 </a:t>
+            </a:r>
+            <a:r>
+              <a:rPr kumimoji="1" lang="en-US" altLang="ja-JP" dirty="0"/>
+              <a:t>/ Solution Gas Oil Ratio</a:t>
+            </a:r>
+            <a:endParaRPr kumimoji="1" lang="ja-JP" altLang="en-US" dirty="0"/>
+          </a:p>
+        </p:txBody>
+      </p:sp>
+      <p:sp>
+        <p:nvSpPr>
+          <p:cNvPr id="4" name="コンテンツ プレースホルダー 3">
+            <a:extLst>
+              <a:ext uri="{FF2B5EF4-FFF2-40B4-BE49-F238E27FC236}">
+                <a16:creationId xmlns:a16="http://schemas.microsoft.com/office/drawing/2014/main" id="{977032EA-A78C-46A3-BB4E-E4D258259B9F}"/>
+              </a:ext>
+            </a:extLst>
+          </p:cNvPr>
+          <p:cNvSpPr>
+            <a:spLocks noGrp="1"/>
+          </p:cNvSpPr>
+          <p:nvPr>
+            <p:ph sz="quarter" idx="10"/>
+          </p:nvPr>
+        </p:nvSpPr>
+        <p:spPr/>
+        <p:txBody>
+          <a:bodyPr/>
+          <a:lstStyle/>
+          <a:p>
+            <a:endParaRPr kumimoji="1" lang="ja-JP" altLang="en-US"/>
+          </a:p>
+        </p:txBody>
+      </p:sp>
+      <p:cxnSp>
+        <p:nvCxnSpPr>
+          <p:cNvPr id="20" name="直線コネクタ 19">
+            <a:extLst>
+              <a:ext uri="{FF2B5EF4-FFF2-40B4-BE49-F238E27FC236}">
+                <a16:creationId xmlns:a16="http://schemas.microsoft.com/office/drawing/2014/main" id="{F9878C0D-D0C6-4ED4-939F-4E881287FA5A}"/>
+              </a:ext>
+            </a:extLst>
+          </p:cNvPr>
+          <p:cNvCxnSpPr>
+            <a:cxnSpLocks/>
+          </p:cNvCxnSpPr>
+          <p:nvPr/>
+        </p:nvCxnSpPr>
+        <p:spPr>
+          <a:xfrm flipV="1">
+            <a:off x="909098" y="3213832"/>
+            <a:ext cx="10530766" cy="20205"/>
+          </a:xfrm>
+          <a:prstGeom prst="line">
+            <a:avLst/>
+          </a:prstGeom>
+          <a:ln w="38100">
+            <a:solidFill>
+              <a:schemeClr val="tx1">
+                <a:lumMod val="75000"/>
+                <a:lumOff val="25000"/>
+              </a:schemeClr>
+            </a:solidFill>
+            <a:headEnd type="none" w="med" len="med"/>
+            <a:tailEnd type="none" w="med" len="med"/>
+          </a:ln>
+        </p:spPr>
+        <p:style>
+          <a:lnRef idx="1">
+            <a:schemeClr val="accent1"/>
+          </a:lnRef>
+          <a:fillRef idx="0">
+            <a:schemeClr val="accent1"/>
+          </a:fillRef>
+          <a:effectRef idx="0">
+            <a:schemeClr val="accent1"/>
+          </a:effectRef>
+          <a:fontRef idx="minor">
+            <a:schemeClr val="tx1"/>
+          </a:fontRef>
+        </p:style>
+      </p:cxnSp>
+      <p:sp>
+        <p:nvSpPr>
+          <p:cNvPr id="31" name="正方形/長方形 30">
+            <a:extLst>
+              <a:ext uri="{FF2B5EF4-FFF2-40B4-BE49-F238E27FC236}">
+                <a16:creationId xmlns:a16="http://schemas.microsoft.com/office/drawing/2014/main" id="{3B88BFBA-BFED-4EED-954C-7A0F1C9EC4AF}"/>
+              </a:ext>
+            </a:extLst>
+          </p:cNvPr>
+          <p:cNvSpPr/>
+          <p:nvPr/>
+        </p:nvSpPr>
+        <p:spPr>
+          <a:xfrm>
+            <a:off x="9383894" y="2744653"/>
+            <a:ext cx="136652" cy="1842212"/>
+          </a:xfrm>
+          <a:prstGeom prst="rect">
+            <a:avLst/>
+          </a:prstGeom>
+          <a:solidFill>
+            <a:schemeClr val="bg1"/>
+          </a:solidFill>
+          <a:ln w="19050">
+            <a:noFill/>
+            <a:headEnd type="none" w="med" len="med"/>
+            <a:tailEnd type="none" w="med" len="med"/>
+          </a:ln>
+        </p:spPr>
+        <p:style>
+          <a:lnRef idx="1">
+            <a:schemeClr val="accent1"/>
+          </a:lnRef>
+          <a:fillRef idx="0">
+            <a:schemeClr val="accent1"/>
+          </a:fillRef>
+          <a:effectRef idx="0">
+            <a:schemeClr val="accent1"/>
+          </a:effectRef>
+          <a:fontRef idx="minor">
+            <a:schemeClr val="tx1"/>
+          </a:fontRef>
+        </p:style>
+        <p:txBody>
+          <a:bodyPr rtlCol="0" anchor="ctr"/>
+          <a:lstStyle/>
+          <a:p>
+            <a:pPr algn="ctr"/>
+            <a:endParaRPr kumimoji="1" lang="ja-JP" altLang="en-US" sz="2400" dirty="0">
+              <a:solidFill>
+                <a:schemeClr val="tx1">
+                  <a:lumMod val="75000"/>
+                  <a:lumOff val="25000"/>
+                </a:schemeClr>
+              </a:solidFill>
+            </a:endParaRPr>
+          </a:p>
+        </p:txBody>
+      </p:sp>
+      <p:cxnSp>
+        <p:nvCxnSpPr>
+          <p:cNvPr id="32" name="直線コネクタ 31">
+            <a:extLst>
+              <a:ext uri="{FF2B5EF4-FFF2-40B4-BE49-F238E27FC236}">
+                <a16:creationId xmlns:a16="http://schemas.microsoft.com/office/drawing/2014/main" id="{594094C7-AEF0-42C3-AD02-91710A99C64F}"/>
+              </a:ext>
+            </a:extLst>
+          </p:cNvPr>
+          <p:cNvCxnSpPr>
+            <a:cxnSpLocks/>
+          </p:cNvCxnSpPr>
+          <p:nvPr/>
+        </p:nvCxnSpPr>
+        <p:spPr>
+          <a:xfrm rot="16200000">
+            <a:off x="7824895" y="4102359"/>
+            <a:ext cx="3096000" cy="0"/>
+          </a:xfrm>
+          <a:prstGeom prst="line">
+            <a:avLst/>
+          </a:prstGeom>
+          <a:ln w="28575">
+            <a:solidFill>
+              <a:schemeClr val="tx1">
+                <a:lumMod val="75000"/>
+                <a:lumOff val="25000"/>
+              </a:schemeClr>
+            </a:solidFill>
+            <a:headEnd type="none" w="med" len="med"/>
+            <a:tailEnd type="none" w="med" len="med"/>
+          </a:ln>
+        </p:spPr>
+        <p:style>
+          <a:lnRef idx="1">
+            <a:schemeClr val="accent1"/>
+          </a:lnRef>
+          <a:fillRef idx="0">
+            <a:schemeClr val="accent1"/>
+          </a:fillRef>
+          <a:effectRef idx="0">
+            <a:schemeClr val="accent1"/>
+          </a:effectRef>
+          <a:fontRef idx="minor">
+            <a:schemeClr val="tx1"/>
+          </a:fontRef>
+        </p:style>
+      </p:cxnSp>
+      <p:cxnSp>
+        <p:nvCxnSpPr>
+          <p:cNvPr id="33" name="直線コネクタ 32">
+            <a:extLst>
+              <a:ext uri="{FF2B5EF4-FFF2-40B4-BE49-F238E27FC236}">
+                <a16:creationId xmlns:a16="http://schemas.microsoft.com/office/drawing/2014/main" id="{E27F25B2-C1AC-4D46-9267-9DE60786271B}"/>
+              </a:ext>
+            </a:extLst>
+          </p:cNvPr>
+          <p:cNvCxnSpPr>
+            <a:cxnSpLocks/>
+          </p:cNvCxnSpPr>
+          <p:nvPr/>
+        </p:nvCxnSpPr>
+        <p:spPr>
+          <a:xfrm rot="16200000">
+            <a:off x="7985781" y="4121409"/>
+            <a:ext cx="3096000" cy="0"/>
+          </a:xfrm>
+          <a:prstGeom prst="line">
+            <a:avLst/>
+          </a:prstGeom>
+          <a:ln w="28575">
+            <a:solidFill>
+              <a:schemeClr val="tx1">
+                <a:lumMod val="75000"/>
+                <a:lumOff val="25000"/>
+              </a:schemeClr>
+            </a:solidFill>
+            <a:headEnd type="none" w="med" len="med"/>
+            <a:tailEnd type="none" w="med" len="med"/>
+          </a:ln>
+        </p:spPr>
+        <p:style>
+          <a:lnRef idx="1">
+            <a:schemeClr val="accent1"/>
+          </a:lnRef>
+          <a:fillRef idx="0">
+            <a:schemeClr val="accent1"/>
+          </a:fillRef>
+          <a:effectRef idx="0">
+            <a:schemeClr val="accent1"/>
+          </a:effectRef>
+          <a:fontRef idx="minor">
+            <a:schemeClr val="tx1"/>
+          </a:fontRef>
+        </p:style>
+      </p:cxnSp>
+      <p:sp>
+        <p:nvSpPr>
+          <p:cNvPr id="37" name="正方形/長方形 36">
+            <a:extLst>
+              <a:ext uri="{FF2B5EF4-FFF2-40B4-BE49-F238E27FC236}">
+                <a16:creationId xmlns:a16="http://schemas.microsoft.com/office/drawing/2014/main" id="{43654EF4-AC17-4514-B0CE-5C388051CD45}"/>
+              </a:ext>
+            </a:extLst>
+          </p:cNvPr>
+          <p:cNvSpPr/>
+          <p:nvPr/>
+        </p:nvSpPr>
+        <p:spPr>
+          <a:xfrm rot="5400000">
+            <a:off x="9385532" y="2388200"/>
+            <a:ext cx="135612" cy="761696"/>
+          </a:xfrm>
+          <a:prstGeom prst="rect">
+            <a:avLst/>
+          </a:prstGeom>
+          <a:solidFill>
+            <a:schemeClr val="tx1">
+              <a:lumMod val="75000"/>
+              <a:lumOff val="25000"/>
+            </a:schemeClr>
+          </a:solidFill>
+          <a:ln w="19050">
+            <a:solidFill>
+              <a:schemeClr val="tx1">
+                <a:lumMod val="75000"/>
+                <a:lumOff val="25000"/>
+              </a:schemeClr>
+            </a:solidFill>
+            <a:headEnd type="none" w="med" len="med"/>
+            <a:tailEnd type="none" w="med" len="med"/>
+          </a:ln>
+        </p:spPr>
+        <p:style>
+          <a:lnRef idx="1">
+            <a:schemeClr val="accent1"/>
+          </a:lnRef>
+          <a:fillRef idx="0">
+            <a:schemeClr val="accent1"/>
+          </a:fillRef>
+          <a:effectRef idx="0">
+            <a:schemeClr val="accent1"/>
+          </a:effectRef>
+          <a:fontRef idx="minor">
+            <a:schemeClr val="tx1"/>
+          </a:fontRef>
+        </p:style>
+        <p:txBody>
+          <a:bodyPr rtlCol="0" anchor="ctr"/>
+          <a:lstStyle/>
+          <a:p>
+            <a:pPr algn="ctr"/>
+            <a:endParaRPr kumimoji="1" lang="ja-JP" altLang="en-US" sz="2400" dirty="0">
+              <a:solidFill>
+                <a:schemeClr val="tx1">
+                  <a:lumMod val="75000"/>
+                  <a:lumOff val="25000"/>
+                </a:schemeClr>
+              </a:solidFill>
+            </a:endParaRPr>
+          </a:p>
+        </p:txBody>
+      </p:sp>
+      <p:sp>
+        <p:nvSpPr>
+          <p:cNvPr id="44" name="矢印: 上向き折線 43">
+            <a:extLst>
+              <a:ext uri="{FF2B5EF4-FFF2-40B4-BE49-F238E27FC236}">
+                <a16:creationId xmlns:a16="http://schemas.microsoft.com/office/drawing/2014/main" id="{CEE11757-F51F-4533-B3F5-FE6586F0C44E}"/>
+              </a:ext>
+            </a:extLst>
+          </p:cNvPr>
+          <p:cNvSpPr/>
+          <p:nvPr/>
+        </p:nvSpPr>
+        <p:spPr>
+          <a:xfrm rot="16200000">
+            <a:off x="6464501" y="2421360"/>
+            <a:ext cx="2639388" cy="3376390"/>
+          </a:xfrm>
+          <a:prstGeom prst="bentUpArrow">
+            <a:avLst>
+              <a:gd name="adj1" fmla="val 1392"/>
+              <a:gd name="adj2" fmla="val 3582"/>
+              <a:gd name="adj3" fmla="val 10573"/>
+            </a:avLst>
+          </a:prstGeom>
+          <a:solidFill>
+            <a:schemeClr val="accent6"/>
+          </a:solidFill>
+          <a:ln w="19050">
+            <a:noFill/>
+            <a:headEnd type="none" w="med" len="med"/>
+            <a:tailEnd type="none" w="med" len="med"/>
+          </a:ln>
+        </p:spPr>
+        <p:style>
+          <a:lnRef idx="1">
+            <a:schemeClr val="accent1"/>
+          </a:lnRef>
+          <a:fillRef idx="0">
+            <a:schemeClr val="accent1"/>
+          </a:fillRef>
+          <a:effectRef idx="0">
+            <a:schemeClr val="accent1"/>
+          </a:effectRef>
+          <a:fontRef idx="minor">
+            <a:schemeClr val="tx1"/>
+          </a:fontRef>
+        </p:style>
+        <p:txBody>
+          <a:bodyPr rtlCol="0" anchor="ctr"/>
+          <a:lstStyle/>
+          <a:p>
+            <a:pPr algn="ctr"/>
+            <a:endParaRPr kumimoji="1" lang="ja-JP" altLang="en-US" sz="2400" dirty="0">
+              <a:solidFill>
+                <a:schemeClr val="tx1">
+                  <a:lumMod val="75000"/>
+                  <a:lumOff val="25000"/>
+                </a:schemeClr>
+              </a:solidFill>
+            </a:endParaRPr>
+          </a:p>
+        </p:txBody>
+      </p:sp>
+      <p:sp>
+        <p:nvSpPr>
+          <p:cNvPr id="41" name="正方形/長方形 40">
+            <a:extLst>
+              <a:ext uri="{FF2B5EF4-FFF2-40B4-BE49-F238E27FC236}">
+                <a16:creationId xmlns:a16="http://schemas.microsoft.com/office/drawing/2014/main" id="{C3816ECD-85B9-42D9-8740-879C06305C0F}"/>
+              </a:ext>
+            </a:extLst>
+          </p:cNvPr>
+          <p:cNvSpPr/>
+          <p:nvPr/>
+        </p:nvSpPr>
+        <p:spPr>
+          <a:xfrm>
+            <a:off x="7569779" y="5227439"/>
+            <a:ext cx="3762375" cy="939558"/>
+          </a:xfrm>
+          <a:prstGeom prst="rect">
+            <a:avLst/>
+          </a:prstGeom>
+          <a:solidFill>
+            <a:schemeClr val="accent6"/>
+          </a:solidFill>
+          <a:ln w="19050">
+            <a:noFill/>
+            <a:headEnd type="none" w="med" len="med"/>
+            <a:tailEnd type="none" w="med" len="med"/>
+          </a:ln>
+        </p:spPr>
+        <p:style>
+          <a:lnRef idx="1">
+            <a:schemeClr val="accent1"/>
+          </a:lnRef>
+          <a:fillRef idx="0">
+            <a:schemeClr val="accent1"/>
+          </a:fillRef>
+          <a:effectRef idx="0">
+            <a:schemeClr val="accent1"/>
+          </a:effectRef>
+          <a:fontRef idx="minor">
+            <a:schemeClr val="tx1"/>
+          </a:fontRef>
+        </p:style>
+        <p:txBody>
+          <a:bodyPr rtlCol="0" anchor="ctr"/>
+          <a:lstStyle/>
+          <a:p>
+            <a:pPr algn="ctr"/>
+            <a:r>
+              <a:rPr lang="ja-JP" altLang="en-US" sz="2400" b="1" dirty="0">
+                <a:solidFill>
+                  <a:schemeClr val="bg1"/>
+                </a:solidFill>
+              </a:rPr>
+              <a:t>油</a:t>
+            </a:r>
+            <a:r>
+              <a:rPr kumimoji="1" lang="en-US" altLang="ja-JP" sz="2400" b="1" dirty="0">
+                <a:solidFill>
+                  <a:schemeClr val="bg1"/>
+                </a:solidFill>
+              </a:rPr>
+              <a:t>@</a:t>
+            </a:r>
+            <a:r>
+              <a:rPr kumimoji="1" lang="ja-JP" altLang="en-US" sz="2400" b="1" dirty="0">
+                <a:solidFill>
+                  <a:schemeClr val="bg1"/>
+                </a:solidFill>
+              </a:rPr>
+              <a:t>貯留層</a:t>
+            </a:r>
+          </a:p>
+        </p:txBody>
+      </p:sp>
+      <p:sp>
+        <p:nvSpPr>
+          <p:cNvPr id="36" name="正方形/長方形 35">
+            <a:extLst>
+              <a:ext uri="{FF2B5EF4-FFF2-40B4-BE49-F238E27FC236}">
+                <a16:creationId xmlns:a16="http://schemas.microsoft.com/office/drawing/2014/main" id="{FDF7FC1D-0C18-4021-BDED-FCF72C5C87EF}"/>
+              </a:ext>
+            </a:extLst>
+          </p:cNvPr>
+          <p:cNvSpPr/>
+          <p:nvPr/>
+        </p:nvSpPr>
+        <p:spPr>
+          <a:xfrm>
+            <a:off x="9323798" y="2561725"/>
+            <a:ext cx="259080" cy="633263"/>
+          </a:xfrm>
+          <a:prstGeom prst="rect">
+            <a:avLst/>
+          </a:prstGeom>
+          <a:solidFill>
+            <a:schemeClr val="tx1">
+              <a:lumMod val="75000"/>
+              <a:lumOff val="25000"/>
+            </a:schemeClr>
+          </a:solidFill>
+          <a:ln w="19050">
+            <a:solidFill>
+              <a:schemeClr val="tx1">
+                <a:lumMod val="75000"/>
+                <a:lumOff val="25000"/>
+              </a:schemeClr>
+            </a:solidFill>
+            <a:headEnd type="none" w="med" len="med"/>
+            <a:tailEnd type="none" w="med" len="med"/>
+          </a:ln>
+        </p:spPr>
+        <p:style>
+          <a:lnRef idx="1">
+            <a:schemeClr val="accent1"/>
+          </a:lnRef>
+          <a:fillRef idx="0">
+            <a:schemeClr val="accent1"/>
+          </a:fillRef>
+          <a:effectRef idx="0">
+            <a:schemeClr val="accent1"/>
+          </a:effectRef>
+          <a:fontRef idx="minor">
+            <a:schemeClr val="tx1"/>
+          </a:fontRef>
+        </p:style>
+        <p:txBody>
+          <a:bodyPr rtlCol="0" anchor="ctr"/>
+          <a:lstStyle/>
+          <a:p>
+            <a:pPr algn="ctr"/>
+            <a:endParaRPr kumimoji="1" lang="ja-JP" altLang="en-US" sz="2400" dirty="0">
+              <a:solidFill>
+                <a:schemeClr val="tx1">
+                  <a:lumMod val="75000"/>
+                  <a:lumOff val="25000"/>
+                </a:schemeClr>
+              </a:solidFill>
+            </a:endParaRPr>
+          </a:p>
+        </p:txBody>
+      </p:sp>
+      <p:sp>
+        <p:nvSpPr>
+          <p:cNvPr id="38" name="正方形/長方形 37">
+            <a:extLst>
+              <a:ext uri="{FF2B5EF4-FFF2-40B4-BE49-F238E27FC236}">
+                <a16:creationId xmlns:a16="http://schemas.microsoft.com/office/drawing/2014/main" id="{95D98ABC-BF9D-4A07-82FA-F0F4F9AC14CE}"/>
+              </a:ext>
+            </a:extLst>
+          </p:cNvPr>
+          <p:cNvSpPr/>
+          <p:nvPr/>
+        </p:nvSpPr>
+        <p:spPr>
+          <a:xfrm rot="5400000">
+            <a:off x="9385532" y="2620754"/>
+            <a:ext cx="135612" cy="761696"/>
+          </a:xfrm>
+          <a:prstGeom prst="rect">
+            <a:avLst/>
+          </a:prstGeom>
+          <a:solidFill>
+            <a:schemeClr val="tx1">
+              <a:lumMod val="75000"/>
+              <a:lumOff val="25000"/>
+            </a:schemeClr>
+          </a:solidFill>
+          <a:ln w="19050">
+            <a:solidFill>
+              <a:schemeClr val="tx1">
+                <a:lumMod val="75000"/>
+                <a:lumOff val="25000"/>
+              </a:schemeClr>
+            </a:solidFill>
+            <a:headEnd type="none" w="med" len="med"/>
+            <a:tailEnd type="none" w="med" len="med"/>
+          </a:ln>
+        </p:spPr>
+        <p:style>
+          <a:lnRef idx="1">
+            <a:schemeClr val="accent1"/>
+          </a:lnRef>
+          <a:fillRef idx="0">
+            <a:schemeClr val="accent1"/>
+          </a:fillRef>
+          <a:effectRef idx="0">
+            <a:schemeClr val="accent1"/>
+          </a:effectRef>
+          <a:fontRef idx="minor">
+            <a:schemeClr val="tx1"/>
+          </a:fontRef>
+        </p:style>
+        <p:txBody>
+          <a:bodyPr rtlCol="0" anchor="ctr"/>
+          <a:lstStyle/>
+          <a:p>
+            <a:pPr algn="ctr"/>
+            <a:endParaRPr kumimoji="1" lang="ja-JP" altLang="en-US" sz="2400" dirty="0">
+              <a:solidFill>
+                <a:schemeClr val="tx1">
+                  <a:lumMod val="75000"/>
+                  <a:lumOff val="25000"/>
+                </a:schemeClr>
+              </a:solidFill>
+            </a:endParaRPr>
+          </a:p>
+        </p:txBody>
+      </p:sp>
+      <mc:AlternateContent xmlns:mc="http://schemas.openxmlformats.org/markup-compatibility/2006" xmlns:a14="http://schemas.microsoft.com/office/drawing/2010/main">
+        <mc:Choice Requires="a14">
+          <p:sp>
+            <p:nvSpPr>
+              <p:cNvPr id="50" name="テキスト ボックス 49">
+                <a:extLst>
+                  <a:ext uri="{FF2B5EF4-FFF2-40B4-BE49-F238E27FC236}">
+                    <a16:creationId xmlns:a16="http://schemas.microsoft.com/office/drawing/2014/main" id="{3F370BF7-7AAD-4F1B-8910-583E38CEB982}"/>
+                  </a:ext>
+                </a:extLst>
+              </p:cNvPr>
+              <p:cNvSpPr txBox="1"/>
+              <p:nvPr/>
+            </p:nvSpPr>
+            <p:spPr>
+              <a:xfrm>
+                <a:off x="796535" y="4645885"/>
+                <a:ext cx="1929033" cy="461665"/>
+              </a:xfrm>
+              <a:prstGeom prst="rect">
+                <a:avLst/>
+              </a:prstGeom>
+              <a:noFill/>
+            </p:spPr>
+            <p:txBody>
+              <a:bodyPr wrap="square" rtlCol="0" anchor="ctr">
+                <a:spAutoFit/>
+              </a:bodyPr>
+              <a:lstStyle/>
+              <a:p>
+                <a:pPr algn="ctr"/>
+                <a14:m>
+                  <m:oMathPara xmlns:m="http://schemas.openxmlformats.org/officeDocument/2006/math">
+                    <m:oMathParaPr>
+                      <m:jc m:val="centerGroup"/>
+                    </m:oMathParaPr>
+                    <m:oMath xmlns:m="http://schemas.openxmlformats.org/officeDocument/2006/math">
+                      <m:sSub>
+                        <m:sSubPr>
+                          <m:ctrlPr>
+                            <a:rPr kumimoji="1" lang="en-US" altLang="ja-JP" sz="2400" b="0" i="1" smtClean="0">
+                              <a:latin typeface="Cambria Math" panose="02040503050406030204" pitchFamily="18" charset="0"/>
+                            </a:rPr>
+                          </m:ctrlPr>
+                        </m:sSubPr>
+                        <m:e>
+                          <m:r>
+                            <a:rPr kumimoji="1" lang="en-US" altLang="ja-JP" sz="2400" b="0" i="1" smtClean="0">
+                              <a:latin typeface="Cambria Math" panose="02040503050406030204" pitchFamily="18" charset="0"/>
+                            </a:rPr>
+                            <m:t>𝑅</m:t>
+                          </m:r>
+                        </m:e>
+                        <m:sub>
+                          <m:r>
+                            <a:rPr kumimoji="1" lang="en-US" altLang="ja-JP" sz="2400" b="0" i="1" smtClean="0">
+                              <a:latin typeface="Cambria Math" panose="02040503050406030204" pitchFamily="18" charset="0"/>
+                            </a:rPr>
+                            <m:t>𝑠</m:t>
+                          </m:r>
+                        </m:sub>
+                      </m:sSub>
+                      <m:r>
+                        <a:rPr kumimoji="1" lang="en-US" altLang="ja-JP" sz="2400" b="0" i="1" smtClean="0">
+                          <a:latin typeface="Cambria Math" panose="02040503050406030204" pitchFamily="18" charset="0"/>
+                        </a:rPr>
+                        <m:t>=</m:t>
+                      </m:r>
+                    </m:oMath>
+                  </m:oMathPara>
+                </a14:m>
+                <a:endParaRPr kumimoji="1" lang="ja-JP" altLang="en-US" sz="2400" dirty="0">
+                  <a:solidFill>
+                    <a:srgbClr val="404040"/>
+                  </a:solidFill>
+                  <a:latin typeface="+mj-lt"/>
+                </a:endParaRPr>
+              </a:p>
+            </p:txBody>
+          </p:sp>
+        </mc:Choice>
+        <mc:Fallback xmlns="">
+          <p:sp>
+            <p:nvSpPr>
+              <p:cNvPr id="50" name="テキスト ボックス 49">
+                <a:extLst>
+                  <a:ext uri="{FF2B5EF4-FFF2-40B4-BE49-F238E27FC236}">
+                    <a16:creationId xmlns:a16="http://schemas.microsoft.com/office/drawing/2014/main" id="{3F370BF7-7AAD-4F1B-8910-583E38CEB982}"/>
+                  </a:ext>
+                </a:extLst>
+              </p:cNvPr>
+              <p:cNvSpPr txBox="1">
+                <a:spLocks noRot="1" noChangeAspect="1" noMove="1" noResize="1" noEditPoints="1" noAdjustHandles="1" noChangeArrowheads="1" noChangeShapeType="1" noTextEdit="1"/>
+              </p:cNvSpPr>
+              <p:nvPr/>
+            </p:nvSpPr>
+            <p:spPr>
+              <a:xfrm>
+                <a:off x="796535" y="4645885"/>
+                <a:ext cx="1929033" cy="461665"/>
+              </a:xfrm>
+              <a:prstGeom prst="rect">
+                <a:avLst/>
+              </a:prstGeom>
+              <a:blipFill>
+                <a:blip r:embed="rId3"/>
+                <a:stretch>
+                  <a:fillRect/>
+                </a:stretch>
+              </a:blipFill>
+            </p:spPr>
+            <p:txBody>
+              <a:bodyPr/>
+              <a:lstStyle/>
+              <a:p>
+                <a:r>
+                  <a:rPr lang="ja-JP" altLang="en-US">
+                    <a:noFill/>
+                  </a:rPr>
+                  <a:t> </a:t>
+                </a:r>
+              </a:p>
+            </p:txBody>
+          </p:sp>
+        </mc:Fallback>
+      </mc:AlternateContent>
+      <p:cxnSp>
+        <p:nvCxnSpPr>
+          <p:cNvPr id="51" name="直線コネクタ 50">
+            <a:extLst>
+              <a:ext uri="{FF2B5EF4-FFF2-40B4-BE49-F238E27FC236}">
+                <a16:creationId xmlns:a16="http://schemas.microsoft.com/office/drawing/2014/main" id="{10DBC478-2A53-48EE-8CB4-56CB885FDF24}"/>
+              </a:ext>
+            </a:extLst>
+          </p:cNvPr>
+          <p:cNvCxnSpPr>
+            <a:cxnSpLocks/>
+          </p:cNvCxnSpPr>
+          <p:nvPr/>
+        </p:nvCxnSpPr>
+        <p:spPr>
+          <a:xfrm>
+            <a:off x="2293674" y="4876175"/>
+            <a:ext cx="3768472" cy="0"/>
+          </a:xfrm>
+          <a:prstGeom prst="line">
+            <a:avLst/>
+          </a:prstGeom>
+          <a:ln w="28575">
+            <a:solidFill>
+              <a:schemeClr val="tx1">
+                <a:lumMod val="75000"/>
+                <a:lumOff val="25000"/>
+              </a:schemeClr>
+            </a:solidFill>
+            <a:headEnd type="none" w="med" len="med"/>
+            <a:tailEnd type="none" w="med" len="med"/>
+          </a:ln>
+        </p:spPr>
+        <p:style>
+          <a:lnRef idx="1">
+            <a:schemeClr val="accent1"/>
+          </a:lnRef>
+          <a:fillRef idx="0">
+            <a:schemeClr val="accent1"/>
+          </a:fillRef>
+          <a:effectRef idx="0">
+            <a:schemeClr val="accent1"/>
+          </a:effectRef>
+          <a:fontRef idx="minor">
+            <a:schemeClr val="tx1"/>
+          </a:fontRef>
+        </p:style>
+      </p:cxnSp>
+      <p:sp>
+        <p:nvSpPr>
+          <p:cNvPr id="22" name="正方形/長方形 21">
+            <a:extLst>
+              <a:ext uri="{FF2B5EF4-FFF2-40B4-BE49-F238E27FC236}">
+                <a16:creationId xmlns:a16="http://schemas.microsoft.com/office/drawing/2014/main" id="{7FF37E1F-3CFC-48A0-91D5-F203ABED2D33}"/>
+              </a:ext>
+            </a:extLst>
+          </p:cNvPr>
+          <p:cNvSpPr/>
+          <p:nvPr/>
+        </p:nvSpPr>
+        <p:spPr>
+          <a:xfrm>
+            <a:off x="1492555" y="2255430"/>
+            <a:ext cx="1662371" cy="939558"/>
+          </a:xfrm>
+          <a:prstGeom prst="rect">
+            <a:avLst/>
+          </a:prstGeom>
+          <a:solidFill>
+            <a:schemeClr val="accent6"/>
+          </a:solidFill>
+          <a:ln w="19050">
+            <a:noFill/>
+            <a:headEnd type="none" w="med" len="med"/>
+            <a:tailEnd type="none" w="med" len="med"/>
+          </a:ln>
+        </p:spPr>
+        <p:style>
+          <a:lnRef idx="1">
+            <a:schemeClr val="accent1"/>
+          </a:lnRef>
+          <a:fillRef idx="0">
+            <a:schemeClr val="accent1"/>
+          </a:fillRef>
+          <a:effectRef idx="0">
+            <a:schemeClr val="accent1"/>
+          </a:effectRef>
+          <a:fontRef idx="minor">
+            <a:schemeClr val="tx1"/>
+          </a:fontRef>
+        </p:style>
+        <p:txBody>
+          <a:bodyPr rtlCol="0" anchor="ctr"/>
+          <a:lstStyle/>
+          <a:p>
+            <a:pPr algn="ctr"/>
+            <a:r>
+              <a:rPr lang="ja-JP" altLang="en-US" sz="2400" b="1" dirty="0">
+                <a:solidFill>
+                  <a:schemeClr val="bg1"/>
+                </a:solidFill>
+              </a:rPr>
+              <a:t>油</a:t>
+            </a:r>
+            <a:r>
+              <a:rPr kumimoji="1" lang="en-US" altLang="ja-JP" sz="2400" b="1" dirty="0">
+                <a:solidFill>
+                  <a:schemeClr val="bg1"/>
+                </a:solidFill>
+              </a:rPr>
+              <a:t>@</a:t>
+            </a:r>
+            <a:r>
+              <a:rPr lang="ja-JP" altLang="en-US" sz="2400" b="1" dirty="0">
+                <a:solidFill>
+                  <a:schemeClr val="bg1"/>
+                </a:solidFill>
+              </a:rPr>
+              <a:t>地表</a:t>
+            </a:r>
+            <a:endParaRPr kumimoji="1" lang="ja-JP" altLang="en-US" sz="2400" b="1" dirty="0">
+              <a:solidFill>
+                <a:schemeClr val="bg1"/>
+              </a:solidFill>
+            </a:endParaRPr>
+          </a:p>
+        </p:txBody>
+      </p:sp>
+      <p:sp>
+        <p:nvSpPr>
+          <p:cNvPr id="23" name="正方形/長方形 22">
+            <a:extLst>
+              <a:ext uri="{FF2B5EF4-FFF2-40B4-BE49-F238E27FC236}">
+                <a16:creationId xmlns:a16="http://schemas.microsoft.com/office/drawing/2014/main" id="{FADABBE3-4AAA-4A8E-80DC-98118D8007A7}"/>
+              </a:ext>
+            </a:extLst>
+          </p:cNvPr>
+          <p:cNvSpPr/>
+          <p:nvPr/>
+        </p:nvSpPr>
+        <p:spPr>
+          <a:xfrm>
+            <a:off x="3264751" y="2255430"/>
+            <a:ext cx="2556153" cy="939558"/>
+          </a:xfrm>
+          <a:prstGeom prst="rect">
+            <a:avLst/>
+          </a:prstGeom>
+          <a:solidFill>
+            <a:schemeClr val="accent2"/>
+          </a:solidFill>
+          <a:ln w="19050">
+            <a:noFill/>
+            <a:headEnd type="none" w="med" len="med"/>
+            <a:tailEnd type="none" w="med" len="med"/>
+          </a:ln>
+        </p:spPr>
+        <p:style>
+          <a:lnRef idx="1">
+            <a:schemeClr val="accent1"/>
+          </a:lnRef>
+          <a:fillRef idx="0">
+            <a:schemeClr val="accent1"/>
+          </a:fillRef>
+          <a:effectRef idx="0">
+            <a:schemeClr val="accent1"/>
+          </a:effectRef>
+          <a:fontRef idx="minor">
+            <a:schemeClr val="tx1"/>
+          </a:fontRef>
+        </p:style>
+        <p:txBody>
+          <a:bodyPr rtlCol="0" anchor="ctr"/>
+          <a:lstStyle/>
+          <a:p>
+            <a:pPr algn="ctr"/>
+            <a:r>
+              <a:rPr lang="ja-JP" altLang="en-US" sz="2400" b="1" dirty="0">
+                <a:solidFill>
+                  <a:schemeClr val="bg1"/>
+                </a:solidFill>
+              </a:rPr>
+              <a:t>ガス</a:t>
+            </a:r>
+            <a:r>
+              <a:rPr lang="en-US" altLang="ja-JP" sz="2400" b="1" dirty="0">
+                <a:solidFill>
+                  <a:schemeClr val="bg1"/>
+                </a:solidFill>
+              </a:rPr>
+              <a:t>@</a:t>
+            </a:r>
+            <a:r>
+              <a:rPr lang="ja-JP" altLang="en-US" sz="2400" b="1" dirty="0">
+                <a:solidFill>
+                  <a:schemeClr val="bg1"/>
+                </a:solidFill>
+              </a:rPr>
+              <a:t>地表</a:t>
+            </a:r>
+            <a:endParaRPr kumimoji="1" lang="ja-JP" altLang="en-US" sz="2400" b="1" dirty="0">
+              <a:solidFill>
+                <a:schemeClr val="bg1"/>
+              </a:solidFill>
+            </a:endParaRPr>
+          </a:p>
+        </p:txBody>
+      </p:sp>
+      <p:sp>
+        <p:nvSpPr>
+          <p:cNvPr id="24" name="正方形/長方形 23">
+            <a:extLst>
+              <a:ext uri="{FF2B5EF4-FFF2-40B4-BE49-F238E27FC236}">
+                <a16:creationId xmlns:a16="http://schemas.microsoft.com/office/drawing/2014/main" id="{F03B4CF8-1D92-4F8D-9576-587B6A6233E3}"/>
+              </a:ext>
+            </a:extLst>
+          </p:cNvPr>
+          <p:cNvSpPr/>
+          <p:nvPr/>
+        </p:nvSpPr>
+        <p:spPr>
+          <a:xfrm>
+            <a:off x="3346725" y="5019865"/>
+            <a:ext cx="1662371" cy="939558"/>
+          </a:xfrm>
+          <a:prstGeom prst="rect">
+            <a:avLst/>
+          </a:prstGeom>
+          <a:solidFill>
+            <a:schemeClr val="accent6"/>
+          </a:solidFill>
+          <a:ln w="19050">
+            <a:noFill/>
+            <a:headEnd type="none" w="med" len="med"/>
+            <a:tailEnd type="none" w="med" len="med"/>
+          </a:ln>
+        </p:spPr>
+        <p:style>
+          <a:lnRef idx="1">
+            <a:schemeClr val="accent1"/>
+          </a:lnRef>
+          <a:fillRef idx="0">
+            <a:schemeClr val="accent1"/>
+          </a:fillRef>
+          <a:effectRef idx="0">
+            <a:schemeClr val="accent1"/>
+          </a:effectRef>
+          <a:fontRef idx="minor">
+            <a:schemeClr val="tx1"/>
+          </a:fontRef>
+        </p:style>
+        <p:txBody>
+          <a:bodyPr rtlCol="0" anchor="ctr"/>
+          <a:lstStyle/>
+          <a:p>
+            <a:pPr algn="ctr"/>
+            <a:r>
+              <a:rPr lang="ja-JP" altLang="en-US" sz="2400" b="1" dirty="0">
+                <a:solidFill>
+                  <a:schemeClr val="bg1"/>
+                </a:solidFill>
+              </a:rPr>
+              <a:t>油</a:t>
+            </a:r>
+            <a:r>
+              <a:rPr kumimoji="1" lang="en-US" altLang="ja-JP" sz="2400" b="1" dirty="0">
+                <a:solidFill>
+                  <a:schemeClr val="bg1"/>
+                </a:solidFill>
+              </a:rPr>
+              <a:t>@</a:t>
+            </a:r>
+            <a:r>
+              <a:rPr lang="ja-JP" altLang="en-US" sz="2400" b="1" dirty="0">
+                <a:solidFill>
+                  <a:schemeClr val="bg1"/>
+                </a:solidFill>
+              </a:rPr>
+              <a:t>地表</a:t>
+            </a:r>
+            <a:endParaRPr kumimoji="1" lang="ja-JP" altLang="en-US" sz="2400" b="1" dirty="0">
+              <a:solidFill>
+                <a:schemeClr val="bg1"/>
+              </a:solidFill>
+            </a:endParaRPr>
+          </a:p>
+        </p:txBody>
+      </p:sp>
+      <p:sp>
+        <p:nvSpPr>
+          <p:cNvPr id="26" name="正方形/長方形 25">
+            <a:extLst>
+              <a:ext uri="{FF2B5EF4-FFF2-40B4-BE49-F238E27FC236}">
+                <a16:creationId xmlns:a16="http://schemas.microsoft.com/office/drawing/2014/main" id="{6F67E49A-1B7E-44AA-80D2-29021F0BCAB1}"/>
+              </a:ext>
+            </a:extLst>
+          </p:cNvPr>
+          <p:cNvSpPr/>
+          <p:nvPr/>
+        </p:nvSpPr>
+        <p:spPr>
+          <a:xfrm>
+            <a:off x="2899834" y="3760959"/>
+            <a:ext cx="2556153" cy="939558"/>
+          </a:xfrm>
+          <a:prstGeom prst="rect">
+            <a:avLst/>
+          </a:prstGeom>
+          <a:solidFill>
+            <a:schemeClr val="accent2"/>
+          </a:solidFill>
+          <a:ln w="19050">
+            <a:noFill/>
+            <a:headEnd type="none" w="med" len="med"/>
+            <a:tailEnd type="none" w="med" len="med"/>
+          </a:ln>
+        </p:spPr>
+        <p:style>
+          <a:lnRef idx="1">
+            <a:schemeClr val="accent1"/>
+          </a:lnRef>
+          <a:fillRef idx="0">
+            <a:schemeClr val="accent1"/>
+          </a:fillRef>
+          <a:effectRef idx="0">
+            <a:schemeClr val="accent1"/>
+          </a:effectRef>
+          <a:fontRef idx="minor">
+            <a:schemeClr val="tx1"/>
+          </a:fontRef>
+        </p:style>
+        <p:txBody>
+          <a:bodyPr rtlCol="0" anchor="ctr"/>
+          <a:lstStyle/>
+          <a:p>
+            <a:pPr algn="ctr"/>
+            <a:r>
+              <a:rPr lang="ja-JP" altLang="en-US" sz="2400" b="1" dirty="0">
+                <a:solidFill>
+                  <a:schemeClr val="bg1"/>
+                </a:solidFill>
+              </a:rPr>
+              <a:t>ガス</a:t>
+            </a:r>
+            <a:r>
+              <a:rPr lang="en-US" altLang="ja-JP" sz="2400" b="1" dirty="0">
+                <a:solidFill>
+                  <a:schemeClr val="bg1"/>
+                </a:solidFill>
+              </a:rPr>
+              <a:t>@</a:t>
+            </a:r>
+            <a:r>
+              <a:rPr lang="ja-JP" altLang="en-US" sz="2400" b="1" dirty="0">
+                <a:solidFill>
+                  <a:schemeClr val="bg1"/>
+                </a:solidFill>
+              </a:rPr>
+              <a:t>地表</a:t>
+            </a:r>
+            <a:endParaRPr kumimoji="1" lang="ja-JP" altLang="en-US" sz="2400" b="1" dirty="0">
+              <a:solidFill>
+                <a:schemeClr val="bg1"/>
+              </a:solidFill>
+            </a:endParaRPr>
+          </a:p>
+        </p:txBody>
+      </p:sp>
+    </p:spTree>
+    <p:extLst>
+      <p:ext uri="{BB962C8B-B14F-4D97-AF65-F5344CB8AC3E}">
+        <p14:creationId xmlns:p14="http://schemas.microsoft.com/office/powerpoint/2010/main" val="3798514748"/>
+      </p:ext>
+    </p:extLst>
+  </p:cSld>
+  <p:clrMapOvr>
+    <a:masterClrMapping/>
+  </p:clrMapOvr>
+</p:sld>
+</file>
+
+<file path=ppt/slides/slide11.xml><?xml version="1.0" encoding="utf-8"?>
+<p:sld xmlns:a="http://schemas.openxmlformats.org/drawingml/2006/main" xmlns:r="http://schemas.openxmlformats.org/officeDocument/2006/relationships" xmlns:p="http://schemas.openxmlformats.org/presentationml/2006/main">
+  <p:cSld>
+    <p:spTree>
+      <p:nvGrpSpPr>
+        <p:cNvPr id="1" name=""/>
+        <p:cNvGrpSpPr/>
+        <p:nvPr/>
+      </p:nvGrpSpPr>
+      <p:grpSpPr>
+        <a:xfrm>
+          <a:off x="0" y="0"/>
+          <a:ext cx="0" cy="0"/>
+          <a:chOff x="0" y="0"/>
+          <a:chExt cx="0" cy="0"/>
+        </a:xfrm>
+      </p:grpSpPr>
       <mc:AlternateContent xmlns:mc="http://schemas.openxmlformats.org/markup-compatibility/2006" xmlns:a14="http://schemas.microsoft.com/office/drawing/2010/main">
         <mc:Choice Requires="a14">
           <p:sp>
@@ -7883,7 +6415,7 @@
 </p:sld>
 </file>
 
-<file path=ppt/slides/slide11.xml><?xml version="1.0" encoding="utf-8"?>
+<file path=ppt/slides/slide12.xml><?xml version="1.0" encoding="utf-8"?>
 <p:sld xmlns:a="http://schemas.openxmlformats.org/drawingml/2006/main" xmlns:r="http://schemas.openxmlformats.org/officeDocument/2006/relationships" xmlns:p="http://schemas.openxmlformats.org/presentationml/2006/main">
   <p:cSld>
     <p:spTree>
@@ -8029,7 +6561,7 @@
 </p:sld>
 </file>
 
-<file path=ppt/slides/slide12.xml><?xml version="1.0" encoding="utf-8"?>
+<file path=ppt/slides/slide13.xml><?xml version="1.0" encoding="utf-8"?>
 <p:sld xmlns:a="http://schemas.openxmlformats.org/drawingml/2006/main" xmlns:r="http://schemas.openxmlformats.org/officeDocument/2006/relationships" xmlns:p="http://schemas.openxmlformats.org/presentationml/2006/main">
   <p:cSld>
     <p:spTree>
@@ -9004,7 +7536,7 @@
 </p:sld>
 </file>
 
-<file path=ppt/slides/slide13.xml><?xml version="1.0" encoding="utf-8"?>
+<file path=ppt/slides/slide14.xml><?xml version="1.0" encoding="utf-8"?>
 <p:sld xmlns:a="http://schemas.openxmlformats.org/drawingml/2006/main" xmlns:r="http://schemas.openxmlformats.org/officeDocument/2006/relationships" xmlns:p="http://schemas.openxmlformats.org/presentationml/2006/main">
   <p:cSld>
     <p:spTree>
@@ -9238,7 +7770,7 @@
 </p:sld>
 </file>
 
-<file path=ppt/slides/slide14.xml><?xml version="1.0" encoding="utf-8"?>
+<file path=ppt/slides/slide15.xml><?xml version="1.0" encoding="utf-8"?>
 <p:sld xmlns:a="http://schemas.openxmlformats.org/drawingml/2006/main" xmlns:r="http://schemas.openxmlformats.org/officeDocument/2006/relationships" xmlns:p="http://schemas.openxmlformats.org/presentationml/2006/main">
   <p:cSld>
     <p:spTree>
@@ -9316,16 +7848,12 @@
           <a:lstStyle/>
           <a:p>
             <a:r>
-              <a:rPr kumimoji="1" lang="ja-JP" altLang="en-US" dirty="0"/>
-              <a:t>沸点圧力以下になると油からガスが発生 →</a:t>
-            </a:r>
-            <a:r>
               <a:rPr kumimoji="1" lang="ja-JP" altLang="en-US" dirty="0">
                 <a:solidFill>
                   <a:srgbClr val="FF0000"/>
                 </a:solidFill>
               </a:rPr>
-              <a:t> 今回は無視</a:t>
+              <a:t>沸点圧力以下になると油からガスが発生</a:t>
             </a:r>
           </a:p>
         </p:txBody>
@@ -9386,7 +7914,7 @@
         <p:spPr>
           <a:xfrm>
             <a:off x="2179875" y="2013938"/>
-            <a:ext cx="1972815" cy="3626723"/>
+            <a:ext cx="1952427" cy="3626723"/>
           </a:xfrm>
           <a:prstGeom prst="rect">
             <a:avLst/>
@@ -9446,7 +7974,7 @@
         </p:nvSpPr>
         <p:spPr>
           <a:xfrm>
-            <a:off x="2639926" y="2771833"/>
+            <a:off x="2629732" y="2773935"/>
             <a:ext cx="1052712" cy="457201"/>
           </a:xfrm>
           <a:prstGeom prst="rect">
@@ -9522,7 +8050,7 @@
         <p:spPr>
           <a:xfrm>
             <a:off x="6846828" y="2013937"/>
-            <a:ext cx="1972815" cy="3626723"/>
+            <a:ext cx="1952427" cy="3626723"/>
           </a:xfrm>
           <a:prstGeom prst="rect">
             <a:avLst/>
@@ -9582,7 +8110,7 @@
         </p:nvSpPr>
         <p:spPr>
           <a:xfrm>
-            <a:off x="7306879" y="2771833"/>
+            <a:off x="7296685" y="2773935"/>
             <a:ext cx="1052712" cy="457201"/>
           </a:xfrm>
           <a:prstGeom prst="rect">
@@ -9656,7 +8184,7 @@
 </p:sld>
 </file>
 
-<file path=ppt/slides/slide15.xml><?xml version="1.0" encoding="utf-8"?>
+<file path=ppt/slides/slide16.xml><?xml version="1.0" encoding="utf-8"?>
 <p:sld xmlns:a="http://schemas.openxmlformats.org/drawingml/2006/main" xmlns:r="http://schemas.openxmlformats.org/officeDocument/2006/relationships" xmlns:p="http://schemas.openxmlformats.org/presentationml/2006/main">
   <p:cSld>
     <p:spTree>
@@ -10570,7 +9098,7 @@
 </p:sld>
 </file>
 
-<file path=ppt/slides/slide16.xml><?xml version="1.0" encoding="utf-8"?>
+<file path=ppt/slides/slide17.xml><?xml version="1.0" encoding="utf-8"?>
 <p:sld xmlns:a="http://schemas.openxmlformats.org/drawingml/2006/main" xmlns:r="http://schemas.openxmlformats.org/officeDocument/2006/relationships" xmlns:p="http://schemas.openxmlformats.org/presentationml/2006/main">
   <p:cSld>
     <p:spTree>
@@ -10969,21 +9497,6 @@
             <a:r>
               <a:rPr kumimoji="1" lang="ja-JP" altLang="en-US" dirty="0"/>
               <a:t>完全陽解法は商用シミュレータでは殆ど用いられない。</a:t>
-            </a:r>
-            <a:endParaRPr kumimoji="1" lang="en-US" altLang="ja-JP" dirty="0"/>
-          </a:p>
-          <a:p>
-            <a:pPr lvl="1"/>
-            <a:r>
-              <a:rPr lang="ja-JP" altLang="en-US" dirty="0">
-                <a:solidFill>
-                  <a:schemeClr val="tx1">
-                    <a:lumMod val="75000"/>
-                    <a:lumOff val="25000"/>
-                  </a:schemeClr>
-                </a:solidFill>
-              </a:rPr>
-              <a:t>研究用コードなら陽解法も◎</a:t>
             </a:r>
             <a:endParaRPr kumimoji="1" lang="ja-JP" altLang="en-US" dirty="0">
               <a:solidFill>
@@ -11066,7 +9579,7 @@
 </p:sld>
 </file>
 
-<file path=ppt/slides/slide17.xml><?xml version="1.0" encoding="utf-8"?>
+<file path=ppt/slides/slide18.xml><?xml version="1.0" encoding="utf-8"?>
 <p:sld xmlns:a="http://schemas.openxmlformats.org/drawingml/2006/main" xmlns:r="http://schemas.openxmlformats.org/officeDocument/2006/relationships" xmlns:p="http://schemas.openxmlformats.org/presentationml/2006/main">
   <p:cSld>
     <p:spTree>
@@ -11194,7 +9707,7 @@
             <a:r>
               <a:rPr lang="ja-JP" altLang="en-US" dirty="0">
                 <a:solidFill>
-                  <a:srgbClr val="FF0000"/>
+                  <a:srgbClr val="E55959"/>
                 </a:solidFill>
               </a:rPr>
               <a:t>半陰解法：</a:t>
@@ -11202,7 +9715,7 @@
             <a:r>
               <a:rPr lang="en-US" altLang="ja-JP" dirty="0">
                 <a:solidFill>
-                  <a:srgbClr val="FF0000"/>
+                  <a:srgbClr val="E55959"/>
                 </a:solidFill>
               </a:rPr>
               <a:t>IMEX</a:t>
@@ -11210,7 +9723,7 @@
             <a:r>
               <a:rPr lang="ja-JP" altLang="en-US" dirty="0">
                 <a:solidFill>
-                  <a:srgbClr val="FF0000"/>
+                  <a:srgbClr val="E55959"/>
                 </a:solidFill>
               </a:rPr>
               <a:t>スキーム（</a:t>
@@ -11218,7 +9731,7 @@
             <a:r>
               <a:rPr lang="en-US" altLang="ja-JP" b="1" dirty="0" err="1">
                 <a:solidFill>
-                  <a:srgbClr val="FF0000"/>
+                  <a:srgbClr val="E55959"/>
                 </a:solidFill>
               </a:rPr>
               <a:t>IM</a:t>
@@ -11226,7 +9739,7 @@
             <a:r>
               <a:rPr lang="en-US" altLang="ja-JP" dirty="0" err="1">
                 <a:solidFill>
-                  <a:srgbClr val="FF0000"/>
+                  <a:srgbClr val="E55959"/>
                 </a:solidFill>
               </a:rPr>
               <a:t>plicit</a:t>
@@ -11234,7 +9747,7 @@
             <a:r>
               <a:rPr lang="en-US" altLang="ja-JP" dirty="0">
                 <a:solidFill>
-                  <a:srgbClr val="FF0000"/>
+                  <a:srgbClr val="E55959"/>
                 </a:solidFill>
               </a:rPr>
               <a:t> </a:t>
@@ -11242,7 +9755,7 @@
             <a:r>
               <a:rPr lang="en-US" altLang="ja-JP" b="1" dirty="0" err="1">
                 <a:solidFill>
-                  <a:srgbClr val="FF0000"/>
+                  <a:srgbClr val="E55959"/>
                 </a:solidFill>
               </a:rPr>
               <a:t>EX</a:t>
@@ -11250,7 +9763,7 @@
             <a:r>
               <a:rPr lang="en-US" altLang="ja-JP" dirty="0" err="1">
                 <a:solidFill>
-                  <a:srgbClr val="FF0000"/>
+                  <a:srgbClr val="E55959"/>
                 </a:solidFill>
               </a:rPr>
               <a:t>plicit</a:t>
@@ -11258,14 +9771,14 @@
             <a:r>
               <a:rPr lang="ja-JP" altLang="en-US" dirty="0">
                 <a:solidFill>
-                  <a:srgbClr val="FF0000"/>
+                  <a:srgbClr val="E55959"/>
                 </a:solidFill>
               </a:rPr>
               <a:t>）</a:t>
             </a:r>
             <a:endParaRPr lang="en-US" altLang="ja-JP" dirty="0">
               <a:solidFill>
-                <a:srgbClr val="FF0000"/>
+                <a:srgbClr val="E55959"/>
               </a:solidFill>
             </a:endParaRPr>
           </a:p>
@@ -11278,14 +9791,14 @@
             <a:r>
               <a:rPr kumimoji="1" lang="ja-JP" altLang="en-US" dirty="0">
                 <a:solidFill>
-                  <a:srgbClr val="FF0000"/>
+                  <a:srgbClr val="E55959"/>
                 </a:solidFill>
               </a:rPr>
               <a:t>線形項を陰解法，非線形項を陽解法で離散化</a:t>
             </a:r>
             <a:endParaRPr kumimoji="1" lang="en-US" altLang="ja-JP" dirty="0">
               <a:solidFill>
-                <a:srgbClr val="FF0000"/>
+                <a:srgbClr val="E55959"/>
               </a:solidFill>
             </a:endParaRPr>
           </a:p>
@@ -11298,14 +9811,14 @@
             <a:r>
               <a:rPr kumimoji="1" lang="ja-JP" altLang="en-US" dirty="0">
                 <a:solidFill>
-                  <a:srgbClr val="FF0000"/>
+                  <a:srgbClr val="E55959"/>
                 </a:solidFill>
               </a:rPr>
               <a:t>実装（プログラミング）が容易</a:t>
             </a:r>
             <a:endParaRPr kumimoji="1" lang="en-US" altLang="ja-JP" dirty="0">
               <a:solidFill>
-                <a:srgbClr val="FF0000"/>
+                <a:srgbClr val="E55959"/>
               </a:solidFill>
             </a:endParaRPr>
           </a:p>
@@ -11318,7 +9831,7 @@
             <a:r>
               <a:rPr lang="ja-JP" altLang="en-US" dirty="0">
                 <a:solidFill>
-                  <a:srgbClr val="FF0000"/>
+                  <a:srgbClr val="E55959"/>
                 </a:solidFill>
               </a:rPr>
               <a:t>とくに油層解析では</a:t>
@@ -11326,7 +9839,7 @@
             <a:r>
               <a:rPr lang="en-US" altLang="ja-JP" dirty="0">
                 <a:solidFill>
-                  <a:srgbClr val="FF0000"/>
+                  <a:srgbClr val="E55959"/>
                 </a:solidFill>
               </a:rPr>
               <a:t>IMPES</a:t>
@@ -11334,7 +9847,7 @@
             <a:r>
               <a:rPr lang="ja-JP" altLang="en-US" dirty="0">
                 <a:solidFill>
-                  <a:srgbClr val="FF0000"/>
+                  <a:srgbClr val="E55959"/>
                 </a:solidFill>
               </a:rPr>
               <a:t>法（</a:t>
@@ -11342,7 +9855,7 @@
             <a:r>
               <a:rPr lang="en-US" altLang="ja-JP" b="1" dirty="0" err="1">
                 <a:solidFill>
-                  <a:srgbClr val="FF0000"/>
+                  <a:srgbClr val="E55959"/>
                 </a:solidFill>
               </a:rPr>
               <a:t>IM</a:t>
@@ -11350,7 +9863,7 @@
             <a:r>
               <a:rPr lang="en-US" altLang="ja-JP" dirty="0" err="1">
                 <a:solidFill>
-                  <a:srgbClr val="FF0000"/>
+                  <a:srgbClr val="E55959"/>
                 </a:solidFill>
               </a:rPr>
               <a:t>plicit</a:t>
@@ -11358,7 +9871,7 @@
             <a:r>
               <a:rPr lang="ja-JP" altLang="en-US" dirty="0">
                 <a:solidFill>
-                  <a:srgbClr val="FF0000"/>
+                  <a:srgbClr val="E55959"/>
                 </a:solidFill>
               </a:rPr>
               <a:t> </a:t>
@@ -11366,7 +9879,7 @@
             <a:r>
               <a:rPr lang="en-US" altLang="ja-JP" b="1" dirty="0">
                 <a:solidFill>
-                  <a:srgbClr val="FF0000"/>
+                  <a:srgbClr val="E55959"/>
                 </a:solidFill>
               </a:rPr>
               <a:t>P</a:t>
@@ -11374,7 +9887,7 @@
             <a:r>
               <a:rPr lang="en-US" altLang="ja-JP" dirty="0">
                 <a:solidFill>
-                  <a:srgbClr val="FF0000"/>
+                  <a:srgbClr val="E55959"/>
                 </a:solidFill>
               </a:rPr>
               <a:t>ressure,</a:t>
@@ -11382,7 +9895,7 @@
             <a:r>
               <a:rPr lang="ja-JP" altLang="en-US" dirty="0">
                 <a:solidFill>
-                  <a:srgbClr val="FF0000"/>
+                  <a:srgbClr val="E55959"/>
                 </a:solidFill>
               </a:rPr>
               <a:t> </a:t>
@@ -11390,7 +9903,7 @@
             <a:r>
               <a:rPr lang="en-US" altLang="ja-JP" b="1" dirty="0">
                 <a:solidFill>
-                  <a:srgbClr val="FF0000"/>
+                  <a:srgbClr val="E55959"/>
                 </a:solidFill>
               </a:rPr>
               <a:t>E</a:t>
@@ -11398,7 +9911,7 @@
             <a:r>
               <a:rPr lang="en-US" altLang="ja-JP" dirty="0">
                 <a:solidFill>
-                  <a:srgbClr val="FF0000"/>
+                  <a:srgbClr val="E55959"/>
                 </a:solidFill>
               </a:rPr>
               <a:t>xplicit</a:t>
@@ -11406,7 +9919,7 @@
             <a:r>
               <a:rPr lang="ja-JP" altLang="en-US" dirty="0">
                 <a:solidFill>
-                  <a:srgbClr val="FF0000"/>
+                  <a:srgbClr val="E55959"/>
                 </a:solidFill>
               </a:rPr>
               <a:t> </a:t>
@@ -11414,7 +9927,7 @@
             <a:r>
               <a:rPr lang="en-US" altLang="ja-JP" b="1" dirty="0">
                 <a:solidFill>
-                  <a:srgbClr val="FF0000"/>
+                  <a:srgbClr val="E55959"/>
                 </a:solidFill>
               </a:rPr>
               <a:t>S</a:t>
@@ -11422,7 +9935,7 @@
             <a:r>
               <a:rPr lang="en-US" altLang="ja-JP" dirty="0">
                 <a:solidFill>
-                  <a:srgbClr val="FF0000"/>
+                  <a:srgbClr val="E55959"/>
                 </a:solidFill>
               </a:rPr>
               <a:t>aturation</a:t>
@@ -11430,14 +9943,14 @@
             <a:r>
               <a:rPr lang="ja-JP" altLang="en-US" dirty="0">
                 <a:solidFill>
-                  <a:srgbClr val="FF0000"/>
+                  <a:srgbClr val="E55959"/>
                 </a:solidFill>
               </a:rPr>
               <a:t>）</a:t>
             </a:r>
             <a:endParaRPr lang="en-US" altLang="ja-JP" dirty="0">
               <a:solidFill>
-                <a:srgbClr val="FF0000"/>
+                <a:srgbClr val="E55959"/>
               </a:solidFill>
             </a:endParaRPr>
           </a:p>
@@ -11446,22 +9959,7 @@
               <a:rPr kumimoji="1" lang="ja-JP" altLang="en-US" dirty="0"/>
               <a:t>完全陽解法は商用シミュレータでは殆ど用いられない。</a:t>
             </a:r>
-            <a:endParaRPr kumimoji="1" lang="en-US" altLang="ja-JP" dirty="0"/>
-          </a:p>
-          <a:p>
-            <a:pPr lvl="1"/>
-            <a:r>
-              <a:rPr lang="ja-JP" altLang="en-US">
-                <a:solidFill>
-                  <a:schemeClr val="tx1">
-                    <a:lumMod val="75000"/>
-                    <a:lumOff val="25000"/>
-                  </a:schemeClr>
-                </a:solidFill>
-              </a:rPr>
-              <a:t>研究用コードなら陽解法も◎</a:t>
-            </a:r>
-            <a:endParaRPr kumimoji="1" lang="ja-JP" altLang="en-US">
+            <a:endParaRPr kumimoji="1" lang="ja-JP" altLang="en-US" dirty="0">
               <a:solidFill>
                 <a:schemeClr val="tx1">
                   <a:lumMod val="75000"/>
@@ -14206,83 +12704,70 @@
                           </m:r>
                         </m:den>
                       </m:f>
-                      <m:d>
-                        <m:dPr>
-                          <m:begChr m:val="{"/>
-                          <m:endChr m:val="}"/>
+                      <m:sSubSup>
+                        <m:sSubSupPr>
                           <m:ctrlPr>
-                            <a:rPr lang="en-US" altLang="ja-JP" sz="2800" i="1" smtClean="0">
+                            <a:rPr lang="en-US" altLang="ja-JP" sz="2800" i="1">
                               <a:latin typeface="Cambria Math" panose="02040503050406030204" pitchFamily="18" charset="0"/>
                             </a:rPr>
                           </m:ctrlPr>
-                        </m:dPr>
+                        </m:sSubSupPr>
                         <m:e>
-                          <m:sSubSup>
-                            <m:sSubSupPr>
-                              <m:ctrlPr>
-                                <a:rPr lang="en-US" altLang="ja-JP" sz="2800" i="1" smtClean="0">
-                                  <a:latin typeface="Cambria Math" panose="02040503050406030204" pitchFamily="18" charset="0"/>
-                                </a:rPr>
-                              </m:ctrlPr>
-                            </m:sSubSupPr>
-                            <m:e>
-                              <m:r>
-                                <a:rPr lang="ja-JP" altLang="en-US" sz="2800" i="1">
-                                  <a:latin typeface="Cambria Math" panose="02040503050406030204" pitchFamily="18" charset="0"/>
-                                </a:rPr>
-                                <m:t>𝜌</m:t>
-                              </m:r>
-                            </m:e>
-                            <m:sub>
-                              <m:r>
-                                <a:rPr lang="en-US" altLang="ja-JP" sz="2800" b="0" i="1" smtClean="0">
-                                  <a:latin typeface="Cambria Math" panose="02040503050406030204" pitchFamily="18" charset="0"/>
-                                </a:rPr>
-                                <m:t>𝑜</m:t>
-                              </m:r>
-                            </m:sub>
-                            <m:sup>
-                              <m:r>
-                                <a:rPr lang="en-US" altLang="ja-JP" sz="2800" b="0" i="1" smtClean="0">
-                                  <a:latin typeface="Cambria Math" panose="02040503050406030204" pitchFamily="18" charset="0"/>
-                                </a:rPr>
-                                <m:t>𝑅𝐶</m:t>
-                              </m:r>
-                            </m:sup>
-                          </m:sSubSup>
                           <m:r>
                             <a:rPr lang="ja-JP" altLang="en-US" sz="2800" i="1">
                               <a:latin typeface="Cambria Math" panose="02040503050406030204" pitchFamily="18" charset="0"/>
                             </a:rPr>
-                            <m:t>𝜙</m:t>
+                            <m:t>𝜌</m:t>
                           </m:r>
-                          <m:sSub>
-                            <m:sSubPr>
-                              <m:ctrlPr>
-                                <a:rPr lang="en-US" altLang="ja-JP" sz="2800" i="1">
-                                  <a:latin typeface="Cambria Math" panose="02040503050406030204" pitchFamily="18" charset="0"/>
-                                </a:rPr>
-                              </m:ctrlPr>
-                            </m:sSubPr>
-                            <m:e>
-                              <m:r>
-                                <a:rPr lang="en-US" altLang="ja-JP" sz="2800" i="1">
-                                  <a:latin typeface="Cambria Math" panose="02040503050406030204" pitchFamily="18" charset="0"/>
-                                </a:rPr>
-                                <m:t>𝑆</m:t>
-                              </m:r>
-                            </m:e>
-                            <m:sub>
-                              <m:r>
-                                <a:rPr lang="en-US" altLang="ja-JP" sz="2800" b="0" i="1" smtClean="0">
-                                  <a:latin typeface="Cambria Math" panose="02040503050406030204" pitchFamily="18" charset="0"/>
-                                </a:rPr>
-                                <m:t>𝑜</m:t>
-                              </m:r>
-                            </m:sub>
-                          </m:sSub>
                         </m:e>
-                      </m:d>
+                        <m:sub>
+                          <m:r>
+                            <a:rPr lang="en-US" altLang="ja-JP" sz="2800" i="1">
+                              <a:latin typeface="Cambria Math" panose="02040503050406030204" pitchFamily="18" charset="0"/>
+                            </a:rPr>
+                            <m:t>𝑜</m:t>
+                          </m:r>
+                        </m:sub>
+                        <m:sup>
+                          <m:r>
+                            <a:rPr lang="en-US" altLang="ja-JP" sz="2800" i="1">
+                              <a:latin typeface="Cambria Math" panose="02040503050406030204" pitchFamily="18" charset="0"/>
+                            </a:rPr>
+                            <m:t>𝑅𝐶</m:t>
+                          </m:r>
+                        </m:sup>
+                      </m:sSubSup>
+                      <m:r>
+                        <a:rPr lang="ja-JP" altLang="en-US" sz="2800" i="1">
+                          <a:latin typeface="Cambria Math" panose="02040503050406030204" pitchFamily="18" charset="0"/>
+                        </a:rPr>
+                        <m:t>𝜙</m:t>
+                      </m:r>
+                      <m:sSub>
+                        <m:sSubPr>
+                          <m:ctrlPr>
+                            <a:rPr lang="en-US" altLang="ja-JP" sz="2800" i="1">
+                              <a:latin typeface="Cambria Math" panose="02040503050406030204" pitchFamily="18" charset="0"/>
+                            </a:rPr>
+                          </m:ctrlPr>
+                        </m:sSubPr>
+                        <m:e>
+                          <m:r>
+                            <a:rPr lang="en-US" altLang="ja-JP" sz="2800" i="1">
+                              <a:latin typeface="Cambria Math" panose="02040503050406030204" pitchFamily="18" charset="0"/>
+                            </a:rPr>
+                            <m:t>𝑆</m:t>
+                          </m:r>
+                        </m:e>
+                        <m:sub>
+                          <m:r>
+                            <a:rPr lang="en-US" altLang="ja-JP" sz="2800" i="1">
+                              <a:latin typeface="Cambria Math" panose="02040503050406030204" pitchFamily="18" charset="0"/>
+                            </a:rPr>
+                            <m:t>𝑜</m:t>
+                          </m:r>
+                        </m:sub>
+                      </m:sSub>
                       <m:r>
                         <a:rPr kumimoji="1" lang="en-US" altLang="ja-JP" sz="2800" i="1" smtClean="0">
                           <a:solidFill>
@@ -14935,6 +13420,2838 @@
 </file>
 
 <file path=ppt/slides/slide6.xml><?xml version="1.0" encoding="utf-8"?>
+<p:sld xmlns:a="http://schemas.openxmlformats.org/drawingml/2006/main" xmlns:r="http://schemas.openxmlformats.org/officeDocument/2006/relationships" xmlns:p="http://schemas.openxmlformats.org/presentationml/2006/main">
+  <p:cSld>
+    <p:spTree>
+      <p:nvGrpSpPr>
+        <p:cNvPr id="1" name=""/>
+        <p:cNvGrpSpPr/>
+        <p:nvPr/>
+      </p:nvGrpSpPr>
+      <p:grpSpPr>
+        <a:xfrm>
+          <a:off x="0" y="0"/>
+          <a:ext cx="0" cy="0"/>
+          <a:chOff x="0" y="0"/>
+          <a:chExt cx="0" cy="0"/>
+        </a:xfrm>
+      </p:grpSpPr>
+      <mc:AlternateContent xmlns:mc="http://schemas.openxmlformats.org/markup-compatibility/2006">
+        <mc:Choice xmlns:a14="http://schemas.microsoft.com/office/drawing/2010/main" Requires="a14">
+          <p:sp>
+            <p:nvSpPr>
+              <p:cNvPr id="2" name="コンテンツ プレースホルダー 1">
+                <a:extLst>
+                  <a:ext uri="{FF2B5EF4-FFF2-40B4-BE49-F238E27FC236}">
+                    <a16:creationId xmlns:a16="http://schemas.microsoft.com/office/drawing/2014/main" id="{4CF4E688-62B9-481C-83A0-47319F99A08C}"/>
+                  </a:ext>
+                </a:extLst>
+              </p:cNvPr>
+              <p:cNvSpPr>
+                <a:spLocks noGrp="1"/>
+              </p:cNvSpPr>
+              <p:nvPr>
+                <p:ph idx="1"/>
+              </p:nvPr>
+            </p:nvSpPr>
+            <p:spPr/>
+            <p:txBody>
+              <a:bodyPr>
+                <a:noAutofit/>
+              </a:bodyPr>
+              <a:lstStyle/>
+              <a:p>
+                <a:pPr marL="0" indent="0">
+                  <a:buNone/>
+                </a:pPr>
+                <a:r>
+                  <a:rPr lang="ja-JP" altLang="en-US" sz="2200" b="1" u="sng" dirty="0">
+                    <a:solidFill>
+                      <a:schemeClr val="accent1">
+                        <a:lumMod val="75000"/>
+                      </a:schemeClr>
+                    </a:solidFill>
+                  </a:rPr>
+                  <a:t>水相の質量保存＋ダルシー則</a:t>
+                </a:r>
+                <a:endParaRPr lang="en-US" altLang="ja-JP" sz="2200" b="1" u="sng" dirty="0">
+                  <a:solidFill>
+                    <a:schemeClr val="accent1">
+                      <a:lumMod val="75000"/>
+                    </a:schemeClr>
+                  </a:solidFill>
+                </a:endParaRPr>
+              </a:p>
+              <a:p>
+                <a:pPr marL="0" indent="0">
+                  <a:buNone/>
+                </a:pPr>
+                <a14:m>
+                  <m:oMathPara xmlns:m="http://schemas.openxmlformats.org/officeDocument/2006/math">
+                    <m:oMathParaPr>
+                      <m:jc m:val="centerGroup"/>
+                    </m:oMathParaPr>
+                    <m:oMath xmlns:m="http://schemas.openxmlformats.org/officeDocument/2006/math">
+                      <m:f>
+                        <m:fPr>
+                          <m:ctrlPr>
+                            <a:rPr lang="en-US" altLang="ja-JP" sz="2200" i="1" smtClean="0">
+                              <a:latin typeface="Cambria Math" panose="02040503050406030204" pitchFamily="18" charset="0"/>
+                            </a:rPr>
+                          </m:ctrlPr>
+                        </m:fPr>
+                        <m:num>
+                          <m:r>
+                            <a:rPr lang="ja-JP" altLang="en-US" sz="2200" i="1">
+                              <a:latin typeface="Cambria Math" panose="02040503050406030204" pitchFamily="18" charset="0"/>
+                            </a:rPr>
+                            <m:t>𝜙</m:t>
+                          </m:r>
+                        </m:num>
+                        <m:den>
+                          <m:sSub>
+                            <m:sSubPr>
+                              <m:ctrlPr>
+                                <a:rPr lang="en-US" altLang="ja-JP" sz="2200" i="1">
+                                  <a:latin typeface="Cambria Math" panose="02040503050406030204" pitchFamily="18" charset="0"/>
+                                </a:rPr>
+                              </m:ctrlPr>
+                            </m:sSubPr>
+                            <m:e>
+                              <m:r>
+                                <a:rPr lang="en-US" altLang="ja-JP" sz="2200" i="1">
+                                  <a:latin typeface="Cambria Math" panose="02040503050406030204" pitchFamily="18" charset="0"/>
+                                </a:rPr>
+                                <m:t>𝐵</m:t>
+                              </m:r>
+                            </m:e>
+                            <m:sub>
+                              <m:r>
+                                <a:rPr lang="en-US" altLang="ja-JP" sz="2200" i="1">
+                                  <a:latin typeface="Cambria Math" panose="02040503050406030204" pitchFamily="18" charset="0"/>
+                                </a:rPr>
+                                <m:t>𝑤</m:t>
+                              </m:r>
+                            </m:sub>
+                          </m:sSub>
+                        </m:den>
+                      </m:f>
+                      <m:f>
+                        <m:fPr>
+                          <m:ctrlPr>
+                            <a:rPr lang="en-US" altLang="ja-JP" sz="2200" i="1">
+                              <a:latin typeface="Cambria Math" panose="02040503050406030204" pitchFamily="18" charset="0"/>
+                            </a:rPr>
+                          </m:ctrlPr>
+                        </m:fPr>
+                        <m:num>
+                          <m:r>
+                            <a:rPr lang="ja-JP" altLang="en-US" sz="2200" i="1">
+                              <a:latin typeface="Cambria Math" panose="02040503050406030204" pitchFamily="18" charset="0"/>
+                            </a:rPr>
+                            <m:t>𝜕</m:t>
+                          </m:r>
+                          <m:sSub>
+                            <m:sSubPr>
+                              <m:ctrlPr>
+                                <a:rPr lang="en-US" altLang="ja-JP" sz="2200" i="1">
+                                  <a:latin typeface="Cambria Math" panose="02040503050406030204" pitchFamily="18" charset="0"/>
+                                </a:rPr>
+                              </m:ctrlPr>
+                            </m:sSubPr>
+                            <m:e>
+                              <m:r>
+                                <a:rPr lang="en-US" altLang="ja-JP" sz="2200" i="1">
+                                  <a:latin typeface="Cambria Math" panose="02040503050406030204" pitchFamily="18" charset="0"/>
+                                </a:rPr>
+                                <m:t>𝑆</m:t>
+                              </m:r>
+                            </m:e>
+                            <m:sub>
+                              <m:r>
+                                <a:rPr lang="en-US" altLang="ja-JP" sz="2200" i="1">
+                                  <a:latin typeface="Cambria Math" panose="02040503050406030204" pitchFamily="18" charset="0"/>
+                                </a:rPr>
+                                <m:t>𝑤</m:t>
+                              </m:r>
+                            </m:sub>
+                          </m:sSub>
+                        </m:num>
+                        <m:den>
+                          <m:r>
+                            <a:rPr lang="ja-JP" altLang="en-US" sz="2200" i="1">
+                              <a:latin typeface="Cambria Math" panose="02040503050406030204" pitchFamily="18" charset="0"/>
+                            </a:rPr>
+                            <m:t>𝜕</m:t>
+                          </m:r>
+                          <m:r>
+                            <a:rPr lang="en-US" altLang="ja-JP" sz="2200" i="1">
+                              <a:latin typeface="Cambria Math" panose="02040503050406030204" pitchFamily="18" charset="0"/>
+                            </a:rPr>
+                            <m:t>𝑡</m:t>
+                          </m:r>
+                        </m:den>
+                      </m:f>
+                      <m:r>
+                        <a:rPr lang="en-US" altLang="ja-JP" sz="2200" i="1">
+                          <a:latin typeface="Cambria Math" panose="02040503050406030204" pitchFamily="18" charset="0"/>
+                          <a:ea typeface="Cambria Math" panose="02040503050406030204" pitchFamily="18" charset="0"/>
+                        </a:rPr>
+                        <m:t>+</m:t>
+                      </m:r>
+                      <m:d>
+                        <m:dPr>
+                          <m:begChr m:val="["/>
+                          <m:endChr m:val="]"/>
+                          <m:ctrlPr>
+                            <a:rPr lang="en-US" altLang="ja-JP" sz="2200" i="1">
+                              <a:latin typeface="Cambria Math" panose="02040503050406030204" pitchFamily="18" charset="0"/>
+                              <a:ea typeface="Cambria Math" panose="02040503050406030204" pitchFamily="18" charset="0"/>
+                            </a:rPr>
+                          </m:ctrlPr>
+                        </m:dPr>
+                        <m:e>
+                          <m:f>
+                            <m:fPr>
+                              <m:ctrlPr>
+                                <a:rPr lang="en-US" altLang="ja-JP" sz="2200" i="1">
+                                  <a:latin typeface="Cambria Math" panose="02040503050406030204" pitchFamily="18" charset="0"/>
+                                </a:rPr>
+                              </m:ctrlPr>
+                            </m:fPr>
+                            <m:num>
+                              <m:r>
+                                <a:rPr lang="ja-JP" altLang="en-US" sz="2200" i="1">
+                                  <a:latin typeface="Cambria Math" panose="02040503050406030204" pitchFamily="18" charset="0"/>
+                                </a:rPr>
+                                <m:t>𝜙</m:t>
+                              </m:r>
+                              <m:sSub>
+                                <m:sSubPr>
+                                  <m:ctrlPr>
+                                    <a:rPr lang="en-US" altLang="ja-JP" sz="2200" i="1">
+                                      <a:latin typeface="Cambria Math" panose="02040503050406030204" pitchFamily="18" charset="0"/>
+                                    </a:rPr>
+                                  </m:ctrlPr>
+                                </m:sSubPr>
+                                <m:e>
+                                  <m:r>
+                                    <a:rPr lang="en-US" altLang="ja-JP" sz="2200" i="1">
+                                      <a:latin typeface="Cambria Math" panose="02040503050406030204" pitchFamily="18" charset="0"/>
+                                    </a:rPr>
+                                    <m:t>𝑆</m:t>
+                                  </m:r>
+                                </m:e>
+                                <m:sub>
+                                  <m:r>
+                                    <a:rPr lang="en-US" altLang="ja-JP" sz="2200" i="1">
+                                      <a:latin typeface="Cambria Math" panose="02040503050406030204" pitchFamily="18" charset="0"/>
+                                    </a:rPr>
+                                    <m:t>𝑤</m:t>
+                                  </m:r>
+                                </m:sub>
+                              </m:sSub>
+                            </m:num>
+                            <m:den>
+                              <m:sSub>
+                                <m:sSubPr>
+                                  <m:ctrlPr>
+                                    <a:rPr lang="en-US" altLang="ja-JP" sz="2200" i="1">
+                                      <a:latin typeface="Cambria Math" panose="02040503050406030204" pitchFamily="18" charset="0"/>
+                                    </a:rPr>
+                                  </m:ctrlPr>
+                                </m:sSubPr>
+                                <m:e>
+                                  <m:r>
+                                    <a:rPr lang="en-US" altLang="ja-JP" sz="2200" i="1">
+                                      <a:latin typeface="Cambria Math" panose="02040503050406030204" pitchFamily="18" charset="0"/>
+                                    </a:rPr>
+                                    <m:t>𝐵</m:t>
+                                  </m:r>
+                                </m:e>
+                                <m:sub>
+                                  <m:r>
+                                    <a:rPr lang="en-US" altLang="ja-JP" sz="2200" i="1">
+                                      <a:latin typeface="Cambria Math" panose="02040503050406030204" pitchFamily="18" charset="0"/>
+                                    </a:rPr>
+                                    <m:t>𝑤</m:t>
+                                  </m:r>
+                                </m:sub>
+                              </m:sSub>
+                            </m:den>
+                          </m:f>
+                          <m:sSub>
+                            <m:sSubPr>
+                              <m:ctrlPr>
+                                <a:rPr lang="en-US" altLang="ja-JP" sz="2200" i="1">
+                                  <a:latin typeface="Cambria Math" panose="02040503050406030204" pitchFamily="18" charset="0"/>
+                                </a:rPr>
+                              </m:ctrlPr>
+                            </m:sSubPr>
+                            <m:e>
+                              <m:r>
+                                <a:rPr lang="en-US" altLang="ja-JP" sz="2200" i="1">
+                                  <a:latin typeface="Cambria Math" panose="02040503050406030204" pitchFamily="18" charset="0"/>
+                                </a:rPr>
+                                <m:t>𝑐</m:t>
+                              </m:r>
+                            </m:e>
+                            <m:sub>
+                              <m:r>
+                                <a:rPr lang="en-US" altLang="ja-JP" sz="2200" i="1">
+                                  <a:latin typeface="Cambria Math" panose="02040503050406030204" pitchFamily="18" charset="0"/>
+                                </a:rPr>
+                                <m:t>𝑤</m:t>
+                              </m:r>
+                            </m:sub>
+                          </m:sSub>
+                          <m:r>
+                            <a:rPr lang="en-US" altLang="ja-JP" sz="2200" i="1">
+                              <a:latin typeface="Cambria Math" panose="02040503050406030204" pitchFamily="18" charset="0"/>
+                            </a:rPr>
+                            <m:t>+</m:t>
+                          </m:r>
+                          <m:f>
+                            <m:fPr>
+                              <m:ctrlPr>
+                                <a:rPr lang="en-US" altLang="ja-JP" sz="2200" i="1">
+                                  <a:latin typeface="Cambria Math" panose="02040503050406030204" pitchFamily="18" charset="0"/>
+                                </a:rPr>
+                              </m:ctrlPr>
+                            </m:fPr>
+                            <m:num>
+                              <m:r>
+                                <a:rPr lang="ja-JP" altLang="en-US" sz="2200" i="1">
+                                  <a:latin typeface="Cambria Math" panose="02040503050406030204" pitchFamily="18" charset="0"/>
+                                </a:rPr>
+                                <m:t>𝜙</m:t>
+                              </m:r>
+                              <m:sSub>
+                                <m:sSubPr>
+                                  <m:ctrlPr>
+                                    <a:rPr lang="en-US" altLang="ja-JP" sz="2200" i="1">
+                                      <a:latin typeface="Cambria Math" panose="02040503050406030204" pitchFamily="18" charset="0"/>
+                                    </a:rPr>
+                                  </m:ctrlPr>
+                                </m:sSubPr>
+                                <m:e>
+                                  <m:r>
+                                    <a:rPr lang="en-US" altLang="ja-JP" sz="2200" i="1">
+                                      <a:latin typeface="Cambria Math" panose="02040503050406030204" pitchFamily="18" charset="0"/>
+                                    </a:rPr>
+                                    <m:t>𝑆</m:t>
+                                  </m:r>
+                                </m:e>
+                                <m:sub>
+                                  <m:r>
+                                    <a:rPr lang="en-US" altLang="ja-JP" sz="2200" i="1">
+                                      <a:latin typeface="Cambria Math" panose="02040503050406030204" pitchFamily="18" charset="0"/>
+                                    </a:rPr>
+                                    <m:t>𝑤</m:t>
+                                  </m:r>
+                                </m:sub>
+                              </m:sSub>
+                            </m:num>
+                            <m:den>
+                              <m:sSub>
+                                <m:sSubPr>
+                                  <m:ctrlPr>
+                                    <a:rPr lang="en-US" altLang="ja-JP" sz="2200" i="1">
+                                      <a:latin typeface="Cambria Math" panose="02040503050406030204" pitchFamily="18" charset="0"/>
+                                    </a:rPr>
+                                  </m:ctrlPr>
+                                </m:sSubPr>
+                                <m:e>
+                                  <m:r>
+                                    <a:rPr lang="en-US" altLang="ja-JP" sz="2200" i="1">
+                                      <a:latin typeface="Cambria Math" panose="02040503050406030204" pitchFamily="18" charset="0"/>
+                                    </a:rPr>
+                                    <m:t>𝐵</m:t>
+                                  </m:r>
+                                </m:e>
+                                <m:sub>
+                                  <m:r>
+                                    <a:rPr lang="en-US" altLang="ja-JP" sz="2200" i="1">
+                                      <a:latin typeface="Cambria Math" panose="02040503050406030204" pitchFamily="18" charset="0"/>
+                                    </a:rPr>
+                                    <m:t>𝑤</m:t>
+                                  </m:r>
+                                </m:sub>
+                              </m:sSub>
+                            </m:den>
+                          </m:f>
+                          <m:sSub>
+                            <m:sSubPr>
+                              <m:ctrlPr>
+                                <a:rPr lang="en-US" altLang="ja-JP" sz="2200" i="1">
+                                  <a:latin typeface="Cambria Math" panose="02040503050406030204" pitchFamily="18" charset="0"/>
+                                </a:rPr>
+                              </m:ctrlPr>
+                            </m:sSubPr>
+                            <m:e>
+                              <m:r>
+                                <a:rPr lang="en-US" altLang="ja-JP" sz="2200" i="1">
+                                  <a:latin typeface="Cambria Math" panose="02040503050406030204" pitchFamily="18" charset="0"/>
+                                </a:rPr>
+                                <m:t>𝑐</m:t>
+                              </m:r>
+                            </m:e>
+                            <m:sub>
+                              <m:r>
+                                <a:rPr lang="en-US" altLang="ja-JP" sz="2200" i="1">
+                                  <a:latin typeface="Cambria Math" panose="02040503050406030204" pitchFamily="18" charset="0"/>
+                                </a:rPr>
+                                <m:t>𝑟</m:t>
+                              </m:r>
+                            </m:sub>
+                          </m:sSub>
+                        </m:e>
+                      </m:d>
+                      <m:f>
+                        <m:fPr>
+                          <m:ctrlPr>
+                            <a:rPr lang="en-US" altLang="ja-JP" sz="2200" i="1">
+                              <a:latin typeface="Cambria Math" panose="02040503050406030204" pitchFamily="18" charset="0"/>
+                              <a:ea typeface="Cambria Math" panose="02040503050406030204" pitchFamily="18" charset="0"/>
+                            </a:rPr>
+                          </m:ctrlPr>
+                        </m:fPr>
+                        <m:num>
+                          <m:r>
+                            <a:rPr lang="ja-JP" altLang="en-US" sz="2200" i="1">
+                              <a:latin typeface="Cambria Math" panose="02040503050406030204" pitchFamily="18" charset="0"/>
+                              <a:ea typeface="Cambria Math" panose="02040503050406030204" pitchFamily="18" charset="0"/>
+                            </a:rPr>
+                            <m:t>𝜕</m:t>
+                          </m:r>
+                          <m:r>
+                            <a:rPr lang="en-US" altLang="ja-JP" sz="2200" i="1">
+                              <a:latin typeface="Cambria Math" panose="02040503050406030204" pitchFamily="18" charset="0"/>
+                              <a:ea typeface="Cambria Math" panose="02040503050406030204" pitchFamily="18" charset="0"/>
+                            </a:rPr>
+                            <m:t>𝑃</m:t>
+                          </m:r>
+                        </m:num>
+                        <m:den>
+                          <m:r>
+                            <a:rPr lang="ja-JP" altLang="en-US" sz="2200" i="1">
+                              <a:latin typeface="Cambria Math" panose="02040503050406030204" pitchFamily="18" charset="0"/>
+                              <a:ea typeface="Cambria Math" panose="02040503050406030204" pitchFamily="18" charset="0"/>
+                            </a:rPr>
+                            <m:t>𝜕</m:t>
+                          </m:r>
+                          <m:r>
+                            <a:rPr lang="en-US" altLang="ja-JP" sz="2200" i="1">
+                              <a:latin typeface="Cambria Math" panose="02040503050406030204" pitchFamily="18" charset="0"/>
+                              <a:ea typeface="Cambria Math" panose="02040503050406030204" pitchFamily="18" charset="0"/>
+                            </a:rPr>
+                            <m:t>𝑡</m:t>
+                          </m:r>
+                        </m:den>
+                      </m:f>
+                      <m:r>
+                        <a:rPr kumimoji="1" lang="en-US" altLang="ja-JP" sz="2200" i="1" smtClean="0">
+                          <a:solidFill>
+                            <a:schemeClr val="tx1"/>
+                          </a:solidFill>
+                          <a:latin typeface="Cambria Math" panose="02040503050406030204" pitchFamily="18" charset="0"/>
+                          <a:ea typeface="Cambria Math" panose="02040503050406030204" pitchFamily="18" charset="0"/>
+                        </a:rPr>
+                        <m:t>=</m:t>
+                      </m:r>
+                      <m:r>
+                        <m:rPr>
+                          <m:sty m:val="p"/>
+                        </m:rPr>
+                        <a:rPr kumimoji="1" lang="en-US" altLang="ja-JP" sz="2200" i="1" smtClean="0">
+                          <a:solidFill>
+                            <a:schemeClr val="tx1"/>
+                          </a:solidFill>
+                          <a:latin typeface="Cambria Math" panose="02040503050406030204" pitchFamily="18" charset="0"/>
+                          <a:ea typeface="Cambria Math" panose="02040503050406030204" pitchFamily="18" charset="0"/>
+                        </a:rPr>
+                        <m:t>∇</m:t>
+                      </m:r>
+                      <m:r>
+                        <a:rPr kumimoji="1" lang="en-US" altLang="ja-JP" sz="2200" i="1" smtClean="0">
+                          <a:solidFill>
+                            <a:schemeClr val="tx1"/>
+                          </a:solidFill>
+                          <a:latin typeface="Cambria Math" panose="02040503050406030204" pitchFamily="18" charset="0"/>
+                          <a:ea typeface="Cambria Math" panose="02040503050406030204" pitchFamily="18" charset="0"/>
+                        </a:rPr>
+                        <m:t>∙</m:t>
+                      </m:r>
+                      <m:d>
+                        <m:dPr>
+                          <m:begChr m:val="["/>
+                          <m:endChr m:val="]"/>
+                          <m:ctrlPr>
+                            <a:rPr kumimoji="1" lang="en-US" altLang="ja-JP" sz="2200" i="1" smtClean="0">
+                              <a:solidFill>
+                                <a:schemeClr val="tx1"/>
+                              </a:solidFill>
+                              <a:latin typeface="Cambria Math" panose="02040503050406030204" pitchFamily="18" charset="0"/>
+                              <a:ea typeface="Cambria Math" panose="02040503050406030204" pitchFamily="18" charset="0"/>
+                            </a:rPr>
+                          </m:ctrlPr>
+                        </m:dPr>
+                        <m:e>
+                          <m:f>
+                            <m:fPr>
+                              <m:ctrlPr>
+                                <a:rPr kumimoji="1" lang="en-US" altLang="ja-JP" sz="2200" i="1" smtClean="0">
+                                  <a:solidFill>
+                                    <a:schemeClr val="tx1"/>
+                                  </a:solidFill>
+                                  <a:latin typeface="Cambria Math" panose="02040503050406030204" pitchFamily="18" charset="0"/>
+                                  <a:ea typeface="Cambria Math" panose="02040503050406030204" pitchFamily="18" charset="0"/>
+                                </a:rPr>
+                              </m:ctrlPr>
+                            </m:fPr>
+                            <m:num>
+                              <m:r>
+                                <a:rPr kumimoji="1" lang="en-US" altLang="ja-JP" sz="2200" b="0" i="1" smtClean="0">
+                                  <a:solidFill>
+                                    <a:schemeClr val="tx1"/>
+                                  </a:solidFill>
+                                  <a:latin typeface="Cambria Math" panose="02040503050406030204" pitchFamily="18" charset="0"/>
+                                  <a:ea typeface="Cambria Math" panose="02040503050406030204" pitchFamily="18" charset="0"/>
+                                </a:rPr>
+                                <m:t>𝑘</m:t>
+                              </m:r>
+                              <m:sSub>
+                                <m:sSubPr>
+                                  <m:ctrlPr>
+                                    <a:rPr kumimoji="1" lang="en-US" altLang="ja-JP" sz="2200" b="0" i="1" smtClean="0">
+                                      <a:solidFill>
+                                        <a:schemeClr val="tx1"/>
+                                      </a:solidFill>
+                                      <a:latin typeface="Cambria Math" panose="02040503050406030204" pitchFamily="18" charset="0"/>
+                                      <a:ea typeface="Cambria Math" panose="02040503050406030204" pitchFamily="18" charset="0"/>
+                                    </a:rPr>
+                                  </m:ctrlPr>
+                                </m:sSubPr>
+                                <m:e>
+                                  <m:r>
+                                    <a:rPr kumimoji="1" lang="en-US" altLang="ja-JP" sz="2200" b="0" i="1" smtClean="0">
+                                      <a:solidFill>
+                                        <a:schemeClr val="tx1"/>
+                                      </a:solidFill>
+                                      <a:latin typeface="Cambria Math" panose="02040503050406030204" pitchFamily="18" charset="0"/>
+                                      <a:ea typeface="Cambria Math" panose="02040503050406030204" pitchFamily="18" charset="0"/>
+                                    </a:rPr>
+                                    <m:t>𝑘</m:t>
+                                  </m:r>
+                                </m:e>
+                                <m:sub>
+                                  <m:r>
+                                    <a:rPr kumimoji="1" lang="en-US" altLang="ja-JP" sz="2200" b="0" i="1" smtClean="0">
+                                      <a:solidFill>
+                                        <a:schemeClr val="tx1"/>
+                                      </a:solidFill>
+                                      <a:latin typeface="Cambria Math" panose="02040503050406030204" pitchFamily="18" charset="0"/>
+                                      <a:ea typeface="Cambria Math" panose="02040503050406030204" pitchFamily="18" charset="0"/>
+                                    </a:rPr>
+                                    <m:t>𝑟𝑤</m:t>
+                                  </m:r>
+                                </m:sub>
+                              </m:sSub>
+                            </m:num>
+                            <m:den>
+                              <m:sSub>
+                                <m:sSubPr>
+                                  <m:ctrlPr>
+                                    <a:rPr kumimoji="1" lang="en-US" altLang="ja-JP" sz="2200" i="1" smtClean="0">
+                                      <a:solidFill>
+                                        <a:schemeClr val="tx1"/>
+                                      </a:solidFill>
+                                      <a:latin typeface="Cambria Math" panose="02040503050406030204" pitchFamily="18" charset="0"/>
+                                      <a:ea typeface="Cambria Math" panose="02040503050406030204" pitchFamily="18" charset="0"/>
+                                    </a:rPr>
+                                  </m:ctrlPr>
+                                </m:sSubPr>
+                                <m:e>
+                                  <m:r>
+                                    <a:rPr kumimoji="1" lang="ja-JP" altLang="en-US" sz="2200" i="1" smtClean="0">
+                                      <a:solidFill>
+                                        <a:schemeClr val="tx1"/>
+                                      </a:solidFill>
+                                      <a:latin typeface="Cambria Math" panose="02040503050406030204" pitchFamily="18" charset="0"/>
+                                      <a:ea typeface="Cambria Math" panose="02040503050406030204" pitchFamily="18" charset="0"/>
+                                    </a:rPr>
+                                    <m:t>𝜇</m:t>
+                                  </m:r>
+                                </m:e>
+                                <m:sub>
+                                  <m:r>
+                                    <a:rPr kumimoji="1" lang="en-US" altLang="ja-JP" sz="2200" b="0" i="1" smtClean="0">
+                                      <a:solidFill>
+                                        <a:schemeClr val="tx1"/>
+                                      </a:solidFill>
+                                      <a:latin typeface="Cambria Math" panose="02040503050406030204" pitchFamily="18" charset="0"/>
+                                      <a:ea typeface="Cambria Math" panose="02040503050406030204" pitchFamily="18" charset="0"/>
+                                    </a:rPr>
+                                    <m:t>𝑤</m:t>
+                                  </m:r>
+                                </m:sub>
+                              </m:sSub>
+                              <m:sSub>
+                                <m:sSubPr>
+                                  <m:ctrlPr>
+                                    <a:rPr kumimoji="1" lang="en-US" altLang="ja-JP" sz="2200" i="1" smtClean="0">
+                                      <a:solidFill>
+                                        <a:schemeClr val="tx1"/>
+                                      </a:solidFill>
+                                      <a:latin typeface="Cambria Math" panose="02040503050406030204" pitchFamily="18" charset="0"/>
+                                      <a:ea typeface="Cambria Math" panose="02040503050406030204" pitchFamily="18" charset="0"/>
+                                    </a:rPr>
+                                  </m:ctrlPr>
+                                </m:sSubPr>
+                                <m:e>
+                                  <m:r>
+                                    <a:rPr kumimoji="1" lang="en-US" altLang="ja-JP" sz="2200" b="0" i="1" smtClean="0">
+                                      <a:solidFill>
+                                        <a:schemeClr val="tx1"/>
+                                      </a:solidFill>
+                                      <a:latin typeface="Cambria Math" panose="02040503050406030204" pitchFamily="18" charset="0"/>
+                                      <a:ea typeface="Cambria Math" panose="02040503050406030204" pitchFamily="18" charset="0"/>
+                                    </a:rPr>
+                                    <m:t>𝐵</m:t>
+                                  </m:r>
+                                </m:e>
+                                <m:sub>
+                                  <m:r>
+                                    <a:rPr kumimoji="1" lang="en-US" altLang="ja-JP" sz="2200" b="0" i="1" smtClean="0">
+                                      <a:solidFill>
+                                        <a:schemeClr val="tx1"/>
+                                      </a:solidFill>
+                                      <a:latin typeface="Cambria Math" panose="02040503050406030204" pitchFamily="18" charset="0"/>
+                                      <a:ea typeface="Cambria Math" panose="02040503050406030204" pitchFamily="18" charset="0"/>
+                                    </a:rPr>
+                                    <m:t>𝑤</m:t>
+                                  </m:r>
+                                </m:sub>
+                              </m:sSub>
+                            </m:den>
+                          </m:f>
+                          <m:r>
+                            <m:rPr>
+                              <m:sty m:val="p"/>
+                            </m:rPr>
+                            <a:rPr kumimoji="1" lang="en-US" altLang="ja-JP" sz="2200" i="1" smtClean="0">
+                              <a:solidFill>
+                                <a:schemeClr val="tx1"/>
+                              </a:solidFill>
+                              <a:latin typeface="Cambria Math" panose="02040503050406030204" pitchFamily="18" charset="0"/>
+                              <a:ea typeface="Cambria Math" panose="02040503050406030204" pitchFamily="18" charset="0"/>
+                            </a:rPr>
+                            <m:t>∇</m:t>
+                          </m:r>
+                          <m:r>
+                            <a:rPr kumimoji="1" lang="en-US" altLang="ja-JP" sz="2200" b="0" i="1" smtClean="0">
+                              <a:solidFill>
+                                <a:schemeClr val="tx1"/>
+                              </a:solidFill>
+                              <a:latin typeface="Cambria Math" panose="02040503050406030204" pitchFamily="18" charset="0"/>
+                              <a:ea typeface="Cambria Math" panose="02040503050406030204" pitchFamily="18" charset="0"/>
+                            </a:rPr>
+                            <m:t>𝑃</m:t>
+                          </m:r>
+                        </m:e>
+                      </m:d>
+                      <m:r>
+                        <a:rPr kumimoji="1" lang="en-US" altLang="ja-JP" sz="2200" b="0" i="1" smtClean="0">
+                          <a:solidFill>
+                            <a:schemeClr val="tx1"/>
+                          </a:solidFill>
+                          <a:latin typeface="Cambria Math" panose="02040503050406030204" pitchFamily="18" charset="0"/>
+                          <a:ea typeface="Cambria Math" panose="02040503050406030204" pitchFamily="18" charset="0"/>
+                        </a:rPr>
+                        <m:t>+</m:t>
+                      </m:r>
+                      <m:sSub>
+                        <m:sSubPr>
+                          <m:ctrlPr>
+                            <a:rPr kumimoji="1" lang="en-US" altLang="ja-JP" sz="2200" b="0" i="1" smtClean="0">
+                              <a:solidFill>
+                                <a:schemeClr val="tx1"/>
+                              </a:solidFill>
+                              <a:latin typeface="Cambria Math" panose="02040503050406030204" pitchFamily="18" charset="0"/>
+                              <a:ea typeface="Cambria Math" panose="02040503050406030204" pitchFamily="18" charset="0"/>
+                            </a:rPr>
+                          </m:ctrlPr>
+                        </m:sSubPr>
+                        <m:e>
+                          <m:r>
+                            <a:rPr kumimoji="1" lang="en-US" altLang="ja-JP" sz="2200" b="0" i="1" smtClean="0">
+                              <a:solidFill>
+                                <a:schemeClr val="tx1"/>
+                              </a:solidFill>
+                              <a:latin typeface="Cambria Math" panose="02040503050406030204" pitchFamily="18" charset="0"/>
+                              <a:ea typeface="Cambria Math" panose="02040503050406030204" pitchFamily="18" charset="0"/>
+                            </a:rPr>
+                            <m:t>𝑞</m:t>
+                          </m:r>
+                        </m:e>
+                        <m:sub>
+                          <m:r>
+                            <a:rPr kumimoji="1" lang="en-US" altLang="ja-JP" sz="2200" b="0" i="1" smtClean="0">
+                              <a:solidFill>
+                                <a:schemeClr val="tx1"/>
+                              </a:solidFill>
+                              <a:latin typeface="Cambria Math" panose="02040503050406030204" pitchFamily="18" charset="0"/>
+                              <a:ea typeface="Cambria Math" panose="02040503050406030204" pitchFamily="18" charset="0"/>
+                            </a:rPr>
+                            <m:t>𝑤</m:t>
+                          </m:r>
+                        </m:sub>
+                      </m:sSub>
+                    </m:oMath>
+                  </m:oMathPara>
+                </a14:m>
+                <a:endParaRPr lang="en-US" altLang="ja-JP" sz="2200" b="1" u="sng" dirty="0">
+                  <a:solidFill>
+                    <a:schemeClr val="accent1">
+                      <a:lumMod val="75000"/>
+                    </a:schemeClr>
+                  </a:solidFill>
+                </a:endParaRPr>
+              </a:p>
+              <a:p>
+                <a:pPr marL="0" indent="0">
+                  <a:buNone/>
+                </a:pPr>
+                <a:r>
+                  <a:rPr kumimoji="1" lang="ja-JP" altLang="en-US" sz="2200" b="1" u="sng" dirty="0">
+                    <a:solidFill>
+                      <a:schemeClr val="accent1">
+                        <a:lumMod val="75000"/>
+                      </a:schemeClr>
+                    </a:solidFill>
+                  </a:rPr>
+                  <a:t>油相の質量保存</a:t>
+                </a:r>
+                <a:r>
+                  <a:rPr lang="ja-JP" altLang="en-US" sz="2200" b="1" u="sng" dirty="0">
+                    <a:solidFill>
+                      <a:schemeClr val="accent1">
+                        <a:lumMod val="75000"/>
+                      </a:schemeClr>
+                    </a:solidFill>
+                  </a:rPr>
+                  <a:t>＋ダルシー則</a:t>
+                </a:r>
+                <a:endParaRPr kumimoji="1" lang="en-US" altLang="ja-JP" sz="2200" b="1" u="sng" dirty="0">
+                  <a:solidFill>
+                    <a:schemeClr val="accent1">
+                      <a:lumMod val="75000"/>
+                    </a:schemeClr>
+                  </a:solidFill>
+                </a:endParaRPr>
+              </a:p>
+              <a:p>
+                <a:pPr marL="0" indent="0">
+                  <a:buNone/>
+                </a:pPr>
+                <a14:m>
+                  <m:oMathPara xmlns:m="http://schemas.openxmlformats.org/officeDocument/2006/math">
+                    <m:oMathParaPr>
+                      <m:jc m:val="centerGroup"/>
+                    </m:oMathParaPr>
+                    <m:oMath xmlns:m="http://schemas.openxmlformats.org/officeDocument/2006/math">
+                      <m:eqArr>
+                        <m:eqArrPr>
+                          <m:ctrlPr>
+                            <a:rPr kumimoji="1" lang="en-US" altLang="ja-JP" sz="2200" i="1" kern="1200" smtClean="0">
+                              <a:solidFill>
+                                <a:srgbClr val="000000"/>
+                              </a:solidFill>
+                              <a:effectLst/>
+                              <a:latin typeface="Cambria Math" panose="02040503050406030204" pitchFamily="18" charset="0"/>
+                              <a:ea typeface="Cambria Math" panose="02040503050406030204" pitchFamily="18" charset="0"/>
+                              <a:cs typeface="+mn-cs"/>
+                            </a:rPr>
+                          </m:ctrlPr>
+                        </m:eqArrPr>
+                        <m:e>
+                          <m:f>
+                            <m:fPr>
+                              <m:ctrlPr>
+                                <a:rPr kumimoji="1" lang="en-US" altLang="ja-JP" sz="2200" i="1" kern="1200">
+                                  <a:solidFill>
+                                    <a:srgbClr val="000000"/>
+                                  </a:solidFill>
+                                  <a:effectLst/>
+                                  <a:latin typeface="Cambria Math" panose="02040503050406030204" pitchFamily="18" charset="0"/>
+                                  <a:ea typeface="Meiryo UI" panose="020B0604030504040204" pitchFamily="50" charset="-128"/>
+                                  <a:cs typeface="+mn-cs"/>
+                                </a:rPr>
+                              </m:ctrlPr>
+                            </m:fPr>
+                            <m:num>
+                              <m:r>
+                                <a:rPr kumimoji="1" lang="ja-JP" altLang="ja-JP" sz="2200" i="1" kern="1200">
+                                  <a:solidFill>
+                                    <a:srgbClr val="000000"/>
+                                  </a:solidFill>
+                                  <a:effectLst/>
+                                  <a:latin typeface="Cambria Math" panose="02040503050406030204" pitchFamily="18" charset="0"/>
+                                  <a:ea typeface="Cambria Math" panose="02040503050406030204" pitchFamily="18" charset="0"/>
+                                  <a:cs typeface="+mn-cs"/>
+                                </a:rPr>
+                                <m:t>𝜙</m:t>
+                              </m:r>
+                            </m:num>
+                            <m:den>
+                              <m:sSub>
+                                <m:sSubPr>
+                                  <m:ctrlPr>
+                                    <a:rPr kumimoji="1" lang="en-US" altLang="ja-JP" sz="2200" i="1" kern="1200">
+                                      <a:solidFill>
+                                        <a:srgbClr val="000000"/>
+                                      </a:solidFill>
+                                      <a:effectLst/>
+                                      <a:latin typeface="Cambria Math" panose="02040503050406030204" pitchFamily="18" charset="0"/>
+                                      <a:ea typeface="Meiryo UI" panose="020B0604030504040204" pitchFamily="50" charset="-128"/>
+                                      <a:cs typeface="+mn-cs"/>
+                                    </a:rPr>
+                                  </m:ctrlPr>
+                                </m:sSubPr>
+                                <m:e>
+                                  <m:r>
+                                    <a:rPr kumimoji="1" lang="en-US" altLang="ja-JP" sz="2200" i="1" kern="1200">
+                                      <a:solidFill>
+                                        <a:srgbClr val="000000"/>
+                                      </a:solidFill>
+                                      <a:effectLst/>
+                                      <a:latin typeface="Cambria Math" panose="02040503050406030204" pitchFamily="18" charset="0"/>
+                                      <a:ea typeface="Meiryo UI" panose="020B0604030504040204" pitchFamily="50" charset="-128"/>
+                                      <a:cs typeface="+mn-cs"/>
+                                    </a:rPr>
+                                    <m:t>𝐵</m:t>
+                                  </m:r>
+                                </m:e>
+                                <m:sub>
+                                  <m:r>
+                                    <a:rPr kumimoji="1" lang="en-US" altLang="ja-JP" sz="2200" i="1" kern="1200">
+                                      <a:solidFill>
+                                        <a:srgbClr val="000000"/>
+                                      </a:solidFill>
+                                      <a:effectLst/>
+                                      <a:latin typeface="Cambria Math" panose="02040503050406030204" pitchFamily="18" charset="0"/>
+                                      <a:ea typeface="Meiryo UI" panose="020B0604030504040204" pitchFamily="50" charset="-128"/>
+                                      <a:cs typeface="+mn-cs"/>
+                                    </a:rPr>
+                                    <m:t>𝑜</m:t>
+                                  </m:r>
+                                </m:sub>
+                              </m:sSub>
+                            </m:den>
+                          </m:f>
+                          <m:f>
+                            <m:fPr>
+                              <m:ctrlPr>
+                                <a:rPr kumimoji="1" lang="en-US" altLang="ja-JP" sz="2200" i="1" kern="1200">
+                                  <a:solidFill>
+                                    <a:srgbClr val="000000"/>
+                                  </a:solidFill>
+                                  <a:effectLst/>
+                                  <a:latin typeface="Cambria Math" panose="02040503050406030204" pitchFamily="18" charset="0"/>
+                                  <a:ea typeface="Meiryo UI" panose="020B0604030504040204" pitchFamily="50" charset="-128"/>
+                                  <a:cs typeface="+mn-cs"/>
+                                </a:rPr>
+                              </m:ctrlPr>
+                            </m:fPr>
+                            <m:num>
+                              <m:r>
+                                <a:rPr kumimoji="1" lang="ja-JP" altLang="ja-JP" sz="2200" i="1" kern="1200">
+                                  <a:solidFill>
+                                    <a:srgbClr val="000000"/>
+                                  </a:solidFill>
+                                  <a:effectLst/>
+                                  <a:latin typeface="Cambria Math" panose="02040503050406030204" pitchFamily="18" charset="0"/>
+                                  <a:ea typeface="Cambria Math" panose="02040503050406030204" pitchFamily="18" charset="0"/>
+                                  <a:cs typeface="+mn-cs"/>
+                                </a:rPr>
+                                <m:t>𝜕</m:t>
+                              </m:r>
+                              <m:sSub>
+                                <m:sSubPr>
+                                  <m:ctrlPr>
+                                    <a:rPr kumimoji="1" lang="en-US" altLang="ja-JP" sz="2200" i="1" kern="1200" smtClean="0">
+                                      <a:solidFill>
+                                        <a:srgbClr val="000000"/>
+                                      </a:solidFill>
+                                      <a:effectLst/>
+                                      <a:latin typeface="Cambria Math" panose="02040503050406030204" pitchFamily="18" charset="0"/>
+                                      <a:ea typeface="Meiryo UI" panose="020B0604030504040204" pitchFamily="50" charset="-128"/>
+                                      <a:cs typeface="+mn-cs"/>
+                                    </a:rPr>
+                                  </m:ctrlPr>
+                                </m:sSubPr>
+                                <m:e>
+                                  <m:r>
+                                    <a:rPr kumimoji="1" lang="en-US" altLang="ja-JP" sz="2200" i="1" kern="1200">
+                                      <a:solidFill>
+                                        <a:srgbClr val="000000"/>
+                                      </a:solidFill>
+                                      <a:effectLst/>
+                                      <a:latin typeface="Cambria Math" panose="02040503050406030204" pitchFamily="18" charset="0"/>
+                                      <a:ea typeface="Meiryo UI" panose="020B0604030504040204" pitchFamily="50" charset="-128"/>
+                                      <a:cs typeface="+mn-cs"/>
+                                    </a:rPr>
+                                    <m:t>𝑆</m:t>
+                                  </m:r>
+                                </m:e>
+                                <m:sub>
+                                  <m:r>
+                                    <a:rPr kumimoji="1" lang="en-US" altLang="ja-JP" sz="2200" i="1" kern="1200">
+                                      <a:solidFill>
+                                        <a:srgbClr val="000000"/>
+                                      </a:solidFill>
+                                      <a:effectLst/>
+                                      <a:latin typeface="Cambria Math" panose="02040503050406030204" pitchFamily="18" charset="0"/>
+                                      <a:ea typeface="Meiryo UI" panose="020B0604030504040204" pitchFamily="50" charset="-128"/>
+                                      <a:cs typeface="+mn-cs"/>
+                                    </a:rPr>
+                                    <m:t>𝑜</m:t>
+                                  </m:r>
+                                </m:sub>
+                              </m:sSub>
+                            </m:num>
+                            <m:den>
+                              <m:r>
+                                <a:rPr kumimoji="1" lang="ja-JP" altLang="ja-JP" sz="2200" i="1" kern="1200">
+                                  <a:solidFill>
+                                    <a:srgbClr val="000000"/>
+                                  </a:solidFill>
+                                  <a:effectLst/>
+                                  <a:latin typeface="Cambria Math" panose="02040503050406030204" pitchFamily="18" charset="0"/>
+                                  <a:ea typeface="Cambria Math" panose="02040503050406030204" pitchFamily="18" charset="0"/>
+                                  <a:cs typeface="+mn-cs"/>
+                                </a:rPr>
+                                <m:t>𝜕</m:t>
+                              </m:r>
+                              <m:r>
+                                <a:rPr kumimoji="1" lang="en-US" altLang="ja-JP" sz="2200" i="1" kern="1200">
+                                  <a:solidFill>
+                                    <a:srgbClr val="000000"/>
+                                  </a:solidFill>
+                                  <a:effectLst/>
+                                  <a:latin typeface="Cambria Math" panose="02040503050406030204" pitchFamily="18" charset="0"/>
+                                  <a:ea typeface="Meiryo UI" panose="020B0604030504040204" pitchFamily="50" charset="-128"/>
+                                  <a:cs typeface="+mn-cs"/>
+                                </a:rPr>
+                                <m:t>𝑡</m:t>
+                              </m:r>
+                            </m:den>
+                          </m:f>
+                          <m:r>
+                            <a:rPr kumimoji="1" lang="en-US" altLang="ja-JP" sz="2200" i="1" kern="1200">
+                              <a:solidFill>
+                                <a:srgbClr val="000000"/>
+                              </a:solidFill>
+                              <a:effectLst/>
+                              <a:latin typeface="Cambria Math" panose="02040503050406030204" pitchFamily="18" charset="0"/>
+                              <a:ea typeface="Cambria Math" panose="02040503050406030204" pitchFamily="18" charset="0"/>
+                              <a:cs typeface="+mn-cs"/>
+                            </a:rPr>
+                            <m:t>+</m:t>
+                          </m:r>
+                          <m:d>
+                            <m:dPr>
+                              <m:begChr m:val="["/>
+                              <m:endChr m:val="]"/>
+                              <m:ctrlPr>
+                                <a:rPr kumimoji="1" lang="en-US" altLang="ja-JP" sz="2200" i="1" kern="1200">
+                                  <a:solidFill>
+                                    <a:srgbClr val="000000"/>
+                                  </a:solidFill>
+                                  <a:effectLst/>
+                                  <a:latin typeface="Cambria Math" panose="02040503050406030204" pitchFamily="18" charset="0"/>
+                                  <a:ea typeface="Cambria Math" panose="02040503050406030204" pitchFamily="18" charset="0"/>
+                                  <a:cs typeface="+mn-cs"/>
+                                </a:rPr>
+                              </m:ctrlPr>
+                            </m:dPr>
+                            <m:e>
+                              <m:f>
+                                <m:fPr>
+                                  <m:ctrlPr>
+                                    <a:rPr kumimoji="1" lang="en-US" altLang="ja-JP" sz="2200" i="1" kern="1200">
+                                      <a:solidFill>
+                                        <a:srgbClr val="000000"/>
+                                      </a:solidFill>
+                                      <a:effectLst/>
+                                      <a:latin typeface="Cambria Math" panose="02040503050406030204" pitchFamily="18" charset="0"/>
+                                      <a:ea typeface="Meiryo UI" panose="020B0604030504040204" pitchFamily="50" charset="-128"/>
+                                      <a:cs typeface="+mn-cs"/>
+                                    </a:rPr>
+                                  </m:ctrlPr>
+                                </m:fPr>
+                                <m:num>
+                                  <m:r>
+                                    <a:rPr kumimoji="1" lang="ja-JP" altLang="ja-JP" sz="2200" i="1" kern="1200">
+                                      <a:solidFill>
+                                        <a:srgbClr val="000000"/>
+                                      </a:solidFill>
+                                      <a:effectLst/>
+                                      <a:latin typeface="Cambria Math" panose="02040503050406030204" pitchFamily="18" charset="0"/>
+                                      <a:ea typeface="Cambria Math" panose="02040503050406030204" pitchFamily="18" charset="0"/>
+                                      <a:cs typeface="+mn-cs"/>
+                                    </a:rPr>
+                                    <m:t>𝜙</m:t>
+                                  </m:r>
+                                  <m:sSub>
+                                    <m:sSubPr>
+                                      <m:ctrlPr>
+                                        <a:rPr kumimoji="1" lang="en-US" altLang="ja-JP" sz="2200" i="1" kern="1200">
+                                          <a:solidFill>
+                                            <a:srgbClr val="000000"/>
+                                          </a:solidFill>
+                                          <a:effectLst/>
+                                          <a:latin typeface="Cambria Math" panose="02040503050406030204" pitchFamily="18" charset="0"/>
+                                          <a:ea typeface="Meiryo UI" panose="020B0604030504040204" pitchFamily="50" charset="-128"/>
+                                          <a:cs typeface="+mn-cs"/>
+                                        </a:rPr>
+                                      </m:ctrlPr>
+                                    </m:sSubPr>
+                                    <m:e>
+                                      <m:r>
+                                        <a:rPr kumimoji="1" lang="en-US" altLang="ja-JP" sz="2200" i="1" kern="1200">
+                                          <a:solidFill>
+                                            <a:srgbClr val="000000"/>
+                                          </a:solidFill>
+                                          <a:effectLst/>
+                                          <a:latin typeface="Cambria Math" panose="02040503050406030204" pitchFamily="18" charset="0"/>
+                                          <a:ea typeface="Meiryo UI" panose="020B0604030504040204" pitchFamily="50" charset="-128"/>
+                                          <a:cs typeface="+mn-cs"/>
+                                        </a:rPr>
+                                        <m:t>𝑆</m:t>
+                                      </m:r>
+                                    </m:e>
+                                    <m:sub>
+                                      <m:r>
+                                        <a:rPr kumimoji="1" lang="en-US" altLang="ja-JP" sz="2200" i="1" kern="1200">
+                                          <a:solidFill>
+                                            <a:srgbClr val="000000"/>
+                                          </a:solidFill>
+                                          <a:effectLst/>
+                                          <a:latin typeface="Cambria Math" panose="02040503050406030204" pitchFamily="18" charset="0"/>
+                                          <a:ea typeface="Meiryo UI" panose="020B0604030504040204" pitchFamily="50" charset="-128"/>
+                                          <a:cs typeface="+mn-cs"/>
+                                        </a:rPr>
+                                        <m:t>𝑜</m:t>
+                                      </m:r>
+                                    </m:sub>
+                                  </m:sSub>
+                                </m:num>
+                                <m:den>
+                                  <m:sSub>
+                                    <m:sSubPr>
+                                      <m:ctrlPr>
+                                        <a:rPr kumimoji="1" lang="en-US" altLang="ja-JP" sz="2200" i="1" kern="1200">
+                                          <a:solidFill>
+                                            <a:srgbClr val="000000"/>
+                                          </a:solidFill>
+                                          <a:effectLst/>
+                                          <a:latin typeface="Cambria Math" panose="02040503050406030204" pitchFamily="18" charset="0"/>
+                                          <a:ea typeface="Meiryo UI" panose="020B0604030504040204" pitchFamily="50" charset="-128"/>
+                                          <a:cs typeface="+mn-cs"/>
+                                        </a:rPr>
+                                      </m:ctrlPr>
+                                    </m:sSubPr>
+                                    <m:e>
+                                      <m:r>
+                                        <a:rPr kumimoji="1" lang="en-US" altLang="ja-JP" sz="2200" i="1" kern="1200">
+                                          <a:solidFill>
+                                            <a:srgbClr val="000000"/>
+                                          </a:solidFill>
+                                          <a:effectLst/>
+                                          <a:latin typeface="Cambria Math" panose="02040503050406030204" pitchFamily="18" charset="0"/>
+                                          <a:ea typeface="Meiryo UI" panose="020B0604030504040204" pitchFamily="50" charset="-128"/>
+                                          <a:cs typeface="+mn-cs"/>
+                                        </a:rPr>
+                                        <m:t>𝐵</m:t>
+                                      </m:r>
+                                    </m:e>
+                                    <m:sub>
+                                      <m:r>
+                                        <a:rPr kumimoji="1" lang="en-US" altLang="ja-JP" sz="2200" i="1" kern="1200">
+                                          <a:solidFill>
+                                            <a:srgbClr val="000000"/>
+                                          </a:solidFill>
+                                          <a:effectLst/>
+                                          <a:latin typeface="Cambria Math" panose="02040503050406030204" pitchFamily="18" charset="0"/>
+                                          <a:ea typeface="Meiryo UI" panose="020B0604030504040204" pitchFamily="50" charset="-128"/>
+                                          <a:cs typeface="+mn-cs"/>
+                                        </a:rPr>
+                                        <m:t>𝑜</m:t>
+                                      </m:r>
+                                    </m:sub>
+                                  </m:sSub>
+                                </m:den>
+                              </m:f>
+                              <m:sSub>
+                                <m:sSubPr>
+                                  <m:ctrlPr>
+                                    <a:rPr kumimoji="1" lang="en-US" altLang="ja-JP" sz="2200" i="1" kern="1200">
+                                      <a:solidFill>
+                                        <a:srgbClr val="000000"/>
+                                      </a:solidFill>
+                                      <a:effectLst/>
+                                      <a:latin typeface="Cambria Math" panose="02040503050406030204" pitchFamily="18" charset="0"/>
+                                      <a:ea typeface="Meiryo UI" panose="020B0604030504040204" pitchFamily="50" charset="-128"/>
+                                      <a:cs typeface="+mn-cs"/>
+                                    </a:rPr>
+                                  </m:ctrlPr>
+                                </m:sSubPr>
+                                <m:e>
+                                  <m:r>
+                                    <a:rPr kumimoji="1" lang="en-US" altLang="ja-JP" sz="2200" i="1" kern="1200">
+                                      <a:solidFill>
+                                        <a:srgbClr val="000000"/>
+                                      </a:solidFill>
+                                      <a:effectLst/>
+                                      <a:latin typeface="Cambria Math" panose="02040503050406030204" pitchFamily="18" charset="0"/>
+                                      <a:ea typeface="Meiryo UI" panose="020B0604030504040204" pitchFamily="50" charset="-128"/>
+                                      <a:cs typeface="+mn-cs"/>
+                                    </a:rPr>
+                                    <m:t>𝑐</m:t>
+                                  </m:r>
+                                </m:e>
+                                <m:sub>
+                                  <m:r>
+                                    <a:rPr kumimoji="1" lang="en-US" altLang="ja-JP" sz="2200" i="1" kern="1200">
+                                      <a:solidFill>
+                                        <a:srgbClr val="000000"/>
+                                      </a:solidFill>
+                                      <a:effectLst/>
+                                      <a:latin typeface="Cambria Math" panose="02040503050406030204" pitchFamily="18" charset="0"/>
+                                      <a:ea typeface="Meiryo UI" panose="020B0604030504040204" pitchFamily="50" charset="-128"/>
+                                      <a:cs typeface="+mn-cs"/>
+                                    </a:rPr>
+                                    <m:t>𝑜</m:t>
+                                  </m:r>
+                                </m:sub>
+                              </m:sSub>
+                              <m:r>
+                                <a:rPr kumimoji="1" lang="en-US" altLang="ja-JP" sz="2200" i="1" kern="1200">
+                                  <a:solidFill>
+                                    <a:srgbClr val="000000"/>
+                                  </a:solidFill>
+                                  <a:effectLst/>
+                                  <a:latin typeface="Cambria Math" panose="02040503050406030204" pitchFamily="18" charset="0"/>
+                                  <a:ea typeface="Meiryo UI" panose="020B0604030504040204" pitchFamily="50" charset="-128"/>
+                                  <a:cs typeface="+mn-cs"/>
+                                </a:rPr>
+                                <m:t>+</m:t>
+                              </m:r>
+                              <m:f>
+                                <m:fPr>
+                                  <m:ctrlPr>
+                                    <a:rPr kumimoji="1" lang="en-US" altLang="ja-JP" sz="2200" i="1" kern="1200">
+                                      <a:solidFill>
+                                        <a:srgbClr val="000000"/>
+                                      </a:solidFill>
+                                      <a:effectLst/>
+                                      <a:latin typeface="Cambria Math" panose="02040503050406030204" pitchFamily="18" charset="0"/>
+                                      <a:ea typeface="Meiryo UI" panose="020B0604030504040204" pitchFamily="50" charset="-128"/>
+                                      <a:cs typeface="+mn-cs"/>
+                                    </a:rPr>
+                                  </m:ctrlPr>
+                                </m:fPr>
+                                <m:num>
+                                  <m:r>
+                                    <a:rPr kumimoji="1" lang="ja-JP" altLang="ja-JP" sz="2200" i="1" kern="1200">
+                                      <a:solidFill>
+                                        <a:srgbClr val="000000"/>
+                                      </a:solidFill>
+                                      <a:effectLst/>
+                                      <a:latin typeface="Cambria Math" panose="02040503050406030204" pitchFamily="18" charset="0"/>
+                                      <a:ea typeface="Cambria Math" panose="02040503050406030204" pitchFamily="18" charset="0"/>
+                                      <a:cs typeface="+mn-cs"/>
+                                    </a:rPr>
+                                    <m:t>𝜙</m:t>
+                                  </m:r>
+                                  <m:sSub>
+                                    <m:sSubPr>
+                                      <m:ctrlPr>
+                                        <a:rPr kumimoji="1" lang="en-US" altLang="ja-JP" sz="2200" i="1" kern="1200">
+                                          <a:solidFill>
+                                            <a:srgbClr val="000000"/>
+                                          </a:solidFill>
+                                          <a:effectLst/>
+                                          <a:latin typeface="Cambria Math" panose="02040503050406030204" pitchFamily="18" charset="0"/>
+                                          <a:ea typeface="Meiryo UI" panose="020B0604030504040204" pitchFamily="50" charset="-128"/>
+                                          <a:cs typeface="+mn-cs"/>
+                                        </a:rPr>
+                                      </m:ctrlPr>
+                                    </m:sSubPr>
+                                    <m:e>
+                                      <m:r>
+                                        <a:rPr kumimoji="1" lang="en-US" altLang="ja-JP" sz="2200" i="1" kern="1200">
+                                          <a:solidFill>
+                                            <a:srgbClr val="000000"/>
+                                          </a:solidFill>
+                                          <a:effectLst/>
+                                          <a:latin typeface="Cambria Math" panose="02040503050406030204" pitchFamily="18" charset="0"/>
+                                          <a:ea typeface="Meiryo UI" panose="020B0604030504040204" pitchFamily="50" charset="-128"/>
+                                          <a:cs typeface="+mn-cs"/>
+                                        </a:rPr>
+                                        <m:t>𝑆</m:t>
+                                      </m:r>
+                                    </m:e>
+                                    <m:sub>
+                                      <m:r>
+                                        <a:rPr kumimoji="1" lang="en-US" altLang="ja-JP" sz="2200" i="1" kern="1200">
+                                          <a:solidFill>
+                                            <a:srgbClr val="000000"/>
+                                          </a:solidFill>
+                                          <a:effectLst/>
+                                          <a:latin typeface="Cambria Math" panose="02040503050406030204" pitchFamily="18" charset="0"/>
+                                          <a:ea typeface="Meiryo UI" panose="020B0604030504040204" pitchFamily="50" charset="-128"/>
+                                          <a:cs typeface="+mn-cs"/>
+                                        </a:rPr>
+                                        <m:t>𝑜</m:t>
+                                      </m:r>
+                                    </m:sub>
+                                  </m:sSub>
+                                </m:num>
+                                <m:den>
+                                  <m:sSub>
+                                    <m:sSubPr>
+                                      <m:ctrlPr>
+                                        <a:rPr kumimoji="1" lang="en-US" altLang="ja-JP" sz="2200" i="1" kern="1200">
+                                          <a:solidFill>
+                                            <a:srgbClr val="000000"/>
+                                          </a:solidFill>
+                                          <a:effectLst/>
+                                          <a:latin typeface="Cambria Math" panose="02040503050406030204" pitchFamily="18" charset="0"/>
+                                          <a:ea typeface="Meiryo UI" panose="020B0604030504040204" pitchFamily="50" charset="-128"/>
+                                          <a:cs typeface="+mn-cs"/>
+                                        </a:rPr>
+                                      </m:ctrlPr>
+                                    </m:sSubPr>
+                                    <m:e>
+                                      <m:r>
+                                        <a:rPr kumimoji="1" lang="en-US" altLang="ja-JP" sz="2200" i="1" kern="1200">
+                                          <a:solidFill>
+                                            <a:srgbClr val="000000"/>
+                                          </a:solidFill>
+                                          <a:effectLst/>
+                                          <a:latin typeface="Cambria Math" panose="02040503050406030204" pitchFamily="18" charset="0"/>
+                                          <a:ea typeface="Meiryo UI" panose="020B0604030504040204" pitchFamily="50" charset="-128"/>
+                                          <a:cs typeface="+mn-cs"/>
+                                        </a:rPr>
+                                        <m:t>𝐵</m:t>
+                                      </m:r>
+                                    </m:e>
+                                    <m:sub>
+                                      <m:r>
+                                        <a:rPr kumimoji="1" lang="en-US" altLang="ja-JP" sz="2200" i="1" kern="1200">
+                                          <a:solidFill>
+                                            <a:srgbClr val="000000"/>
+                                          </a:solidFill>
+                                          <a:effectLst/>
+                                          <a:latin typeface="Cambria Math" panose="02040503050406030204" pitchFamily="18" charset="0"/>
+                                          <a:ea typeface="Meiryo UI" panose="020B0604030504040204" pitchFamily="50" charset="-128"/>
+                                          <a:cs typeface="+mn-cs"/>
+                                        </a:rPr>
+                                        <m:t>𝑜</m:t>
+                                      </m:r>
+                                    </m:sub>
+                                  </m:sSub>
+                                </m:den>
+                              </m:f>
+                              <m:sSub>
+                                <m:sSubPr>
+                                  <m:ctrlPr>
+                                    <a:rPr kumimoji="1" lang="en-US" altLang="ja-JP" sz="2200" i="1" kern="1200">
+                                      <a:solidFill>
+                                        <a:srgbClr val="000000"/>
+                                      </a:solidFill>
+                                      <a:effectLst/>
+                                      <a:latin typeface="Cambria Math" panose="02040503050406030204" pitchFamily="18" charset="0"/>
+                                      <a:ea typeface="Meiryo UI" panose="020B0604030504040204" pitchFamily="50" charset="-128"/>
+                                      <a:cs typeface="+mn-cs"/>
+                                    </a:rPr>
+                                  </m:ctrlPr>
+                                </m:sSubPr>
+                                <m:e>
+                                  <m:r>
+                                    <a:rPr kumimoji="1" lang="en-US" altLang="ja-JP" sz="2200" i="1" kern="1200">
+                                      <a:solidFill>
+                                        <a:srgbClr val="000000"/>
+                                      </a:solidFill>
+                                      <a:effectLst/>
+                                      <a:latin typeface="Cambria Math" panose="02040503050406030204" pitchFamily="18" charset="0"/>
+                                      <a:ea typeface="Meiryo UI" panose="020B0604030504040204" pitchFamily="50" charset="-128"/>
+                                      <a:cs typeface="+mn-cs"/>
+                                    </a:rPr>
+                                    <m:t>𝑐</m:t>
+                                  </m:r>
+                                </m:e>
+                                <m:sub>
+                                  <m:r>
+                                    <a:rPr kumimoji="1" lang="en-US" altLang="ja-JP" sz="2200" i="1" kern="1200">
+                                      <a:solidFill>
+                                        <a:srgbClr val="000000"/>
+                                      </a:solidFill>
+                                      <a:effectLst/>
+                                      <a:latin typeface="Cambria Math" panose="02040503050406030204" pitchFamily="18" charset="0"/>
+                                      <a:ea typeface="Meiryo UI" panose="020B0604030504040204" pitchFamily="50" charset="-128"/>
+                                      <a:cs typeface="+mn-cs"/>
+                                    </a:rPr>
+                                    <m:t>𝑟</m:t>
+                                  </m:r>
+                                </m:sub>
+                              </m:sSub>
+                            </m:e>
+                          </m:d>
+                          <m:f>
+                            <m:fPr>
+                              <m:ctrlPr>
+                                <a:rPr kumimoji="1" lang="en-US" altLang="ja-JP" sz="2200" i="1" kern="1200">
+                                  <a:solidFill>
+                                    <a:srgbClr val="000000"/>
+                                  </a:solidFill>
+                                  <a:effectLst/>
+                                  <a:latin typeface="Cambria Math" panose="02040503050406030204" pitchFamily="18" charset="0"/>
+                                  <a:ea typeface="Cambria Math" panose="02040503050406030204" pitchFamily="18" charset="0"/>
+                                  <a:cs typeface="+mn-cs"/>
+                                </a:rPr>
+                              </m:ctrlPr>
+                            </m:fPr>
+                            <m:num>
+                              <m:r>
+                                <a:rPr kumimoji="1" lang="ja-JP" altLang="ja-JP" sz="2200" i="1" kern="1200">
+                                  <a:solidFill>
+                                    <a:srgbClr val="000000"/>
+                                  </a:solidFill>
+                                  <a:effectLst/>
+                                  <a:latin typeface="Cambria Math" panose="02040503050406030204" pitchFamily="18" charset="0"/>
+                                  <a:ea typeface="Cambria Math" panose="02040503050406030204" pitchFamily="18" charset="0"/>
+                                  <a:cs typeface="+mn-cs"/>
+                                </a:rPr>
+                                <m:t>𝜕</m:t>
+                              </m:r>
+                              <m:r>
+                                <a:rPr kumimoji="1" lang="en-US" altLang="ja-JP" sz="2200" i="1" kern="1200">
+                                  <a:solidFill>
+                                    <a:srgbClr val="000000"/>
+                                  </a:solidFill>
+                                  <a:effectLst/>
+                                  <a:latin typeface="Cambria Math" panose="02040503050406030204" pitchFamily="18" charset="0"/>
+                                  <a:ea typeface="Cambria Math" panose="02040503050406030204" pitchFamily="18" charset="0"/>
+                                  <a:cs typeface="+mn-cs"/>
+                                </a:rPr>
+                                <m:t>𝑃</m:t>
+                              </m:r>
+                            </m:num>
+                            <m:den>
+                              <m:r>
+                                <a:rPr kumimoji="1" lang="ja-JP" altLang="ja-JP" sz="2200" i="1" kern="1200">
+                                  <a:solidFill>
+                                    <a:srgbClr val="000000"/>
+                                  </a:solidFill>
+                                  <a:effectLst/>
+                                  <a:latin typeface="Cambria Math" panose="02040503050406030204" pitchFamily="18" charset="0"/>
+                                  <a:ea typeface="Cambria Math" panose="02040503050406030204" pitchFamily="18" charset="0"/>
+                                  <a:cs typeface="+mn-cs"/>
+                                </a:rPr>
+                                <m:t>𝜕</m:t>
+                              </m:r>
+                              <m:r>
+                                <a:rPr kumimoji="1" lang="en-US" altLang="ja-JP" sz="2200" i="1" kern="1200">
+                                  <a:solidFill>
+                                    <a:srgbClr val="000000"/>
+                                  </a:solidFill>
+                                  <a:effectLst/>
+                                  <a:latin typeface="Cambria Math" panose="02040503050406030204" pitchFamily="18" charset="0"/>
+                                  <a:ea typeface="Cambria Math" panose="02040503050406030204" pitchFamily="18" charset="0"/>
+                                  <a:cs typeface="+mn-cs"/>
+                                </a:rPr>
+                                <m:t>𝑡</m:t>
+                              </m:r>
+                            </m:den>
+                          </m:f>
+                          <m:r>
+                            <a:rPr kumimoji="1" lang="en-US" altLang="ja-JP" sz="2200" i="1" kern="1200">
+                              <a:solidFill>
+                                <a:srgbClr val="000000"/>
+                              </a:solidFill>
+                              <a:effectLst/>
+                              <a:latin typeface="Cambria Math" panose="02040503050406030204" pitchFamily="18" charset="0"/>
+                              <a:ea typeface="Cambria Math" panose="02040503050406030204" pitchFamily="18" charset="0"/>
+                              <a:cs typeface="+mn-cs"/>
+                            </a:rPr>
+                            <m:t>#</m:t>
+                          </m:r>
+                          <m:r>
+                            <a:rPr kumimoji="1" lang="en-US" altLang="ja-JP" sz="2200" b="0" i="1" kern="1200">
+                              <a:solidFill>
+                                <a:srgbClr val="000000"/>
+                              </a:solidFill>
+                              <a:effectLst/>
+                              <a:latin typeface="Cambria Math" panose="02040503050406030204" pitchFamily="18" charset="0"/>
+                              <a:ea typeface="Cambria Math" panose="02040503050406030204" pitchFamily="18" charset="0"/>
+                              <a:cs typeface="+mn-cs"/>
+                            </a:rPr>
+                            <m:t>=</m:t>
+                          </m:r>
+                          <m:r>
+                            <a:rPr kumimoji="1" lang="en-US" altLang="ja-JP" sz="2200" b="0" i="1" kern="1200">
+                              <a:solidFill>
+                                <a:srgbClr val="000000"/>
+                              </a:solidFill>
+                              <a:effectLst/>
+                              <a:latin typeface="Cambria Math" panose="02040503050406030204" pitchFamily="18" charset="0"/>
+                              <a:ea typeface="Cambria Math" panose="02040503050406030204" pitchFamily="18" charset="0"/>
+                              <a:cs typeface="+mn-cs"/>
+                            </a:rPr>
+                            <m:t>𝛻</m:t>
+                          </m:r>
+                          <m:r>
+                            <a:rPr kumimoji="1" lang="en-US" altLang="ja-JP" sz="2200" b="0" i="1" kern="1200">
+                              <a:solidFill>
+                                <a:srgbClr val="000000"/>
+                              </a:solidFill>
+                              <a:effectLst/>
+                              <a:latin typeface="Cambria Math" panose="02040503050406030204" pitchFamily="18" charset="0"/>
+                              <a:ea typeface="Cambria Math" panose="02040503050406030204" pitchFamily="18" charset="0"/>
+                              <a:cs typeface="+mn-cs"/>
+                            </a:rPr>
+                            <m:t>∙</m:t>
+                          </m:r>
+                          <m:d>
+                            <m:dPr>
+                              <m:begChr m:val="["/>
+                              <m:endChr m:val="]"/>
+                              <m:ctrlPr>
+                                <a:rPr kumimoji="1" lang="en-US" altLang="ja-JP" sz="2200" i="1" kern="1200">
+                                  <a:solidFill>
+                                    <a:srgbClr val="000000"/>
+                                  </a:solidFill>
+                                  <a:effectLst/>
+                                  <a:latin typeface="Cambria Math" panose="02040503050406030204" pitchFamily="18" charset="0"/>
+                                  <a:ea typeface="Cambria Math" panose="02040503050406030204" pitchFamily="18" charset="0"/>
+                                  <a:cs typeface="+mn-cs"/>
+                                </a:rPr>
+                              </m:ctrlPr>
+                            </m:dPr>
+                            <m:e>
+                              <m:f>
+                                <m:fPr>
+                                  <m:ctrlPr>
+                                    <a:rPr kumimoji="1" lang="en-US" altLang="ja-JP" sz="2200" i="1" kern="1200">
+                                      <a:solidFill>
+                                        <a:srgbClr val="000000"/>
+                                      </a:solidFill>
+                                      <a:effectLst/>
+                                      <a:latin typeface="Cambria Math" panose="02040503050406030204" pitchFamily="18" charset="0"/>
+                                      <a:ea typeface="Cambria Math" panose="02040503050406030204" pitchFamily="18" charset="0"/>
+                                      <a:cs typeface="+mn-cs"/>
+                                    </a:rPr>
+                                  </m:ctrlPr>
+                                </m:fPr>
+                                <m:num>
+                                  <m:r>
+                                    <a:rPr kumimoji="1" lang="en-US" altLang="ja-JP" sz="2200" b="0" i="1" kern="1200">
+                                      <a:solidFill>
+                                        <a:srgbClr val="000000"/>
+                                      </a:solidFill>
+                                      <a:effectLst/>
+                                      <a:latin typeface="Cambria Math" panose="02040503050406030204" pitchFamily="18" charset="0"/>
+                                      <a:ea typeface="Cambria Math" panose="02040503050406030204" pitchFamily="18" charset="0"/>
+                                      <a:cs typeface="+mn-cs"/>
+                                    </a:rPr>
+                                    <m:t>𝑘</m:t>
+                                  </m:r>
+                                  <m:sSub>
+                                    <m:sSubPr>
+                                      <m:ctrlPr>
+                                        <a:rPr kumimoji="1" lang="en-US" altLang="ja-JP" sz="2200" i="1" kern="1200">
+                                          <a:solidFill>
+                                            <a:srgbClr val="000000"/>
+                                          </a:solidFill>
+                                          <a:effectLst/>
+                                          <a:latin typeface="Cambria Math" panose="02040503050406030204" pitchFamily="18" charset="0"/>
+                                          <a:ea typeface="Cambria Math" panose="02040503050406030204" pitchFamily="18" charset="0"/>
+                                          <a:cs typeface="+mn-cs"/>
+                                        </a:rPr>
+                                      </m:ctrlPr>
+                                    </m:sSubPr>
+                                    <m:e>
+                                      <m:r>
+                                        <a:rPr kumimoji="1" lang="en-US" altLang="ja-JP" sz="2200" b="0" i="1" kern="1200">
+                                          <a:solidFill>
+                                            <a:srgbClr val="000000"/>
+                                          </a:solidFill>
+                                          <a:effectLst/>
+                                          <a:latin typeface="Cambria Math" panose="02040503050406030204" pitchFamily="18" charset="0"/>
+                                          <a:ea typeface="Cambria Math" panose="02040503050406030204" pitchFamily="18" charset="0"/>
+                                          <a:cs typeface="+mn-cs"/>
+                                        </a:rPr>
+                                        <m:t>𝑘</m:t>
+                                      </m:r>
+                                    </m:e>
+                                    <m:sub>
+                                      <m:r>
+                                        <a:rPr kumimoji="1" lang="en-US" altLang="ja-JP" sz="2200" b="0" i="1" kern="1200">
+                                          <a:solidFill>
+                                            <a:srgbClr val="000000"/>
+                                          </a:solidFill>
+                                          <a:effectLst/>
+                                          <a:latin typeface="Cambria Math" panose="02040503050406030204" pitchFamily="18" charset="0"/>
+                                          <a:ea typeface="Cambria Math" panose="02040503050406030204" pitchFamily="18" charset="0"/>
+                                          <a:cs typeface="+mn-cs"/>
+                                        </a:rPr>
+                                        <m:t>𝑟𝑜</m:t>
+                                      </m:r>
+                                    </m:sub>
+                                  </m:sSub>
+                                </m:num>
+                                <m:den>
+                                  <m:sSub>
+                                    <m:sSubPr>
+                                      <m:ctrlPr>
+                                        <a:rPr kumimoji="1" lang="en-US" altLang="ja-JP" sz="2200" i="1" kern="1200">
+                                          <a:solidFill>
+                                            <a:srgbClr val="000000"/>
+                                          </a:solidFill>
+                                          <a:effectLst/>
+                                          <a:latin typeface="Cambria Math" panose="02040503050406030204" pitchFamily="18" charset="0"/>
+                                          <a:ea typeface="Cambria Math" panose="02040503050406030204" pitchFamily="18" charset="0"/>
+                                          <a:cs typeface="+mn-cs"/>
+                                        </a:rPr>
+                                      </m:ctrlPr>
+                                    </m:sSubPr>
+                                    <m:e>
+                                      <m:r>
+                                        <a:rPr kumimoji="1" lang="ja-JP" altLang="ja-JP" sz="2200" b="0" i="1" kern="1200">
+                                          <a:solidFill>
+                                            <a:srgbClr val="000000"/>
+                                          </a:solidFill>
+                                          <a:effectLst/>
+                                          <a:latin typeface="Cambria Math" panose="02040503050406030204" pitchFamily="18" charset="0"/>
+                                          <a:ea typeface="Cambria Math" panose="02040503050406030204" pitchFamily="18" charset="0"/>
+                                          <a:cs typeface="+mn-cs"/>
+                                        </a:rPr>
+                                        <m:t>𝜇</m:t>
+                                      </m:r>
+                                    </m:e>
+                                    <m:sub>
+                                      <m:r>
+                                        <a:rPr kumimoji="1" lang="en-US" altLang="ja-JP" sz="2200" b="0" i="1" kern="1200">
+                                          <a:solidFill>
+                                            <a:srgbClr val="000000"/>
+                                          </a:solidFill>
+                                          <a:effectLst/>
+                                          <a:latin typeface="Cambria Math" panose="02040503050406030204" pitchFamily="18" charset="0"/>
+                                          <a:ea typeface="Cambria Math" panose="02040503050406030204" pitchFamily="18" charset="0"/>
+                                          <a:cs typeface="+mn-cs"/>
+                                        </a:rPr>
+                                        <m:t>𝑜</m:t>
+                                      </m:r>
+                                    </m:sub>
+                                  </m:sSub>
+                                  <m:sSub>
+                                    <m:sSubPr>
+                                      <m:ctrlPr>
+                                        <a:rPr kumimoji="1" lang="en-US" altLang="ja-JP" sz="2200" i="1" kern="1200">
+                                          <a:solidFill>
+                                            <a:srgbClr val="000000"/>
+                                          </a:solidFill>
+                                          <a:effectLst/>
+                                          <a:latin typeface="Cambria Math" panose="02040503050406030204" pitchFamily="18" charset="0"/>
+                                          <a:ea typeface="Cambria Math" panose="02040503050406030204" pitchFamily="18" charset="0"/>
+                                          <a:cs typeface="+mn-cs"/>
+                                        </a:rPr>
+                                      </m:ctrlPr>
+                                    </m:sSubPr>
+                                    <m:e>
+                                      <m:r>
+                                        <a:rPr kumimoji="1" lang="en-US" altLang="ja-JP" sz="2200" b="0" i="1" kern="1200">
+                                          <a:solidFill>
+                                            <a:srgbClr val="000000"/>
+                                          </a:solidFill>
+                                          <a:effectLst/>
+                                          <a:latin typeface="Cambria Math" panose="02040503050406030204" pitchFamily="18" charset="0"/>
+                                          <a:ea typeface="Cambria Math" panose="02040503050406030204" pitchFamily="18" charset="0"/>
+                                          <a:cs typeface="+mn-cs"/>
+                                        </a:rPr>
+                                        <m:t>𝐵</m:t>
+                                      </m:r>
+                                    </m:e>
+                                    <m:sub>
+                                      <m:r>
+                                        <a:rPr kumimoji="1" lang="en-US" altLang="ja-JP" sz="2200" b="0" i="1" kern="1200">
+                                          <a:solidFill>
+                                            <a:srgbClr val="000000"/>
+                                          </a:solidFill>
+                                          <a:effectLst/>
+                                          <a:latin typeface="Cambria Math" panose="02040503050406030204" pitchFamily="18" charset="0"/>
+                                          <a:ea typeface="Cambria Math" panose="02040503050406030204" pitchFamily="18" charset="0"/>
+                                          <a:cs typeface="+mn-cs"/>
+                                        </a:rPr>
+                                        <m:t>𝑜</m:t>
+                                      </m:r>
+                                    </m:sub>
+                                  </m:sSub>
+                                </m:den>
+                              </m:f>
+                              <m:r>
+                                <a:rPr kumimoji="1" lang="en-US" altLang="ja-JP" sz="2200" b="0" i="1" kern="1200">
+                                  <a:solidFill>
+                                    <a:srgbClr val="000000"/>
+                                  </a:solidFill>
+                                  <a:effectLst/>
+                                  <a:latin typeface="Cambria Math" panose="02040503050406030204" pitchFamily="18" charset="0"/>
+                                  <a:ea typeface="Cambria Math" panose="02040503050406030204" pitchFamily="18" charset="0"/>
+                                  <a:cs typeface="+mn-cs"/>
+                                </a:rPr>
+                                <m:t>𝛻</m:t>
+                              </m:r>
+                              <m:r>
+                                <a:rPr kumimoji="1" lang="en-US" altLang="ja-JP" sz="2200" b="0" i="1" kern="1200">
+                                  <a:solidFill>
+                                    <a:srgbClr val="000000"/>
+                                  </a:solidFill>
+                                  <a:effectLst/>
+                                  <a:latin typeface="Cambria Math" panose="02040503050406030204" pitchFamily="18" charset="0"/>
+                                  <a:ea typeface="Cambria Math" panose="02040503050406030204" pitchFamily="18" charset="0"/>
+                                  <a:cs typeface="+mn-cs"/>
+                                </a:rPr>
+                                <m:t>𝑃</m:t>
+                              </m:r>
+                            </m:e>
+                          </m:d>
+                          <m:r>
+                            <a:rPr kumimoji="1" lang="en-US" altLang="ja-JP" sz="2200" b="0" i="1" kern="1200">
+                              <a:solidFill>
+                                <a:srgbClr val="000000"/>
+                              </a:solidFill>
+                              <a:effectLst/>
+                              <a:latin typeface="Cambria Math" panose="02040503050406030204" pitchFamily="18" charset="0"/>
+                              <a:ea typeface="Cambria Math" panose="02040503050406030204" pitchFamily="18" charset="0"/>
+                              <a:cs typeface="+mn-cs"/>
+                            </a:rPr>
+                            <m:t>+</m:t>
+                          </m:r>
+                          <m:sSub>
+                            <m:sSubPr>
+                              <m:ctrlPr>
+                                <a:rPr kumimoji="1" lang="en-US" altLang="ja-JP" sz="2200" i="1" kern="1200">
+                                  <a:solidFill>
+                                    <a:srgbClr val="000000"/>
+                                  </a:solidFill>
+                                  <a:effectLst/>
+                                  <a:latin typeface="Cambria Math" panose="02040503050406030204" pitchFamily="18" charset="0"/>
+                                  <a:ea typeface="Cambria Math" panose="02040503050406030204" pitchFamily="18" charset="0"/>
+                                  <a:cs typeface="+mn-cs"/>
+                                </a:rPr>
+                              </m:ctrlPr>
+                            </m:sSubPr>
+                            <m:e>
+                              <m:r>
+                                <a:rPr kumimoji="1" lang="en-US" altLang="ja-JP" sz="2200" b="0" i="1" kern="1200">
+                                  <a:solidFill>
+                                    <a:srgbClr val="000000"/>
+                                  </a:solidFill>
+                                  <a:effectLst/>
+                                  <a:latin typeface="Cambria Math" panose="02040503050406030204" pitchFamily="18" charset="0"/>
+                                  <a:ea typeface="Cambria Math" panose="02040503050406030204" pitchFamily="18" charset="0"/>
+                                  <a:cs typeface="+mn-cs"/>
+                                </a:rPr>
+                                <m:t>𝑞</m:t>
+                              </m:r>
+                            </m:e>
+                            <m:sub>
+                              <m:r>
+                                <a:rPr kumimoji="1" lang="en-US" altLang="ja-JP" sz="2200" b="0" i="1" kern="1200">
+                                  <a:solidFill>
+                                    <a:srgbClr val="000000"/>
+                                  </a:solidFill>
+                                  <a:effectLst/>
+                                  <a:latin typeface="Cambria Math" panose="02040503050406030204" pitchFamily="18" charset="0"/>
+                                  <a:ea typeface="Cambria Math" panose="02040503050406030204" pitchFamily="18" charset="0"/>
+                                  <a:cs typeface="+mn-cs"/>
+                                </a:rPr>
+                                <m:t>𝑜</m:t>
+                              </m:r>
+                            </m:sub>
+                          </m:sSub>
+                          <m:r>
+                            <a:rPr kumimoji="1" lang="en-US" altLang="ja-JP" sz="2200" b="0" i="1" kern="1200">
+                              <a:solidFill>
+                                <a:srgbClr val="000000"/>
+                              </a:solidFill>
+                              <a:effectLst/>
+                              <a:latin typeface="Cambria Math" panose="02040503050406030204" pitchFamily="18" charset="0"/>
+                              <a:ea typeface="Cambria Math" panose="02040503050406030204" pitchFamily="18" charset="0"/>
+                              <a:cs typeface="+mn-cs"/>
+                            </a:rPr>
+                            <m:t>#######</m:t>
+                          </m:r>
+                        </m:e>
+                      </m:eqArr>
+                    </m:oMath>
+                  </m:oMathPara>
+                </a14:m>
+                <a:endParaRPr kumimoji="1" lang="en-US" altLang="ja-JP" sz="2200" b="1" u="sng" dirty="0">
+                  <a:solidFill>
+                    <a:schemeClr val="accent1">
+                      <a:lumMod val="75000"/>
+                    </a:schemeClr>
+                  </a:solidFill>
+                </a:endParaRPr>
+              </a:p>
+              <a:p>
+                <a:pPr marL="0" indent="0">
+                  <a:buNone/>
+                </a:pPr>
+                <a:r>
+                  <a:rPr lang="ja-JP" altLang="en-US" sz="2200" b="1" u="sng" dirty="0">
+                    <a:solidFill>
+                      <a:schemeClr val="accent1">
+                        <a:lumMod val="75000"/>
+                      </a:schemeClr>
+                    </a:solidFill>
+                  </a:rPr>
+                  <a:t>油層圧力</a:t>
+                </a:r>
+                <a:endParaRPr lang="en-US" altLang="ja-JP" sz="2200" b="1" u="sng" dirty="0">
+                  <a:solidFill>
+                    <a:schemeClr val="accent1">
+                      <a:lumMod val="75000"/>
+                    </a:schemeClr>
+                  </a:solidFill>
+                </a:endParaRPr>
+              </a:p>
+              <a:p>
+                <a:pPr marL="0" indent="0">
+                  <a:buNone/>
+                </a:pPr>
+                <a14:m>
+                  <m:oMathPara xmlns:m="http://schemas.openxmlformats.org/officeDocument/2006/math">
+                    <m:oMathParaPr>
+                      <m:jc m:val="centerGroup"/>
+                    </m:oMathParaPr>
+                    <m:oMath xmlns:m="http://schemas.openxmlformats.org/officeDocument/2006/math">
+                      <m:eqArr>
+                        <m:eqArrPr>
+                          <m:ctrlPr>
+                            <a:rPr kumimoji="1" lang="en-US" altLang="ja-JP" sz="2200" b="0" i="1" kern="1200" smtClean="0">
+                              <a:solidFill>
+                                <a:srgbClr val="000000"/>
+                              </a:solidFill>
+                              <a:effectLst/>
+                              <a:latin typeface="Cambria Math" panose="02040503050406030204" pitchFamily="18" charset="0"/>
+                              <a:ea typeface="Cambria Math" panose="02040503050406030204" pitchFamily="18" charset="0"/>
+                              <a:cs typeface="+mn-cs"/>
+                            </a:rPr>
+                          </m:ctrlPr>
+                        </m:eqArrPr>
+                        <m:e>
+                          <m:f>
+                            <m:fPr>
+                              <m:ctrlPr>
+                                <a:rPr kumimoji="1" lang="en-US" altLang="ja-JP" sz="2200" i="1" kern="1200">
+                                  <a:solidFill>
+                                    <a:srgbClr val="000000"/>
+                                  </a:solidFill>
+                                  <a:effectLst/>
+                                  <a:latin typeface="Cambria Math" panose="02040503050406030204" pitchFamily="18" charset="0"/>
+                                  <a:ea typeface="Meiryo UI" panose="020B0604030504040204" pitchFamily="50" charset="-128"/>
+                                  <a:cs typeface="+mn-cs"/>
+                                </a:rPr>
+                              </m:ctrlPr>
+                            </m:fPr>
+                            <m:num>
+                              <m:r>
+                                <a:rPr kumimoji="1" lang="ja-JP" altLang="ja-JP" sz="2200" i="1" kern="1200">
+                                  <a:solidFill>
+                                    <a:srgbClr val="000000"/>
+                                  </a:solidFill>
+                                  <a:effectLst/>
+                                  <a:latin typeface="Cambria Math" panose="02040503050406030204" pitchFamily="18" charset="0"/>
+                                  <a:ea typeface="Cambria Math" panose="02040503050406030204" pitchFamily="18" charset="0"/>
+                                  <a:cs typeface="+mn-cs"/>
+                                </a:rPr>
+                                <m:t>𝜙</m:t>
+                              </m:r>
+                              <m:sSub>
+                                <m:sSubPr>
+                                  <m:ctrlPr>
+                                    <a:rPr kumimoji="1" lang="en-US" altLang="ja-JP" sz="2200" i="1" kern="1200">
+                                      <a:solidFill>
+                                        <a:srgbClr val="000000"/>
+                                      </a:solidFill>
+                                      <a:effectLst/>
+                                      <a:latin typeface="Cambria Math" panose="02040503050406030204" pitchFamily="18" charset="0"/>
+                                      <a:ea typeface="Meiryo UI" panose="020B0604030504040204" pitchFamily="50" charset="-128"/>
+                                      <a:cs typeface="+mn-cs"/>
+                                    </a:rPr>
+                                  </m:ctrlPr>
+                                </m:sSubPr>
+                                <m:e>
+                                  <m:r>
+                                    <a:rPr kumimoji="1" lang="en-US" altLang="ja-JP" sz="2200" b="0" i="1" kern="1200">
+                                      <a:solidFill>
+                                        <a:srgbClr val="000000"/>
+                                      </a:solidFill>
+                                      <a:effectLst/>
+                                      <a:latin typeface="Cambria Math" panose="02040503050406030204" pitchFamily="18" charset="0"/>
+                                      <a:ea typeface="Meiryo UI" panose="020B0604030504040204" pitchFamily="50" charset="-128"/>
+                                      <a:cs typeface="+mn-cs"/>
+                                    </a:rPr>
+                                    <m:t>𝑐</m:t>
+                                  </m:r>
+                                </m:e>
+                                <m:sub>
+                                  <m:r>
+                                    <a:rPr kumimoji="1" lang="en-US" altLang="ja-JP" sz="2200" b="0" i="1" kern="1200">
+                                      <a:solidFill>
+                                        <a:srgbClr val="000000"/>
+                                      </a:solidFill>
+                                      <a:effectLst/>
+                                      <a:latin typeface="Cambria Math" panose="02040503050406030204" pitchFamily="18" charset="0"/>
+                                      <a:ea typeface="Meiryo UI" panose="020B0604030504040204" pitchFamily="50" charset="-128"/>
+                                      <a:cs typeface="+mn-cs"/>
+                                    </a:rPr>
+                                    <m:t>𝑡</m:t>
+                                  </m:r>
+                                </m:sub>
+                              </m:sSub>
+                            </m:num>
+                            <m:den>
+                              <m:sSub>
+                                <m:sSubPr>
+                                  <m:ctrlPr>
+                                    <a:rPr kumimoji="1" lang="en-US" altLang="ja-JP" sz="2200" i="1" kern="1200">
+                                      <a:solidFill>
+                                        <a:srgbClr val="000000"/>
+                                      </a:solidFill>
+                                      <a:effectLst/>
+                                      <a:latin typeface="Cambria Math" panose="02040503050406030204" pitchFamily="18" charset="0"/>
+                                      <a:ea typeface="Meiryo UI" panose="020B0604030504040204" pitchFamily="50" charset="-128"/>
+                                      <a:cs typeface="+mn-cs"/>
+                                    </a:rPr>
+                                  </m:ctrlPr>
+                                </m:sSubPr>
+                                <m:e>
+                                  <m:r>
+                                    <a:rPr kumimoji="1" lang="en-US" altLang="ja-JP" sz="2200" i="1" kern="1200">
+                                      <a:solidFill>
+                                        <a:srgbClr val="000000"/>
+                                      </a:solidFill>
+                                      <a:effectLst/>
+                                      <a:latin typeface="Cambria Math" panose="02040503050406030204" pitchFamily="18" charset="0"/>
+                                      <a:ea typeface="Meiryo UI" panose="020B0604030504040204" pitchFamily="50" charset="-128"/>
+                                      <a:cs typeface="+mn-cs"/>
+                                    </a:rPr>
+                                    <m:t>𝐵</m:t>
+                                  </m:r>
+                                </m:e>
+                                <m:sub>
+                                  <m:r>
+                                    <a:rPr kumimoji="1" lang="en-US" altLang="ja-JP" sz="2200" i="1" kern="1200">
+                                      <a:solidFill>
+                                        <a:srgbClr val="000000"/>
+                                      </a:solidFill>
+                                      <a:effectLst/>
+                                      <a:latin typeface="Cambria Math" panose="02040503050406030204" pitchFamily="18" charset="0"/>
+                                      <a:ea typeface="Meiryo UI" panose="020B0604030504040204" pitchFamily="50" charset="-128"/>
+                                      <a:cs typeface="+mn-cs"/>
+                                    </a:rPr>
+                                    <m:t>𝑤</m:t>
+                                  </m:r>
+                                </m:sub>
+                              </m:sSub>
+                            </m:den>
+                          </m:f>
+                          <m:f>
+                            <m:fPr>
+                              <m:ctrlPr>
+                                <a:rPr kumimoji="1" lang="en-US" altLang="ja-JP" sz="2200" i="1" kern="1200">
+                                  <a:solidFill>
+                                    <a:srgbClr val="000000"/>
+                                  </a:solidFill>
+                                  <a:effectLst/>
+                                  <a:latin typeface="Cambria Math" panose="02040503050406030204" pitchFamily="18" charset="0"/>
+                                  <a:ea typeface="Cambria Math" panose="02040503050406030204" pitchFamily="18" charset="0"/>
+                                  <a:cs typeface="+mn-cs"/>
+                                </a:rPr>
+                              </m:ctrlPr>
+                            </m:fPr>
+                            <m:num>
+                              <m:r>
+                                <a:rPr kumimoji="1" lang="ja-JP" altLang="ja-JP" sz="2200" i="1" kern="1200">
+                                  <a:solidFill>
+                                    <a:srgbClr val="000000"/>
+                                  </a:solidFill>
+                                  <a:effectLst/>
+                                  <a:latin typeface="Cambria Math" panose="02040503050406030204" pitchFamily="18" charset="0"/>
+                                  <a:ea typeface="Cambria Math" panose="02040503050406030204" pitchFamily="18" charset="0"/>
+                                  <a:cs typeface="+mn-cs"/>
+                                </a:rPr>
+                                <m:t>𝜕</m:t>
+                              </m:r>
+                              <m:r>
+                                <a:rPr kumimoji="1" lang="en-US" altLang="ja-JP" sz="2200" i="1" kern="1200">
+                                  <a:solidFill>
+                                    <a:srgbClr val="000000"/>
+                                  </a:solidFill>
+                                  <a:effectLst/>
+                                  <a:latin typeface="Cambria Math" panose="02040503050406030204" pitchFamily="18" charset="0"/>
+                                  <a:ea typeface="Cambria Math" panose="02040503050406030204" pitchFamily="18" charset="0"/>
+                                  <a:cs typeface="+mn-cs"/>
+                                </a:rPr>
+                                <m:t>𝑃</m:t>
+                              </m:r>
+                            </m:num>
+                            <m:den>
+                              <m:r>
+                                <a:rPr kumimoji="1" lang="ja-JP" altLang="ja-JP" sz="2200" i="1" kern="1200">
+                                  <a:solidFill>
+                                    <a:srgbClr val="000000"/>
+                                  </a:solidFill>
+                                  <a:effectLst/>
+                                  <a:latin typeface="Cambria Math" panose="02040503050406030204" pitchFamily="18" charset="0"/>
+                                  <a:ea typeface="Cambria Math" panose="02040503050406030204" pitchFamily="18" charset="0"/>
+                                  <a:cs typeface="+mn-cs"/>
+                                </a:rPr>
+                                <m:t>𝜕</m:t>
+                              </m:r>
+                              <m:r>
+                                <a:rPr kumimoji="1" lang="en-US" altLang="ja-JP" sz="2200" i="1" kern="1200">
+                                  <a:solidFill>
+                                    <a:srgbClr val="000000"/>
+                                  </a:solidFill>
+                                  <a:effectLst/>
+                                  <a:latin typeface="Cambria Math" panose="02040503050406030204" pitchFamily="18" charset="0"/>
+                                  <a:ea typeface="Cambria Math" panose="02040503050406030204" pitchFamily="18" charset="0"/>
+                                  <a:cs typeface="+mn-cs"/>
+                                </a:rPr>
+                                <m:t>𝑡</m:t>
+                              </m:r>
+                            </m:den>
+                          </m:f>
+                          <m:r>
+                            <a:rPr kumimoji="1" lang="en-US" altLang="ja-JP" sz="2200" i="1" kern="1200">
+                              <a:solidFill>
+                                <a:srgbClr val="000000"/>
+                              </a:solidFill>
+                              <a:effectLst/>
+                              <a:latin typeface="Cambria Math" panose="02040503050406030204" pitchFamily="18" charset="0"/>
+                              <a:ea typeface="Cambria Math" panose="02040503050406030204" pitchFamily="18" charset="0"/>
+                              <a:cs typeface="+mn-cs"/>
+                            </a:rPr>
+                            <m:t>=</m:t>
+                          </m:r>
+                          <m:f>
+                            <m:fPr>
+                              <m:ctrlPr>
+                                <a:rPr kumimoji="1" lang="en-US" altLang="ja-JP" sz="2200" i="1" kern="1200">
+                                  <a:solidFill>
+                                    <a:srgbClr val="000000"/>
+                                  </a:solidFill>
+                                  <a:effectLst/>
+                                  <a:latin typeface="Cambria Math" panose="02040503050406030204" pitchFamily="18" charset="0"/>
+                                  <a:ea typeface="Cambria Math" panose="02040503050406030204" pitchFamily="18" charset="0"/>
+                                  <a:cs typeface="+mn-cs"/>
+                                </a:rPr>
+                              </m:ctrlPr>
+                            </m:fPr>
+                            <m:num>
+                              <m:sSub>
+                                <m:sSubPr>
+                                  <m:ctrlPr>
+                                    <a:rPr kumimoji="1" lang="en-US" altLang="ja-JP" sz="2200" i="1" kern="1200">
+                                      <a:solidFill>
+                                        <a:srgbClr val="000000"/>
+                                      </a:solidFill>
+                                      <a:effectLst/>
+                                      <a:latin typeface="Cambria Math" panose="02040503050406030204" pitchFamily="18" charset="0"/>
+                                      <a:ea typeface="Cambria Math" panose="02040503050406030204" pitchFamily="18" charset="0"/>
+                                      <a:cs typeface="+mn-cs"/>
+                                    </a:rPr>
+                                  </m:ctrlPr>
+                                </m:sSubPr>
+                                <m:e>
+                                  <m:r>
+                                    <a:rPr kumimoji="1" lang="en-US" altLang="ja-JP" sz="2200" b="0" i="1" kern="1200">
+                                      <a:solidFill>
+                                        <a:srgbClr val="000000"/>
+                                      </a:solidFill>
+                                      <a:effectLst/>
+                                      <a:latin typeface="Cambria Math" panose="02040503050406030204" pitchFamily="18" charset="0"/>
+                                      <a:ea typeface="Cambria Math" panose="02040503050406030204" pitchFamily="18" charset="0"/>
+                                      <a:cs typeface="+mn-cs"/>
+                                    </a:rPr>
+                                    <m:t>𝐵</m:t>
+                                  </m:r>
+                                </m:e>
+                                <m:sub>
+                                  <m:r>
+                                    <a:rPr kumimoji="1" lang="en-US" altLang="ja-JP" sz="2200" b="0" i="1" kern="1200">
+                                      <a:solidFill>
+                                        <a:srgbClr val="000000"/>
+                                      </a:solidFill>
+                                      <a:effectLst/>
+                                      <a:latin typeface="Cambria Math" panose="02040503050406030204" pitchFamily="18" charset="0"/>
+                                      <a:ea typeface="Cambria Math" panose="02040503050406030204" pitchFamily="18" charset="0"/>
+                                      <a:cs typeface="+mn-cs"/>
+                                    </a:rPr>
+                                    <m:t>𝑜</m:t>
+                                  </m:r>
+                                </m:sub>
+                              </m:sSub>
+                            </m:num>
+                            <m:den>
+                              <m:sSub>
+                                <m:sSubPr>
+                                  <m:ctrlPr>
+                                    <a:rPr kumimoji="1" lang="en-US" altLang="ja-JP" sz="2200" i="1" kern="1200">
+                                      <a:solidFill>
+                                        <a:srgbClr val="000000"/>
+                                      </a:solidFill>
+                                      <a:effectLst/>
+                                      <a:latin typeface="Cambria Math" panose="02040503050406030204" pitchFamily="18" charset="0"/>
+                                      <a:ea typeface="Cambria Math" panose="02040503050406030204" pitchFamily="18" charset="0"/>
+                                      <a:cs typeface="+mn-cs"/>
+                                    </a:rPr>
+                                  </m:ctrlPr>
+                                </m:sSubPr>
+                                <m:e>
+                                  <m:r>
+                                    <a:rPr kumimoji="1" lang="en-US" altLang="ja-JP" sz="2200" b="0" i="1" kern="1200">
+                                      <a:solidFill>
+                                        <a:srgbClr val="000000"/>
+                                      </a:solidFill>
+                                      <a:effectLst/>
+                                      <a:latin typeface="Cambria Math" panose="02040503050406030204" pitchFamily="18" charset="0"/>
+                                      <a:ea typeface="Cambria Math" panose="02040503050406030204" pitchFamily="18" charset="0"/>
+                                      <a:cs typeface="+mn-cs"/>
+                                    </a:rPr>
+                                    <m:t>𝐵</m:t>
+                                  </m:r>
+                                </m:e>
+                                <m:sub>
+                                  <m:r>
+                                    <a:rPr kumimoji="1" lang="en-US" altLang="ja-JP" sz="2200" b="0" i="1" kern="1200">
+                                      <a:solidFill>
+                                        <a:srgbClr val="000000"/>
+                                      </a:solidFill>
+                                      <a:effectLst/>
+                                      <a:latin typeface="Cambria Math" panose="02040503050406030204" pitchFamily="18" charset="0"/>
+                                      <a:ea typeface="Cambria Math" panose="02040503050406030204" pitchFamily="18" charset="0"/>
+                                      <a:cs typeface="+mn-cs"/>
+                                    </a:rPr>
+                                    <m:t>𝑤</m:t>
+                                  </m:r>
+                                </m:sub>
+                              </m:sSub>
+                            </m:den>
+                          </m:f>
+                          <m:r>
+                            <a:rPr lang="en-US" altLang="ja-JP" sz="2200" i="1">
+                              <a:latin typeface="Cambria Math" panose="02040503050406030204" pitchFamily="18" charset="0"/>
+                              <a:ea typeface="Cambria Math" panose="02040503050406030204" pitchFamily="18" charset="0"/>
+                            </a:rPr>
+                            <m:t>𝛻</m:t>
+                          </m:r>
+                          <m:r>
+                            <a:rPr lang="en-US" altLang="ja-JP" sz="2200" i="1">
+                              <a:latin typeface="Cambria Math" panose="02040503050406030204" pitchFamily="18" charset="0"/>
+                              <a:ea typeface="Cambria Math" panose="02040503050406030204" pitchFamily="18" charset="0"/>
+                            </a:rPr>
+                            <m:t>∙</m:t>
+                          </m:r>
+                          <m:d>
+                            <m:dPr>
+                              <m:begChr m:val="["/>
+                              <m:endChr m:val="]"/>
+                              <m:ctrlPr>
+                                <a:rPr kumimoji="1" lang="en-US" altLang="ja-JP" sz="2200" i="1" kern="1200">
+                                  <a:solidFill>
+                                    <a:srgbClr val="000000"/>
+                                  </a:solidFill>
+                                  <a:effectLst/>
+                                  <a:latin typeface="Cambria Math" panose="02040503050406030204" pitchFamily="18" charset="0"/>
+                                  <a:ea typeface="Cambria Math" panose="02040503050406030204" pitchFamily="18" charset="0"/>
+                                  <a:cs typeface="+mn-cs"/>
+                                </a:rPr>
+                              </m:ctrlPr>
+                            </m:dPr>
+                            <m:e>
+                              <m:f>
+                                <m:fPr>
+                                  <m:ctrlPr>
+                                    <a:rPr kumimoji="1" lang="en-US" altLang="ja-JP" sz="2200" i="1" kern="1200">
+                                      <a:solidFill>
+                                        <a:srgbClr val="000000"/>
+                                      </a:solidFill>
+                                      <a:effectLst/>
+                                      <a:latin typeface="Cambria Math" panose="02040503050406030204" pitchFamily="18" charset="0"/>
+                                      <a:ea typeface="Cambria Math" panose="02040503050406030204" pitchFamily="18" charset="0"/>
+                                      <a:cs typeface="+mn-cs"/>
+                                    </a:rPr>
+                                  </m:ctrlPr>
+                                </m:fPr>
+                                <m:num>
+                                  <m:r>
+                                    <a:rPr kumimoji="1" lang="en-US" altLang="ja-JP" sz="2200" i="1" kern="1200">
+                                      <a:solidFill>
+                                        <a:srgbClr val="000000"/>
+                                      </a:solidFill>
+                                      <a:effectLst/>
+                                      <a:latin typeface="Cambria Math" panose="02040503050406030204" pitchFamily="18" charset="0"/>
+                                      <a:ea typeface="Cambria Math" panose="02040503050406030204" pitchFamily="18" charset="0"/>
+                                      <a:cs typeface="+mn-cs"/>
+                                    </a:rPr>
+                                    <m:t>𝑘</m:t>
+                                  </m:r>
+                                  <m:sSub>
+                                    <m:sSubPr>
+                                      <m:ctrlPr>
+                                        <a:rPr kumimoji="1" lang="en-US" altLang="ja-JP" sz="2200" i="1" kern="1200">
+                                          <a:solidFill>
+                                            <a:srgbClr val="000000"/>
+                                          </a:solidFill>
+                                          <a:effectLst/>
+                                          <a:latin typeface="Cambria Math" panose="02040503050406030204" pitchFamily="18" charset="0"/>
+                                          <a:ea typeface="Cambria Math" panose="02040503050406030204" pitchFamily="18" charset="0"/>
+                                          <a:cs typeface="+mn-cs"/>
+                                        </a:rPr>
+                                      </m:ctrlPr>
+                                    </m:sSubPr>
+                                    <m:e>
+                                      <m:r>
+                                        <a:rPr kumimoji="1" lang="en-US" altLang="ja-JP" sz="2200" i="1" kern="1200">
+                                          <a:solidFill>
+                                            <a:srgbClr val="000000"/>
+                                          </a:solidFill>
+                                          <a:effectLst/>
+                                          <a:latin typeface="Cambria Math" panose="02040503050406030204" pitchFamily="18" charset="0"/>
+                                          <a:ea typeface="Cambria Math" panose="02040503050406030204" pitchFamily="18" charset="0"/>
+                                          <a:cs typeface="+mn-cs"/>
+                                        </a:rPr>
+                                        <m:t>𝑘</m:t>
+                                      </m:r>
+                                    </m:e>
+                                    <m:sub>
+                                      <m:r>
+                                        <a:rPr kumimoji="1" lang="en-US" altLang="ja-JP" sz="2200" i="1" kern="1200">
+                                          <a:solidFill>
+                                            <a:srgbClr val="000000"/>
+                                          </a:solidFill>
+                                          <a:effectLst/>
+                                          <a:latin typeface="Cambria Math" panose="02040503050406030204" pitchFamily="18" charset="0"/>
+                                          <a:ea typeface="Cambria Math" panose="02040503050406030204" pitchFamily="18" charset="0"/>
+                                          <a:cs typeface="+mn-cs"/>
+                                        </a:rPr>
+                                        <m:t>𝑟𝑜</m:t>
+                                      </m:r>
+                                    </m:sub>
+                                  </m:sSub>
+                                </m:num>
+                                <m:den>
+                                  <m:sSub>
+                                    <m:sSubPr>
+                                      <m:ctrlPr>
+                                        <a:rPr kumimoji="1" lang="en-US" altLang="ja-JP" sz="2200" i="1" kern="1200">
+                                          <a:solidFill>
+                                            <a:srgbClr val="000000"/>
+                                          </a:solidFill>
+                                          <a:effectLst/>
+                                          <a:latin typeface="Cambria Math" panose="02040503050406030204" pitchFamily="18" charset="0"/>
+                                          <a:ea typeface="Cambria Math" panose="02040503050406030204" pitchFamily="18" charset="0"/>
+                                          <a:cs typeface="+mn-cs"/>
+                                        </a:rPr>
+                                      </m:ctrlPr>
+                                    </m:sSubPr>
+                                    <m:e>
+                                      <m:r>
+                                        <a:rPr kumimoji="1" lang="ja-JP" altLang="ja-JP" sz="2200" i="1" kern="1200">
+                                          <a:solidFill>
+                                            <a:srgbClr val="000000"/>
+                                          </a:solidFill>
+                                          <a:effectLst/>
+                                          <a:latin typeface="Cambria Math" panose="02040503050406030204" pitchFamily="18" charset="0"/>
+                                          <a:ea typeface="Cambria Math" panose="02040503050406030204" pitchFamily="18" charset="0"/>
+                                          <a:cs typeface="+mn-cs"/>
+                                        </a:rPr>
+                                        <m:t>𝜇</m:t>
+                                      </m:r>
+                                    </m:e>
+                                    <m:sub>
+                                      <m:r>
+                                        <a:rPr kumimoji="1" lang="en-US" altLang="ja-JP" sz="2200" i="1" kern="1200">
+                                          <a:solidFill>
+                                            <a:srgbClr val="000000"/>
+                                          </a:solidFill>
+                                          <a:effectLst/>
+                                          <a:latin typeface="Cambria Math" panose="02040503050406030204" pitchFamily="18" charset="0"/>
+                                          <a:ea typeface="Cambria Math" panose="02040503050406030204" pitchFamily="18" charset="0"/>
+                                          <a:cs typeface="+mn-cs"/>
+                                        </a:rPr>
+                                        <m:t>𝑜</m:t>
+                                      </m:r>
+                                    </m:sub>
+                                  </m:sSub>
+                                  <m:sSub>
+                                    <m:sSubPr>
+                                      <m:ctrlPr>
+                                        <a:rPr kumimoji="1" lang="en-US" altLang="ja-JP" sz="2200" i="1" kern="1200">
+                                          <a:solidFill>
+                                            <a:srgbClr val="000000"/>
+                                          </a:solidFill>
+                                          <a:effectLst/>
+                                          <a:latin typeface="Cambria Math" panose="02040503050406030204" pitchFamily="18" charset="0"/>
+                                          <a:ea typeface="Cambria Math" panose="02040503050406030204" pitchFamily="18" charset="0"/>
+                                          <a:cs typeface="+mn-cs"/>
+                                        </a:rPr>
+                                      </m:ctrlPr>
+                                    </m:sSubPr>
+                                    <m:e>
+                                      <m:r>
+                                        <a:rPr kumimoji="1" lang="en-US" altLang="ja-JP" sz="2200" i="1" kern="1200">
+                                          <a:solidFill>
+                                            <a:srgbClr val="000000"/>
+                                          </a:solidFill>
+                                          <a:effectLst/>
+                                          <a:latin typeface="Cambria Math" panose="02040503050406030204" pitchFamily="18" charset="0"/>
+                                          <a:ea typeface="Cambria Math" panose="02040503050406030204" pitchFamily="18" charset="0"/>
+                                          <a:cs typeface="+mn-cs"/>
+                                        </a:rPr>
+                                        <m:t>𝐵</m:t>
+                                      </m:r>
+                                    </m:e>
+                                    <m:sub>
+                                      <m:r>
+                                        <a:rPr kumimoji="1" lang="en-US" altLang="ja-JP" sz="2200" i="1" kern="1200">
+                                          <a:solidFill>
+                                            <a:srgbClr val="000000"/>
+                                          </a:solidFill>
+                                          <a:effectLst/>
+                                          <a:latin typeface="Cambria Math" panose="02040503050406030204" pitchFamily="18" charset="0"/>
+                                          <a:ea typeface="Cambria Math" panose="02040503050406030204" pitchFamily="18" charset="0"/>
+                                          <a:cs typeface="+mn-cs"/>
+                                        </a:rPr>
+                                        <m:t>𝑜</m:t>
+                                      </m:r>
+                                    </m:sub>
+                                  </m:sSub>
+                                </m:den>
+                              </m:f>
+                              <m:r>
+                                <a:rPr lang="en-US" altLang="ja-JP" sz="2200" i="1">
+                                  <a:latin typeface="Cambria Math" panose="02040503050406030204" pitchFamily="18" charset="0"/>
+                                  <a:ea typeface="Cambria Math" panose="02040503050406030204" pitchFamily="18" charset="0"/>
+                                </a:rPr>
+                                <m:t>𝛻</m:t>
+                              </m:r>
+                              <m:r>
+                                <a:rPr lang="en-US" altLang="ja-JP" sz="2200" b="0" i="1" smtClean="0">
+                                  <a:latin typeface="Cambria Math" panose="02040503050406030204" pitchFamily="18" charset="0"/>
+                                  <a:ea typeface="Cambria Math" panose="02040503050406030204" pitchFamily="18" charset="0"/>
+                                </a:rPr>
+                                <m:t>𝑃</m:t>
+                              </m:r>
+                            </m:e>
+                          </m:d>
+                          <m:r>
+                            <a:rPr kumimoji="1" lang="en-US" altLang="ja-JP" sz="2200" b="0" i="1" kern="1200">
+                              <a:solidFill>
+                                <a:srgbClr val="000000"/>
+                              </a:solidFill>
+                              <a:effectLst/>
+                              <a:latin typeface="Cambria Math" panose="02040503050406030204" pitchFamily="18" charset="0"/>
+                              <a:ea typeface="Cambria Math" panose="02040503050406030204" pitchFamily="18" charset="0"/>
+                              <a:cs typeface="+mn-cs"/>
+                            </a:rPr>
+                            <m:t>+</m:t>
+                          </m:r>
+                          <m:r>
+                            <a:rPr lang="en-US" altLang="ja-JP" sz="2200" i="1">
+                              <a:latin typeface="Cambria Math" panose="02040503050406030204" pitchFamily="18" charset="0"/>
+                              <a:ea typeface="Cambria Math" panose="02040503050406030204" pitchFamily="18" charset="0"/>
+                            </a:rPr>
+                            <m:t>𝛻</m:t>
+                          </m:r>
+                          <m:r>
+                            <a:rPr lang="en-US" altLang="ja-JP" sz="2200" i="1">
+                              <a:latin typeface="Cambria Math" panose="02040503050406030204" pitchFamily="18" charset="0"/>
+                              <a:ea typeface="Cambria Math" panose="02040503050406030204" pitchFamily="18" charset="0"/>
+                            </a:rPr>
+                            <m:t>∙</m:t>
+                          </m:r>
+                          <m:d>
+                            <m:dPr>
+                              <m:begChr m:val="["/>
+                              <m:endChr m:val="]"/>
+                              <m:ctrlPr>
+                                <a:rPr kumimoji="1" lang="en-US" altLang="ja-JP" sz="2200" i="1" kern="1200">
+                                  <a:solidFill>
+                                    <a:srgbClr val="000000"/>
+                                  </a:solidFill>
+                                  <a:effectLst/>
+                                  <a:latin typeface="Cambria Math" panose="02040503050406030204" pitchFamily="18" charset="0"/>
+                                  <a:ea typeface="Cambria Math" panose="02040503050406030204" pitchFamily="18" charset="0"/>
+                                  <a:cs typeface="+mn-cs"/>
+                                </a:rPr>
+                              </m:ctrlPr>
+                            </m:dPr>
+                            <m:e>
+                              <m:f>
+                                <m:fPr>
+                                  <m:ctrlPr>
+                                    <a:rPr kumimoji="1" lang="en-US" altLang="ja-JP" sz="2200" i="1" kern="1200">
+                                      <a:solidFill>
+                                        <a:srgbClr val="000000"/>
+                                      </a:solidFill>
+                                      <a:effectLst/>
+                                      <a:latin typeface="Cambria Math" panose="02040503050406030204" pitchFamily="18" charset="0"/>
+                                      <a:ea typeface="Cambria Math" panose="02040503050406030204" pitchFamily="18" charset="0"/>
+                                      <a:cs typeface="+mn-cs"/>
+                                    </a:rPr>
+                                  </m:ctrlPr>
+                                </m:fPr>
+                                <m:num>
+                                  <m:r>
+                                    <a:rPr kumimoji="1" lang="en-US" altLang="ja-JP" sz="2200" b="0" i="1" kern="1200">
+                                      <a:solidFill>
+                                        <a:srgbClr val="000000"/>
+                                      </a:solidFill>
+                                      <a:effectLst/>
+                                      <a:latin typeface="Cambria Math" panose="02040503050406030204" pitchFamily="18" charset="0"/>
+                                      <a:ea typeface="Cambria Math" panose="02040503050406030204" pitchFamily="18" charset="0"/>
+                                      <a:cs typeface="+mn-cs"/>
+                                    </a:rPr>
+                                    <m:t>𝑘</m:t>
+                                  </m:r>
+                                  <m:sSub>
+                                    <m:sSubPr>
+                                      <m:ctrlPr>
+                                        <a:rPr kumimoji="1" lang="en-US" altLang="ja-JP" sz="2200" b="0" i="1" kern="1200">
+                                          <a:solidFill>
+                                            <a:srgbClr val="000000"/>
+                                          </a:solidFill>
+                                          <a:effectLst/>
+                                          <a:latin typeface="Cambria Math" panose="02040503050406030204" pitchFamily="18" charset="0"/>
+                                          <a:ea typeface="Cambria Math" panose="02040503050406030204" pitchFamily="18" charset="0"/>
+                                          <a:cs typeface="+mn-cs"/>
+                                        </a:rPr>
+                                      </m:ctrlPr>
+                                    </m:sSubPr>
+                                    <m:e>
+                                      <m:r>
+                                        <a:rPr kumimoji="1" lang="en-US" altLang="ja-JP" sz="2200" b="0" i="1" kern="1200">
+                                          <a:solidFill>
+                                            <a:srgbClr val="000000"/>
+                                          </a:solidFill>
+                                          <a:effectLst/>
+                                          <a:latin typeface="Cambria Math" panose="02040503050406030204" pitchFamily="18" charset="0"/>
+                                          <a:ea typeface="Cambria Math" panose="02040503050406030204" pitchFamily="18" charset="0"/>
+                                          <a:cs typeface="+mn-cs"/>
+                                        </a:rPr>
+                                        <m:t>𝑘</m:t>
+                                      </m:r>
+                                    </m:e>
+                                    <m:sub>
+                                      <m:r>
+                                        <a:rPr kumimoji="1" lang="en-US" altLang="ja-JP" sz="2200" b="0" i="1" kern="1200">
+                                          <a:solidFill>
+                                            <a:srgbClr val="000000"/>
+                                          </a:solidFill>
+                                          <a:effectLst/>
+                                          <a:latin typeface="Cambria Math" panose="02040503050406030204" pitchFamily="18" charset="0"/>
+                                          <a:ea typeface="Cambria Math" panose="02040503050406030204" pitchFamily="18" charset="0"/>
+                                          <a:cs typeface="+mn-cs"/>
+                                        </a:rPr>
+                                        <m:t>𝑟𝑤</m:t>
+                                      </m:r>
+                                    </m:sub>
+                                  </m:sSub>
+                                </m:num>
+                                <m:den>
+                                  <m:sSub>
+                                    <m:sSubPr>
+                                      <m:ctrlPr>
+                                        <a:rPr kumimoji="1" lang="en-US" altLang="ja-JP" sz="2200" i="1" kern="1200">
+                                          <a:solidFill>
+                                            <a:srgbClr val="000000"/>
+                                          </a:solidFill>
+                                          <a:effectLst/>
+                                          <a:latin typeface="Cambria Math" panose="02040503050406030204" pitchFamily="18" charset="0"/>
+                                          <a:ea typeface="Cambria Math" panose="02040503050406030204" pitchFamily="18" charset="0"/>
+                                          <a:cs typeface="+mn-cs"/>
+                                        </a:rPr>
+                                      </m:ctrlPr>
+                                    </m:sSubPr>
+                                    <m:e>
+                                      <m:r>
+                                        <a:rPr kumimoji="1" lang="ja-JP" altLang="ja-JP" sz="2200" i="1" kern="1200">
+                                          <a:solidFill>
+                                            <a:srgbClr val="000000"/>
+                                          </a:solidFill>
+                                          <a:effectLst/>
+                                          <a:latin typeface="Cambria Math" panose="02040503050406030204" pitchFamily="18" charset="0"/>
+                                          <a:ea typeface="Cambria Math" panose="02040503050406030204" pitchFamily="18" charset="0"/>
+                                          <a:cs typeface="+mn-cs"/>
+                                        </a:rPr>
+                                        <m:t>𝜇</m:t>
+                                      </m:r>
+                                    </m:e>
+                                    <m:sub>
+                                      <m:r>
+                                        <a:rPr kumimoji="1" lang="en-US" altLang="ja-JP" sz="2200" b="0" i="1" kern="1200">
+                                          <a:solidFill>
+                                            <a:srgbClr val="000000"/>
+                                          </a:solidFill>
+                                          <a:effectLst/>
+                                          <a:latin typeface="Cambria Math" panose="02040503050406030204" pitchFamily="18" charset="0"/>
+                                          <a:ea typeface="Cambria Math" panose="02040503050406030204" pitchFamily="18" charset="0"/>
+                                          <a:cs typeface="+mn-cs"/>
+                                        </a:rPr>
+                                        <m:t>𝑤</m:t>
+                                      </m:r>
+                                    </m:sub>
+                                  </m:sSub>
+                                  <m:sSub>
+                                    <m:sSubPr>
+                                      <m:ctrlPr>
+                                        <a:rPr kumimoji="1" lang="en-US" altLang="ja-JP" sz="2200" i="1" kern="1200">
+                                          <a:solidFill>
+                                            <a:srgbClr val="000000"/>
+                                          </a:solidFill>
+                                          <a:effectLst/>
+                                          <a:latin typeface="Cambria Math" panose="02040503050406030204" pitchFamily="18" charset="0"/>
+                                          <a:ea typeface="Cambria Math" panose="02040503050406030204" pitchFamily="18" charset="0"/>
+                                          <a:cs typeface="+mn-cs"/>
+                                        </a:rPr>
+                                      </m:ctrlPr>
+                                    </m:sSubPr>
+                                    <m:e>
+                                      <m:r>
+                                        <a:rPr kumimoji="1" lang="en-US" altLang="ja-JP" sz="2200" b="0" i="1" kern="1200">
+                                          <a:solidFill>
+                                            <a:srgbClr val="000000"/>
+                                          </a:solidFill>
+                                          <a:effectLst/>
+                                          <a:latin typeface="Cambria Math" panose="02040503050406030204" pitchFamily="18" charset="0"/>
+                                          <a:ea typeface="Cambria Math" panose="02040503050406030204" pitchFamily="18" charset="0"/>
+                                          <a:cs typeface="+mn-cs"/>
+                                        </a:rPr>
+                                        <m:t>𝐵</m:t>
+                                      </m:r>
+                                    </m:e>
+                                    <m:sub>
+                                      <m:r>
+                                        <a:rPr kumimoji="1" lang="en-US" altLang="ja-JP" sz="2200" b="0" i="1" kern="1200">
+                                          <a:solidFill>
+                                            <a:srgbClr val="000000"/>
+                                          </a:solidFill>
+                                          <a:effectLst/>
+                                          <a:latin typeface="Cambria Math" panose="02040503050406030204" pitchFamily="18" charset="0"/>
+                                          <a:ea typeface="Cambria Math" panose="02040503050406030204" pitchFamily="18" charset="0"/>
+                                          <a:cs typeface="+mn-cs"/>
+                                        </a:rPr>
+                                        <m:t>𝑤</m:t>
+                                      </m:r>
+                                    </m:sub>
+                                  </m:sSub>
+                                </m:den>
+                              </m:f>
+                              <m:r>
+                                <a:rPr lang="en-US" altLang="ja-JP" sz="2200" i="1">
+                                  <a:latin typeface="Cambria Math" panose="02040503050406030204" pitchFamily="18" charset="0"/>
+                                  <a:ea typeface="Cambria Math" panose="02040503050406030204" pitchFamily="18" charset="0"/>
+                                </a:rPr>
+                                <m:t>𝛻</m:t>
+                              </m:r>
+                              <m:r>
+                                <a:rPr lang="en-US" altLang="ja-JP" sz="2200" b="0" i="1" smtClean="0">
+                                  <a:latin typeface="Cambria Math" panose="02040503050406030204" pitchFamily="18" charset="0"/>
+                                  <a:ea typeface="Cambria Math" panose="02040503050406030204" pitchFamily="18" charset="0"/>
+                                </a:rPr>
+                                <m:t>𝑃</m:t>
+                              </m:r>
+                            </m:e>
+                          </m:d>
+                          <m:r>
+                            <a:rPr kumimoji="1" lang="en-US" altLang="ja-JP" sz="2200" b="0" i="1" kern="1200">
+                              <a:solidFill>
+                                <a:srgbClr val="000000"/>
+                              </a:solidFill>
+                              <a:effectLst/>
+                              <a:latin typeface="Cambria Math" panose="02040503050406030204" pitchFamily="18" charset="0"/>
+                              <a:ea typeface="Cambria Math" panose="02040503050406030204" pitchFamily="18" charset="0"/>
+                              <a:cs typeface="+mn-cs"/>
+                            </a:rPr>
+                            <m:t>+</m:t>
+                          </m:r>
+                          <m:f>
+                            <m:fPr>
+                              <m:ctrlPr>
+                                <a:rPr kumimoji="1" lang="en-US" altLang="ja-JP" sz="2200" i="1" kern="1200">
+                                  <a:solidFill>
+                                    <a:srgbClr val="000000"/>
+                                  </a:solidFill>
+                                  <a:effectLst/>
+                                  <a:latin typeface="Cambria Math" panose="02040503050406030204" pitchFamily="18" charset="0"/>
+                                  <a:ea typeface="Cambria Math" panose="02040503050406030204" pitchFamily="18" charset="0"/>
+                                  <a:cs typeface="+mn-cs"/>
+                                </a:rPr>
+                              </m:ctrlPr>
+                            </m:fPr>
+                            <m:num>
+                              <m:sSub>
+                                <m:sSubPr>
+                                  <m:ctrlPr>
+                                    <a:rPr kumimoji="1" lang="en-US" altLang="ja-JP" sz="2200" i="1" kern="1200">
+                                      <a:solidFill>
+                                        <a:srgbClr val="000000"/>
+                                      </a:solidFill>
+                                      <a:effectLst/>
+                                      <a:latin typeface="Cambria Math" panose="02040503050406030204" pitchFamily="18" charset="0"/>
+                                      <a:ea typeface="Cambria Math" panose="02040503050406030204" pitchFamily="18" charset="0"/>
+                                      <a:cs typeface="+mn-cs"/>
+                                    </a:rPr>
+                                  </m:ctrlPr>
+                                </m:sSubPr>
+                                <m:e>
+                                  <m:r>
+                                    <a:rPr kumimoji="1" lang="en-US" altLang="ja-JP" sz="2200" i="1" kern="1200">
+                                      <a:solidFill>
+                                        <a:srgbClr val="000000"/>
+                                      </a:solidFill>
+                                      <a:effectLst/>
+                                      <a:latin typeface="Cambria Math" panose="02040503050406030204" pitchFamily="18" charset="0"/>
+                                      <a:ea typeface="Cambria Math" panose="02040503050406030204" pitchFamily="18" charset="0"/>
+                                      <a:cs typeface="+mn-cs"/>
+                                    </a:rPr>
+                                    <m:t>𝐵</m:t>
+                                  </m:r>
+                                </m:e>
+                                <m:sub>
+                                  <m:r>
+                                    <a:rPr kumimoji="1" lang="en-US" altLang="ja-JP" sz="2200" i="1" kern="1200">
+                                      <a:solidFill>
+                                        <a:srgbClr val="000000"/>
+                                      </a:solidFill>
+                                      <a:effectLst/>
+                                      <a:latin typeface="Cambria Math" panose="02040503050406030204" pitchFamily="18" charset="0"/>
+                                      <a:ea typeface="Cambria Math" panose="02040503050406030204" pitchFamily="18" charset="0"/>
+                                      <a:cs typeface="+mn-cs"/>
+                                    </a:rPr>
+                                    <m:t>𝑜</m:t>
+                                  </m:r>
+                                </m:sub>
+                              </m:sSub>
+                            </m:num>
+                            <m:den>
+                              <m:sSub>
+                                <m:sSubPr>
+                                  <m:ctrlPr>
+                                    <a:rPr kumimoji="1" lang="en-US" altLang="ja-JP" sz="2200" i="1" kern="1200">
+                                      <a:solidFill>
+                                        <a:srgbClr val="000000"/>
+                                      </a:solidFill>
+                                      <a:effectLst/>
+                                      <a:latin typeface="Cambria Math" panose="02040503050406030204" pitchFamily="18" charset="0"/>
+                                      <a:ea typeface="Cambria Math" panose="02040503050406030204" pitchFamily="18" charset="0"/>
+                                      <a:cs typeface="+mn-cs"/>
+                                    </a:rPr>
+                                  </m:ctrlPr>
+                                </m:sSubPr>
+                                <m:e>
+                                  <m:r>
+                                    <a:rPr kumimoji="1" lang="en-US" altLang="ja-JP" sz="2200" i="1" kern="1200">
+                                      <a:solidFill>
+                                        <a:srgbClr val="000000"/>
+                                      </a:solidFill>
+                                      <a:effectLst/>
+                                      <a:latin typeface="Cambria Math" panose="02040503050406030204" pitchFamily="18" charset="0"/>
+                                      <a:ea typeface="Cambria Math" panose="02040503050406030204" pitchFamily="18" charset="0"/>
+                                      <a:cs typeface="+mn-cs"/>
+                                    </a:rPr>
+                                    <m:t>𝐵</m:t>
+                                  </m:r>
+                                </m:e>
+                                <m:sub>
+                                  <m:r>
+                                    <a:rPr kumimoji="1" lang="en-US" altLang="ja-JP" sz="2200" i="1" kern="1200">
+                                      <a:solidFill>
+                                        <a:srgbClr val="000000"/>
+                                      </a:solidFill>
+                                      <a:effectLst/>
+                                      <a:latin typeface="Cambria Math" panose="02040503050406030204" pitchFamily="18" charset="0"/>
+                                      <a:ea typeface="Cambria Math" panose="02040503050406030204" pitchFamily="18" charset="0"/>
+                                      <a:cs typeface="+mn-cs"/>
+                                    </a:rPr>
+                                    <m:t>𝑤</m:t>
+                                  </m:r>
+                                </m:sub>
+                              </m:sSub>
+                            </m:den>
+                          </m:f>
+                          <m:sSub>
+                            <m:sSubPr>
+                              <m:ctrlPr>
+                                <a:rPr kumimoji="1" lang="en-US" altLang="ja-JP" sz="2200" i="1" kern="1200">
+                                  <a:solidFill>
+                                    <a:srgbClr val="000000"/>
+                                  </a:solidFill>
+                                  <a:effectLst/>
+                                  <a:latin typeface="Cambria Math" panose="02040503050406030204" pitchFamily="18" charset="0"/>
+                                  <a:ea typeface="Cambria Math" panose="02040503050406030204" pitchFamily="18" charset="0"/>
+                                  <a:cs typeface="+mn-cs"/>
+                                </a:rPr>
+                              </m:ctrlPr>
+                            </m:sSubPr>
+                            <m:e>
+                              <m:r>
+                                <a:rPr kumimoji="1" lang="en-US" altLang="ja-JP" sz="2200" i="1" kern="1200">
+                                  <a:solidFill>
+                                    <a:srgbClr val="000000"/>
+                                  </a:solidFill>
+                                  <a:effectLst/>
+                                  <a:latin typeface="Cambria Math" panose="02040503050406030204" pitchFamily="18" charset="0"/>
+                                  <a:ea typeface="Cambria Math" panose="02040503050406030204" pitchFamily="18" charset="0"/>
+                                  <a:cs typeface="+mn-cs"/>
+                                </a:rPr>
+                                <m:t>𝑞</m:t>
+                              </m:r>
+                            </m:e>
+                            <m:sub>
+                              <m:r>
+                                <a:rPr kumimoji="1" lang="en-US" altLang="ja-JP" sz="2200" i="1" kern="1200">
+                                  <a:solidFill>
+                                    <a:srgbClr val="000000"/>
+                                  </a:solidFill>
+                                  <a:effectLst/>
+                                  <a:latin typeface="Cambria Math" panose="02040503050406030204" pitchFamily="18" charset="0"/>
+                                  <a:ea typeface="Cambria Math" panose="02040503050406030204" pitchFamily="18" charset="0"/>
+                                  <a:cs typeface="+mn-cs"/>
+                                </a:rPr>
+                                <m:t>𝑜</m:t>
+                              </m:r>
+                            </m:sub>
+                          </m:sSub>
+                          <m:r>
+                            <a:rPr kumimoji="1" lang="en-US" altLang="ja-JP" sz="2200" b="0" i="1" kern="1200">
+                              <a:solidFill>
+                                <a:srgbClr val="000000"/>
+                              </a:solidFill>
+                              <a:effectLst/>
+                              <a:latin typeface="Cambria Math" panose="02040503050406030204" pitchFamily="18" charset="0"/>
+                              <a:ea typeface="Cambria Math" panose="02040503050406030204" pitchFamily="18" charset="0"/>
+                              <a:cs typeface="+mn-cs"/>
+                            </a:rPr>
+                            <m:t>+</m:t>
+                          </m:r>
+                          <m:sSub>
+                            <m:sSubPr>
+                              <m:ctrlPr>
+                                <a:rPr kumimoji="1" lang="en-US" altLang="ja-JP" sz="2200" b="0" i="1" kern="1200">
+                                  <a:solidFill>
+                                    <a:srgbClr val="000000"/>
+                                  </a:solidFill>
+                                  <a:effectLst/>
+                                  <a:latin typeface="Cambria Math" panose="02040503050406030204" pitchFamily="18" charset="0"/>
+                                  <a:ea typeface="Cambria Math" panose="02040503050406030204" pitchFamily="18" charset="0"/>
+                                  <a:cs typeface="+mn-cs"/>
+                                </a:rPr>
+                              </m:ctrlPr>
+                            </m:sSubPr>
+                            <m:e>
+                              <m:r>
+                                <a:rPr kumimoji="1" lang="en-US" altLang="ja-JP" sz="2200" b="0" i="1" kern="1200">
+                                  <a:solidFill>
+                                    <a:srgbClr val="000000"/>
+                                  </a:solidFill>
+                                  <a:effectLst/>
+                                  <a:latin typeface="Cambria Math" panose="02040503050406030204" pitchFamily="18" charset="0"/>
+                                  <a:ea typeface="Cambria Math" panose="02040503050406030204" pitchFamily="18" charset="0"/>
+                                  <a:cs typeface="+mn-cs"/>
+                                </a:rPr>
+                                <m:t>𝑞</m:t>
+                              </m:r>
+                            </m:e>
+                            <m:sub>
+                              <m:r>
+                                <a:rPr kumimoji="1" lang="en-US" altLang="ja-JP" sz="2200" b="0" i="1" kern="1200">
+                                  <a:solidFill>
+                                    <a:srgbClr val="000000"/>
+                                  </a:solidFill>
+                                  <a:effectLst/>
+                                  <a:latin typeface="Cambria Math" panose="02040503050406030204" pitchFamily="18" charset="0"/>
+                                  <a:ea typeface="Cambria Math" panose="02040503050406030204" pitchFamily="18" charset="0"/>
+                                  <a:cs typeface="+mn-cs"/>
+                                </a:rPr>
+                                <m:t>𝑤</m:t>
+                              </m:r>
+                            </m:sub>
+                          </m:sSub>
+                          <m:r>
+                            <a:rPr kumimoji="1" lang="en-US" altLang="ja-JP" sz="2200" b="0" i="1" kern="1200">
+                              <a:solidFill>
+                                <a:srgbClr val="000000"/>
+                              </a:solidFill>
+                              <a:effectLst/>
+                              <a:latin typeface="Cambria Math" panose="02040503050406030204" pitchFamily="18" charset="0"/>
+                              <a:ea typeface="Cambria Math" panose="02040503050406030204" pitchFamily="18" charset="0"/>
+                              <a:cs typeface="+mn-cs"/>
+                            </a:rPr>
+                            <m:t>#</m:t>
+                          </m:r>
+                        </m:e>
+                      </m:eqArr>
+                    </m:oMath>
+                  </m:oMathPara>
+                </a14:m>
+                <a:endParaRPr kumimoji="1" lang="ja-JP" altLang="en-US" sz="2200" b="1" u="sng" dirty="0">
+                  <a:solidFill>
+                    <a:schemeClr val="accent1">
+                      <a:lumMod val="75000"/>
+                    </a:schemeClr>
+                  </a:solidFill>
+                </a:endParaRPr>
+              </a:p>
+            </p:txBody>
+          </p:sp>
+        </mc:Choice>
+        <mc:Fallback>
+          <p:sp>
+            <p:nvSpPr>
+              <p:cNvPr id="2" name="コンテンツ プレースホルダー 1">
+                <a:extLst>
+                  <a:ext uri="{FF2B5EF4-FFF2-40B4-BE49-F238E27FC236}">
+                    <a16:creationId xmlns:a16="http://schemas.microsoft.com/office/drawing/2014/main" id="{4CF4E688-62B9-481C-83A0-47319F99A08C}"/>
+                  </a:ext>
+                </a:extLst>
+              </p:cNvPr>
+              <p:cNvSpPr>
+                <a:spLocks noGrp="1" noRot="1" noChangeAspect="1" noMove="1" noResize="1" noEditPoints="1" noAdjustHandles="1" noChangeArrowheads="1" noChangeShapeType="1" noTextEdit="1"/>
+              </p:cNvSpPr>
+              <p:nvPr>
+                <p:ph idx="1"/>
+              </p:nvPr>
+            </p:nvSpPr>
+            <p:spPr>
+              <a:blipFill>
+                <a:blip r:embed="rId2"/>
+                <a:stretch>
+                  <a:fillRect l="-1522" b="-2488"/>
+                </a:stretch>
+              </a:blipFill>
+            </p:spPr>
+            <p:txBody>
+              <a:bodyPr/>
+              <a:lstStyle/>
+              <a:p>
+                <a:r>
+                  <a:rPr lang="ja-JP" altLang="en-US">
+                    <a:noFill/>
+                  </a:rPr>
+                  <a:t> </a:t>
+                </a:r>
+              </a:p>
+            </p:txBody>
+          </p:sp>
+        </mc:Fallback>
+      </mc:AlternateContent>
+      <p:sp>
+        <p:nvSpPr>
+          <p:cNvPr id="3" name="タイトル 2">
+            <a:extLst>
+              <a:ext uri="{FF2B5EF4-FFF2-40B4-BE49-F238E27FC236}">
+                <a16:creationId xmlns:a16="http://schemas.microsoft.com/office/drawing/2014/main" id="{07BA0DF4-446F-4216-ABED-8857BC1D5A75}"/>
+              </a:ext>
+            </a:extLst>
+          </p:cNvPr>
+          <p:cNvSpPr>
+            <a:spLocks noGrp="1"/>
+          </p:cNvSpPr>
+          <p:nvPr>
+            <p:ph type="title"/>
+          </p:nvPr>
+        </p:nvSpPr>
+        <p:spPr/>
+        <p:txBody>
+          <a:bodyPr/>
+          <a:lstStyle/>
+          <a:p>
+            <a:r>
+              <a:rPr kumimoji="1" lang="en-US" altLang="ja-JP" dirty="0"/>
+              <a:t>1. </a:t>
+            </a:r>
+            <a:r>
+              <a:rPr kumimoji="1" lang="ja-JP" altLang="en-US" dirty="0"/>
+              <a:t>水</a:t>
+            </a:r>
+            <a:r>
+              <a:rPr kumimoji="1" lang="en-US" altLang="ja-JP" dirty="0"/>
+              <a:t>-</a:t>
+            </a:r>
+            <a:r>
+              <a:rPr kumimoji="1" lang="ja-JP" altLang="en-US" dirty="0"/>
+              <a:t>油</a:t>
+            </a:r>
+            <a:r>
+              <a:rPr kumimoji="1" lang="en-US" altLang="ja-JP" dirty="0"/>
+              <a:t>2</a:t>
+            </a:r>
+            <a:r>
+              <a:rPr kumimoji="1" lang="ja-JP" altLang="en-US" dirty="0"/>
+              <a:t>相流</a:t>
+            </a:r>
+          </a:p>
+        </p:txBody>
+      </p:sp>
+      <p:sp>
+        <p:nvSpPr>
+          <p:cNvPr id="4" name="コンテンツ プレースホルダー 3">
+            <a:extLst>
+              <a:ext uri="{FF2B5EF4-FFF2-40B4-BE49-F238E27FC236}">
+                <a16:creationId xmlns:a16="http://schemas.microsoft.com/office/drawing/2014/main" id="{CAD5A820-6EBE-4EEC-A58D-92FC62DB8BC9}"/>
+              </a:ext>
+            </a:extLst>
+          </p:cNvPr>
+          <p:cNvSpPr>
+            <a:spLocks noGrp="1"/>
+          </p:cNvSpPr>
+          <p:nvPr>
+            <p:ph sz="quarter" idx="10"/>
+          </p:nvPr>
+        </p:nvSpPr>
+        <p:spPr/>
+        <p:txBody>
+          <a:bodyPr/>
+          <a:lstStyle/>
+          <a:p>
+            <a:endParaRPr kumimoji="1" lang="ja-JP" altLang="en-US"/>
+          </a:p>
+        </p:txBody>
+      </p:sp>
+    </p:spTree>
+    <p:extLst>
+      <p:ext uri="{BB962C8B-B14F-4D97-AF65-F5344CB8AC3E}">
+        <p14:creationId xmlns:p14="http://schemas.microsoft.com/office/powerpoint/2010/main" val="1028811060"/>
+      </p:ext>
+    </p:extLst>
+  </p:cSld>
+  <p:clrMapOvr>
+    <a:masterClrMapping/>
+  </p:clrMapOvr>
+</p:sld>
+</file>
+
+<file path=ppt/slides/slide7.xml><?xml version="1.0" encoding="utf-8"?>
 <p:sld xmlns:a="http://schemas.openxmlformats.org/drawingml/2006/main" xmlns:r="http://schemas.openxmlformats.org/officeDocument/2006/relationships" xmlns:p="http://schemas.openxmlformats.org/presentationml/2006/main">
   <p:cSld>
     <p:spTree>
@@ -15909,7 +17226,7 @@
 </p:sld>
 </file>
 
-<file path=ppt/slides/slide7.xml><?xml version="1.0" encoding="utf-8"?>
+<file path=ppt/slides/slide8.xml><?xml version="1.0" encoding="utf-8"?>
 <p:sld xmlns:a="http://schemas.openxmlformats.org/drawingml/2006/main" xmlns:r="http://schemas.openxmlformats.org/officeDocument/2006/relationships" xmlns:p="http://schemas.openxmlformats.org/presentationml/2006/main">
   <p:cSld>
     <p:spTree>
@@ -17312,7 +18629,7 @@
 </p:sld>
 </file>
 
-<file path=ppt/slides/slide8.xml><?xml version="1.0" encoding="utf-8"?>
+<file path=ppt/slides/slide9.xml><?xml version="1.0" encoding="utf-8"?>
 <p:sld xmlns:a="http://schemas.openxmlformats.org/drawingml/2006/main" xmlns:r="http://schemas.openxmlformats.org/officeDocument/2006/relationships" xmlns:p="http://schemas.openxmlformats.org/presentationml/2006/main">
   <p:cSld>
     <p:spTree>
@@ -18693,1193 +20010,6 @@
     <p:extLst>
       <p:ext uri="{BB962C8B-B14F-4D97-AF65-F5344CB8AC3E}">
         <p14:creationId xmlns:p14="http://schemas.microsoft.com/office/powerpoint/2010/main" val="607085936"/>
-      </p:ext>
-    </p:extLst>
-  </p:cSld>
-  <p:clrMapOvr>
-    <a:masterClrMapping/>
-  </p:clrMapOvr>
-</p:sld>
-</file>
-
-<file path=ppt/slides/slide9.xml><?xml version="1.0" encoding="utf-8"?>
-<p:sld xmlns:a="http://schemas.openxmlformats.org/drawingml/2006/main" xmlns:r="http://schemas.openxmlformats.org/officeDocument/2006/relationships" xmlns:p="http://schemas.openxmlformats.org/presentationml/2006/main">
-  <p:cSld>
-    <p:spTree>
-      <p:nvGrpSpPr>
-        <p:cNvPr id="1" name=""/>
-        <p:cNvGrpSpPr/>
-        <p:nvPr/>
-      </p:nvGrpSpPr>
-      <p:grpSpPr>
-        <a:xfrm>
-          <a:off x="0" y="0"/>
-          <a:ext cx="0" cy="0"/>
-          <a:chOff x="0" y="0"/>
-          <a:chExt cx="0" cy="0"/>
-        </a:xfrm>
-      </p:grpSpPr>
-      <p:sp>
-        <p:nvSpPr>
-          <p:cNvPr id="2" name="コンテンツ プレースホルダー 1">
-            <a:extLst>
-              <a:ext uri="{FF2B5EF4-FFF2-40B4-BE49-F238E27FC236}">
-                <a16:creationId xmlns:a16="http://schemas.microsoft.com/office/drawing/2014/main" id="{5CC3DBDC-2ABB-464E-AA98-8626CB68BCFA}"/>
-              </a:ext>
-            </a:extLst>
-          </p:cNvPr>
-          <p:cNvSpPr>
-            <a:spLocks noGrp="1"/>
-          </p:cNvSpPr>
-          <p:nvPr>
-            <p:ph idx="1"/>
-          </p:nvPr>
-        </p:nvSpPr>
-        <p:spPr>
-          <a:xfrm>
-            <a:off x="488950" y="1271127"/>
-            <a:ext cx="6785040" cy="804533"/>
-          </a:xfrm>
-          <a:ln>
-            <a:noFill/>
-          </a:ln>
-        </p:spPr>
-        <p:txBody>
-          <a:bodyPr>
-            <a:normAutofit/>
-          </a:bodyPr>
-          <a:lstStyle/>
-          <a:p>
-            <a:r>
-              <a:rPr lang="ja-JP" altLang="en-US" dirty="0"/>
-              <a:t>地表の油と減圧して生じるガスの比（</a:t>
-            </a:r>
-            <a:r>
-              <a:rPr lang="en-US" altLang="ja-JP" dirty="0" err="1"/>
-              <a:t>scf</a:t>
-            </a:r>
-            <a:r>
-              <a:rPr lang="en-US" altLang="ja-JP" dirty="0"/>
-              <a:t>/</a:t>
-            </a:r>
-            <a:r>
-              <a:rPr lang="en-US" altLang="ja-JP" dirty="0" err="1"/>
-              <a:t>bbl</a:t>
-            </a:r>
-            <a:r>
-              <a:rPr lang="ja-JP" altLang="en-US" dirty="0"/>
-              <a:t>）</a:t>
-            </a:r>
-            <a:endParaRPr lang="en-US" altLang="ja-JP" dirty="0"/>
-          </a:p>
-        </p:txBody>
-      </p:sp>
-      <p:sp>
-        <p:nvSpPr>
-          <p:cNvPr id="3" name="タイトル 2">
-            <a:extLst>
-              <a:ext uri="{FF2B5EF4-FFF2-40B4-BE49-F238E27FC236}">
-                <a16:creationId xmlns:a16="http://schemas.microsoft.com/office/drawing/2014/main" id="{0921E3F5-4656-480F-ACDF-10F20AD43E90}"/>
-              </a:ext>
-            </a:extLst>
-          </p:cNvPr>
-          <p:cNvSpPr>
-            <a:spLocks noGrp="1"/>
-          </p:cNvSpPr>
-          <p:nvPr>
-            <p:ph type="title"/>
-          </p:nvPr>
-        </p:nvSpPr>
-        <p:spPr/>
-        <p:txBody>
-          <a:bodyPr/>
-          <a:lstStyle/>
-          <a:p>
-            <a:r>
-              <a:rPr lang="en-US" altLang="ja-JP" dirty="0"/>
-              <a:t>3</a:t>
-            </a:r>
-            <a:r>
-              <a:rPr kumimoji="1" lang="en-US" altLang="ja-JP" dirty="0"/>
-              <a:t>. </a:t>
-            </a:r>
-            <a:r>
-              <a:rPr kumimoji="1" lang="ja-JP" altLang="en-US" dirty="0"/>
-              <a:t>溶解ガス油比 </a:t>
-            </a:r>
-            <a:r>
-              <a:rPr kumimoji="1" lang="en-US" altLang="ja-JP" dirty="0"/>
-              <a:t>/ Solution Gas Oil Ratio</a:t>
-            </a:r>
-            <a:endParaRPr kumimoji="1" lang="ja-JP" altLang="en-US" dirty="0"/>
-          </a:p>
-        </p:txBody>
-      </p:sp>
-      <p:sp>
-        <p:nvSpPr>
-          <p:cNvPr id="4" name="コンテンツ プレースホルダー 3">
-            <a:extLst>
-              <a:ext uri="{FF2B5EF4-FFF2-40B4-BE49-F238E27FC236}">
-                <a16:creationId xmlns:a16="http://schemas.microsoft.com/office/drawing/2014/main" id="{977032EA-A78C-46A3-BB4E-E4D258259B9F}"/>
-              </a:ext>
-            </a:extLst>
-          </p:cNvPr>
-          <p:cNvSpPr>
-            <a:spLocks noGrp="1"/>
-          </p:cNvSpPr>
-          <p:nvPr>
-            <p:ph sz="quarter" idx="10"/>
-          </p:nvPr>
-        </p:nvSpPr>
-        <p:spPr/>
-        <p:txBody>
-          <a:bodyPr/>
-          <a:lstStyle/>
-          <a:p>
-            <a:endParaRPr kumimoji="1" lang="ja-JP" altLang="en-US"/>
-          </a:p>
-        </p:txBody>
-      </p:sp>
-      <p:cxnSp>
-        <p:nvCxnSpPr>
-          <p:cNvPr id="20" name="直線コネクタ 19">
-            <a:extLst>
-              <a:ext uri="{FF2B5EF4-FFF2-40B4-BE49-F238E27FC236}">
-                <a16:creationId xmlns:a16="http://schemas.microsoft.com/office/drawing/2014/main" id="{F9878C0D-D0C6-4ED4-939F-4E881287FA5A}"/>
-              </a:ext>
-            </a:extLst>
-          </p:cNvPr>
-          <p:cNvCxnSpPr>
-            <a:cxnSpLocks/>
-          </p:cNvCxnSpPr>
-          <p:nvPr/>
-        </p:nvCxnSpPr>
-        <p:spPr>
-          <a:xfrm flipV="1">
-            <a:off x="909098" y="3213832"/>
-            <a:ext cx="10530766" cy="20205"/>
-          </a:xfrm>
-          <a:prstGeom prst="line">
-            <a:avLst/>
-          </a:prstGeom>
-          <a:ln w="38100">
-            <a:solidFill>
-              <a:schemeClr val="tx1">
-                <a:lumMod val="75000"/>
-                <a:lumOff val="25000"/>
-              </a:schemeClr>
-            </a:solidFill>
-            <a:headEnd type="none" w="med" len="med"/>
-            <a:tailEnd type="none" w="med" len="med"/>
-          </a:ln>
-        </p:spPr>
-        <p:style>
-          <a:lnRef idx="1">
-            <a:schemeClr val="accent1"/>
-          </a:lnRef>
-          <a:fillRef idx="0">
-            <a:schemeClr val="accent1"/>
-          </a:fillRef>
-          <a:effectRef idx="0">
-            <a:schemeClr val="accent1"/>
-          </a:effectRef>
-          <a:fontRef idx="minor">
-            <a:schemeClr val="tx1"/>
-          </a:fontRef>
-        </p:style>
-      </p:cxnSp>
-      <p:sp>
-        <p:nvSpPr>
-          <p:cNvPr id="31" name="正方形/長方形 30">
-            <a:extLst>
-              <a:ext uri="{FF2B5EF4-FFF2-40B4-BE49-F238E27FC236}">
-                <a16:creationId xmlns:a16="http://schemas.microsoft.com/office/drawing/2014/main" id="{3B88BFBA-BFED-4EED-954C-7A0F1C9EC4AF}"/>
-              </a:ext>
-            </a:extLst>
-          </p:cNvPr>
-          <p:cNvSpPr/>
-          <p:nvPr/>
-        </p:nvSpPr>
-        <p:spPr>
-          <a:xfrm>
-            <a:off x="9383894" y="2744653"/>
-            <a:ext cx="136652" cy="1842212"/>
-          </a:xfrm>
-          <a:prstGeom prst="rect">
-            <a:avLst/>
-          </a:prstGeom>
-          <a:solidFill>
-            <a:schemeClr val="bg1"/>
-          </a:solidFill>
-          <a:ln w="19050">
-            <a:noFill/>
-            <a:headEnd type="none" w="med" len="med"/>
-            <a:tailEnd type="none" w="med" len="med"/>
-          </a:ln>
-        </p:spPr>
-        <p:style>
-          <a:lnRef idx="1">
-            <a:schemeClr val="accent1"/>
-          </a:lnRef>
-          <a:fillRef idx="0">
-            <a:schemeClr val="accent1"/>
-          </a:fillRef>
-          <a:effectRef idx="0">
-            <a:schemeClr val="accent1"/>
-          </a:effectRef>
-          <a:fontRef idx="minor">
-            <a:schemeClr val="tx1"/>
-          </a:fontRef>
-        </p:style>
-        <p:txBody>
-          <a:bodyPr rtlCol="0" anchor="ctr"/>
-          <a:lstStyle/>
-          <a:p>
-            <a:pPr algn="ctr"/>
-            <a:endParaRPr kumimoji="1" lang="ja-JP" altLang="en-US" sz="2400" dirty="0">
-              <a:solidFill>
-                <a:schemeClr val="tx1">
-                  <a:lumMod val="75000"/>
-                  <a:lumOff val="25000"/>
-                </a:schemeClr>
-              </a:solidFill>
-            </a:endParaRPr>
-          </a:p>
-        </p:txBody>
-      </p:sp>
-      <p:cxnSp>
-        <p:nvCxnSpPr>
-          <p:cNvPr id="32" name="直線コネクタ 31">
-            <a:extLst>
-              <a:ext uri="{FF2B5EF4-FFF2-40B4-BE49-F238E27FC236}">
-                <a16:creationId xmlns:a16="http://schemas.microsoft.com/office/drawing/2014/main" id="{594094C7-AEF0-42C3-AD02-91710A99C64F}"/>
-              </a:ext>
-            </a:extLst>
-          </p:cNvPr>
-          <p:cNvCxnSpPr>
-            <a:cxnSpLocks/>
-          </p:cNvCxnSpPr>
-          <p:nvPr/>
-        </p:nvCxnSpPr>
-        <p:spPr>
-          <a:xfrm rot="16200000">
-            <a:off x="7824895" y="4102359"/>
-            <a:ext cx="3096000" cy="0"/>
-          </a:xfrm>
-          <a:prstGeom prst="line">
-            <a:avLst/>
-          </a:prstGeom>
-          <a:ln w="28575">
-            <a:solidFill>
-              <a:schemeClr val="tx1">
-                <a:lumMod val="75000"/>
-                <a:lumOff val="25000"/>
-              </a:schemeClr>
-            </a:solidFill>
-            <a:headEnd type="none" w="med" len="med"/>
-            <a:tailEnd type="none" w="med" len="med"/>
-          </a:ln>
-        </p:spPr>
-        <p:style>
-          <a:lnRef idx="1">
-            <a:schemeClr val="accent1"/>
-          </a:lnRef>
-          <a:fillRef idx="0">
-            <a:schemeClr val="accent1"/>
-          </a:fillRef>
-          <a:effectRef idx="0">
-            <a:schemeClr val="accent1"/>
-          </a:effectRef>
-          <a:fontRef idx="minor">
-            <a:schemeClr val="tx1"/>
-          </a:fontRef>
-        </p:style>
-      </p:cxnSp>
-      <p:cxnSp>
-        <p:nvCxnSpPr>
-          <p:cNvPr id="33" name="直線コネクタ 32">
-            <a:extLst>
-              <a:ext uri="{FF2B5EF4-FFF2-40B4-BE49-F238E27FC236}">
-                <a16:creationId xmlns:a16="http://schemas.microsoft.com/office/drawing/2014/main" id="{E27F25B2-C1AC-4D46-9267-9DE60786271B}"/>
-              </a:ext>
-            </a:extLst>
-          </p:cNvPr>
-          <p:cNvCxnSpPr>
-            <a:cxnSpLocks/>
-          </p:cNvCxnSpPr>
-          <p:nvPr/>
-        </p:nvCxnSpPr>
-        <p:spPr>
-          <a:xfrm rot="16200000">
-            <a:off x="7985781" y="4121409"/>
-            <a:ext cx="3096000" cy="0"/>
-          </a:xfrm>
-          <a:prstGeom prst="line">
-            <a:avLst/>
-          </a:prstGeom>
-          <a:ln w="28575">
-            <a:solidFill>
-              <a:schemeClr val="tx1">
-                <a:lumMod val="75000"/>
-                <a:lumOff val="25000"/>
-              </a:schemeClr>
-            </a:solidFill>
-            <a:headEnd type="none" w="med" len="med"/>
-            <a:tailEnd type="none" w="med" len="med"/>
-          </a:ln>
-        </p:spPr>
-        <p:style>
-          <a:lnRef idx="1">
-            <a:schemeClr val="accent1"/>
-          </a:lnRef>
-          <a:fillRef idx="0">
-            <a:schemeClr val="accent1"/>
-          </a:fillRef>
-          <a:effectRef idx="0">
-            <a:schemeClr val="accent1"/>
-          </a:effectRef>
-          <a:fontRef idx="minor">
-            <a:schemeClr val="tx1"/>
-          </a:fontRef>
-        </p:style>
-      </p:cxnSp>
-      <p:sp>
-        <p:nvSpPr>
-          <p:cNvPr id="37" name="正方形/長方形 36">
-            <a:extLst>
-              <a:ext uri="{FF2B5EF4-FFF2-40B4-BE49-F238E27FC236}">
-                <a16:creationId xmlns:a16="http://schemas.microsoft.com/office/drawing/2014/main" id="{43654EF4-AC17-4514-B0CE-5C388051CD45}"/>
-              </a:ext>
-            </a:extLst>
-          </p:cNvPr>
-          <p:cNvSpPr/>
-          <p:nvPr/>
-        </p:nvSpPr>
-        <p:spPr>
-          <a:xfrm rot="5400000">
-            <a:off x="9385532" y="2388200"/>
-            <a:ext cx="135612" cy="761696"/>
-          </a:xfrm>
-          <a:prstGeom prst="rect">
-            <a:avLst/>
-          </a:prstGeom>
-          <a:solidFill>
-            <a:schemeClr val="tx1">
-              <a:lumMod val="75000"/>
-              <a:lumOff val="25000"/>
-            </a:schemeClr>
-          </a:solidFill>
-          <a:ln w="19050">
-            <a:solidFill>
-              <a:schemeClr val="tx1">
-                <a:lumMod val="75000"/>
-                <a:lumOff val="25000"/>
-              </a:schemeClr>
-            </a:solidFill>
-            <a:headEnd type="none" w="med" len="med"/>
-            <a:tailEnd type="none" w="med" len="med"/>
-          </a:ln>
-        </p:spPr>
-        <p:style>
-          <a:lnRef idx="1">
-            <a:schemeClr val="accent1"/>
-          </a:lnRef>
-          <a:fillRef idx="0">
-            <a:schemeClr val="accent1"/>
-          </a:fillRef>
-          <a:effectRef idx="0">
-            <a:schemeClr val="accent1"/>
-          </a:effectRef>
-          <a:fontRef idx="minor">
-            <a:schemeClr val="tx1"/>
-          </a:fontRef>
-        </p:style>
-        <p:txBody>
-          <a:bodyPr rtlCol="0" anchor="ctr"/>
-          <a:lstStyle/>
-          <a:p>
-            <a:pPr algn="ctr"/>
-            <a:endParaRPr kumimoji="1" lang="ja-JP" altLang="en-US" sz="2400" dirty="0">
-              <a:solidFill>
-                <a:schemeClr val="tx1">
-                  <a:lumMod val="75000"/>
-                  <a:lumOff val="25000"/>
-                </a:schemeClr>
-              </a:solidFill>
-            </a:endParaRPr>
-          </a:p>
-        </p:txBody>
-      </p:sp>
-      <p:sp>
-        <p:nvSpPr>
-          <p:cNvPr id="44" name="矢印: 上向き折線 43">
-            <a:extLst>
-              <a:ext uri="{FF2B5EF4-FFF2-40B4-BE49-F238E27FC236}">
-                <a16:creationId xmlns:a16="http://schemas.microsoft.com/office/drawing/2014/main" id="{CEE11757-F51F-4533-B3F5-FE6586F0C44E}"/>
-              </a:ext>
-            </a:extLst>
-          </p:cNvPr>
-          <p:cNvSpPr/>
-          <p:nvPr/>
-        </p:nvSpPr>
-        <p:spPr>
-          <a:xfrm rot="16200000">
-            <a:off x="6464501" y="2421360"/>
-            <a:ext cx="2639388" cy="3376390"/>
-          </a:xfrm>
-          <a:prstGeom prst="bentUpArrow">
-            <a:avLst>
-              <a:gd name="adj1" fmla="val 1392"/>
-              <a:gd name="adj2" fmla="val 3582"/>
-              <a:gd name="adj3" fmla="val 10573"/>
-            </a:avLst>
-          </a:prstGeom>
-          <a:solidFill>
-            <a:schemeClr val="accent6"/>
-          </a:solidFill>
-          <a:ln w="19050">
-            <a:noFill/>
-            <a:headEnd type="none" w="med" len="med"/>
-            <a:tailEnd type="none" w="med" len="med"/>
-          </a:ln>
-        </p:spPr>
-        <p:style>
-          <a:lnRef idx="1">
-            <a:schemeClr val="accent1"/>
-          </a:lnRef>
-          <a:fillRef idx="0">
-            <a:schemeClr val="accent1"/>
-          </a:fillRef>
-          <a:effectRef idx="0">
-            <a:schemeClr val="accent1"/>
-          </a:effectRef>
-          <a:fontRef idx="minor">
-            <a:schemeClr val="tx1"/>
-          </a:fontRef>
-        </p:style>
-        <p:txBody>
-          <a:bodyPr rtlCol="0" anchor="ctr"/>
-          <a:lstStyle/>
-          <a:p>
-            <a:pPr algn="ctr"/>
-            <a:endParaRPr kumimoji="1" lang="ja-JP" altLang="en-US" sz="2400" dirty="0">
-              <a:solidFill>
-                <a:schemeClr val="tx1">
-                  <a:lumMod val="75000"/>
-                  <a:lumOff val="25000"/>
-                </a:schemeClr>
-              </a:solidFill>
-            </a:endParaRPr>
-          </a:p>
-        </p:txBody>
-      </p:sp>
-      <p:sp>
-        <p:nvSpPr>
-          <p:cNvPr id="41" name="正方形/長方形 40">
-            <a:extLst>
-              <a:ext uri="{FF2B5EF4-FFF2-40B4-BE49-F238E27FC236}">
-                <a16:creationId xmlns:a16="http://schemas.microsoft.com/office/drawing/2014/main" id="{C3816ECD-85B9-42D9-8740-879C06305C0F}"/>
-              </a:ext>
-            </a:extLst>
-          </p:cNvPr>
-          <p:cNvSpPr/>
-          <p:nvPr/>
-        </p:nvSpPr>
-        <p:spPr>
-          <a:xfrm>
-            <a:off x="7569779" y="5227439"/>
-            <a:ext cx="3762375" cy="939558"/>
-          </a:xfrm>
-          <a:prstGeom prst="rect">
-            <a:avLst/>
-          </a:prstGeom>
-          <a:solidFill>
-            <a:schemeClr val="accent6"/>
-          </a:solidFill>
-          <a:ln w="19050">
-            <a:noFill/>
-            <a:headEnd type="none" w="med" len="med"/>
-            <a:tailEnd type="none" w="med" len="med"/>
-          </a:ln>
-        </p:spPr>
-        <p:style>
-          <a:lnRef idx="1">
-            <a:schemeClr val="accent1"/>
-          </a:lnRef>
-          <a:fillRef idx="0">
-            <a:schemeClr val="accent1"/>
-          </a:fillRef>
-          <a:effectRef idx="0">
-            <a:schemeClr val="accent1"/>
-          </a:effectRef>
-          <a:fontRef idx="minor">
-            <a:schemeClr val="tx1"/>
-          </a:fontRef>
-        </p:style>
-        <p:txBody>
-          <a:bodyPr rtlCol="0" anchor="ctr"/>
-          <a:lstStyle/>
-          <a:p>
-            <a:pPr algn="ctr"/>
-            <a:r>
-              <a:rPr lang="ja-JP" altLang="en-US" sz="2400" b="1" dirty="0">
-                <a:solidFill>
-                  <a:schemeClr val="bg1"/>
-                </a:solidFill>
-              </a:rPr>
-              <a:t>油</a:t>
-            </a:r>
-            <a:r>
-              <a:rPr kumimoji="1" lang="en-US" altLang="ja-JP" sz="2400" b="1" dirty="0">
-                <a:solidFill>
-                  <a:schemeClr val="bg1"/>
-                </a:solidFill>
-              </a:rPr>
-              <a:t>@</a:t>
-            </a:r>
-            <a:r>
-              <a:rPr kumimoji="1" lang="ja-JP" altLang="en-US" sz="2400" b="1" dirty="0">
-                <a:solidFill>
-                  <a:schemeClr val="bg1"/>
-                </a:solidFill>
-              </a:rPr>
-              <a:t>貯留層</a:t>
-            </a:r>
-          </a:p>
-        </p:txBody>
-      </p:sp>
-      <p:sp>
-        <p:nvSpPr>
-          <p:cNvPr id="36" name="正方形/長方形 35">
-            <a:extLst>
-              <a:ext uri="{FF2B5EF4-FFF2-40B4-BE49-F238E27FC236}">
-                <a16:creationId xmlns:a16="http://schemas.microsoft.com/office/drawing/2014/main" id="{FDF7FC1D-0C18-4021-BDED-FCF72C5C87EF}"/>
-              </a:ext>
-            </a:extLst>
-          </p:cNvPr>
-          <p:cNvSpPr/>
-          <p:nvPr/>
-        </p:nvSpPr>
-        <p:spPr>
-          <a:xfrm>
-            <a:off x="9323798" y="2561725"/>
-            <a:ext cx="259080" cy="633263"/>
-          </a:xfrm>
-          <a:prstGeom prst="rect">
-            <a:avLst/>
-          </a:prstGeom>
-          <a:solidFill>
-            <a:schemeClr val="tx1">
-              <a:lumMod val="75000"/>
-              <a:lumOff val="25000"/>
-            </a:schemeClr>
-          </a:solidFill>
-          <a:ln w="19050">
-            <a:solidFill>
-              <a:schemeClr val="tx1">
-                <a:lumMod val="75000"/>
-                <a:lumOff val="25000"/>
-              </a:schemeClr>
-            </a:solidFill>
-            <a:headEnd type="none" w="med" len="med"/>
-            <a:tailEnd type="none" w="med" len="med"/>
-          </a:ln>
-        </p:spPr>
-        <p:style>
-          <a:lnRef idx="1">
-            <a:schemeClr val="accent1"/>
-          </a:lnRef>
-          <a:fillRef idx="0">
-            <a:schemeClr val="accent1"/>
-          </a:fillRef>
-          <a:effectRef idx="0">
-            <a:schemeClr val="accent1"/>
-          </a:effectRef>
-          <a:fontRef idx="minor">
-            <a:schemeClr val="tx1"/>
-          </a:fontRef>
-        </p:style>
-        <p:txBody>
-          <a:bodyPr rtlCol="0" anchor="ctr"/>
-          <a:lstStyle/>
-          <a:p>
-            <a:pPr algn="ctr"/>
-            <a:endParaRPr kumimoji="1" lang="ja-JP" altLang="en-US" sz="2400" dirty="0">
-              <a:solidFill>
-                <a:schemeClr val="tx1">
-                  <a:lumMod val="75000"/>
-                  <a:lumOff val="25000"/>
-                </a:schemeClr>
-              </a:solidFill>
-            </a:endParaRPr>
-          </a:p>
-        </p:txBody>
-      </p:sp>
-      <p:sp>
-        <p:nvSpPr>
-          <p:cNvPr id="38" name="正方形/長方形 37">
-            <a:extLst>
-              <a:ext uri="{FF2B5EF4-FFF2-40B4-BE49-F238E27FC236}">
-                <a16:creationId xmlns:a16="http://schemas.microsoft.com/office/drawing/2014/main" id="{95D98ABC-BF9D-4A07-82FA-F0F4F9AC14CE}"/>
-              </a:ext>
-            </a:extLst>
-          </p:cNvPr>
-          <p:cNvSpPr/>
-          <p:nvPr/>
-        </p:nvSpPr>
-        <p:spPr>
-          <a:xfrm rot="5400000">
-            <a:off x="9385532" y="2620754"/>
-            <a:ext cx="135612" cy="761696"/>
-          </a:xfrm>
-          <a:prstGeom prst="rect">
-            <a:avLst/>
-          </a:prstGeom>
-          <a:solidFill>
-            <a:schemeClr val="tx1">
-              <a:lumMod val="75000"/>
-              <a:lumOff val="25000"/>
-            </a:schemeClr>
-          </a:solidFill>
-          <a:ln w="19050">
-            <a:solidFill>
-              <a:schemeClr val="tx1">
-                <a:lumMod val="75000"/>
-                <a:lumOff val="25000"/>
-              </a:schemeClr>
-            </a:solidFill>
-            <a:headEnd type="none" w="med" len="med"/>
-            <a:tailEnd type="none" w="med" len="med"/>
-          </a:ln>
-        </p:spPr>
-        <p:style>
-          <a:lnRef idx="1">
-            <a:schemeClr val="accent1"/>
-          </a:lnRef>
-          <a:fillRef idx="0">
-            <a:schemeClr val="accent1"/>
-          </a:fillRef>
-          <a:effectRef idx="0">
-            <a:schemeClr val="accent1"/>
-          </a:effectRef>
-          <a:fontRef idx="minor">
-            <a:schemeClr val="tx1"/>
-          </a:fontRef>
-        </p:style>
-        <p:txBody>
-          <a:bodyPr rtlCol="0" anchor="ctr"/>
-          <a:lstStyle/>
-          <a:p>
-            <a:pPr algn="ctr"/>
-            <a:endParaRPr kumimoji="1" lang="ja-JP" altLang="en-US" sz="2400" dirty="0">
-              <a:solidFill>
-                <a:schemeClr val="tx1">
-                  <a:lumMod val="75000"/>
-                  <a:lumOff val="25000"/>
-                </a:schemeClr>
-              </a:solidFill>
-            </a:endParaRPr>
-          </a:p>
-        </p:txBody>
-      </p:sp>
-      <mc:AlternateContent xmlns:mc="http://schemas.openxmlformats.org/markup-compatibility/2006" xmlns:a14="http://schemas.microsoft.com/office/drawing/2010/main">
-        <mc:Choice Requires="a14">
-          <p:sp>
-            <p:nvSpPr>
-              <p:cNvPr id="50" name="テキスト ボックス 49">
-                <a:extLst>
-                  <a:ext uri="{FF2B5EF4-FFF2-40B4-BE49-F238E27FC236}">
-                    <a16:creationId xmlns:a16="http://schemas.microsoft.com/office/drawing/2014/main" id="{3F370BF7-7AAD-4F1B-8910-583E38CEB982}"/>
-                  </a:ext>
-                </a:extLst>
-              </p:cNvPr>
-              <p:cNvSpPr txBox="1"/>
-              <p:nvPr/>
-            </p:nvSpPr>
-            <p:spPr>
-              <a:xfrm>
-                <a:off x="796535" y="4645885"/>
-                <a:ext cx="1929033" cy="461665"/>
-              </a:xfrm>
-              <a:prstGeom prst="rect">
-                <a:avLst/>
-              </a:prstGeom>
-              <a:noFill/>
-            </p:spPr>
-            <p:txBody>
-              <a:bodyPr wrap="square" rtlCol="0" anchor="ctr">
-                <a:spAutoFit/>
-              </a:bodyPr>
-              <a:lstStyle/>
-              <a:p>
-                <a:pPr algn="ctr"/>
-                <a14:m>
-                  <m:oMathPara xmlns:m="http://schemas.openxmlformats.org/officeDocument/2006/math">
-                    <m:oMathParaPr>
-                      <m:jc m:val="centerGroup"/>
-                    </m:oMathParaPr>
-                    <m:oMath xmlns:m="http://schemas.openxmlformats.org/officeDocument/2006/math">
-                      <m:sSub>
-                        <m:sSubPr>
-                          <m:ctrlPr>
-                            <a:rPr kumimoji="1" lang="en-US" altLang="ja-JP" sz="2400" b="0" i="1" smtClean="0">
-                              <a:latin typeface="Cambria Math" panose="02040503050406030204" pitchFamily="18" charset="0"/>
-                            </a:rPr>
-                          </m:ctrlPr>
-                        </m:sSubPr>
-                        <m:e>
-                          <m:r>
-                            <a:rPr kumimoji="1" lang="en-US" altLang="ja-JP" sz="2400" b="0" i="1" smtClean="0">
-                              <a:latin typeface="Cambria Math" panose="02040503050406030204" pitchFamily="18" charset="0"/>
-                            </a:rPr>
-                            <m:t>𝑅</m:t>
-                          </m:r>
-                        </m:e>
-                        <m:sub>
-                          <m:r>
-                            <a:rPr kumimoji="1" lang="en-US" altLang="ja-JP" sz="2400" b="0" i="1" smtClean="0">
-                              <a:latin typeface="Cambria Math" panose="02040503050406030204" pitchFamily="18" charset="0"/>
-                            </a:rPr>
-                            <m:t>𝑠</m:t>
-                          </m:r>
-                        </m:sub>
-                      </m:sSub>
-                      <m:r>
-                        <a:rPr kumimoji="1" lang="en-US" altLang="ja-JP" sz="2400" b="0" i="1" smtClean="0">
-                          <a:latin typeface="Cambria Math" panose="02040503050406030204" pitchFamily="18" charset="0"/>
-                        </a:rPr>
-                        <m:t>=</m:t>
-                      </m:r>
-                    </m:oMath>
-                  </m:oMathPara>
-                </a14:m>
-                <a:endParaRPr kumimoji="1" lang="ja-JP" altLang="en-US" sz="2400" dirty="0">
-                  <a:solidFill>
-                    <a:srgbClr val="404040"/>
-                  </a:solidFill>
-                  <a:latin typeface="+mj-lt"/>
-                </a:endParaRPr>
-              </a:p>
-            </p:txBody>
-          </p:sp>
-        </mc:Choice>
-        <mc:Fallback xmlns="">
-          <p:sp>
-            <p:nvSpPr>
-              <p:cNvPr id="50" name="テキスト ボックス 49">
-                <a:extLst>
-                  <a:ext uri="{FF2B5EF4-FFF2-40B4-BE49-F238E27FC236}">
-                    <a16:creationId xmlns:a16="http://schemas.microsoft.com/office/drawing/2014/main" id="{3F370BF7-7AAD-4F1B-8910-583E38CEB982}"/>
-                  </a:ext>
-                </a:extLst>
-              </p:cNvPr>
-              <p:cNvSpPr txBox="1">
-                <a:spLocks noRot="1" noChangeAspect="1" noMove="1" noResize="1" noEditPoints="1" noAdjustHandles="1" noChangeArrowheads="1" noChangeShapeType="1" noTextEdit="1"/>
-              </p:cNvSpPr>
-              <p:nvPr/>
-            </p:nvSpPr>
-            <p:spPr>
-              <a:xfrm>
-                <a:off x="796535" y="4645885"/>
-                <a:ext cx="1929033" cy="461665"/>
-              </a:xfrm>
-              <a:prstGeom prst="rect">
-                <a:avLst/>
-              </a:prstGeom>
-              <a:blipFill>
-                <a:blip r:embed="rId3"/>
-                <a:stretch>
-                  <a:fillRect/>
-                </a:stretch>
-              </a:blipFill>
-            </p:spPr>
-            <p:txBody>
-              <a:bodyPr/>
-              <a:lstStyle/>
-              <a:p>
-                <a:r>
-                  <a:rPr lang="ja-JP" altLang="en-US">
-                    <a:noFill/>
-                  </a:rPr>
-                  <a:t> </a:t>
-                </a:r>
-              </a:p>
-            </p:txBody>
-          </p:sp>
-        </mc:Fallback>
-      </mc:AlternateContent>
-      <p:cxnSp>
-        <p:nvCxnSpPr>
-          <p:cNvPr id="51" name="直線コネクタ 50">
-            <a:extLst>
-              <a:ext uri="{FF2B5EF4-FFF2-40B4-BE49-F238E27FC236}">
-                <a16:creationId xmlns:a16="http://schemas.microsoft.com/office/drawing/2014/main" id="{10DBC478-2A53-48EE-8CB4-56CB885FDF24}"/>
-              </a:ext>
-            </a:extLst>
-          </p:cNvPr>
-          <p:cNvCxnSpPr>
-            <a:cxnSpLocks/>
-          </p:cNvCxnSpPr>
-          <p:nvPr/>
-        </p:nvCxnSpPr>
-        <p:spPr>
-          <a:xfrm>
-            <a:off x="2293674" y="4876175"/>
-            <a:ext cx="3768472" cy="0"/>
-          </a:xfrm>
-          <a:prstGeom prst="line">
-            <a:avLst/>
-          </a:prstGeom>
-          <a:ln w="28575">
-            <a:solidFill>
-              <a:schemeClr val="tx1">
-                <a:lumMod val="75000"/>
-                <a:lumOff val="25000"/>
-              </a:schemeClr>
-            </a:solidFill>
-            <a:headEnd type="none" w="med" len="med"/>
-            <a:tailEnd type="none" w="med" len="med"/>
-          </a:ln>
-        </p:spPr>
-        <p:style>
-          <a:lnRef idx="1">
-            <a:schemeClr val="accent1"/>
-          </a:lnRef>
-          <a:fillRef idx="0">
-            <a:schemeClr val="accent1"/>
-          </a:fillRef>
-          <a:effectRef idx="0">
-            <a:schemeClr val="accent1"/>
-          </a:effectRef>
-          <a:fontRef idx="minor">
-            <a:schemeClr val="tx1"/>
-          </a:fontRef>
-        </p:style>
-      </p:cxnSp>
-      <p:sp>
-        <p:nvSpPr>
-          <p:cNvPr id="22" name="正方形/長方形 21">
-            <a:extLst>
-              <a:ext uri="{FF2B5EF4-FFF2-40B4-BE49-F238E27FC236}">
-                <a16:creationId xmlns:a16="http://schemas.microsoft.com/office/drawing/2014/main" id="{7FF37E1F-3CFC-48A0-91D5-F203ABED2D33}"/>
-              </a:ext>
-            </a:extLst>
-          </p:cNvPr>
-          <p:cNvSpPr/>
-          <p:nvPr/>
-        </p:nvSpPr>
-        <p:spPr>
-          <a:xfrm>
-            <a:off x="1492555" y="2255430"/>
-            <a:ext cx="1662371" cy="939558"/>
-          </a:xfrm>
-          <a:prstGeom prst="rect">
-            <a:avLst/>
-          </a:prstGeom>
-          <a:solidFill>
-            <a:schemeClr val="accent6"/>
-          </a:solidFill>
-          <a:ln w="19050">
-            <a:noFill/>
-            <a:headEnd type="none" w="med" len="med"/>
-            <a:tailEnd type="none" w="med" len="med"/>
-          </a:ln>
-        </p:spPr>
-        <p:style>
-          <a:lnRef idx="1">
-            <a:schemeClr val="accent1"/>
-          </a:lnRef>
-          <a:fillRef idx="0">
-            <a:schemeClr val="accent1"/>
-          </a:fillRef>
-          <a:effectRef idx="0">
-            <a:schemeClr val="accent1"/>
-          </a:effectRef>
-          <a:fontRef idx="minor">
-            <a:schemeClr val="tx1"/>
-          </a:fontRef>
-        </p:style>
-        <p:txBody>
-          <a:bodyPr rtlCol="0" anchor="ctr"/>
-          <a:lstStyle/>
-          <a:p>
-            <a:pPr algn="ctr"/>
-            <a:r>
-              <a:rPr lang="ja-JP" altLang="en-US" sz="2400" b="1" dirty="0">
-                <a:solidFill>
-                  <a:schemeClr val="bg1"/>
-                </a:solidFill>
-              </a:rPr>
-              <a:t>油</a:t>
-            </a:r>
-            <a:r>
-              <a:rPr kumimoji="1" lang="en-US" altLang="ja-JP" sz="2400" b="1" dirty="0">
-                <a:solidFill>
-                  <a:schemeClr val="bg1"/>
-                </a:solidFill>
-              </a:rPr>
-              <a:t>@</a:t>
-            </a:r>
-            <a:r>
-              <a:rPr lang="ja-JP" altLang="en-US" sz="2400" b="1" dirty="0">
-                <a:solidFill>
-                  <a:schemeClr val="bg1"/>
-                </a:solidFill>
-              </a:rPr>
-              <a:t>地表</a:t>
-            </a:r>
-            <a:endParaRPr kumimoji="1" lang="ja-JP" altLang="en-US" sz="2400" b="1" dirty="0">
-              <a:solidFill>
-                <a:schemeClr val="bg1"/>
-              </a:solidFill>
-            </a:endParaRPr>
-          </a:p>
-        </p:txBody>
-      </p:sp>
-      <p:sp>
-        <p:nvSpPr>
-          <p:cNvPr id="23" name="正方形/長方形 22">
-            <a:extLst>
-              <a:ext uri="{FF2B5EF4-FFF2-40B4-BE49-F238E27FC236}">
-                <a16:creationId xmlns:a16="http://schemas.microsoft.com/office/drawing/2014/main" id="{FADABBE3-4AAA-4A8E-80DC-98118D8007A7}"/>
-              </a:ext>
-            </a:extLst>
-          </p:cNvPr>
-          <p:cNvSpPr/>
-          <p:nvPr/>
-        </p:nvSpPr>
-        <p:spPr>
-          <a:xfrm>
-            <a:off x="3264751" y="2255430"/>
-            <a:ext cx="2556153" cy="939558"/>
-          </a:xfrm>
-          <a:prstGeom prst="rect">
-            <a:avLst/>
-          </a:prstGeom>
-          <a:solidFill>
-            <a:schemeClr val="accent2"/>
-          </a:solidFill>
-          <a:ln w="19050">
-            <a:noFill/>
-            <a:headEnd type="none" w="med" len="med"/>
-            <a:tailEnd type="none" w="med" len="med"/>
-          </a:ln>
-        </p:spPr>
-        <p:style>
-          <a:lnRef idx="1">
-            <a:schemeClr val="accent1"/>
-          </a:lnRef>
-          <a:fillRef idx="0">
-            <a:schemeClr val="accent1"/>
-          </a:fillRef>
-          <a:effectRef idx="0">
-            <a:schemeClr val="accent1"/>
-          </a:effectRef>
-          <a:fontRef idx="minor">
-            <a:schemeClr val="tx1"/>
-          </a:fontRef>
-        </p:style>
-        <p:txBody>
-          <a:bodyPr rtlCol="0" anchor="ctr"/>
-          <a:lstStyle/>
-          <a:p>
-            <a:pPr algn="ctr"/>
-            <a:r>
-              <a:rPr lang="ja-JP" altLang="en-US" sz="2400" b="1" dirty="0">
-                <a:solidFill>
-                  <a:schemeClr val="bg1"/>
-                </a:solidFill>
-              </a:rPr>
-              <a:t>ガス</a:t>
-            </a:r>
-            <a:r>
-              <a:rPr lang="en-US" altLang="ja-JP" sz="2400" b="1" dirty="0">
-                <a:solidFill>
-                  <a:schemeClr val="bg1"/>
-                </a:solidFill>
-              </a:rPr>
-              <a:t>@</a:t>
-            </a:r>
-            <a:r>
-              <a:rPr lang="ja-JP" altLang="en-US" sz="2400" b="1" dirty="0">
-                <a:solidFill>
-                  <a:schemeClr val="bg1"/>
-                </a:solidFill>
-              </a:rPr>
-              <a:t>地表</a:t>
-            </a:r>
-            <a:endParaRPr kumimoji="1" lang="ja-JP" altLang="en-US" sz="2400" b="1" dirty="0">
-              <a:solidFill>
-                <a:schemeClr val="bg1"/>
-              </a:solidFill>
-            </a:endParaRPr>
-          </a:p>
-        </p:txBody>
-      </p:sp>
-      <p:sp>
-        <p:nvSpPr>
-          <p:cNvPr id="24" name="正方形/長方形 23">
-            <a:extLst>
-              <a:ext uri="{FF2B5EF4-FFF2-40B4-BE49-F238E27FC236}">
-                <a16:creationId xmlns:a16="http://schemas.microsoft.com/office/drawing/2014/main" id="{F03B4CF8-1D92-4F8D-9576-587B6A6233E3}"/>
-              </a:ext>
-            </a:extLst>
-          </p:cNvPr>
-          <p:cNvSpPr/>
-          <p:nvPr/>
-        </p:nvSpPr>
-        <p:spPr>
-          <a:xfrm>
-            <a:off x="3346725" y="5019865"/>
-            <a:ext cx="1662371" cy="939558"/>
-          </a:xfrm>
-          <a:prstGeom prst="rect">
-            <a:avLst/>
-          </a:prstGeom>
-          <a:solidFill>
-            <a:schemeClr val="accent6"/>
-          </a:solidFill>
-          <a:ln w="19050">
-            <a:noFill/>
-            <a:headEnd type="none" w="med" len="med"/>
-            <a:tailEnd type="none" w="med" len="med"/>
-          </a:ln>
-        </p:spPr>
-        <p:style>
-          <a:lnRef idx="1">
-            <a:schemeClr val="accent1"/>
-          </a:lnRef>
-          <a:fillRef idx="0">
-            <a:schemeClr val="accent1"/>
-          </a:fillRef>
-          <a:effectRef idx="0">
-            <a:schemeClr val="accent1"/>
-          </a:effectRef>
-          <a:fontRef idx="minor">
-            <a:schemeClr val="tx1"/>
-          </a:fontRef>
-        </p:style>
-        <p:txBody>
-          <a:bodyPr rtlCol="0" anchor="ctr"/>
-          <a:lstStyle/>
-          <a:p>
-            <a:pPr algn="ctr"/>
-            <a:r>
-              <a:rPr lang="ja-JP" altLang="en-US" sz="2400" b="1" dirty="0">
-                <a:solidFill>
-                  <a:schemeClr val="bg1"/>
-                </a:solidFill>
-              </a:rPr>
-              <a:t>油</a:t>
-            </a:r>
-            <a:r>
-              <a:rPr kumimoji="1" lang="en-US" altLang="ja-JP" sz="2400" b="1" dirty="0">
-                <a:solidFill>
-                  <a:schemeClr val="bg1"/>
-                </a:solidFill>
-              </a:rPr>
-              <a:t>@</a:t>
-            </a:r>
-            <a:r>
-              <a:rPr lang="ja-JP" altLang="en-US" sz="2400" b="1" dirty="0">
-                <a:solidFill>
-                  <a:schemeClr val="bg1"/>
-                </a:solidFill>
-              </a:rPr>
-              <a:t>地表</a:t>
-            </a:r>
-            <a:endParaRPr kumimoji="1" lang="ja-JP" altLang="en-US" sz="2400" b="1" dirty="0">
-              <a:solidFill>
-                <a:schemeClr val="bg1"/>
-              </a:solidFill>
-            </a:endParaRPr>
-          </a:p>
-        </p:txBody>
-      </p:sp>
-      <p:sp>
-        <p:nvSpPr>
-          <p:cNvPr id="26" name="正方形/長方形 25">
-            <a:extLst>
-              <a:ext uri="{FF2B5EF4-FFF2-40B4-BE49-F238E27FC236}">
-                <a16:creationId xmlns:a16="http://schemas.microsoft.com/office/drawing/2014/main" id="{6F67E49A-1B7E-44AA-80D2-29021F0BCAB1}"/>
-              </a:ext>
-            </a:extLst>
-          </p:cNvPr>
-          <p:cNvSpPr/>
-          <p:nvPr/>
-        </p:nvSpPr>
-        <p:spPr>
-          <a:xfrm>
-            <a:off x="2899834" y="3760959"/>
-            <a:ext cx="2556153" cy="939558"/>
-          </a:xfrm>
-          <a:prstGeom prst="rect">
-            <a:avLst/>
-          </a:prstGeom>
-          <a:solidFill>
-            <a:schemeClr val="accent2"/>
-          </a:solidFill>
-          <a:ln w="19050">
-            <a:noFill/>
-            <a:headEnd type="none" w="med" len="med"/>
-            <a:tailEnd type="none" w="med" len="med"/>
-          </a:ln>
-        </p:spPr>
-        <p:style>
-          <a:lnRef idx="1">
-            <a:schemeClr val="accent1"/>
-          </a:lnRef>
-          <a:fillRef idx="0">
-            <a:schemeClr val="accent1"/>
-          </a:fillRef>
-          <a:effectRef idx="0">
-            <a:schemeClr val="accent1"/>
-          </a:effectRef>
-          <a:fontRef idx="minor">
-            <a:schemeClr val="tx1"/>
-          </a:fontRef>
-        </p:style>
-        <p:txBody>
-          <a:bodyPr rtlCol="0" anchor="ctr"/>
-          <a:lstStyle/>
-          <a:p>
-            <a:pPr algn="ctr"/>
-            <a:r>
-              <a:rPr lang="ja-JP" altLang="en-US" sz="2400" b="1" dirty="0">
-                <a:solidFill>
-                  <a:schemeClr val="bg1"/>
-                </a:solidFill>
-              </a:rPr>
-              <a:t>ガス</a:t>
-            </a:r>
-            <a:r>
-              <a:rPr lang="en-US" altLang="ja-JP" sz="2400" b="1" dirty="0">
-                <a:solidFill>
-                  <a:schemeClr val="bg1"/>
-                </a:solidFill>
-              </a:rPr>
-              <a:t>@</a:t>
-            </a:r>
-            <a:r>
-              <a:rPr lang="ja-JP" altLang="en-US" sz="2400" b="1" dirty="0">
-                <a:solidFill>
-                  <a:schemeClr val="bg1"/>
-                </a:solidFill>
-              </a:rPr>
-              <a:t>地表</a:t>
-            </a:r>
-            <a:endParaRPr kumimoji="1" lang="ja-JP" altLang="en-US" sz="2400" b="1" dirty="0">
-              <a:solidFill>
-                <a:schemeClr val="bg1"/>
-              </a:solidFill>
-            </a:endParaRPr>
-          </a:p>
-        </p:txBody>
-      </p:sp>
-    </p:spTree>
-    <p:extLst>
-      <p:ext uri="{BB962C8B-B14F-4D97-AF65-F5344CB8AC3E}">
-        <p14:creationId xmlns:p14="http://schemas.microsoft.com/office/powerpoint/2010/main" val="3798514748"/>
       </p:ext>
     </p:extLst>
   </p:cSld>

--- a/Intro2ResSim/WaterOil2PhaseFlow.pptx
+++ b/Intro2ResSim/WaterOil2PhaseFlow.pptx
@@ -158,16 +158,6 @@
 </p:presentation>
 </file>
 
-<file path=ppt/revisionInfo.xml><?xml version="1.0" encoding="utf-8"?>
-<p1510:revInfo xmlns:a="http://schemas.openxmlformats.org/drawingml/2006/main" xmlns:r="http://schemas.openxmlformats.org/officeDocument/2006/relationships" xmlns:p1510="http://schemas.microsoft.com/office/powerpoint/2015/10/main">
-  <p1510:revLst>
-    <p1510:client id="{016AEB6B-32BB-4C9B-91D5-C357E7676896}" v="3" dt="2022-11-02T15:53:16.655"/>
-    <p1510:client id="{A80CA7C7-D351-44F3-83D3-E57C27514004}" v="10" dt="2022-11-02T12:03:45.728"/>
-    <p1510:client id="{BEF0E2AE-1B58-4893-A141-98D409284304}" v="2" dt="2022-11-02T15:59:17.410"/>
-  </p1510:revLst>
-</p1510:revInfo>
-</file>
-
 <file path=ppt/changesInfos/changesInfo1.xml><?xml version="1.0" encoding="utf-8"?>
 <pc:chgInfo xmlns:a="http://schemas.openxmlformats.org/drawingml/2006/main" xmlns:r="http://schemas.openxmlformats.org/officeDocument/2006/relationships" xmlns:ac="http://schemas.microsoft.com/office/drawing/2013/main/command" xmlns:pc="http://schemas.microsoft.com/office/powerpoint/2013/main/command">
   <pc:docChgLst>
@@ -197,6 +187,75 @@
             <pc:docMk/>
             <pc:sldMk cId="1028811060" sldId="436"/>
             <ac:spMk id="3" creationId="{07BA0DF4-446F-4216-ABED-8857BC1D5A75}"/>
+          </ac:spMkLst>
+        </pc:spChg>
+      </pc:sldChg>
+    </pc:docChg>
+  </pc:docChgLst>
+  <pc:docChgLst>
+    <pc:chgData name="hirose taichi" userId="ed2dc4b0-8795-4813-ada8-f41a239e7d7d" providerId="ADAL" clId="{EDE8CFA6-3180-D147-B5C7-185357DDA95B}"/>
+    <pc:docChg chg="modSld">
+      <pc:chgData name="hirose taichi" userId="ed2dc4b0-8795-4813-ada8-f41a239e7d7d" providerId="ADAL" clId="{EDE8CFA6-3180-D147-B5C7-185357DDA95B}" dt="2022-11-10T04:39:56.101" v="4" actId="113"/>
+      <pc:docMkLst>
+        <pc:docMk/>
+      </pc:docMkLst>
+      <pc:sldChg chg="modSp mod">
+        <pc:chgData name="hirose taichi" userId="ed2dc4b0-8795-4813-ada8-f41a239e7d7d" providerId="ADAL" clId="{EDE8CFA6-3180-D147-B5C7-185357DDA95B}" dt="2022-11-10T04:39:30.509" v="2" actId="14100"/>
+        <pc:sldMkLst>
+          <pc:docMk/>
+          <pc:sldMk cId="4247633511" sldId="415"/>
+        </pc:sldMkLst>
+        <pc:spChg chg="mod">
+          <ac:chgData name="hirose taichi" userId="ed2dc4b0-8795-4813-ada8-f41a239e7d7d" providerId="ADAL" clId="{EDE8CFA6-3180-D147-B5C7-185357DDA95B}" dt="2022-11-10T04:39:30.509" v="2" actId="14100"/>
+          <ac:spMkLst>
+            <pc:docMk/>
+            <pc:sldMk cId="4247633511" sldId="415"/>
+            <ac:spMk id="22" creationId="{4F2A396D-A065-4292-BBBA-786B3D905C52}"/>
+          </ac:spMkLst>
+        </pc:spChg>
+      </pc:sldChg>
+      <pc:sldChg chg="modSp mod">
+        <pc:chgData name="hirose taichi" userId="ed2dc4b0-8795-4813-ada8-f41a239e7d7d" providerId="ADAL" clId="{EDE8CFA6-3180-D147-B5C7-185357DDA95B}" dt="2022-11-10T04:39:08.168" v="0" actId="14100"/>
+        <pc:sldMkLst>
+          <pc:docMk/>
+          <pc:sldMk cId="607085936" sldId="416"/>
+        </pc:sldMkLst>
+        <pc:spChg chg="mod">
+          <ac:chgData name="hirose taichi" userId="ed2dc4b0-8795-4813-ada8-f41a239e7d7d" providerId="ADAL" clId="{EDE8CFA6-3180-D147-B5C7-185357DDA95B}" dt="2022-11-10T04:39:08.168" v="0" actId="14100"/>
+          <ac:spMkLst>
+            <pc:docMk/>
+            <pc:sldMk cId="607085936" sldId="416"/>
+            <ac:spMk id="36" creationId="{FDF7FC1D-0C18-4021-BDED-FCF72C5C87EF}"/>
+          </ac:spMkLst>
+        </pc:spChg>
+      </pc:sldChg>
+      <pc:sldChg chg="modSp mod">
+        <pc:chgData name="hirose taichi" userId="ed2dc4b0-8795-4813-ada8-f41a239e7d7d" providerId="ADAL" clId="{EDE8CFA6-3180-D147-B5C7-185357DDA95B}" dt="2022-11-10T04:39:19.246" v="1" actId="14100"/>
+        <pc:sldMkLst>
+          <pc:docMk/>
+          <pc:sldMk cId="3798514748" sldId="418"/>
+        </pc:sldMkLst>
+        <pc:spChg chg="mod">
+          <ac:chgData name="hirose taichi" userId="ed2dc4b0-8795-4813-ada8-f41a239e7d7d" providerId="ADAL" clId="{EDE8CFA6-3180-D147-B5C7-185357DDA95B}" dt="2022-11-10T04:39:19.246" v="1" actId="14100"/>
+          <ac:spMkLst>
+            <pc:docMk/>
+            <pc:sldMk cId="3798514748" sldId="418"/>
+            <ac:spMk id="36" creationId="{FDF7FC1D-0C18-4021-BDED-FCF72C5C87EF}"/>
+          </ac:spMkLst>
+        </pc:spChg>
+      </pc:sldChg>
+      <pc:sldChg chg="modSp mod">
+        <pc:chgData name="hirose taichi" userId="ed2dc4b0-8795-4813-ada8-f41a239e7d7d" providerId="ADAL" clId="{EDE8CFA6-3180-D147-B5C7-185357DDA95B}" dt="2022-11-10T04:39:56.101" v="4" actId="113"/>
+        <pc:sldMkLst>
+          <pc:docMk/>
+          <pc:sldMk cId="3145032794" sldId="435"/>
+        </pc:sldMkLst>
+        <pc:spChg chg="mod">
+          <ac:chgData name="hirose taichi" userId="ed2dc4b0-8795-4813-ada8-f41a239e7d7d" providerId="ADAL" clId="{EDE8CFA6-3180-D147-B5C7-185357DDA95B}" dt="2022-11-10T04:39:56.101" v="4" actId="113"/>
+          <ac:spMkLst>
+            <pc:docMk/>
+            <pc:sldMk cId="3145032794" sldId="435"/>
+            <ac:spMk id="2" creationId="{638A530A-2BB6-46FE-B08A-8F41692B083E}"/>
           </ac:spMkLst>
         </pc:spChg>
       </pc:sldChg>
@@ -287,7 +346,7 @@
           <a:p>
             <a:fld id="{5186C602-ADD5-904C-8024-0435CAED47E2}" type="datetimeFigureOut">
               <a:rPr kumimoji="1" lang="ja-JP" altLang="en-US" smtClean="0"/>
-              <a:t>2022/11/3</a:t>
+              <a:t>2022/11/10</a:t>
             </a:fld>
             <a:endParaRPr kumimoji="1" lang="ja-JP" altLang="en-US"/>
           </a:p>
@@ -4497,7 +4556,7 @@
         <p:spPr>
           <a:xfrm>
             <a:off x="9323798" y="2561725"/>
-            <a:ext cx="259080" cy="633263"/>
+            <a:ext cx="259080" cy="672312"/>
           </a:xfrm>
           <a:prstGeom prst="rect">
             <a:avLst/>
@@ -9705,25 +9764,25 @@
           </a:p>
           <a:p>
             <a:r>
-              <a:rPr lang="ja-JP" altLang="en-US" dirty="0">
+              <a:rPr lang="ja-JP" altLang="en-US" b="1" dirty="0">
                 <a:solidFill>
-                  <a:srgbClr val="E55959"/>
+                  <a:srgbClr val="FF0000"/>
                 </a:solidFill>
               </a:rPr>
               <a:t>半陰解法：</a:t>
             </a:r>
             <a:r>
-              <a:rPr lang="en-US" altLang="ja-JP" dirty="0">
+              <a:rPr lang="en-US" altLang="ja-JP" b="1" dirty="0">
                 <a:solidFill>
-                  <a:srgbClr val="E55959"/>
+                  <a:srgbClr val="FF0000"/>
                 </a:solidFill>
               </a:rPr>
               <a:t>IMEX</a:t>
             </a:r>
             <a:r>
-              <a:rPr lang="ja-JP" altLang="en-US" dirty="0">
+              <a:rPr lang="ja-JP" altLang="en-US" b="1" dirty="0">
                 <a:solidFill>
-                  <a:srgbClr val="E55959"/>
+                  <a:srgbClr val="FF0000"/>
                 </a:solidFill>
               </a:rPr>
               <a:t>スキーム（</a:t>
@@ -9731,23 +9790,15 @@
             <a:r>
               <a:rPr lang="en-US" altLang="ja-JP" b="1" dirty="0" err="1">
                 <a:solidFill>
-                  <a:srgbClr val="E55959"/>
+                  <a:srgbClr val="FF0000"/>
                 </a:solidFill>
               </a:rPr>
-              <a:t>IM</a:t>
-            </a:r>
-            <a:r>
-              <a:rPr lang="en-US" altLang="ja-JP" dirty="0" err="1">
+              <a:t>IMplicit</a:t>
+            </a:r>
+            <a:r>
+              <a:rPr lang="en-US" altLang="ja-JP" b="1" dirty="0">
                 <a:solidFill>
-                  <a:srgbClr val="E55959"/>
-                </a:solidFill>
-              </a:rPr>
-              <a:t>plicit</a:t>
-            </a:r>
-            <a:r>
-              <a:rPr lang="en-US" altLang="ja-JP" dirty="0">
-                <a:solidFill>
-                  <a:srgbClr val="E55959"/>
+                  <a:srgbClr val="FF0000"/>
                 </a:solidFill>
               </a:rPr>
               <a:t> </a:t>
@@ -9755,30 +9806,22 @@
             <a:r>
               <a:rPr lang="en-US" altLang="ja-JP" b="1" dirty="0" err="1">
                 <a:solidFill>
-                  <a:srgbClr val="E55959"/>
+                  <a:srgbClr val="FF0000"/>
                 </a:solidFill>
               </a:rPr>
-              <a:t>EX</a:t>
-            </a:r>
-            <a:r>
-              <a:rPr lang="en-US" altLang="ja-JP" dirty="0" err="1">
+              <a:t>EXplicit</a:t>
+            </a:r>
+            <a:r>
+              <a:rPr lang="ja-JP" altLang="en-US" b="1" dirty="0">
                 <a:solidFill>
-                  <a:srgbClr val="E55959"/>
-                </a:solidFill>
-              </a:rPr>
-              <a:t>plicit</a:t>
-            </a:r>
-            <a:r>
-              <a:rPr lang="ja-JP" altLang="en-US" dirty="0">
-                <a:solidFill>
-                  <a:srgbClr val="E55959"/>
+                  <a:srgbClr val="FF0000"/>
                 </a:solidFill>
               </a:rPr>
               <a:t>）</a:t>
             </a:r>
-            <a:endParaRPr lang="en-US" altLang="ja-JP" dirty="0">
+            <a:endParaRPr lang="en-US" altLang="ja-JP" b="1" dirty="0">
               <a:solidFill>
-                <a:srgbClr val="E55959"/>
+                <a:srgbClr val="FF0000"/>
               </a:solidFill>
             </a:endParaRPr>
           </a:p>
@@ -9789,16 +9832,16 @@
               </a:lnSpc>
             </a:pPr>
             <a:r>
-              <a:rPr kumimoji="1" lang="ja-JP" altLang="en-US" dirty="0">
+              <a:rPr kumimoji="1" lang="ja-JP" altLang="en-US" b="1" dirty="0">
                 <a:solidFill>
-                  <a:srgbClr val="E55959"/>
+                  <a:srgbClr val="FF0000"/>
                 </a:solidFill>
               </a:rPr>
               <a:t>線形項を陰解法，非線形項を陽解法で離散化</a:t>
             </a:r>
-            <a:endParaRPr kumimoji="1" lang="en-US" altLang="ja-JP" dirty="0">
+            <a:endParaRPr kumimoji="1" lang="en-US" altLang="ja-JP" b="1" dirty="0">
               <a:solidFill>
-                <a:srgbClr val="E55959"/>
+                <a:srgbClr val="FF0000"/>
               </a:solidFill>
             </a:endParaRPr>
           </a:p>
@@ -9809,16 +9852,16 @@
               </a:lnSpc>
             </a:pPr>
             <a:r>
-              <a:rPr kumimoji="1" lang="ja-JP" altLang="en-US" dirty="0">
+              <a:rPr kumimoji="1" lang="ja-JP" altLang="en-US" b="1" dirty="0">
                 <a:solidFill>
-                  <a:srgbClr val="E55959"/>
+                  <a:srgbClr val="FF0000"/>
                 </a:solidFill>
               </a:rPr>
               <a:t>実装（プログラミング）が容易</a:t>
             </a:r>
-            <a:endParaRPr kumimoji="1" lang="en-US" altLang="ja-JP" dirty="0">
+            <a:endParaRPr kumimoji="1" lang="en-US" altLang="ja-JP" b="1" dirty="0">
               <a:solidFill>
-                <a:srgbClr val="E55959"/>
+                <a:srgbClr val="FF0000"/>
               </a:solidFill>
             </a:endParaRPr>
           </a:p>
@@ -9829,25 +9872,25 @@
               </a:lnSpc>
             </a:pPr>
             <a:r>
-              <a:rPr lang="ja-JP" altLang="en-US" dirty="0">
+              <a:rPr lang="ja-JP" altLang="en-US" b="1" dirty="0">
                 <a:solidFill>
-                  <a:srgbClr val="E55959"/>
+                  <a:srgbClr val="FF0000"/>
                 </a:solidFill>
               </a:rPr>
               <a:t>とくに油層解析では</a:t>
             </a:r>
             <a:r>
-              <a:rPr lang="en-US" altLang="ja-JP" dirty="0">
+              <a:rPr lang="en-US" altLang="ja-JP" b="1" dirty="0">
                 <a:solidFill>
-                  <a:srgbClr val="E55959"/>
+                  <a:srgbClr val="FF0000"/>
                 </a:solidFill>
               </a:rPr>
               <a:t>IMPES</a:t>
             </a:r>
             <a:r>
-              <a:rPr lang="ja-JP" altLang="en-US" dirty="0">
+              <a:rPr lang="ja-JP" altLang="en-US" b="1" dirty="0">
                 <a:solidFill>
-                  <a:srgbClr val="E55959"/>
+                  <a:srgbClr val="FF0000"/>
                 </a:solidFill>
               </a:rPr>
               <a:t>法（</a:t>
@@ -9855,23 +9898,15 @@
             <a:r>
               <a:rPr lang="en-US" altLang="ja-JP" b="1" dirty="0" err="1">
                 <a:solidFill>
-                  <a:srgbClr val="E55959"/>
+                  <a:srgbClr val="FF0000"/>
                 </a:solidFill>
               </a:rPr>
-              <a:t>IM</a:t>
-            </a:r>
-            <a:r>
-              <a:rPr lang="en-US" altLang="ja-JP" dirty="0" err="1">
+              <a:t>IMplicit</a:t>
+            </a:r>
+            <a:r>
+              <a:rPr lang="ja-JP" altLang="en-US" b="1" dirty="0">
                 <a:solidFill>
-                  <a:srgbClr val="E55959"/>
-                </a:solidFill>
-              </a:rPr>
-              <a:t>plicit</a:t>
-            </a:r>
-            <a:r>
-              <a:rPr lang="ja-JP" altLang="en-US" dirty="0">
-                <a:solidFill>
-                  <a:srgbClr val="E55959"/>
+                  <a:srgbClr val="FF0000"/>
                 </a:solidFill>
               </a:rPr>
               <a:t> </a:t>
@@ -9879,23 +9914,15 @@
             <a:r>
               <a:rPr lang="en-US" altLang="ja-JP" b="1" dirty="0">
                 <a:solidFill>
-                  <a:srgbClr val="E55959"/>
+                  <a:srgbClr val="FF0000"/>
                 </a:solidFill>
               </a:rPr>
-              <a:t>P</a:t>
-            </a:r>
-            <a:r>
-              <a:rPr lang="en-US" altLang="ja-JP" dirty="0">
+              <a:t>Pressure,</a:t>
+            </a:r>
+            <a:r>
+              <a:rPr lang="ja-JP" altLang="en-US" b="1" dirty="0">
                 <a:solidFill>
-                  <a:srgbClr val="E55959"/>
-                </a:solidFill>
-              </a:rPr>
-              <a:t>ressure,</a:t>
-            </a:r>
-            <a:r>
-              <a:rPr lang="ja-JP" altLang="en-US" dirty="0">
-                <a:solidFill>
-                  <a:srgbClr val="E55959"/>
+                  <a:srgbClr val="FF0000"/>
                 </a:solidFill>
               </a:rPr>
               <a:t> </a:t>
@@ -9903,23 +9930,15 @@
             <a:r>
               <a:rPr lang="en-US" altLang="ja-JP" b="1" dirty="0">
                 <a:solidFill>
-                  <a:srgbClr val="E55959"/>
+                  <a:srgbClr val="FF0000"/>
                 </a:solidFill>
               </a:rPr>
-              <a:t>E</a:t>
-            </a:r>
-            <a:r>
-              <a:rPr lang="en-US" altLang="ja-JP" dirty="0">
+              <a:t>Explicit</a:t>
+            </a:r>
+            <a:r>
+              <a:rPr lang="ja-JP" altLang="en-US" b="1" dirty="0">
                 <a:solidFill>
-                  <a:srgbClr val="E55959"/>
-                </a:solidFill>
-              </a:rPr>
-              <a:t>xplicit</a:t>
-            </a:r>
-            <a:r>
-              <a:rPr lang="ja-JP" altLang="en-US" dirty="0">
-                <a:solidFill>
-                  <a:srgbClr val="E55959"/>
+                  <a:srgbClr val="FF0000"/>
                 </a:solidFill>
               </a:rPr>
               <a:t> </a:t>
@@ -9927,30 +9946,22 @@
             <a:r>
               <a:rPr lang="en-US" altLang="ja-JP" b="1" dirty="0">
                 <a:solidFill>
-                  <a:srgbClr val="E55959"/>
+                  <a:srgbClr val="FF0000"/>
                 </a:solidFill>
               </a:rPr>
-              <a:t>S</a:t>
-            </a:r>
-            <a:r>
-              <a:rPr lang="en-US" altLang="ja-JP" dirty="0">
+              <a:t>Saturation</a:t>
+            </a:r>
+            <a:r>
+              <a:rPr lang="ja-JP" altLang="en-US" b="1" dirty="0">
                 <a:solidFill>
-                  <a:srgbClr val="E55959"/>
-                </a:solidFill>
-              </a:rPr>
-              <a:t>aturation</a:t>
-            </a:r>
-            <a:r>
-              <a:rPr lang="ja-JP" altLang="en-US" dirty="0">
-                <a:solidFill>
-                  <a:srgbClr val="E55959"/>
+                  <a:srgbClr val="FF0000"/>
                 </a:solidFill>
               </a:rPr>
               <a:t>）</a:t>
             </a:r>
-            <a:endParaRPr lang="en-US" altLang="ja-JP" dirty="0">
+            <a:endParaRPr lang="en-US" altLang="ja-JP" b="1" dirty="0">
               <a:solidFill>
-                <a:srgbClr val="E55959"/>
+                <a:srgbClr val="FF0000"/>
               </a:solidFill>
             </a:endParaRPr>
           </a:p>
@@ -13436,8 +13447,8 @@
           <a:chExt cx="0" cy="0"/>
         </a:xfrm>
       </p:grpSpPr>
-      <mc:AlternateContent xmlns:mc="http://schemas.openxmlformats.org/markup-compatibility/2006">
-        <mc:Choice xmlns:a14="http://schemas.microsoft.com/office/drawing/2010/main" Requires="a14">
+      <mc:AlternateContent xmlns:mc="http://schemas.openxmlformats.org/markup-compatibility/2006" xmlns:a14="http://schemas.microsoft.com/office/drawing/2010/main">
+        <mc:Choice Requires="a14">
           <p:sp>
             <p:nvSpPr>
               <p:cNvPr id="2" name="コンテンツ プレースホルダー 1">
@@ -16125,7 +16136,7 @@
             </p:txBody>
           </p:sp>
         </mc:Choice>
-        <mc:Fallback>
+        <mc:Fallback xmlns="">
           <p:sp>
             <p:nvSpPr>
               <p:cNvPr id="2" name="コンテンツ プレースホルダー 1">
@@ -18184,7 +18195,7 @@
         <p:spPr>
           <a:xfrm>
             <a:off x="9323798" y="2561725"/>
-            <a:ext cx="259080" cy="633263"/>
+            <a:ext cx="259080" cy="652107"/>
           </a:xfrm>
           <a:prstGeom prst="rect">
             <a:avLst/>
@@ -19398,7 +19409,7 @@
         <p:spPr>
           <a:xfrm>
             <a:off x="9323798" y="2561725"/>
-            <a:ext cx="259080" cy="633263"/>
+            <a:ext cx="259080" cy="672312"/>
           </a:xfrm>
           <a:prstGeom prst="rect">
             <a:avLst/>

--- a/Intro2ResSim/WaterOil2PhaseFlow.pptx
+++ b/Intro2ResSim/WaterOil2PhaseFlow.pptx
@@ -5,7 +5,7 @@
     <p:sldMasterId id="2147483670" r:id="rId1"/>
   </p:sldMasterIdLst>
   <p:notesMasterIdLst>
-    <p:notesMasterId r:id="rId20"/>
+    <p:notesMasterId r:id="rId19"/>
   </p:notesMasterIdLst>
   <p:sldIdLst>
     <p:sldId id="391" r:id="rId2"/>
@@ -18,14 +18,13 @@
     <p:sldId id="415" r:id="rId9"/>
     <p:sldId id="416" r:id="rId10"/>
     <p:sldId id="418" r:id="rId11"/>
-    <p:sldId id="412" r:id="rId12"/>
-    <p:sldId id="419" r:id="rId13"/>
-    <p:sldId id="423" r:id="rId14"/>
-    <p:sldId id="421" r:id="rId15"/>
-    <p:sldId id="434" r:id="rId16"/>
-    <p:sldId id="424" r:id="rId17"/>
-    <p:sldId id="426" r:id="rId18"/>
-    <p:sldId id="435" r:id="rId19"/>
+    <p:sldId id="419" r:id="rId12"/>
+    <p:sldId id="423" r:id="rId13"/>
+    <p:sldId id="421" r:id="rId14"/>
+    <p:sldId id="434" r:id="rId15"/>
+    <p:sldId id="424" r:id="rId16"/>
+    <p:sldId id="426" r:id="rId17"/>
+    <p:sldId id="435" r:id="rId18"/>
   </p:sldIdLst>
   <p:sldSz cx="12192000" cy="6858000"/>
   <p:notesSz cx="9144000" cy="6858000"/>
@@ -139,7 +138,6 @@
             <p14:sldId id="415"/>
             <p14:sldId id="416"/>
             <p14:sldId id="418"/>
-            <p14:sldId id="412"/>
             <p14:sldId id="419"/>
             <p14:sldId id="423"/>
             <p14:sldId id="421"/>
@@ -162,11 +160,18 @@
 <pc:chgInfo xmlns:a="http://schemas.openxmlformats.org/drawingml/2006/main" xmlns:r="http://schemas.openxmlformats.org/officeDocument/2006/relationships" xmlns:ac="http://schemas.microsoft.com/office/drawing/2013/main/command" xmlns:pc="http://schemas.microsoft.com/office/powerpoint/2013/main/command">
   <pc:docChgLst>
     <pc:chgData name="hirose taichi" userId="ed2dc4b0-8795-4813-ada8-f41a239e7d7d" providerId="ADAL" clId="{BEF0E2AE-1B58-4893-A141-98D409284304}"/>
-    <pc:docChg chg="undo redo custSel addSld modSld modSection">
-      <pc:chgData name="hirose taichi" userId="ed2dc4b0-8795-4813-ada8-f41a239e7d7d" providerId="ADAL" clId="{BEF0E2AE-1B58-4893-A141-98D409284304}" dt="2022-11-02T15:59:53.859" v="114" actId="255"/>
+    <pc:docChg chg="undo redo custSel addSld delSld modSld modSection">
+      <pc:chgData name="hirose taichi" userId="ed2dc4b0-8795-4813-ada8-f41a239e7d7d" providerId="ADAL" clId="{BEF0E2AE-1B58-4893-A141-98D409284304}" dt="2022-11-16T15:25:15.611" v="115" actId="47"/>
       <pc:docMkLst>
         <pc:docMk/>
       </pc:docMkLst>
+      <pc:sldChg chg="del">
+        <pc:chgData name="hirose taichi" userId="ed2dc4b0-8795-4813-ada8-f41a239e7d7d" providerId="ADAL" clId="{BEF0E2AE-1B58-4893-A141-98D409284304}" dt="2022-11-16T15:25:15.611" v="115" actId="47"/>
+        <pc:sldMkLst>
+          <pc:docMk/>
+          <pc:sldMk cId="282841257" sldId="412"/>
+        </pc:sldMkLst>
+      </pc:sldChg>
       <pc:sldChg chg="modSp new mod">
         <pc:chgData name="hirose taichi" userId="ed2dc4b0-8795-4813-ada8-f41a239e7d7d" providerId="ADAL" clId="{BEF0E2AE-1B58-4893-A141-98D409284304}" dt="2022-11-02T15:59:53.859" v="114" actId="255"/>
         <pc:sldMkLst>
@@ -346,7 +351,7 @@
           <a:p>
             <a:fld id="{5186C602-ADD5-904C-8024-0435CAED47E2}" type="datetimeFigureOut">
               <a:rPr kumimoji="1" lang="ja-JP" altLang="en-US" smtClean="0"/>
-              <a:t>2022/11/10</a:t>
+              <a:t>2022/11/17</a:t>
             </a:fld>
             <a:endParaRPr kumimoji="1" lang="ja-JP" altLang="en-US"/>
           </a:p>
@@ -778,7 +783,7 @@
     </p:spTree>
     <p:extLst>
       <p:ext uri="{BB962C8B-B14F-4D97-AF65-F5344CB8AC3E}">
-        <p14:creationId xmlns:p14="http://schemas.microsoft.com/office/powerpoint/2010/main" val="2778819199"/>
+        <p14:creationId xmlns:p14="http://schemas.microsoft.com/office/powerpoint/2010/main" val="3556381720"/>
       </p:ext>
     </p:extLst>
   </p:cSld>
@@ -862,7 +867,7 @@
     </p:spTree>
     <p:extLst>
       <p:ext uri="{BB962C8B-B14F-4D97-AF65-F5344CB8AC3E}">
-        <p14:creationId xmlns:p14="http://schemas.microsoft.com/office/powerpoint/2010/main" val="3556381720"/>
+        <p14:creationId xmlns:p14="http://schemas.microsoft.com/office/powerpoint/2010/main" val="2878085265"/>
       </p:ext>
     </p:extLst>
   </p:cSld>
@@ -946,7 +951,7 @@
     </p:spTree>
     <p:extLst>
       <p:ext uri="{BB962C8B-B14F-4D97-AF65-F5344CB8AC3E}">
-        <p14:creationId xmlns:p14="http://schemas.microsoft.com/office/powerpoint/2010/main" val="2878085265"/>
+        <p14:creationId xmlns:p14="http://schemas.microsoft.com/office/powerpoint/2010/main" val="1339474111"/>
       </p:ext>
     </p:extLst>
   </p:cSld>
@@ -1022,90 +1027,6 @@
             <a:fld id="{5FB7981C-FA40-F348-8BD1-6FCF5195A4F2}" type="slidenum">
               <a:rPr kumimoji="1" lang="ja-JP" altLang="en-US" smtClean="0"/>
               <a:t>14</a:t>
-            </a:fld>
-            <a:endParaRPr kumimoji="1" lang="ja-JP" altLang="en-US"/>
-          </a:p>
-        </p:txBody>
-      </p:sp>
-    </p:spTree>
-    <p:extLst>
-      <p:ext uri="{BB962C8B-B14F-4D97-AF65-F5344CB8AC3E}">
-        <p14:creationId xmlns:p14="http://schemas.microsoft.com/office/powerpoint/2010/main" val="1339474111"/>
-      </p:ext>
-    </p:extLst>
-  </p:cSld>
-  <p:clrMapOvr>
-    <a:masterClrMapping/>
-  </p:clrMapOvr>
-</p:notes>
-</file>
-
-<file path=ppt/notesSlides/notesSlide14.xml><?xml version="1.0" encoding="utf-8"?>
-<p:notes xmlns:a="http://schemas.openxmlformats.org/drawingml/2006/main" xmlns:r="http://schemas.openxmlformats.org/officeDocument/2006/relationships" xmlns:p="http://schemas.openxmlformats.org/presentationml/2006/main">
-  <p:cSld>
-    <p:spTree>
-      <p:nvGrpSpPr>
-        <p:cNvPr id="1" name=""/>
-        <p:cNvGrpSpPr/>
-        <p:nvPr/>
-      </p:nvGrpSpPr>
-      <p:grpSpPr>
-        <a:xfrm>
-          <a:off x="0" y="0"/>
-          <a:ext cx="0" cy="0"/>
-          <a:chOff x="0" y="0"/>
-          <a:chExt cx="0" cy="0"/>
-        </a:xfrm>
-      </p:grpSpPr>
-      <p:sp>
-        <p:nvSpPr>
-          <p:cNvPr id="2" name="スライド イメージ プレースホルダー 1"/>
-          <p:cNvSpPr>
-            <a:spLocks noGrp="1" noRot="1" noChangeAspect="1"/>
-          </p:cNvSpPr>
-          <p:nvPr>
-            <p:ph type="sldImg"/>
-          </p:nvPr>
-        </p:nvSpPr>
-        <p:spPr/>
-      </p:sp>
-      <p:sp>
-        <p:nvSpPr>
-          <p:cNvPr id="3" name="ノート プレースホルダー 2"/>
-          <p:cNvSpPr>
-            <a:spLocks noGrp="1"/>
-          </p:cNvSpPr>
-          <p:nvPr>
-            <p:ph type="body" idx="1"/>
-          </p:nvPr>
-        </p:nvSpPr>
-        <p:spPr/>
-        <p:txBody>
-          <a:bodyPr/>
-          <a:lstStyle/>
-          <a:p>
-            <a:endParaRPr kumimoji="1" lang="ja-JP" altLang="en-US" dirty="0"/>
-          </a:p>
-        </p:txBody>
-      </p:sp>
-      <p:sp>
-        <p:nvSpPr>
-          <p:cNvPr id="4" name="スライド番号プレースホルダー 3"/>
-          <p:cNvSpPr>
-            <a:spLocks noGrp="1"/>
-          </p:cNvSpPr>
-          <p:nvPr>
-            <p:ph type="sldNum" sz="quarter" idx="5"/>
-          </p:nvPr>
-        </p:nvSpPr>
-        <p:spPr/>
-        <p:txBody>
-          <a:bodyPr/>
-          <a:lstStyle/>
-          <a:p>
-            <a:fld id="{5FB7981C-FA40-F348-8BD1-6FCF5195A4F2}" type="slidenum">
-              <a:rPr kumimoji="1" lang="ja-JP" altLang="en-US" smtClean="0"/>
-              <a:t>15</a:t>
             </a:fld>
             <a:endParaRPr kumimoji="1" lang="ja-JP" altLang="en-US"/>
           </a:p>
@@ -1789,7 +1710,7 @@
     </p:spTree>
     <p:extLst>
       <p:ext uri="{BB962C8B-B14F-4D97-AF65-F5344CB8AC3E}">
-        <p14:creationId xmlns:p14="http://schemas.microsoft.com/office/powerpoint/2010/main" val="2643355968"/>
+        <p14:creationId xmlns:p14="http://schemas.microsoft.com/office/powerpoint/2010/main" val="2778819199"/>
       </p:ext>
     </p:extLst>
   </p:cSld>
@@ -5199,1298 +5120,6 @@
           <a:chExt cx="0" cy="0"/>
         </a:xfrm>
       </p:grpSpPr>
-      <mc:AlternateContent xmlns:mc="http://schemas.openxmlformats.org/markup-compatibility/2006" xmlns:a14="http://schemas.microsoft.com/office/drawing/2010/main">
-        <mc:Choice Requires="a14">
-          <p:sp>
-            <p:nvSpPr>
-              <p:cNvPr id="2" name="コンテンツ プレースホルダー 1">
-                <a:extLst>
-                  <a:ext uri="{FF2B5EF4-FFF2-40B4-BE49-F238E27FC236}">
-                    <a16:creationId xmlns:a16="http://schemas.microsoft.com/office/drawing/2014/main" id="{5CC3DBDC-2ABB-464E-AA98-8626CB68BCFA}"/>
-                  </a:ext>
-                </a:extLst>
-              </p:cNvPr>
-              <p:cNvSpPr>
-                <a:spLocks noGrp="1"/>
-              </p:cNvSpPr>
-              <p:nvPr>
-                <p:ph idx="1"/>
-              </p:nvPr>
-            </p:nvSpPr>
-            <p:spPr>
-              <a:xfrm>
-                <a:off x="488949" y="1261023"/>
-                <a:ext cx="8881709" cy="655447"/>
-              </a:xfrm>
-            </p:spPr>
-            <p:txBody>
-              <a:bodyPr>
-                <a:normAutofit/>
-              </a:bodyPr>
-              <a:lstStyle/>
-              <a:p>
-                <a:r>
-                  <a:rPr lang="ja-JP" altLang="en-US" dirty="0"/>
-                  <a:t>ガスの容積係数 </a:t>
-                </a:r>
-                <a14:m>
-                  <m:oMath xmlns:m="http://schemas.openxmlformats.org/officeDocument/2006/math">
-                    <m:sSub>
-                      <m:sSubPr>
-                        <m:ctrlPr>
-                          <a:rPr kumimoji="1" lang="en-US" altLang="ja-JP" b="0" i="1" smtClean="0">
-                            <a:latin typeface="Cambria Math" panose="02040503050406030204" pitchFamily="18" charset="0"/>
-                          </a:rPr>
-                        </m:ctrlPr>
-                      </m:sSubPr>
-                      <m:e>
-                        <m:r>
-                          <a:rPr kumimoji="1" lang="en-US" altLang="ja-JP" b="0" i="1" smtClean="0">
-                            <a:latin typeface="Cambria Math" panose="02040503050406030204" pitchFamily="18" charset="0"/>
-                          </a:rPr>
-                          <m:t>𝐵</m:t>
-                        </m:r>
-                      </m:e>
-                      <m:sub>
-                        <m:r>
-                          <a:rPr kumimoji="1" lang="en-US" altLang="ja-JP" b="0" i="1" smtClean="0">
-                            <a:latin typeface="Cambria Math" panose="02040503050406030204" pitchFamily="18" charset="0"/>
-                          </a:rPr>
-                          <m:t>𝑔</m:t>
-                        </m:r>
-                      </m:sub>
-                    </m:sSub>
-                  </m:oMath>
-                </a14:m>
-                <a:r>
-                  <a:rPr lang="en-US" altLang="ja-JP" dirty="0"/>
-                  <a:t>&lt;</a:t>
-                </a:r>
-                <a:r>
-                  <a:rPr lang="ja-JP" altLang="en-US" dirty="0"/>
-                  <a:t>１（気体は圧縮率が高い）</a:t>
-                </a:r>
-                <a:endParaRPr lang="en-US" altLang="ja-JP" dirty="0"/>
-              </a:p>
-            </p:txBody>
-          </p:sp>
-        </mc:Choice>
-        <mc:Fallback xmlns="">
-          <p:sp>
-            <p:nvSpPr>
-              <p:cNvPr id="2" name="コンテンツ プレースホルダー 1">
-                <a:extLst>
-                  <a:ext uri="{FF2B5EF4-FFF2-40B4-BE49-F238E27FC236}">
-                    <a16:creationId xmlns:a16="http://schemas.microsoft.com/office/drawing/2014/main" id="{5CC3DBDC-2ABB-464E-AA98-8626CB68BCFA}"/>
-                  </a:ext>
-                </a:extLst>
-              </p:cNvPr>
-              <p:cNvSpPr>
-                <a:spLocks noGrp="1" noRot="1" noChangeAspect="1" noMove="1" noResize="1" noEditPoints="1" noAdjustHandles="1" noChangeArrowheads="1" noChangeShapeType="1" noTextEdit="1"/>
-              </p:cNvSpPr>
-              <p:nvPr>
-                <p:ph idx="1"/>
-              </p:nvPr>
-            </p:nvSpPr>
-            <p:spPr>
-              <a:xfrm>
-                <a:off x="488949" y="1261023"/>
-                <a:ext cx="8881709" cy="655447"/>
-              </a:xfrm>
-              <a:blipFill>
-                <a:blip r:embed="rId3"/>
-                <a:stretch>
-                  <a:fillRect l="-1922" b="-5607"/>
-                </a:stretch>
-              </a:blipFill>
-            </p:spPr>
-            <p:txBody>
-              <a:bodyPr/>
-              <a:lstStyle/>
-              <a:p>
-                <a:r>
-                  <a:rPr lang="ja-JP" altLang="en-US">
-                    <a:noFill/>
-                  </a:rPr>
-                  <a:t> </a:t>
-                </a:r>
-              </a:p>
-            </p:txBody>
-          </p:sp>
-        </mc:Fallback>
-      </mc:AlternateContent>
-      <p:sp>
-        <p:nvSpPr>
-          <p:cNvPr id="3" name="タイトル 2">
-            <a:extLst>
-              <a:ext uri="{FF2B5EF4-FFF2-40B4-BE49-F238E27FC236}">
-                <a16:creationId xmlns:a16="http://schemas.microsoft.com/office/drawing/2014/main" id="{0921E3F5-4656-480F-ACDF-10F20AD43E90}"/>
-              </a:ext>
-            </a:extLst>
-          </p:cNvPr>
-          <p:cNvSpPr>
-            <a:spLocks noGrp="1"/>
-          </p:cNvSpPr>
-          <p:nvPr>
-            <p:ph type="title"/>
-          </p:nvPr>
-        </p:nvSpPr>
-        <p:spPr/>
-        <p:txBody>
-          <a:bodyPr/>
-          <a:lstStyle/>
-          <a:p>
-            <a:r>
-              <a:rPr kumimoji="1" lang="en-US" altLang="ja-JP" dirty="0"/>
-              <a:t>2. </a:t>
-            </a:r>
-            <a:r>
-              <a:rPr kumimoji="1" lang="ja-JP" altLang="en-US" dirty="0"/>
-              <a:t>容積係数 </a:t>
-            </a:r>
-            <a:r>
-              <a:rPr kumimoji="1" lang="en-US" altLang="ja-JP" dirty="0"/>
-              <a:t>/ Formation Volume Factor</a:t>
-            </a:r>
-            <a:r>
-              <a:rPr kumimoji="1" lang="ja-JP" altLang="en-US" dirty="0"/>
-              <a:t>（ガス）</a:t>
-            </a:r>
-          </a:p>
-        </p:txBody>
-      </p:sp>
-      <p:sp>
-        <p:nvSpPr>
-          <p:cNvPr id="4" name="コンテンツ プレースホルダー 3">
-            <a:extLst>
-              <a:ext uri="{FF2B5EF4-FFF2-40B4-BE49-F238E27FC236}">
-                <a16:creationId xmlns:a16="http://schemas.microsoft.com/office/drawing/2014/main" id="{977032EA-A78C-46A3-BB4E-E4D258259B9F}"/>
-              </a:ext>
-            </a:extLst>
-          </p:cNvPr>
-          <p:cNvSpPr>
-            <a:spLocks noGrp="1"/>
-          </p:cNvSpPr>
-          <p:nvPr>
-            <p:ph sz="quarter" idx="10"/>
-          </p:nvPr>
-        </p:nvSpPr>
-        <p:spPr/>
-        <p:txBody>
-          <a:bodyPr/>
-          <a:lstStyle/>
-          <a:p>
-            <a:endParaRPr kumimoji="1" lang="ja-JP" altLang="en-US"/>
-          </a:p>
-        </p:txBody>
-      </p:sp>
-      <p:sp>
-        <p:nvSpPr>
-          <p:cNvPr id="53" name="正方形/長方形 52">
-            <a:extLst>
-              <a:ext uri="{FF2B5EF4-FFF2-40B4-BE49-F238E27FC236}">
-                <a16:creationId xmlns:a16="http://schemas.microsoft.com/office/drawing/2014/main" id="{E28B29C1-4338-4B86-BB3A-86C06BF7AAFC}"/>
-              </a:ext>
-            </a:extLst>
-          </p:cNvPr>
-          <p:cNvSpPr/>
-          <p:nvPr/>
-        </p:nvSpPr>
-        <p:spPr>
-          <a:xfrm>
-            <a:off x="9383894" y="2744653"/>
-            <a:ext cx="136652" cy="1842212"/>
-          </a:xfrm>
-          <a:prstGeom prst="rect">
-            <a:avLst/>
-          </a:prstGeom>
-          <a:solidFill>
-            <a:schemeClr val="bg1"/>
-          </a:solidFill>
-          <a:ln w="19050">
-            <a:noFill/>
-            <a:headEnd type="none" w="med" len="med"/>
-            <a:tailEnd type="none" w="med" len="med"/>
-          </a:ln>
-        </p:spPr>
-        <p:style>
-          <a:lnRef idx="1">
-            <a:schemeClr val="accent1"/>
-          </a:lnRef>
-          <a:fillRef idx="0">
-            <a:schemeClr val="accent1"/>
-          </a:fillRef>
-          <a:effectRef idx="0">
-            <a:schemeClr val="accent1"/>
-          </a:effectRef>
-          <a:fontRef idx="minor">
-            <a:schemeClr val="tx1"/>
-          </a:fontRef>
-        </p:style>
-        <p:txBody>
-          <a:bodyPr rtlCol="0" anchor="ctr"/>
-          <a:lstStyle/>
-          <a:p>
-            <a:pPr algn="ctr"/>
-            <a:endParaRPr kumimoji="1" lang="ja-JP" altLang="en-US" sz="2400" dirty="0">
-              <a:solidFill>
-                <a:schemeClr val="tx1">
-                  <a:lumMod val="75000"/>
-                  <a:lumOff val="25000"/>
-                </a:schemeClr>
-              </a:solidFill>
-            </a:endParaRPr>
-          </a:p>
-        </p:txBody>
-      </p:sp>
-      <p:cxnSp>
-        <p:nvCxnSpPr>
-          <p:cNvPr id="54" name="直線コネクタ 53">
-            <a:extLst>
-              <a:ext uri="{FF2B5EF4-FFF2-40B4-BE49-F238E27FC236}">
-                <a16:creationId xmlns:a16="http://schemas.microsoft.com/office/drawing/2014/main" id="{5962C15A-750F-4038-85CA-2EA08E09EC07}"/>
-              </a:ext>
-            </a:extLst>
-          </p:cNvPr>
-          <p:cNvCxnSpPr>
-            <a:cxnSpLocks/>
-          </p:cNvCxnSpPr>
-          <p:nvPr/>
-        </p:nvCxnSpPr>
-        <p:spPr>
-          <a:xfrm rot="16200000">
-            <a:off x="7824895" y="4102359"/>
-            <a:ext cx="3096000" cy="0"/>
-          </a:xfrm>
-          <a:prstGeom prst="line">
-            <a:avLst/>
-          </a:prstGeom>
-          <a:ln w="28575">
-            <a:solidFill>
-              <a:schemeClr val="tx1">
-                <a:lumMod val="75000"/>
-                <a:lumOff val="25000"/>
-              </a:schemeClr>
-            </a:solidFill>
-            <a:headEnd type="none" w="med" len="med"/>
-            <a:tailEnd type="none" w="med" len="med"/>
-          </a:ln>
-        </p:spPr>
-        <p:style>
-          <a:lnRef idx="1">
-            <a:schemeClr val="accent1"/>
-          </a:lnRef>
-          <a:fillRef idx="0">
-            <a:schemeClr val="accent1"/>
-          </a:fillRef>
-          <a:effectRef idx="0">
-            <a:schemeClr val="accent1"/>
-          </a:effectRef>
-          <a:fontRef idx="minor">
-            <a:schemeClr val="tx1"/>
-          </a:fontRef>
-        </p:style>
-      </p:cxnSp>
-      <p:cxnSp>
-        <p:nvCxnSpPr>
-          <p:cNvPr id="55" name="直線コネクタ 54">
-            <a:extLst>
-              <a:ext uri="{FF2B5EF4-FFF2-40B4-BE49-F238E27FC236}">
-                <a16:creationId xmlns:a16="http://schemas.microsoft.com/office/drawing/2014/main" id="{11514D72-2201-4004-8BD6-149A4468F695}"/>
-              </a:ext>
-            </a:extLst>
-          </p:cNvPr>
-          <p:cNvCxnSpPr>
-            <a:cxnSpLocks/>
-          </p:cNvCxnSpPr>
-          <p:nvPr/>
-        </p:nvCxnSpPr>
-        <p:spPr>
-          <a:xfrm rot="16200000">
-            <a:off x="7985781" y="4121409"/>
-            <a:ext cx="3096000" cy="0"/>
-          </a:xfrm>
-          <a:prstGeom prst="line">
-            <a:avLst/>
-          </a:prstGeom>
-          <a:ln w="28575">
-            <a:solidFill>
-              <a:schemeClr val="tx1">
-                <a:lumMod val="75000"/>
-                <a:lumOff val="25000"/>
-              </a:schemeClr>
-            </a:solidFill>
-            <a:headEnd type="none" w="med" len="med"/>
-            <a:tailEnd type="none" w="med" len="med"/>
-          </a:ln>
-        </p:spPr>
-        <p:style>
-          <a:lnRef idx="1">
-            <a:schemeClr val="accent1"/>
-          </a:lnRef>
-          <a:fillRef idx="0">
-            <a:schemeClr val="accent1"/>
-          </a:fillRef>
-          <a:effectRef idx="0">
-            <a:schemeClr val="accent1"/>
-          </a:effectRef>
-          <a:fontRef idx="minor">
-            <a:schemeClr val="tx1"/>
-          </a:fontRef>
-        </p:style>
-      </p:cxnSp>
-      <p:sp>
-        <p:nvSpPr>
-          <p:cNvPr id="24" name="矢印: 上向き折線 23">
-            <a:extLst>
-              <a:ext uri="{FF2B5EF4-FFF2-40B4-BE49-F238E27FC236}">
-                <a16:creationId xmlns:a16="http://schemas.microsoft.com/office/drawing/2014/main" id="{7B96C3D1-02AA-4975-8B1F-289D4F3ADA98}"/>
-              </a:ext>
-            </a:extLst>
-          </p:cNvPr>
-          <p:cNvSpPr/>
-          <p:nvPr/>
-        </p:nvSpPr>
-        <p:spPr>
-          <a:xfrm rot="16200000">
-            <a:off x="6464502" y="2416309"/>
-            <a:ext cx="2639388" cy="3376388"/>
-          </a:xfrm>
-          <a:prstGeom prst="bentUpArrow">
-            <a:avLst>
-              <a:gd name="adj1" fmla="val 1392"/>
-              <a:gd name="adj2" fmla="val 3582"/>
-              <a:gd name="adj3" fmla="val 10573"/>
-            </a:avLst>
-          </a:prstGeom>
-          <a:solidFill>
-            <a:schemeClr val="accent2"/>
-          </a:solidFill>
-          <a:ln w="19050">
-            <a:noFill/>
-            <a:headEnd type="none" w="med" len="med"/>
-            <a:tailEnd type="none" w="med" len="med"/>
-          </a:ln>
-        </p:spPr>
-        <p:style>
-          <a:lnRef idx="1">
-            <a:schemeClr val="accent1"/>
-          </a:lnRef>
-          <a:fillRef idx="0">
-            <a:schemeClr val="accent1"/>
-          </a:fillRef>
-          <a:effectRef idx="0">
-            <a:schemeClr val="accent1"/>
-          </a:effectRef>
-          <a:fontRef idx="minor">
-            <a:schemeClr val="tx1"/>
-          </a:fontRef>
-        </p:style>
-        <p:txBody>
-          <a:bodyPr rtlCol="0" anchor="ctr"/>
-          <a:lstStyle/>
-          <a:p>
-            <a:pPr algn="ctr"/>
-            <a:endParaRPr kumimoji="1" lang="ja-JP" altLang="en-US" sz="2400" dirty="0">
-              <a:solidFill>
-                <a:schemeClr val="tx1">
-                  <a:lumMod val="75000"/>
-                  <a:lumOff val="25000"/>
-                </a:schemeClr>
-              </a:solidFill>
-            </a:endParaRPr>
-          </a:p>
-        </p:txBody>
-      </p:sp>
-      <p:sp>
-        <p:nvSpPr>
-          <p:cNvPr id="57" name="正方形/長方形 56">
-            <a:extLst>
-              <a:ext uri="{FF2B5EF4-FFF2-40B4-BE49-F238E27FC236}">
-                <a16:creationId xmlns:a16="http://schemas.microsoft.com/office/drawing/2014/main" id="{0BE28581-A310-4D1F-BA4C-F5604794A489}"/>
-              </a:ext>
-            </a:extLst>
-          </p:cNvPr>
-          <p:cNvSpPr/>
-          <p:nvPr/>
-        </p:nvSpPr>
-        <p:spPr>
-          <a:xfrm>
-            <a:off x="9323798" y="2561725"/>
-            <a:ext cx="259080" cy="644221"/>
-          </a:xfrm>
-          <a:prstGeom prst="rect">
-            <a:avLst/>
-          </a:prstGeom>
-          <a:solidFill>
-            <a:schemeClr val="tx1">
-              <a:lumMod val="75000"/>
-              <a:lumOff val="25000"/>
-            </a:schemeClr>
-          </a:solidFill>
-          <a:ln w="19050">
-            <a:solidFill>
-              <a:schemeClr val="tx1">
-                <a:lumMod val="75000"/>
-                <a:lumOff val="25000"/>
-              </a:schemeClr>
-            </a:solidFill>
-            <a:headEnd type="none" w="med" len="med"/>
-            <a:tailEnd type="none" w="med" len="med"/>
-          </a:ln>
-        </p:spPr>
-        <p:style>
-          <a:lnRef idx="1">
-            <a:schemeClr val="accent1"/>
-          </a:lnRef>
-          <a:fillRef idx="0">
-            <a:schemeClr val="accent1"/>
-          </a:fillRef>
-          <a:effectRef idx="0">
-            <a:schemeClr val="accent1"/>
-          </a:effectRef>
-          <a:fontRef idx="minor">
-            <a:schemeClr val="tx1"/>
-          </a:fontRef>
-        </p:style>
-        <p:txBody>
-          <a:bodyPr rtlCol="0" anchor="ctr"/>
-          <a:lstStyle/>
-          <a:p>
-            <a:pPr algn="ctr"/>
-            <a:endParaRPr kumimoji="1" lang="ja-JP" altLang="en-US" sz="2400" dirty="0">
-              <a:solidFill>
-                <a:schemeClr val="tx1">
-                  <a:lumMod val="75000"/>
-                  <a:lumOff val="25000"/>
-                </a:schemeClr>
-              </a:solidFill>
-            </a:endParaRPr>
-          </a:p>
-        </p:txBody>
-      </p:sp>
-      <p:sp>
-        <p:nvSpPr>
-          <p:cNvPr id="58" name="正方形/長方形 57">
-            <a:extLst>
-              <a:ext uri="{FF2B5EF4-FFF2-40B4-BE49-F238E27FC236}">
-                <a16:creationId xmlns:a16="http://schemas.microsoft.com/office/drawing/2014/main" id="{53B7ADBF-2C3A-40A7-89AC-A1DC3C4785FA}"/>
-              </a:ext>
-            </a:extLst>
-          </p:cNvPr>
-          <p:cNvSpPr/>
-          <p:nvPr/>
-        </p:nvSpPr>
-        <p:spPr>
-          <a:xfrm rot="5400000">
-            <a:off x="9385532" y="2388200"/>
-            <a:ext cx="135612" cy="761696"/>
-          </a:xfrm>
-          <a:prstGeom prst="rect">
-            <a:avLst/>
-          </a:prstGeom>
-          <a:solidFill>
-            <a:schemeClr val="tx1">
-              <a:lumMod val="75000"/>
-              <a:lumOff val="25000"/>
-            </a:schemeClr>
-          </a:solidFill>
-          <a:ln w="19050">
-            <a:solidFill>
-              <a:schemeClr val="tx1">
-                <a:lumMod val="75000"/>
-                <a:lumOff val="25000"/>
-              </a:schemeClr>
-            </a:solidFill>
-            <a:headEnd type="none" w="med" len="med"/>
-            <a:tailEnd type="none" w="med" len="med"/>
-          </a:ln>
-        </p:spPr>
-        <p:style>
-          <a:lnRef idx="1">
-            <a:schemeClr val="accent1"/>
-          </a:lnRef>
-          <a:fillRef idx="0">
-            <a:schemeClr val="accent1"/>
-          </a:fillRef>
-          <a:effectRef idx="0">
-            <a:schemeClr val="accent1"/>
-          </a:effectRef>
-          <a:fontRef idx="minor">
-            <a:schemeClr val="tx1"/>
-          </a:fontRef>
-        </p:style>
-        <p:txBody>
-          <a:bodyPr rtlCol="0" anchor="ctr"/>
-          <a:lstStyle/>
-          <a:p>
-            <a:pPr algn="ctr"/>
-            <a:endParaRPr kumimoji="1" lang="ja-JP" altLang="en-US" sz="2400" dirty="0">
-              <a:solidFill>
-                <a:schemeClr val="tx1">
-                  <a:lumMod val="75000"/>
-                  <a:lumOff val="25000"/>
-                </a:schemeClr>
-              </a:solidFill>
-            </a:endParaRPr>
-          </a:p>
-        </p:txBody>
-      </p:sp>
-      <p:sp>
-        <p:nvSpPr>
-          <p:cNvPr id="59" name="正方形/長方形 58">
-            <a:extLst>
-              <a:ext uri="{FF2B5EF4-FFF2-40B4-BE49-F238E27FC236}">
-                <a16:creationId xmlns:a16="http://schemas.microsoft.com/office/drawing/2014/main" id="{3BA63449-8B35-4381-A61A-AA433D6EE382}"/>
-              </a:ext>
-            </a:extLst>
-          </p:cNvPr>
-          <p:cNvSpPr/>
-          <p:nvPr/>
-        </p:nvSpPr>
-        <p:spPr>
-          <a:xfrm rot="5400000">
-            <a:off x="9385532" y="2620754"/>
-            <a:ext cx="135612" cy="761696"/>
-          </a:xfrm>
-          <a:prstGeom prst="rect">
-            <a:avLst/>
-          </a:prstGeom>
-          <a:solidFill>
-            <a:schemeClr val="tx1">
-              <a:lumMod val="75000"/>
-              <a:lumOff val="25000"/>
-            </a:schemeClr>
-          </a:solidFill>
-          <a:ln w="19050">
-            <a:solidFill>
-              <a:schemeClr val="tx1">
-                <a:lumMod val="75000"/>
-                <a:lumOff val="25000"/>
-              </a:schemeClr>
-            </a:solidFill>
-            <a:headEnd type="none" w="med" len="med"/>
-            <a:tailEnd type="none" w="med" len="med"/>
-          </a:ln>
-        </p:spPr>
-        <p:style>
-          <a:lnRef idx="1">
-            <a:schemeClr val="accent1"/>
-          </a:lnRef>
-          <a:fillRef idx="0">
-            <a:schemeClr val="accent1"/>
-          </a:fillRef>
-          <a:effectRef idx="0">
-            <a:schemeClr val="accent1"/>
-          </a:effectRef>
-          <a:fontRef idx="minor">
-            <a:schemeClr val="tx1"/>
-          </a:fontRef>
-        </p:style>
-        <p:txBody>
-          <a:bodyPr rtlCol="0" anchor="ctr"/>
-          <a:lstStyle/>
-          <a:p>
-            <a:pPr algn="ctr"/>
-            <a:endParaRPr kumimoji="1" lang="ja-JP" altLang="en-US" sz="2400" dirty="0">
-              <a:solidFill>
-                <a:schemeClr val="tx1">
-                  <a:lumMod val="75000"/>
-                  <a:lumOff val="25000"/>
-                </a:schemeClr>
-              </a:solidFill>
-            </a:endParaRPr>
-          </a:p>
-        </p:txBody>
-      </p:sp>
-      <p:sp>
-        <p:nvSpPr>
-          <p:cNvPr id="50" name="正方形/長方形 49">
-            <a:extLst>
-              <a:ext uri="{FF2B5EF4-FFF2-40B4-BE49-F238E27FC236}">
-                <a16:creationId xmlns:a16="http://schemas.microsoft.com/office/drawing/2014/main" id="{A998D3C8-C75B-4388-B7D4-5F9CF7F80E6C}"/>
-              </a:ext>
-            </a:extLst>
-          </p:cNvPr>
-          <p:cNvSpPr/>
-          <p:nvPr/>
-        </p:nvSpPr>
-        <p:spPr>
-          <a:xfrm>
-            <a:off x="8309119" y="5281935"/>
-            <a:ext cx="2305251" cy="774535"/>
-          </a:xfrm>
-          <a:prstGeom prst="rect">
-            <a:avLst/>
-          </a:prstGeom>
-          <a:solidFill>
-            <a:schemeClr val="accent2"/>
-          </a:solidFill>
-          <a:ln w="19050">
-            <a:noFill/>
-            <a:headEnd type="none" w="med" len="med"/>
-            <a:tailEnd type="none" w="med" len="med"/>
-          </a:ln>
-        </p:spPr>
-        <p:style>
-          <a:lnRef idx="1">
-            <a:schemeClr val="accent1"/>
-          </a:lnRef>
-          <a:fillRef idx="0">
-            <a:schemeClr val="accent1"/>
-          </a:fillRef>
-          <a:effectRef idx="0">
-            <a:schemeClr val="accent1"/>
-          </a:effectRef>
-          <a:fontRef idx="minor">
-            <a:schemeClr val="tx1"/>
-          </a:fontRef>
-        </p:style>
-        <p:txBody>
-          <a:bodyPr rtlCol="0" anchor="ctr"/>
-          <a:lstStyle/>
-          <a:p>
-            <a:pPr algn="ctr"/>
-            <a:r>
-              <a:rPr lang="ja-JP" altLang="en-US" sz="2400" b="1" dirty="0">
-                <a:solidFill>
-                  <a:schemeClr val="bg1"/>
-                </a:solidFill>
-              </a:rPr>
-              <a:t>ガス</a:t>
-            </a:r>
-            <a:r>
-              <a:rPr lang="en-US" altLang="ja-JP" sz="2400" b="1" dirty="0">
-                <a:solidFill>
-                  <a:schemeClr val="bg1"/>
-                </a:solidFill>
-              </a:rPr>
-              <a:t>@</a:t>
-            </a:r>
-            <a:r>
-              <a:rPr lang="ja-JP" altLang="en-US" sz="2400" b="1" dirty="0">
-                <a:solidFill>
-                  <a:schemeClr val="bg1"/>
-                </a:solidFill>
-              </a:rPr>
-              <a:t>貯留層</a:t>
-            </a:r>
-            <a:endParaRPr kumimoji="1" lang="ja-JP" altLang="en-US" sz="2400" b="1" dirty="0">
-              <a:solidFill>
-                <a:schemeClr val="bg1"/>
-              </a:solidFill>
-            </a:endParaRPr>
-          </a:p>
-        </p:txBody>
-      </p:sp>
-      <p:sp>
-        <p:nvSpPr>
-          <p:cNvPr id="5" name="テキスト ボックス 4">
-            <a:extLst>
-              <a:ext uri="{FF2B5EF4-FFF2-40B4-BE49-F238E27FC236}">
-                <a16:creationId xmlns:a16="http://schemas.microsoft.com/office/drawing/2014/main" id="{2E7C79F3-CA4B-4AE5-BE2C-CB5EEA8FD996}"/>
-              </a:ext>
-            </a:extLst>
-          </p:cNvPr>
-          <p:cNvSpPr txBox="1"/>
-          <p:nvPr/>
-        </p:nvSpPr>
-        <p:spPr>
-          <a:xfrm>
-            <a:off x="667726" y="1925148"/>
-            <a:ext cx="1645183" cy="369332"/>
-          </a:xfrm>
-          <a:prstGeom prst="rect">
-            <a:avLst/>
-          </a:prstGeom>
-          <a:noFill/>
-        </p:spPr>
-        <p:txBody>
-          <a:bodyPr wrap="square" rtlCol="0" anchor="ctr">
-            <a:spAutoFit/>
-          </a:bodyPr>
-          <a:lstStyle/>
-          <a:p>
-            <a:pPr algn="ctr"/>
-            <a:r>
-              <a:rPr kumimoji="1" lang="ja-JP" altLang="en-US" b="1" i="1" dirty="0">
-                <a:solidFill>
-                  <a:srgbClr val="70AD47"/>
-                </a:solidFill>
-                <a:latin typeface="Cambria Math" panose="02040503050406030204" pitchFamily="18" charset="0"/>
-              </a:rPr>
-              <a:t>コンデンセート</a:t>
-            </a:r>
-          </a:p>
-        </p:txBody>
-      </p:sp>
-      <p:cxnSp>
-        <p:nvCxnSpPr>
-          <p:cNvPr id="25" name="直線コネクタ 24">
-            <a:extLst>
-              <a:ext uri="{FF2B5EF4-FFF2-40B4-BE49-F238E27FC236}">
-                <a16:creationId xmlns:a16="http://schemas.microsoft.com/office/drawing/2014/main" id="{694E0668-3B64-4B6D-8543-FB41CA11701B}"/>
-              </a:ext>
-            </a:extLst>
-          </p:cNvPr>
-          <p:cNvCxnSpPr>
-            <a:cxnSpLocks/>
-          </p:cNvCxnSpPr>
-          <p:nvPr/>
-        </p:nvCxnSpPr>
-        <p:spPr>
-          <a:xfrm flipV="1">
-            <a:off x="909098" y="3213832"/>
-            <a:ext cx="10530766" cy="20205"/>
-          </a:xfrm>
-          <a:prstGeom prst="line">
-            <a:avLst/>
-          </a:prstGeom>
-          <a:ln w="38100">
-            <a:solidFill>
-              <a:schemeClr val="tx1">
-                <a:lumMod val="75000"/>
-                <a:lumOff val="25000"/>
-              </a:schemeClr>
-            </a:solidFill>
-            <a:headEnd type="none" w="med" len="med"/>
-            <a:tailEnd type="none" w="med" len="med"/>
-          </a:ln>
-        </p:spPr>
-        <p:style>
-          <a:lnRef idx="1">
-            <a:schemeClr val="accent1"/>
-          </a:lnRef>
-          <a:fillRef idx="0">
-            <a:schemeClr val="accent1"/>
-          </a:fillRef>
-          <a:effectRef idx="0">
-            <a:schemeClr val="accent1"/>
-          </a:effectRef>
-          <a:fontRef idx="minor">
-            <a:schemeClr val="tx1"/>
-          </a:fontRef>
-        </p:style>
-      </p:cxnSp>
-      <p:sp>
-        <p:nvSpPr>
-          <p:cNvPr id="26" name="正方形/長方形 25">
-            <a:extLst>
-              <a:ext uri="{FF2B5EF4-FFF2-40B4-BE49-F238E27FC236}">
-                <a16:creationId xmlns:a16="http://schemas.microsoft.com/office/drawing/2014/main" id="{A681D165-8DD6-4365-8FDE-6FB28B64E2B2}"/>
-              </a:ext>
-            </a:extLst>
-          </p:cNvPr>
-          <p:cNvSpPr/>
-          <p:nvPr/>
-        </p:nvSpPr>
-        <p:spPr>
-          <a:xfrm>
-            <a:off x="1492555" y="2255430"/>
-            <a:ext cx="1662371" cy="939558"/>
-          </a:xfrm>
-          <a:prstGeom prst="rect">
-            <a:avLst/>
-          </a:prstGeom>
-          <a:solidFill>
-            <a:schemeClr val="accent6"/>
-          </a:solidFill>
-          <a:ln w="19050">
-            <a:noFill/>
-            <a:headEnd type="none" w="med" len="med"/>
-            <a:tailEnd type="none" w="med" len="med"/>
-          </a:ln>
-        </p:spPr>
-        <p:style>
-          <a:lnRef idx="1">
-            <a:schemeClr val="accent1"/>
-          </a:lnRef>
-          <a:fillRef idx="0">
-            <a:schemeClr val="accent1"/>
-          </a:fillRef>
-          <a:effectRef idx="0">
-            <a:schemeClr val="accent1"/>
-          </a:effectRef>
-          <a:fontRef idx="minor">
-            <a:schemeClr val="tx1"/>
-          </a:fontRef>
-        </p:style>
-        <p:txBody>
-          <a:bodyPr rtlCol="0" anchor="ctr"/>
-          <a:lstStyle/>
-          <a:p>
-            <a:pPr algn="ctr"/>
-            <a:r>
-              <a:rPr lang="ja-JP" altLang="en-US" sz="2400" b="1" dirty="0">
-                <a:solidFill>
-                  <a:schemeClr val="bg1"/>
-                </a:solidFill>
-              </a:rPr>
-              <a:t>油</a:t>
-            </a:r>
-            <a:r>
-              <a:rPr kumimoji="1" lang="en-US" altLang="ja-JP" sz="2400" b="1" dirty="0">
-                <a:solidFill>
-                  <a:schemeClr val="bg1"/>
-                </a:solidFill>
-              </a:rPr>
-              <a:t>@</a:t>
-            </a:r>
-            <a:r>
-              <a:rPr lang="ja-JP" altLang="en-US" sz="2400" b="1" dirty="0">
-                <a:solidFill>
-                  <a:schemeClr val="bg1"/>
-                </a:solidFill>
-              </a:rPr>
-              <a:t>地表</a:t>
-            </a:r>
-            <a:endParaRPr kumimoji="1" lang="ja-JP" altLang="en-US" sz="2400" b="1" dirty="0">
-              <a:solidFill>
-                <a:schemeClr val="bg1"/>
-              </a:solidFill>
-            </a:endParaRPr>
-          </a:p>
-        </p:txBody>
-      </p:sp>
-      <p:sp>
-        <p:nvSpPr>
-          <p:cNvPr id="27" name="正方形/長方形 26">
-            <a:extLst>
-              <a:ext uri="{FF2B5EF4-FFF2-40B4-BE49-F238E27FC236}">
-                <a16:creationId xmlns:a16="http://schemas.microsoft.com/office/drawing/2014/main" id="{433DAD3A-C836-43A5-BBF3-383D477FCC7F}"/>
-              </a:ext>
-            </a:extLst>
-          </p:cNvPr>
-          <p:cNvSpPr/>
-          <p:nvPr/>
-        </p:nvSpPr>
-        <p:spPr>
-          <a:xfrm>
-            <a:off x="3264751" y="2255430"/>
-            <a:ext cx="2556153" cy="939558"/>
-          </a:xfrm>
-          <a:prstGeom prst="rect">
-            <a:avLst/>
-          </a:prstGeom>
-          <a:solidFill>
-            <a:schemeClr val="accent2"/>
-          </a:solidFill>
-          <a:ln w="19050">
-            <a:noFill/>
-            <a:headEnd type="none" w="med" len="med"/>
-            <a:tailEnd type="none" w="med" len="med"/>
-          </a:ln>
-        </p:spPr>
-        <p:style>
-          <a:lnRef idx="1">
-            <a:schemeClr val="accent1"/>
-          </a:lnRef>
-          <a:fillRef idx="0">
-            <a:schemeClr val="accent1"/>
-          </a:fillRef>
-          <a:effectRef idx="0">
-            <a:schemeClr val="accent1"/>
-          </a:effectRef>
-          <a:fontRef idx="minor">
-            <a:schemeClr val="tx1"/>
-          </a:fontRef>
-        </p:style>
-        <p:txBody>
-          <a:bodyPr rtlCol="0" anchor="ctr"/>
-          <a:lstStyle/>
-          <a:p>
-            <a:pPr algn="ctr"/>
-            <a:r>
-              <a:rPr lang="ja-JP" altLang="en-US" sz="2400" b="1" dirty="0">
-                <a:solidFill>
-                  <a:schemeClr val="bg1"/>
-                </a:solidFill>
-              </a:rPr>
-              <a:t>ガス</a:t>
-            </a:r>
-            <a:r>
-              <a:rPr lang="en-US" altLang="ja-JP" sz="2400" b="1" dirty="0">
-                <a:solidFill>
-                  <a:schemeClr val="bg1"/>
-                </a:solidFill>
-              </a:rPr>
-              <a:t>@</a:t>
-            </a:r>
-            <a:r>
-              <a:rPr lang="ja-JP" altLang="en-US" sz="2400" b="1" dirty="0">
-                <a:solidFill>
-                  <a:schemeClr val="bg1"/>
-                </a:solidFill>
-              </a:rPr>
-              <a:t>地表</a:t>
-            </a:r>
-            <a:endParaRPr kumimoji="1" lang="ja-JP" altLang="en-US" sz="2400" b="1" dirty="0">
-              <a:solidFill>
-                <a:schemeClr val="bg1"/>
-              </a:solidFill>
-            </a:endParaRPr>
-          </a:p>
-        </p:txBody>
-      </p:sp>
-      <mc:AlternateContent xmlns:mc="http://schemas.openxmlformats.org/markup-compatibility/2006" xmlns:a14="http://schemas.microsoft.com/office/drawing/2010/main">
-        <mc:Choice Requires="a14">
-          <p:sp>
-            <p:nvSpPr>
-              <p:cNvPr id="28" name="テキスト ボックス 27">
-                <a:extLst>
-                  <a:ext uri="{FF2B5EF4-FFF2-40B4-BE49-F238E27FC236}">
-                    <a16:creationId xmlns:a16="http://schemas.microsoft.com/office/drawing/2014/main" id="{0EE1BC58-29B4-425B-ADB1-DB2251E321A4}"/>
-                  </a:ext>
-                </a:extLst>
-              </p:cNvPr>
-              <p:cNvSpPr txBox="1"/>
-              <p:nvPr/>
-            </p:nvSpPr>
-            <p:spPr>
-              <a:xfrm>
-                <a:off x="796535" y="4630849"/>
-                <a:ext cx="1929033" cy="491738"/>
-              </a:xfrm>
-              <a:prstGeom prst="rect">
-                <a:avLst/>
-              </a:prstGeom>
-              <a:noFill/>
-            </p:spPr>
-            <p:txBody>
-              <a:bodyPr wrap="square" rtlCol="0" anchor="ctr">
-                <a:spAutoFit/>
-              </a:bodyPr>
-              <a:lstStyle/>
-              <a:p>
-                <a:pPr algn="ctr"/>
-                <a14:m>
-                  <m:oMathPara xmlns:m="http://schemas.openxmlformats.org/officeDocument/2006/math">
-                    <m:oMathParaPr>
-                      <m:jc m:val="centerGroup"/>
-                    </m:oMathParaPr>
-                    <m:oMath xmlns:m="http://schemas.openxmlformats.org/officeDocument/2006/math">
-                      <m:sSub>
-                        <m:sSubPr>
-                          <m:ctrlPr>
-                            <a:rPr kumimoji="1" lang="en-US" altLang="ja-JP" sz="2400" b="0" i="1" smtClean="0">
-                              <a:latin typeface="Cambria Math" panose="02040503050406030204" pitchFamily="18" charset="0"/>
-                            </a:rPr>
-                          </m:ctrlPr>
-                        </m:sSubPr>
-                        <m:e>
-                          <m:r>
-                            <a:rPr kumimoji="1" lang="en-US" altLang="ja-JP" sz="2400" b="0" i="1" smtClean="0">
-                              <a:latin typeface="Cambria Math" panose="02040503050406030204" pitchFamily="18" charset="0"/>
-                            </a:rPr>
-                            <m:t>𝐵</m:t>
-                          </m:r>
-                        </m:e>
-                        <m:sub>
-                          <m:r>
-                            <a:rPr kumimoji="1" lang="en-US" altLang="ja-JP" sz="2400" b="0" i="1" smtClean="0">
-                              <a:latin typeface="Cambria Math" panose="02040503050406030204" pitchFamily="18" charset="0"/>
-                            </a:rPr>
-                            <m:t>𝑔</m:t>
-                          </m:r>
-                        </m:sub>
-                      </m:sSub>
-                      <m:r>
-                        <a:rPr kumimoji="1" lang="en-US" altLang="ja-JP" sz="2400" b="0" i="1" smtClean="0">
-                          <a:latin typeface="Cambria Math" panose="02040503050406030204" pitchFamily="18" charset="0"/>
-                        </a:rPr>
-                        <m:t>=</m:t>
-                      </m:r>
-                    </m:oMath>
-                  </m:oMathPara>
-                </a14:m>
-                <a:endParaRPr kumimoji="1" lang="ja-JP" altLang="en-US" sz="2400" dirty="0">
-                  <a:solidFill>
-                    <a:srgbClr val="404040"/>
-                  </a:solidFill>
-                  <a:latin typeface="+mj-lt"/>
-                </a:endParaRPr>
-              </a:p>
-            </p:txBody>
-          </p:sp>
-        </mc:Choice>
-        <mc:Fallback xmlns="">
-          <p:sp>
-            <p:nvSpPr>
-              <p:cNvPr id="28" name="テキスト ボックス 27">
-                <a:extLst>
-                  <a:ext uri="{FF2B5EF4-FFF2-40B4-BE49-F238E27FC236}">
-                    <a16:creationId xmlns:a16="http://schemas.microsoft.com/office/drawing/2014/main" id="{0EE1BC58-29B4-425B-ADB1-DB2251E321A4}"/>
-                  </a:ext>
-                </a:extLst>
-              </p:cNvPr>
-              <p:cNvSpPr txBox="1">
-                <a:spLocks noRot="1" noChangeAspect="1" noMove="1" noResize="1" noEditPoints="1" noAdjustHandles="1" noChangeArrowheads="1" noChangeShapeType="1" noTextEdit="1"/>
-              </p:cNvSpPr>
-              <p:nvPr/>
-            </p:nvSpPr>
-            <p:spPr>
-              <a:xfrm>
-                <a:off x="796535" y="4630849"/>
-                <a:ext cx="1929033" cy="491738"/>
-              </a:xfrm>
-              <a:prstGeom prst="rect">
-                <a:avLst/>
-              </a:prstGeom>
-              <a:blipFill>
-                <a:blip r:embed="rId4"/>
-                <a:stretch>
-                  <a:fillRect b="-8750"/>
-                </a:stretch>
-              </a:blipFill>
-            </p:spPr>
-            <p:txBody>
-              <a:bodyPr/>
-              <a:lstStyle/>
-              <a:p>
-                <a:r>
-                  <a:rPr lang="ja-JP" altLang="en-US">
-                    <a:noFill/>
-                  </a:rPr>
-                  <a:t> </a:t>
-                </a:r>
-              </a:p>
-            </p:txBody>
-          </p:sp>
-        </mc:Fallback>
-      </mc:AlternateContent>
-      <p:cxnSp>
-        <p:nvCxnSpPr>
-          <p:cNvPr id="29" name="直線コネクタ 28">
-            <a:extLst>
-              <a:ext uri="{FF2B5EF4-FFF2-40B4-BE49-F238E27FC236}">
-                <a16:creationId xmlns:a16="http://schemas.microsoft.com/office/drawing/2014/main" id="{AEF0FB9C-6E85-4076-9AAC-CF6EEF001851}"/>
-              </a:ext>
-            </a:extLst>
-          </p:cNvPr>
-          <p:cNvCxnSpPr>
-            <a:cxnSpLocks/>
-          </p:cNvCxnSpPr>
-          <p:nvPr/>
-        </p:nvCxnSpPr>
-        <p:spPr>
-          <a:xfrm>
-            <a:off x="2293674" y="4876175"/>
-            <a:ext cx="3768472" cy="0"/>
-          </a:xfrm>
-          <a:prstGeom prst="line">
-            <a:avLst/>
-          </a:prstGeom>
-          <a:ln w="28575">
-            <a:solidFill>
-              <a:schemeClr val="tx1">
-                <a:lumMod val="75000"/>
-                <a:lumOff val="25000"/>
-              </a:schemeClr>
-            </a:solidFill>
-            <a:headEnd type="none" w="med" len="med"/>
-            <a:tailEnd type="none" w="med" len="med"/>
-          </a:ln>
-        </p:spPr>
-        <p:style>
-          <a:lnRef idx="1">
-            <a:schemeClr val="accent1"/>
-          </a:lnRef>
-          <a:fillRef idx="0">
-            <a:schemeClr val="accent1"/>
-          </a:fillRef>
-          <a:effectRef idx="0">
-            <a:schemeClr val="accent1"/>
-          </a:effectRef>
-          <a:fontRef idx="minor">
-            <a:schemeClr val="tx1"/>
-          </a:fontRef>
-        </p:style>
-      </p:cxnSp>
-      <p:sp>
-        <p:nvSpPr>
-          <p:cNvPr id="30" name="正方形/長方形 29">
-            <a:extLst>
-              <a:ext uri="{FF2B5EF4-FFF2-40B4-BE49-F238E27FC236}">
-                <a16:creationId xmlns:a16="http://schemas.microsoft.com/office/drawing/2014/main" id="{6E11BAE3-8AA4-443E-ACD4-6639B3C68EBA}"/>
-              </a:ext>
-            </a:extLst>
-          </p:cNvPr>
-          <p:cNvSpPr/>
-          <p:nvPr/>
-        </p:nvSpPr>
-        <p:spPr>
-          <a:xfrm>
-            <a:off x="3156082" y="5004648"/>
-            <a:ext cx="2043657" cy="939558"/>
-          </a:xfrm>
-          <a:prstGeom prst="rect">
-            <a:avLst/>
-          </a:prstGeom>
-          <a:solidFill>
-            <a:schemeClr val="accent2"/>
-          </a:solidFill>
-          <a:ln w="19050">
-            <a:noFill/>
-            <a:headEnd type="none" w="med" len="med"/>
-            <a:tailEnd type="none" w="med" len="med"/>
-          </a:ln>
-        </p:spPr>
-        <p:style>
-          <a:lnRef idx="1">
-            <a:schemeClr val="accent1"/>
-          </a:lnRef>
-          <a:fillRef idx="0">
-            <a:schemeClr val="accent1"/>
-          </a:fillRef>
-          <a:effectRef idx="0">
-            <a:schemeClr val="accent1"/>
-          </a:effectRef>
-          <a:fontRef idx="minor">
-            <a:schemeClr val="tx1"/>
-          </a:fontRef>
-        </p:style>
-        <p:txBody>
-          <a:bodyPr rtlCol="0" anchor="ctr"/>
-          <a:lstStyle/>
-          <a:p>
-            <a:pPr algn="ctr"/>
-            <a:r>
-              <a:rPr kumimoji="1" lang="ja-JP" altLang="en-US" sz="2400" b="1" dirty="0">
-                <a:solidFill>
-                  <a:schemeClr val="bg1"/>
-                </a:solidFill>
-              </a:rPr>
-              <a:t>ガス</a:t>
-            </a:r>
-            <a:r>
-              <a:rPr kumimoji="1" lang="en-US" altLang="ja-JP" sz="2400" b="1" dirty="0">
-                <a:solidFill>
-                  <a:schemeClr val="bg1"/>
-                </a:solidFill>
-              </a:rPr>
-              <a:t>@</a:t>
-            </a:r>
-            <a:r>
-              <a:rPr kumimoji="1" lang="ja-JP" altLang="en-US" sz="2400" b="1" dirty="0">
-                <a:solidFill>
-                  <a:schemeClr val="bg1"/>
-                </a:solidFill>
-              </a:rPr>
-              <a:t>貯留層</a:t>
-            </a:r>
-          </a:p>
-        </p:txBody>
-      </p:sp>
-      <p:sp>
-        <p:nvSpPr>
-          <p:cNvPr id="31" name="正方形/長方形 30">
-            <a:extLst>
-              <a:ext uri="{FF2B5EF4-FFF2-40B4-BE49-F238E27FC236}">
-                <a16:creationId xmlns:a16="http://schemas.microsoft.com/office/drawing/2014/main" id="{CEF3A8A0-9C75-4ED9-83D7-A688383B8BBC}"/>
-              </a:ext>
-            </a:extLst>
-          </p:cNvPr>
-          <p:cNvSpPr/>
-          <p:nvPr/>
-        </p:nvSpPr>
-        <p:spPr>
-          <a:xfrm>
-            <a:off x="2293675" y="3808145"/>
-            <a:ext cx="3768471" cy="939558"/>
-          </a:xfrm>
-          <a:prstGeom prst="rect">
-            <a:avLst/>
-          </a:prstGeom>
-          <a:solidFill>
-            <a:schemeClr val="accent2"/>
-          </a:solidFill>
-          <a:ln w="19050">
-            <a:noFill/>
-            <a:headEnd type="none" w="med" len="med"/>
-            <a:tailEnd type="none" w="med" len="med"/>
-          </a:ln>
-        </p:spPr>
-        <p:style>
-          <a:lnRef idx="1">
-            <a:schemeClr val="accent1"/>
-          </a:lnRef>
-          <a:fillRef idx="0">
-            <a:schemeClr val="accent1"/>
-          </a:fillRef>
-          <a:effectRef idx="0">
-            <a:schemeClr val="accent1"/>
-          </a:effectRef>
-          <a:fontRef idx="minor">
-            <a:schemeClr val="tx1"/>
-          </a:fontRef>
-        </p:style>
-        <p:txBody>
-          <a:bodyPr rtlCol="0" anchor="ctr"/>
-          <a:lstStyle/>
-          <a:p>
-            <a:pPr algn="ctr"/>
-            <a:r>
-              <a:rPr kumimoji="1" lang="ja-JP" altLang="en-US" sz="2400" b="1" dirty="0">
-                <a:solidFill>
-                  <a:schemeClr val="bg1"/>
-                </a:solidFill>
-              </a:rPr>
-              <a:t>ガス</a:t>
-            </a:r>
-            <a:r>
-              <a:rPr kumimoji="1" lang="en-US" altLang="ja-JP" sz="2400" b="1" dirty="0">
-                <a:solidFill>
-                  <a:schemeClr val="bg1"/>
-                </a:solidFill>
-              </a:rPr>
-              <a:t>@</a:t>
-            </a:r>
-            <a:r>
-              <a:rPr lang="ja-JP" altLang="en-US" sz="2400" b="1" dirty="0">
-                <a:solidFill>
-                  <a:schemeClr val="bg1"/>
-                </a:solidFill>
-              </a:rPr>
-              <a:t>地表</a:t>
-            </a:r>
-            <a:endParaRPr kumimoji="1" lang="ja-JP" altLang="en-US" sz="2400" b="1" dirty="0">
-              <a:solidFill>
-                <a:schemeClr val="bg1"/>
-              </a:solidFill>
-            </a:endParaRPr>
-          </a:p>
-        </p:txBody>
-      </p:sp>
-    </p:spTree>
-    <p:extLst>
-      <p:ext uri="{BB962C8B-B14F-4D97-AF65-F5344CB8AC3E}">
-        <p14:creationId xmlns:p14="http://schemas.microsoft.com/office/powerpoint/2010/main" val="282841257"/>
-      </p:ext>
-    </p:extLst>
-  </p:cSld>
-  <p:clrMapOvr>
-    <a:masterClrMapping/>
-  </p:clrMapOvr>
-</p:sld>
-</file>
-
-<file path=ppt/slides/slide12.xml><?xml version="1.0" encoding="utf-8"?>
-<p:sld xmlns:a="http://schemas.openxmlformats.org/drawingml/2006/main" xmlns:r="http://schemas.openxmlformats.org/officeDocument/2006/relationships" xmlns:p="http://schemas.openxmlformats.org/presentationml/2006/main">
-  <p:cSld>
-    <p:spTree>
-      <p:nvGrpSpPr>
-        <p:cNvPr id="1" name=""/>
-        <p:cNvGrpSpPr/>
-        <p:nvPr/>
-      </p:nvGrpSpPr>
-      <p:grpSpPr>
-        <a:xfrm>
-          <a:off x="0" y="0"/>
-          <a:ext cx="0" cy="0"/>
-          <a:chOff x="0" y="0"/>
-          <a:chExt cx="0" cy="0"/>
-        </a:xfrm>
-      </p:grpSpPr>
       <p:pic>
         <p:nvPicPr>
           <p:cNvPr id="11" name="コンテンツ プレースホルダー 10">
@@ -6620,7 +5249,7 @@
 </p:sld>
 </file>
 
-<file path=ppt/slides/slide13.xml><?xml version="1.0" encoding="utf-8"?>
+<file path=ppt/slides/slide12.xml><?xml version="1.0" encoding="utf-8"?>
 <p:sld xmlns:a="http://schemas.openxmlformats.org/drawingml/2006/main" xmlns:r="http://schemas.openxmlformats.org/officeDocument/2006/relationships" xmlns:p="http://schemas.openxmlformats.org/presentationml/2006/main">
   <p:cSld>
     <p:spTree>
@@ -7595,7 +6224,7 @@
 </p:sld>
 </file>
 
-<file path=ppt/slides/slide14.xml><?xml version="1.0" encoding="utf-8"?>
+<file path=ppt/slides/slide13.xml><?xml version="1.0" encoding="utf-8"?>
 <p:sld xmlns:a="http://schemas.openxmlformats.org/drawingml/2006/main" xmlns:r="http://schemas.openxmlformats.org/officeDocument/2006/relationships" xmlns:p="http://schemas.openxmlformats.org/presentationml/2006/main">
   <p:cSld>
     <p:spTree>
@@ -7829,7 +6458,7 @@
 </p:sld>
 </file>
 
-<file path=ppt/slides/slide15.xml><?xml version="1.0" encoding="utf-8"?>
+<file path=ppt/slides/slide14.xml><?xml version="1.0" encoding="utf-8"?>
 <p:sld xmlns:a="http://schemas.openxmlformats.org/drawingml/2006/main" xmlns:r="http://schemas.openxmlformats.org/officeDocument/2006/relationships" xmlns:p="http://schemas.openxmlformats.org/presentationml/2006/main">
   <p:cSld>
     <p:spTree>
@@ -8243,7 +6872,7 @@
 </p:sld>
 </file>
 
-<file path=ppt/slides/slide16.xml><?xml version="1.0" encoding="utf-8"?>
+<file path=ppt/slides/slide15.xml><?xml version="1.0" encoding="utf-8"?>
 <p:sld xmlns:a="http://schemas.openxmlformats.org/drawingml/2006/main" xmlns:r="http://schemas.openxmlformats.org/officeDocument/2006/relationships" xmlns:p="http://schemas.openxmlformats.org/presentationml/2006/main">
   <p:cSld>
     <p:spTree>
@@ -9157,7 +7786,7 @@
 </p:sld>
 </file>
 
-<file path=ppt/slides/slide17.xml><?xml version="1.0" encoding="utf-8"?>
+<file path=ppt/slides/slide16.xml><?xml version="1.0" encoding="utf-8"?>
 <p:sld xmlns:a="http://schemas.openxmlformats.org/drawingml/2006/main" xmlns:r="http://schemas.openxmlformats.org/officeDocument/2006/relationships" xmlns:p="http://schemas.openxmlformats.org/presentationml/2006/main">
   <p:cSld>
     <p:spTree>
@@ -9638,7 +8267,7 @@
 </p:sld>
 </file>
 
-<file path=ppt/slides/slide18.xml><?xml version="1.0" encoding="utf-8"?>
+<file path=ppt/slides/slide17.xml><?xml version="1.0" encoding="utf-8"?>
 <p:sld xmlns:a="http://schemas.openxmlformats.org/drawingml/2006/main" xmlns:r="http://schemas.openxmlformats.org/officeDocument/2006/relationships" xmlns:p="http://schemas.openxmlformats.org/presentationml/2006/main">
   <p:cSld>
     <p:spTree>
